--- a/MovieInfoAPP_Presentation.pptx
+++ b/MovieInfoAPP_Presentation.pptx
@@ -5,15 +5,16 @@
     <p:sldMasterId id="2147483648" r:id="rId1"/>
   </p:sldMasterIdLst>
   <p:sldIdLst>
-    <p:sldId id="256" r:id="rId7"/>
-    <p:sldId id="257" r:id="rId8"/>
-    <p:sldId id="258" r:id="rId9"/>
-    <p:sldId id="259" r:id="rId10"/>
-    <p:sldId id="260" r:id="rId11"/>
-    <p:sldId id="261" r:id="rId12"/>
-    <p:sldId id="262" r:id="rId13"/>
-    <p:sldId id="263" r:id="rId14"/>
-    <p:sldId id="264" r:id="rId15"/>
+    <p:sldId id="256" r:id="rId2"/>
+    <p:sldId id="257" r:id="rId3"/>
+    <p:sldId id="258" r:id="rId4"/>
+    <p:sldId id="259" r:id="rId5"/>
+    <p:sldId id="260" r:id="rId6"/>
+    <p:sldId id="261" r:id="rId7"/>
+    <p:sldId id="262" r:id="rId8"/>
+    <p:sldId id="263" r:id="rId9"/>
+    <p:sldId id="264" r:id="rId10"/>
+    <p:sldId id="265" r:id="rId11"/>
   </p:sldIdLst>
   <p:sldSz cx="9144000" cy="6858000" type="screen4x3"/>
   <p:notesSz cx="6858000" cy="9144000"/>
@@ -112,6 +113,22 @@
       </a:defRPr>
     </a:lvl9pPr>
   </p:defaultTextStyle>
+  <p:extLst>
+    <p:ext uri="{EFAFB233-063F-42B5-8137-9DF3F51BA10A}">
+      <p15:sldGuideLst xmlns:p15="http://schemas.microsoft.com/office/powerpoint/2012/main">
+        <p15:guide id="1" orient="horz" pos="2160">
+          <p15:clr>
+            <a:srgbClr val="A4A3A4"/>
+          </p15:clr>
+        </p15:guide>
+        <p15:guide id="2" pos="2880">
+          <p15:clr>
+            <a:srgbClr val="A4A3A4"/>
+          </p15:clr>
+        </p15:guide>
+      </p15:sldGuideLst>
+    </p:ext>
+  </p:extLst>
 </p:presentation>
 </file>
 
@@ -296,7 +313,7 @@
           <a:p>
             <a:fld id="{5BCAD085-E8A6-8845-BD4E-CB4CCA059FC4}" type="datetimeFigureOut">
               <a:rPr lang="en-US" smtClean="0"/>
-              <a:t>1/27/13</a:t>
+              <a:t>1/20/2025</a:t>
             </a:fld>
             <a:endParaRPr lang="en-US"/>
           </a:p>
@@ -466,7 +483,7 @@
           <a:p>
             <a:fld id="{5BCAD085-E8A6-8845-BD4E-CB4CCA059FC4}" type="datetimeFigureOut">
               <a:rPr lang="en-US" smtClean="0"/>
-              <a:t>1/27/13</a:t>
+              <a:t>1/20/2025</a:t>
             </a:fld>
             <a:endParaRPr lang="en-US"/>
           </a:p>
@@ -646,7 +663,7 @@
           <a:p>
             <a:fld id="{5BCAD085-E8A6-8845-BD4E-CB4CCA059FC4}" type="datetimeFigureOut">
               <a:rPr lang="en-US" smtClean="0"/>
-              <a:t>1/27/13</a:t>
+              <a:t>1/20/2025</a:t>
             </a:fld>
             <a:endParaRPr lang="en-US"/>
           </a:p>
@@ -816,7 +833,7 @@
           <a:p>
             <a:fld id="{5BCAD085-E8A6-8845-BD4E-CB4CCA059FC4}" type="datetimeFigureOut">
               <a:rPr lang="en-US" smtClean="0"/>
-              <a:t>1/27/13</a:t>
+              <a:t>1/20/2025</a:t>
             </a:fld>
             <a:endParaRPr lang="en-US"/>
           </a:p>
@@ -1062,7 +1079,7 @@
           <a:p>
             <a:fld id="{5BCAD085-E8A6-8845-BD4E-CB4CCA059FC4}" type="datetimeFigureOut">
               <a:rPr lang="en-US" smtClean="0"/>
-              <a:t>1/27/13</a:t>
+              <a:t>1/20/2025</a:t>
             </a:fld>
             <a:endParaRPr lang="en-US"/>
           </a:p>
@@ -1350,7 +1367,7 @@
           <a:p>
             <a:fld id="{5BCAD085-E8A6-8845-BD4E-CB4CCA059FC4}" type="datetimeFigureOut">
               <a:rPr lang="en-US" smtClean="0"/>
-              <a:t>1/27/13</a:t>
+              <a:t>1/20/2025</a:t>
             </a:fld>
             <a:endParaRPr lang="en-US"/>
           </a:p>
@@ -1772,7 +1789,7 @@
           <a:p>
             <a:fld id="{5BCAD085-E8A6-8845-BD4E-CB4CCA059FC4}" type="datetimeFigureOut">
               <a:rPr lang="en-US" smtClean="0"/>
-              <a:t>1/27/13</a:t>
+              <a:t>1/20/2025</a:t>
             </a:fld>
             <a:endParaRPr lang="en-US"/>
           </a:p>
@@ -1890,7 +1907,7 @@
           <a:p>
             <a:fld id="{5BCAD085-E8A6-8845-BD4E-CB4CCA059FC4}" type="datetimeFigureOut">
               <a:rPr lang="en-US" smtClean="0"/>
-              <a:t>1/27/13</a:t>
+              <a:t>1/20/2025</a:t>
             </a:fld>
             <a:endParaRPr lang="en-US"/>
           </a:p>
@@ -1985,7 +2002,7 @@
           <a:p>
             <a:fld id="{5BCAD085-E8A6-8845-BD4E-CB4CCA059FC4}" type="datetimeFigureOut">
               <a:rPr lang="en-US" smtClean="0"/>
-              <a:t>1/27/13</a:t>
+              <a:t>1/20/2025</a:t>
             </a:fld>
             <a:endParaRPr lang="en-US"/>
           </a:p>
@@ -2262,7 +2279,7 @@
           <a:p>
             <a:fld id="{5BCAD085-E8A6-8845-BD4E-CB4CCA059FC4}" type="datetimeFigureOut">
               <a:rPr lang="en-US" smtClean="0"/>
-              <a:t>1/27/13</a:t>
+              <a:t>1/20/2025</a:t>
             </a:fld>
             <a:endParaRPr lang="en-US"/>
           </a:p>
@@ -2515,7 +2532,7 @@
           <a:p>
             <a:fld id="{5BCAD085-E8A6-8845-BD4E-CB4CCA059FC4}" type="datetimeFigureOut">
               <a:rPr lang="en-US" smtClean="0"/>
-              <a:t>1/27/13</a:t>
+              <a:t>1/20/2025</a:t>
             </a:fld>
             <a:endParaRPr lang="en-US"/>
           </a:p>
@@ -2728,7 +2745,7 @@
           <a:p>
             <a:fld id="{5BCAD085-E8A6-8845-BD4E-CB4CCA059FC4}" type="datetimeFigureOut">
               <a:rPr lang="en-US" smtClean="0"/>
-              <a:t>1/27/13</a:t>
+              <a:t>1/20/2025</a:t>
             </a:fld>
             <a:endParaRPr lang="en-US"/>
           </a:p>
@@ -3087,7 +3104,7 @@
 </file>
 
 <file path=ppt/slides/slide1.xml><?xml version="1.0" encoding="utf-8"?>
-<p:sld xmlns:a="http://schemas.openxmlformats.org/drawingml/2006/main" xmlns:p="http://schemas.openxmlformats.org/presentationml/2006/main" xmlns:r="http://schemas.openxmlformats.org/officeDocument/2006/relationships">
+<p:sld xmlns:a="http://schemas.openxmlformats.org/drawingml/2006/main" xmlns:r="http://schemas.openxmlformats.org/officeDocument/2006/relationships" xmlns:p="http://schemas.openxmlformats.org/presentationml/2006/main">
   <p:cSld>
     <p:spTree>
       <p:nvGrpSpPr>
@@ -3095,7 +3112,14 @@
         <p:cNvGrpSpPr/>
         <p:nvPr/>
       </p:nvGrpSpPr>
-      <p:grpSpPr/>
+      <p:grpSpPr>
+        <a:xfrm>
+          <a:off x="0" y="0"/>
+          <a:ext cx="0" cy="0"/>
+          <a:chOff x="0" y="0"/>
+          <a:chExt cx="0" cy="0"/>
+        </a:xfrm>
+      </p:grpSpPr>
       <p:sp>
         <p:nvSpPr>
           <p:cNvPr id="2" name="Title 1"/>
@@ -3112,8 +3136,10 @@
           <a:lstStyle/>
           <a:p>
             <a:r>
+              <a:rPr dirty="0" err="1"/>
               <a:t>MovieInfoAPP</a:t>
             </a:r>
+            <a:endParaRPr dirty="0"/>
           </a:p>
         </p:txBody>
       </p:sp>
@@ -3133,8 +3159,42 @@
           <a:lstStyle/>
           <a:p>
             <a:r>
-              <a:t>영화 리뷰와 정보를 한눈에, MovieInfoAPP</a:t>
-            </a:r>
+              <a:rPr dirty="0" err="1"/>
+              <a:t>영화</a:t>
+            </a:r>
+            <a:r>
+              <a:rPr dirty="0"/>
+              <a:t> </a:t>
+            </a:r>
+            <a:r>
+              <a:rPr dirty="0" err="1"/>
+              <a:t>리뷰와</a:t>
+            </a:r>
+            <a:r>
+              <a:rPr dirty="0"/>
+              <a:t> </a:t>
+            </a:r>
+            <a:r>
+              <a:rPr dirty="0" err="1"/>
+              <a:t>정보를</a:t>
+            </a:r>
+            <a:r>
+              <a:rPr dirty="0"/>
+              <a:t> </a:t>
+            </a:r>
+            <a:r>
+              <a:rPr dirty="0" err="1"/>
+              <a:t>한눈에</a:t>
+            </a:r>
+            <a:r>
+              <a:rPr dirty="0"/>
+              <a:t>, </a:t>
+            </a:r>
+            <a:r>
+              <a:rPr dirty="0" err="1"/>
+              <a:t>MovieInfoAPP</a:t>
+            </a:r>
+            <a:endParaRPr dirty="0"/>
           </a:p>
         </p:txBody>
       </p:sp>
@@ -3146,8 +3206,8 @@
 </p:sld>
 </file>
 
-<file path=ppt/slides/slide2.xml><?xml version="1.0" encoding="utf-8"?>
-<p:sld xmlns:a="http://schemas.openxmlformats.org/drawingml/2006/main" xmlns:p="http://schemas.openxmlformats.org/presentationml/2006/main" xmlns:r="http://schemas.openxmlformats.org/officeDocument/2006/relationships">
+<file path=ppt/slides/slide10.xml><?xml version="1.0" encoding="utf-8"?>
+<p:sld xmlns:a="http://schemas.openxmlformats.org/drawingml/2006/main" xmlns:r="http://schemas.openxmlformats.org/officeDocument/2006/relationships" xmlns:p="http://schemas.openxmlformats.org/presentationml/2006/main">
   <p:cSld>
     <p:spTree>
       <p:nvGrpSpPr>
@@ -3155,7 +3215,137 @@
         <p:cNvGrpSpPr/>
         <p:nvPr/>
       </p:nvGrpSpPr>
-      <p:grpSpPr/>
+      <p:grpSpPr>
+        <a:xfrm>
+          <a:off x="0" y="0"/>
+          <a:ext cx="0" cy="0"/>
+          <a:chOff x="0" y="0"/>
+          <a:chExt cx="0" cy="0"/>
+        </a:xfrm>
+      </p:grpSpPr>
+      <p:sp>
+        <p:nvSpPr>
+          <p:cNvPr id="6" name="직사각형 5"/>
+          <p:cNvSpPr/>
+          <p:nvPr/>
+        </p:nvSpPr>
+        <p:spPr>
+          <a:xfrm>
+            <a:off x="914400" y="1038387"/>
+            <a:ext cx="1797804" cy="4881966"/>
+          </a:xfrm>
+          <a:prstGeom prst="rect">
+            <a:avLst/>
+          </a:prstGeom>
+          <a:noFill/>
+          <a:ln w="12700">
+            <a:solidFill>
+              <a:schemeClr val="bg1">
+                <a:lumMod val="65000"/>
+              </a:schemeClr>
+            </a:solidFill>
+            <a:prstDash val="sysDot"/>
+          </a:ln>
+        </p:spPr>
+        <p:style>
+          <a:lnRef idx="1">
+            <a:schemeClr val="accent1"/>
+          </a:lnRef>
+          <a:fillRef idx="3">
+            <a:schemeClr val="accent1"/>
+          </a:fillRef>
+          <a:effectRef idx="2">
+            <a:schemeClr val="accent1"/>
+          </a:effectRef>
+          <a:fontRef idx="minor">
+            <a:schemeClr val="lt1"/>
+          </a:fontRef>
+        </p:style>
+        <p:txBody>
+          <a:bodyPr rtlCol="0" anchor="ctr"/>
+          <a:lstStyle/>
+          <a:p>
+            <a:pPr algn="ctr"/>
+            <a:endParaRPr lang="ko-KR" altLang="en-US"/>
+          </a:p>
+        </p:txBody>
+      </p:sp>
+      <p:sp>
+        <p:nvSpPr>
+          <p:cNvPr id="7" name="TextBox 6"/>
+          <p:cNvSpPr txBox="1"/>
+          <p:nvPr/>
+        </p:nvSpPr>
+        <p:spPr>
+          <a:xfrm>
+            <a:off x="1254495" y="778639"/>
+            <a:ext cx="1117614" cy="246221"/>
+          </a:xfrm>
+          <a:prstGeom prst="rect">
+            <a:avLst/>
+          </a:prstGeom>
+          <a:noFill/>
+        </p:spPr>
+        <p:txBody>
+          <a:bodyPr wrap="none" rtlCol="0">
+            <a:spAutoFit/>
+          </a:bodyPr>
+          <a:lstStyle/>
+          <a:p>
+            <a:r>
+              <a:rPr lang="ko-KR" altLang="en-US" sz="1000" dirty="0" smtClean="0">
+                <a:solidFill>
+                  <a:schemeClr val="bg1">
+                    <a:lumMod val="50000"/>
+                  </a:schemeClr>
+                </a:solidFill>
+                <a:latin typeface="Arial" panose="020B0604020202020204" pitchFamily="34" charset="0"/>
+                <a:cs typeface="Arial" panose="020B0604020202020204" pitchFamily="34" charset="0"/>
+              </a:rPr>
+              <a:t>클라이언트 영역</a:t>
+            </a:r>
+            <a:endParaRPr lang="ko-KR" altLang="en-US" sz="1000" dirty="0">
+              <a:solidFill>
+                <a:schemeClr val="bg1">
+                  <a:lumMod val="50000"/>
+                </a:schemeClr>
+              </a:solidFill>
+              <a:latin typeface="Arial" panose="020B0604020202020204" pitchFamily="34" charset="0"/>
+              <a:cs typeface="Arial" panose="020B0604020202020204" pitchFamily="34" charset="0"/>
+            </a:endParaRPr>
+          </a:p>
+        </p:txBody>
+      </p:sp>
+    </p:spTree>
+    <p:extLst>
+      <p:ext uri="{BB962C8B-B14F-4D97-AF65-F5344CB8AC3E}">
+        <p14:creationId xmlns:p14="http://schemas.microsoft.com/office/powerpoint/2010/main" val="1031637692"/>
+      </p:ext>
+    </p:extLst>
+  </p:cSld>
+  <p:clrMapOvr>
+    <a:masterClrMapping/>
+  </p:clrMapOvr>
+</p:sld>
+</file>
+
+<file path=ppt/slides/slide2.xml><?xml version="1.0" encoding="utf-8"?>
+<p:sld xmlns:a="http://schemas.openxmlformats.org/drawingml/2006/main" xmlns:r="http://schemas.openxmlformats.org/officeDocument/2006/relationships" xmlns:p="http://schemas.openxmlformats.org/presentationml/2006/main">
+  <p:cSld>
+    <p:spTree>
+      <p:nvGrpSpPr>
+        <p:cNvPr id="1" name=""/>
+        <p:cNvGrpSpPr/>
+        <p:nvPr/>
+      </p:nvGrpSpPr>
+      <p:grpSpPr>
+        <a:xfrm>
+          <a:off x="0" y="0"/>
+          <a:ext cx="0" cy="0"/>
+          <a:chOff x="0" y="0"/>
+          <a:chExt cx="0" cy="0"/>
+        </a:xfrm>
+      </p:grpSpPr>
       <p:sp>
         <p:nvSpPr>
           <p:cNvPr id="2" name="Title 1"/>
@@ -3216,7 +3406,9 @@
               <a:t>5. YouTube API를 활용한 예고편 시청</a:t>
             </a:r>
           </a:p>
-          <a:p/>
+          <a:p>
+            <a:endParaRPr/>
+          </a:p>
         </p:txBody>
       </p:sp>
     </p:spTree>
@@ -3228,7 +3420,7 @@
 </file>
 
 <file path=ppt/slides/slide3.xml><?xml version="1.0" encoding="utf-8"?>
-<p:sld xmlns:a="http://schemas.openxmlformats.org/drawingml/2006/main" xmlns:p="http://schemas.openxmlformats.org/presentationml/2006/main" xmlns:r="http://schemas.openxmlformats.org/officeDocument/2006/relationships">
+<p:sld xmlns:a="http://schemas.openxmlformats.org/drawingml/2006/main" xmlns:r="http://schemas.openxmlformats.org/officeDocument/2006/relationships" xmlns:p="http://schemas.openxmlformats.org/presentationml/2006/main">
   <p:cSld>
     <p:spTree>
       <p:nvGrpSpPr>
@@ -3236,7 +3428,14 @@
         <p:cNvGrpSpPr/>
         <p:nvPr/>
       </p:nvGrpSpPr>
-      <p:grpSpPr/>
+      <p:grpSpPr>
+        <a:xfrm>
+          <a:off x="0" y="0"/>
+          <a:ext cx="0" cy="0"/>
+          <a:chOff x="0" y="0"/>
+          <a:chExt cx="0" cy="0"/>
+        </a:xfrm>
+      </p:grpSpPr>
       <p:sp>
         <p:nvSpPr>
           <p:cNvPr id="2" name="Title 1"/>
@@ -3308,7 +3507,7 @@
 </file>
 
 <file path=ppt/slides/slide4.xml><?xml version="1.0" encoding="utf-8"?>
-<p:sld xmlns:a="http://schemas.openxmlformats.org/drawingml/2006/main" xmlns:p="http://schemas.openxmlformats.org/presentationml/2006/main" xmlns:r="http://schemas.openxmlformats.org/officeDocument/2006/relationships">
+<p:sld xmlns:a="http://schemas.openxmlformats.org/drawingml/2006/main" xmlns:r="http://schemas.openxmlformats.org/officeDocument/2006/relationships" xmlns:p="http://schemas.openxmlformats.org/presentationml/2006/main">
   <p:cSld>
     <p:spTree>
       <p:nvGrpSpPr>
@@ -3316,7 +3515,14 @@
         <p:cNvGrpSpPr/>
         <p:nvPr/>
       </p:nvGrpSpPr>
-      <p:grpSpPr/>
+      <p:grpSpPr>
+        <a:xfrm>
+          <a:off x="0" y="0"/>
+          <a:ext cx="0" cy="0"/>
+          <a:chOff x="0" y="0"/>
+          <a:chExt cx="0" cy="0"/>
+        </a:xfrm>
+      </p:grpSpPr>
       <p:sp>
         <p:nvSpPr>
           <p:cNvPr id="2" name="Title 1"/>
@@ -3354,28 +3560,55 @@
           <a:lstStyle/>
           <a:p>
             <a:r>
+              <a:rPr dirty="0"/>
               <a:t>Backend: Python, Flask</a:t>
             </a:r>
           </a:p>
           <a:p>
             <a:r>
+              <a:rPr dirty="0"/>
               <a:t>Frontend: HTML, CSS, JavaScript</a:t>
             </a:r>
           </a:p>
           <a:p>
             <a:r>
+              <a:rPr dirty="0"/>
               <a:t>Database: MySQL</a:t>
             </a:r>
           </a:p>
           <a:p>
             <a:r>
-              <a:t>Libraries: Pandas, Requests, BeautifulSoup</a:t>
-            </a:r>
-          </a:p>
-          <a:p>
-            <a:r>
-              <a:t>APIs: Kakaomap API, YouTube API</a:t>
-            </a:r>
+              <a:rPr dirty="0"/>
+              <a:t>Libraries: Pandas, Requests, </a:t>
+            </a:r>
+            <a:r>
+              <a:rPr dirty="0" err="1"/>
+              <a:t>BeautifulSoup</a:t>
+            </a:r>
+            <a:endParaRPr dirty="0"/>
+          </a:p>
+          <a:p>
+            <a:r>
+              <a:rPr dirty="0"/>
+              <a:t>APIs: </a:t>
+            </a:r>
+            <a:r>
+              <a:rPr dirty="0" err="1"/>
+              <a:t>Kakaomap</a:t>
+            </a:r>
+            <a:r>
+              <a:rPr dirty="0"/>
+              <a:t> API, YouTube </a:t>
+            </a:r>
+            <a:r>
+              <a:rPr dirty="0" smtClean="0"/>
+              <a:t>API</a:t>
+            </a:r>
+            <a:r>
+              <a:rPr lang="en-US" dirty="0" smtClean="0"/>
+              <a:t>, </a:t>
+            </a:r>
+            <a:endParaRPr dirty="0"/>
           </a:p>
         </p:txBody>
       </p:sp>
@@ -3388,7 +3621,7 @@
 </file>
 
 <file path=ppt/slides/slide5.xml><?xml version="1.0" encoding="utf-8"?>
-<p:sld xmlns:a="http://schemas.openxmlformats.org/drawingml/2006/main" xmlns:p="http://schemas.openxmlformats.org/presentationml/2006/main" xmlns:r="http://schemas.openxmlformats.org/officeDocument/2006/relationships">
+<p:sld xmlns:a="http://schemas.openxmlformats.org/drawingml/2006/main" xmlns:r="http://schemas.openxmlformats.org/officeDocument/2006/relationships" xmlns:p="http://schemas.openxmlformats.org/presentationml/2006/main">
   <p:cSld>
     <p:spTree>
       <p:nvGrpSpPr>
@@ -3396,7 +3629,14 @@
         <p:cNvGrpSpPr/>
         <p:nvPr/>
       </p:nvGrpSpPr>
-      <p:grpSpPr/>
+      <p:grpSpPr>
+        <a:xfrm>
+          <a:off x="0" y="0"/>
+          <a:ext cx="0" cy="0"/>
+          <a:chOff x="0" y="0"/>
+          <a:chExt cx="0" cy="0"/>
+        </a:xfrm>
+      </p:grpSpPr>
       <p:sp>
         <p:nvSpPr>
           <p:cNvPr id="2" name="Title 1"/>
@@ -3430,7 +3670,9 @@
         </p:nvSpPr>
         <p:spPr/>
         <p:txBody>
-          <a:bodyPr/>
+          <a:bodyPr>
+            <a:normAutofit fontScale="70000" lnSpcReduction="20000"/>
+          </a:bodyPr>
           <a:lstStyle/>
           <a:p>
             <a:r>
@@ -3483,7 +3725,7 @@
 </file>
 
 <file path=ppt/slides/slide6.xml><?xml version="1.0" encoding="utf-8"?>
-<p:sld xmlns:a="http://schemas.openxmlformats.org/drawingml/2006/main" xmlns:p="http://schemas.openxmlformats.org/presentationml/2006/main" xmlns:r="http://schemas.openxmlformats.org/officeDocument/2006/relationships">
+<p:sld xmlns:a="http://schemas.openxmlformats.org/drawingml/2006/main" xmlns:r="http://schemas.openxmlformats.org/officeDocument/2006/relationships" xmlns:p="http://schemas.openxmlformats.org/presentationml/2006/main">
   <p:cSld>
     <p:spTree>
       <p:nvGrpSpPr>
@@ -3491,7 +3733,14 @@
         <p:cNvGrpSpPr/>
         <p:nvPr/>
       </p:nvGrpSpPr>
-      <p:grpSpPr/>
+      <p:grpSpPr>
+        <a:xfrm>
+          <a:off x="0" y="0"/>
+          <a:ext cx="0" cy="0"/>
+          <a:chOff x="0" y="0"/>
+          <a:chExt cx="0" cy="0"/>
+        </a:xfrm>
+      </p:grpSpPr>
       <p:sp>
         <p:nvSpPr>
           <p:cNvPr id="2" name="Title 1"/>
@@ -3568,7 +3817,7 @@
 </file>
 
 <file path=ppt/slides/slide7.xml><?xml version="1.0" encoding="utf-8"?>
-<p:sld xmlns:a="http://schemas.openxmlformats.org/drawingml/2006/main" xmlns:p="http://schemas.openxmlformats.org/presentationml/2006/main" xmlns:r="http://schemas.openxmlformats.org/officeDocument/2006/relationships">
+<p:sld xmlns:a="http://schemas.openxmlformats.org/drawingml/2006/main" xmlns:r="http://schemas.openxmlformats.org/officeDocument/2006/relationships" xmlns:p="http://schemas.openxmlformats.org/presentationml/2006/main">
   <p:cSld>
     <p:spTree>
       <p:nvGrpSpPr>
@@ -3576,7 +3825,14 @@
         <p:cNvGrpSpPr/>
         <p:nvPr/>
       </p:nvGrpSpPr>
-      <p:grpSpPr/>
+      <p:grpSpPr>
+        <a:xfrm>
+          <a:off x="0" y="0"/>
+          <a:ext cx="0" cy="0"/>
+          <a:chOff x="0" y="0"/>
+          <a:chExt cx="0" cy="0"/>
+        </a:xfrm>
+      </p:grpSpPr>
       <p:sp>
         <p:nvSpPr>
           <p:cNvPr id="2" name="Title 1"/>
@@ -3610,7 +3866,9 @@
         </p:nvSpPr>
         <p:spPr/>
         <p:txBody>
-          <a:bodyPr/>
+          <a:bodyPr>
+            <a:normAutofit fontScale="92500"/>
+          </a:bodyPr>
           <a:lstStyle/>
           <a:p>
             <a:r>
@@ -3663,7 +3921,7 @@
 </file>
 
 <file path=ppt/slides/slide8.xml><?xml version="1.0" encoding="utf-8"?>
-<p:sld xmlns:a="http://schemas.openxmlformats.org/drawingml/2006/main" xmlns:p="http://schemas.openxmlformats.org/presentationml/2006/main" xmlns:r="http://schemas.openxmlformats.org/officeDocument/2006/relationships">
+<p:sld xmlns:a="http://schemas.openxmlformats.org/drawingml/2006/main" xmlns:r="http://schemas.openxmlformats.org/officeDocument/2006/relationships" xmlns:p="http://schemas.openxmlformats.org/presentationml/2006/main">
   <p:cSld>
     <p:spTree>
       <p:nvGrpSpPr>
@@ -3671,7 +3929,14 @@
         <p:cNvGrpSpPr/>
         <p:nvPr/>
       </p:nvGrpSpPr>
-      <p:grpSpPr/>
+      <p:grpSpPr>
+        <a:xfrm>
+          <a:off x="0" y="0"/>
+          <a:ext cx="0" cy="0"/>
+          <a:chOff x="0" y="0"/>
+          <a:chExt cx="0" cy="0"/>
+        </a:xfrm>
+      </p:grpSpPr>
       <p:sp>
         <p:nvSpPr>
           <p:cNvPr id="2" name="Title 1"/>
@@ -3748,7 +4013,7 @@
 </file>
 
 <file path=ppt/slides/slide9.xml><?xml version="1.0" encoding="utf-8"?>
-<p:sld xmlns:a="http://schemas.openxmlformats.org/drawingml/2006/main" xmlns:p="http://schemas.openxmlformats.org/presentationml/2006/main" xmlns:r="http://schemas.openxmlformats.org/officeDocument/2006/relationships">
+<p:sld xmlns:a="http://schemas.openxmlformats.org/drawingml/2006/main" xmlns:r="http://schemas.openxmlformats.org/officeDocument/2006/relationships" xmlns:p="http://schemas.openxmlformats.org/presentationml/2006/main">
   <p:cSld>
     <p:spTree>
       <p:nvGrpSpPr>
@@ -3756,7 +4021,14 @@
         <p:cNvGrpSpPr/>
         <p:nvPr/>
       </p:nvGrpSpPr>
-      <p:grpSpPr/>
+      <p:grpSpPr>
+        <a:xfrm>
+          <a:off x="0" y="0"/>
+          <a:ext cx="0" cy="0"/>
+          <a:chOff x="0" y="0"/>
+          <a:chExt cx="0" cy="0"/>
+        </a:xfrm>
+      </p:grpSpPr>
       <p:sp>
         <p:nvSpPr>
           <p:cNvPr id="2" name="Title 1"/>

--- a/MovieInfoAPP_Presentation.pptx
+++ b/MovieInfoAPP_Presentation.pptx
@@ -2,8 +2,11 @@
 <file path=ppt/presentation.xml><?xml version="1.0" encoding="utf-8"?>
 <p:presentation xmlns:a="http://schemas.openxmlformats.org/drawingml/2006/main" xmlns:r="http://schemas.openxmlformats.org/officeDocument/2006/relationships" xmlns:p="http://schemas.openxmlformats.org/presentationml/2006/main" saveSubsetFonts="1" autoCompressPictures="0">
   <p:sldMasterIdLst>
-    <p:sldMasterId id="2147483648" r:id="rId1"/>
+    <p:sldMasterId id="2147483672" r:id="rId1"/>
   </p:sldMasterIdLst>
+  <p:notesMasterIdLst>
+    <p:notesMasterId r:id="rId19"/>
+  </p:notesMasterIdLst>
   <p:sldIdLst>
     <p:sldId id="256" r:id="rId2"/>
     <p:sldId id="257" r:id="rId3"/>
@@ -14,15 +17,22 @@
     <p:sldId id="262" r:id="rId8"/>
     <p:sldId id="263" r:id="rId9"/>
     <p:sldId id="264" r:id="rId10"/>
-    <p:sldId id="265" r:id="rId11"/>
+    <p:sldId id="293" r:id="rId11"/>
+    <p:sldId id="271" r:id="rId12"/>
+    <p:sldId id="270" r:id="rId13"/>
+    <p:sldId id="266" r:id="rId14"/>
+    <p:sldId id="267" r:id="rId15"/>
+    <p:sldId id="268" r:id="rId16"/>
+    <p:sldId id="269" r:id="rId17"/>
+    <p:sldId id="265" r:id="rId18"/>
   </p:sldIdLst>
   <p:sldSz cx="9144000" cy="6858000" type="screen4x3"/>
   <p:notesSz cx="6858000" cy="9144000"/>
   <p:defaultTextStyle>
     <a:defPPr>
-      <a:defRPr lang="en-US"/>
+      <a:defRPr lang="ko-KR"/>
     </a:defPPr>
-    <a:lvl1pPr marL="0" algn="l" defTabSz="457200" rtl="0" eaLnBrk="1" latinLnBrk="0" hangingPunct="1">
+    <a:lvl1pPr marL="0" algn="l" defTabSz="914400" rtl="0" eaLnBrk="1" latinLnBrk="1" hangingPunct="1">
       <a:defRPr sz="1800" kern="1200">
         <a:solidFill>
           <a:schemeClr val="tx1"/>
@@ -32,7 +42,7 @@
         <a:cs typeface="+mn-cs"/>
       </a:defRPr>
     </a:lvl1pPr>
-    <a:lvl2pPr marL="457200" algn="l" defTabSz="457200" rtl="0" eaLnBrk="1" latinLnBrk="0" hangingPunct="1">
+    <a:lvl2pPr marL="457200" algn="l" defTabSz="914400" rtl="0" eaLnBrk="1" latinLnBrk="1" hangingPunct="1">
       <a:defRPr sz="1800" kern="1200">
         <a:solidFill>
           <a:schemeClr val="tx1"/>
@@ -42,7 +52,7 @@
         <a:cs typeface="+mn-cs"/>
       </a:defRPr>
     </a:lvl2pPr>
-    <a:lvl3pPr marL="914400" algn="l" defTabSz="457200" rtl="0" eaLnBrk="1" latinLnBrk="0" hangingPunct="1">
+    <a:lvl3pPr marL="914400" algn="l" defTabSz="914400" rtl="0" eaLnBrk="1" latinLnBrk="1" hangingPunct="1">
       <a:defRPr sz="1800" kern="1200">
         <a:solidFill>
           <a:schemeClr val="tx1"/>
@@ -52,7 +62,7 @@
         <a:cs typeface="+mn-cs"/>
       </a:defRPr>
     </a:lvl3pPr>
-    <a:lvl4pPr marL="1371600" algn="l" defTabSz="457200" rtl="0" eaLnBrk="1" latinLnBrk="0" hangingPunct="1">
+    <a:lvl4pPr marL="1371600" algn="l" defTabSz="914400" rtl="0" eaLnBrk="1" latinLnBrk="1" hangingPunct="1">
       <a:defRPr sz="1800" kern="1200">
         <a:solidFill>
           <a:schemeClr val="tx1"/>
@@ -62,7 +72,7 @@
         <a:cs typeface="+mn-cs"/>
       </a:defRPr>
     </a:lvl4pPr>
-    <a:lvl5pPr marL="1828800" algn="l" defTabSz="457200" rtl="0" eaLnBrk="1" latinLnBrk="0" hangingPunct="1">
+    <a:lvl5pPr marL="1828800" algn="l" defTabSz="914400" rtl="0" eaLnBrk="1" latinLnBrk="1" hangingPunct="1">
       <a:defRPr sz="1800" kern="1200">
         <a:solidFill>
           <a:schemeClr val="tx1"/>
@@ -72,7 +82,7 @@
         <a:cs typeface="+mn-cs"/>
       </a:defRPr>
     </a:lvl5pPr>
-    <a:lvl6pPr marL="2286000" algn="l" defTabSz="457200" rtl="0" eaLnBrk="1" latinLnBrk="0" hangingPunct="1">
+    <a:lvl6pPr marL="2286000" algn="l" defTabSz="914400" rtl="0" eaLnBrk="1" latinLnBrk="1" hangingPunct="1">
       <a:defRPr sz="1800" kern="1200">
         <a:solidFill>
           <a:schemeClr val="tx1"/>
@@ -82,7 +92,7 @@
         <a:cs typeface="+mn-cs"/>
       </a:defRPr>
     </a:lvl6pPr>
-    <a:lvl7pPr marL="2743200" algn="l" defTabSz="457200" rtl="0" eaLnBrk="1" latinLnBrk="0" hangingPunct="1">
+    <a:lvl7pPr marL="2743200" algn="l" defTabSz="914400" rtl="0" eaLnBrk="1" latinLnBrk="1" hangingPunct="1">
       <a:defRPr sz="1800" kern="1200">
         <a:solidFill>
           <a:schemeClr val="tx1"/>
@@ -92,7 +102,7 @@
         <a:cs typeface="+mn-cs"/>
       </a:defRPr>
     </a:lvl7pPr>
-    <a:lvl8pPr marL="3200400" algn="l" defTabSz="457200" rtl="0" eaLnBrk="1" latinLnBrk="0" hangingPunct="1">
+    <a:lvl8pPr marL="3200400" algn="l" defTabSz="914400" rtl="0" eaLnBrk="1" latinLnBrk="1" hangingPunct="1">
       <a:defRPr sz="1800" kern="1200">
         <a:solidFill>
           <a:schemeClr val="tx1"/>
@@ -102,7 +112,7 @@
         <a:cs typeface="+mn-cs"/>
       </a:defRPr>
     </a:lvl8pPr>
-    <a:lvl9pPr marL="3657600" algn="l" defTabSz="457200" rtl="0" eaLnBrk="1" latinLnBrk="0" hangingPunct="1">
+    <a:lvl9pPr marL="3657600" algn="l" defTabSz="914400" rtl="0" eaLnBrk="1" latinLnBrk="1" hangingPunct="1">
       <a:defRPr sz="1800" kern="1200">
         <a:solidFill>
           <a:schemeClr val="tx1"/>
@@ -132,9 +142,14 @@
 </p:presentation>
 </file>
 
-<file path=ppt/slideLayouts/slideLayout1.xml><?xml version="1.0" encoding="utf-8"?>
-<p:sldLayout xmlns:a="http://schemas.openxmlformats.org/drawingml/2006/main" xmlns:r="http://schemas.openxmlformats.org/officeDocument/2006/relationships" xmlns:p="http://schemas.openxmlformats.org/presentationml/2006/main" type="title" preserve="1">
-  <p:cSld name="Title Slide">
+<file path=ppt/notesMasters/notesMaster1.xml><?xml version="1.0" encoding="utf-8"?>
+<p:notesMaster xmlns:a="http://schemas.openxmlformats.org/drawingml/2006/main" xmlns:r="http://schemas.openxmlformats.org/officeDocument/2006/relationships" xmlns:p="http://schemas.openxmlformats.org/presentationml/2006/main">
+  <p:cSld>
+    <p:bg>
+      <p:bgRef idx="1001">
+        <a:schemeClr val="bg1"/>
+      </p:bgRef>
+    </p:bg>
     <p:spTree>
       <p:nvGrpSpPr>
         <p:cNvPr id="1" name=""/>
@@ -151,232 +166,334 @@
       </p:grpSpPr>
       <p:sp>
         <p:nvSpPr>
-          <p:cNvPr id="2" name="Title 1"/>
-          <p:cNvSpPr>
-            <a:spLocks noGrp="1"/>
-          </p:cNvSpPr>
-          <p:nvPr>
-            <p:ph type="ctrTitle"/>
+          <p:cNvPr id="2" name="머리글 개체 틀 1"/>
+          <p:cNvSpPr>
+            <a:spLocks noGrp="1"/>
+          </p:cNvSpPr>
+          <p:nvPr>
+            <p:ph type="hdr" sz="quarter"/>
           </p:nvPr>
         </p:nvSpPr>
         <p:spPr>
           <a:xfrm>
-            <a:off x="685800" y="2130425"/>
-            <a:ext cx="7772400" cy="1470025"/>
+            <a:off x="0" y="0"/>
+            <a:ext cx="2971800" cy="458788"/>
           </a:xfrm>
+          <a:prstGeom prst="rect">
+            <a:avLst/>
+          </a:prstGeom>
         </p:spPr>
         <p:txBody>
-          <a:bodyPr/>
-          <a:lstStyle/>
-          <a:p>
-            <a:r>
-              <a:rPr lang="en-US" smtClean="0"/>
-              <a:t>Click to edit Master title style</a:t>
-            </a:r>
-            <a:endParaRPr lang="en-US"/>
-          </a:p>
-        </p:txBody>
-      </p:sp>
-      <p:sp>
-        <p:nvSpPr>
-          <p:cNvPr id="3" name="Subtitle 2"/>
-          <p:cNvSpPr>
-            <a:spLocks noGrp="1"/>
-          </p:cNvSpPr>
-          <p:nvPr>
-            <p:ph type="subTitle" idx="1"/>
+          <a:bodyPr vert="horz" lIns="91440" tIns="45720" rIns="91440" bIns="45720" rtlCol="0"/>
+          <a:lstStyle>
+            <a:lvl1pPr algn="l">
+              <a:defRPr sz="1200"/>
+            </a:lvl1pPr>
+          </a:lstStyle>
+          <a:p>
+            <a:endParaRPr lang="ko-KR" altLang="en-US"/>
+          </a:p>
+        </p:txBody>
+      </p:sp>
+      <p:sp>
+        <p:nvSpPr>
+          <p:cNvPr id="3" name="날짜 개체 틀 2"/>
+          <p:cNvSpPr>
+            <a:spLocks noGrp="1"/>
+          </p:cNvSpPr>
+          <p:nvPr>
+            <p:ph type="dt" idx="1"/>
           </p:nvPr>
         </p:nvSpPr>
         <p:spPr>
           <a:xfrm>
-            <a:off x="1371600" y="3886200"/>
-            <a:ext cx="6400800" cy="1752600"/>
+            <a:off x="3884613" y="0"/>
+            <a:ext cx="2971800" cy="458788"/>
           </a:xfrm>
+          <a:prstGeom prst="rect">
+            <a:avLst/>
+          </a:prstGeom>
         </p:spPr>
         <p:txBody>
-          <a:bodyPr/>
+          <a:bodyPr vert="horz" lIns="91440" tIns="45720" rIns="91440" bIns="45720" rtlCol="0"/>
           <a:lstStyle>
-            <a:lvl1pPr marL="0" indent="0" algn="ctr">
-              <a:buNone/>
-              <a:defRPr>
-                <a:solidFill>
-                  <a:schemeClr val="tx1">
-                    <a:tint val="75000"/>
-                  </a:schemeClr>
-                </a:solidFill>
-              </a:defRPr>
+            <a:lvl1pPr algn="r">
+              <a:defRPr sz="1200"/>
             </a:lvl1pPr>
-            <a:lvl2pPr marL="457200" indent="0" algn="ctr">
-              <a:buNone/>
-              <a:defRPr>
-                <a:solidFill>
-                  <a:schemeClr val="tx1">
-                    <a:tint val="75000"/>
-                  </a:schemeClr>
-                </a:solidFill>
-              </a:defRPr>
-            </a:lvl2pPr>
-            <a:lvl3pPr marL="914400" indent="0" algn="ctr">
-              <a:buNone/>
-              <a:defRPr>
-                <a:solidFill>
-                  <a:schemeClr val="tx1">
-                    <a:tint val="75000"/>
-                  </a:schemeClr>
-                </a:solidFill>
-              </a:defRPr>
-            </a:lvl3pPr>
-            <a:lvl4pPr marL="1371600" indent="0" algn="ctr">
-              <a:buNone/>
-              <a:defRPr>
-                <a:solidFill>
-                  <a:schemeClr val="tx1">
-                    <a:tint val="75000"/>
-                  </a:schemeClr>
-                </a:solidFill>
-              </a:defRPr>
-            </a:lvl4pPr>
-            <a:lvl5pPr marL="1828800" indent="0" algn="ctr">
-              <a:buNone/>
-              <a:defRPr>
-                <a:solidFill>
-                  <a:schemeClr val="tx1">
-                    <a:tint val="75000"/>
-                  </a:schemeClr>
-                </a:solidFill>
-              </a:defRPr>
-            </a:lvl5pPr>
-            <a:lvl6pPr marL="2286000" indent="0" algn="ctr">
-              <a:buNone/>
-              <a:defRPr>
-                <a:solidFill>
-                  <a:schemeClr val="tx1">
-                    <a:tint val="75000"/>
-                  </a:schemeClr>
-                </a:solidFill>
-              </a:defRPr>
-            </a:lvl6pPr>
-            <a:lvl7pPr marL="2743200" indent="0" algn="ctr">
-              <a:buNone/>
-              <a:defRPr>
-                <a:solidFill>
-                  <a:schemeClr val="tx1">
-                    <a:tint val="75000"/>
-                  </a:schemeClr>
-                </a:solidFill>
-              </a:defRPr>
-            </a:lvl7pPr>
-            <a:lvl8pPr marL="3200400" indent="0" algn="ctr">
-              <a:buNone/>
-              <a:defRPr>
-                <a:solidFill>
-                  <a:schemeClr val="tx1">
-                    <a:tint val="75000"/>
-                  </a:schemeClr>
-                </a:solidFill>
-              </a:defRPr>
-            </a:lvl8pPr>
-            <a:lvl9pPr marL="3657600" indent="0" algn="ctr">
-              <a:buNone/>
-              <a:defRPr>
-                <a:solidFill>
-                  <a:schemeClr val="tx1">
-                    <a:tint val="75000"/>
-                  </a:schemeClr>
-                </a:solidFill>
-              </a:defRPr>
-            </a:lvl9pPr>
           </a:lstStyle>
           <a:p>
-            <a:r>
-              <a:rPr lang="en-US" smtClean="0"/>
-              <a:t>Click to edit Master subtitle style</a:t>
-            </a:r>
-            <a:endParaRPr lang="en-US"/>
-          </a:p>
-        </p:txBody>
-      </p:sp>
-      <p:sp>
-        <p:nvSpPr>
-          <p:cNvPr id="4" name="Date Placeholder 3"/>
-          <p:cNvSpPr>
-            <a:spLocks noGrp="1"/>
-          </p:cNvSpPr>
-          <p:nvPr>
-            <p:ph type="dt" sz="half" idx="10"/>
-          </p:nvPr>
-        </p:nvSpPr>
-        <p:spPr/>
-        <p:txBody>
-          <a:bodyPr/>
-          <a:lstStyle/>
-          <a:p>
-            <a:fld id="{5BCAD085-E8A6-8845-BD4E-CB4CCA059FC4}" type="datetimeFigureOut">
-              <a:rPr lang="en-US" smtClean="0"/>
-              <a:t>1/20/2025</a:t>
+            <a:fld id="{24159490-6087-47EF-92D6-2E15792B0361}" type="datetimeFigureOut">
+              <a:rPr lang="ko-KR" altLang="en-US" smtClean="0"/>
+              <a:t>2025-02-03</a:t>
             </a:fld>
-            <a:endParaRPr lang="en-US"/>
-          </a:p>
-        </p:txBody>
-      </p:sp>
-      <p:sp>
-        <p:nvSpPr>
-          <p:cNvPr id="5" name="Footer Placeholder 4"/>
-          <p:cNvSpPr>
-            <a:spLocks noGrp="1"/>
-          </p:cNvSpPr>
-          <p:nvPr>
-            <p:ph type="ftr" sz="quarter" idx="11"/>
-          </p:nvPr>
-        </p:nvSpPr>
-        <p:spPr/>
-        <p:txBody>
-          <a:bodyPr/>
-          <a:lstStyle/>
-          <a:p>
-            <a:endParaRPr lang="en-US"/>
-          </a:p>
-        </p:txBody>
-      </p:sp>
-      <p:sp>
-        <p:nvSpPr>
-          <p:cNvPr id="6" name="Slide Number Placeholder 5"/>
-          <p:cNvSpPr>
-            <a:spLocks noGrp="1"/>
-          </p:cNvSpPr>
-          <p:nvPr>
-            <p:ph type="sldNum" sz="quarter" idx="12"/>
-          </p:nvPr>
-        </p:nvSpPr>
-        <p:spPr/>
-        <p:txBody>
-          <a:bodyPr/>
-          <a:lstStyle/>
-          <a:p>
-            <a:fld id="{C1FF6DA9-008F-8B48-92A6-B652298478BF}" type="slidenum">
-              <a:rPr lang="en-US" smtClean="0"/>
+            <a:endParaRPr lang="ko-KR" altLang="en-US"/>
+          </a:p>
+        </p:txBody>
+      </p:sp>
+      <p:sp>
+        <p:nvSpPr>
+          <p:cNvPr id="4" name="슬라이드 이미지 개체 틀 3"/>
+          <p:cNvSpPr>
+            <a:spLocks noGrp="1" noRot="1" noChangeAspect="1"/>
+          </p:cNvSpPr>
+          <p:nvPr>
+            <p:ph type="sldImg" idx="2"/>
+          </p:nvPr>
+        </p:nvSpPr>
+        <p:spPr>
+          <a:xfrm>
+            <a:off x="1371600" y="1143000"/>
+            <a:ext cx="4114800" cy="3086100"/>
+          </a:xfrm>
+          <a:prstGeom prst="rect">
+            <a:avLst/>
+          </a:prstGeom>
+          <a:noFill/>
+          <a:ln w="12700">
+            <a:solidFill>
+              <a:prstClr val="black"/>
+            </a:solidFill>
+          </a:ln>
+        </p:spPr>
+        <p:txBody>
+          <a:bodyPr vert="horz" lIns="91440" tIns="45720" rIns="91440" bIns="45720" rtlCol="0" anchor="ctr"/>
+          <a:lstStyle/>
+          <a:p>
+            <a:endParaRPr lang="ko-KR" altLang="en-US"/>
+          </a:p>
+        </p:txBody>
+      </p:sp>
+      <p:sp>
+        <p:nvSpPr>
+          <p:cNvPr id="5" name="슬라이드 노트 개체 틀 4"/>
+          <p:cNvSpPr>
+            <a:spLocks noGrp="1"/>
+          </p:cNvSpPr>
+          <p:nvPr>
+            <p:ph type="body" sz="quarter" idx="3"/>
+          </p:nvPr>
+        </p:nvSpPr>
+        <p:spPr>
+          <a:xfrm>
+            <a:off x="685800" y="4400550"/>
+            <a:ext cx="5486400" cy="3600450"/>
+          </a:xfrm>
+          <a:prstGeom prst="rect">
+            <a:avLst/>
+          </a:prstGeom>
+        </p:spPr>
+        <p:txBody>
+          <a:bodyPr vert="horz" lIns="91440" tIns="45720" rIns="91440" bIns="45720" rtlCol="0"/>
+          <a:lstStyle/>
+          <a:p>
+            <a:pPr lvl="0"/>
+            <a:r>
+              <a:rPr lang="ko-KR" altLang="en-US"/>
+              <a:t>마스터 텍스트 스타일을 편집하려면 클릭</a:t>
+            </a:r>
+          </a:p>
+          <a:p>
+            <a:pPr lvl="1"/>
+            <a:r>
+              <a:rPr lang="ko-KR" altLang="en-US"/>
+              <a:t>두 번째 수준</a:t>
+            </a:r>
+          </a:p>
+          <a:p>
+            <a:pPr lvl="2"/>
+            <a:r>
+              <a:rPr lang="ko-KR" altLang="en-US"/>
+              <a:t>세 번째 수준</a:t>
+            </a:r>
+          </a:p>
+          <a:p>
+            <a:pPr lvl="3"/>
+            <a:r>
+              <a:rPr lang="ko-KR" altLang="en-US"/>
+              <a:t>네 번째 수준</a:t>
+            </a:r>
+          </a:p>
+          <a:p>
+            <a:pPr lvl="4"/>
+            <a:r>
+              <a:rPr lang="ko-KR" altLang="en-US"/>
+              <a:t>다섯 번째 수준</a:t>
+            </a:r>
+          </a:p>
+        </p:txBody>
+      </p:sp>
+      <p:sp>
+        <p:nvSpPr>
+          <p:cNvPr id="6" name="바닥글 개체 틀 5"/>
+          <p:cNvSpPr>
+            <a:spLocks noGrp="1"/>
+          </p:cNvSpPr>
+          <p:nvPr>
+            <p:ph type="ftr" sz="quarter" idx="4"/>
+          </p:nvPr>
+        </p:nvSpPr>
+        <p:spPr>
+          <a:xfrm>
+            <a:off x="0" y="8685213"/>
+            <a:ext cx="2971800" cy="458787"/>
+          </a:xfrm>
+          <a:prstGeom prst="rect">
+            <a:avLst/>
+          </a:prstGeom>
+        </p:spPr>
+        <p:txBody>
+          <a:bodyPr vert="horz" lIns="91440" tIns="45720" rIns="91440" bIns="45720" rtlCol="0" anchor="b"/>
+          <a:lstStyle>
+            <a:lvl1pPr algn="l">
+              <a:defRPr sz="1200"/>
+            </a:lvl1pPr>
+          </a:lstStyle>
+          <a:p>
+            <a:endParaRPr lang="ko-KR" altLang="en-US"/>
+          </a:p>
+        </p:txBody>
+      </p:sp>
+      <p:sp>
+        <p:nvSpPr>
+          <p:cNvPr id="7" name="슬라이드 번호 개체 틀 6"/>
+          <p:cNvSpPr>
+            <a:spLocks noGrp="1"/>
+          </p:cNvSpPr>
+          <p:nvPr>
+            <p:ph type="sldNum" sz="quarter" idx="5"/>
+          </p:nvPr>
+        </p:nvSpPr>
+        <p:spPr>
+          <a:xfrm>
+            <a:off x="3884613" y="8685213"/>
+            <a:ext cx="2971800" cy="458787"/>
+          </a:xfrm>
+          <a:prstGeom prst="rect">
+            <a:avLst/>
+          </a:prstGeom>
+        </p:spPr>
+        <p:txBody>
+          <a:bodyPr vert="horz" lIns="91440" tIns="45720" rIns="91440" bIns="45720" rtlCol="0" anchor="b"/>
+          <a:lstStyle>
+            <a:lvl1pPr algn="r">
+              <a:defRPr sz="1200"/>
+            </a:lvl1pPr>
+          </a:lstStyle>
+          <a:p>
+            <a:fld id="{AE6B47C2-D977-486E-9B42-ECECA0AA1003}" type="slidenum">
+              <a:rPr lang="ko-KR" altLang="en-US" smtClean="0"/>
               <a:t>‹#›</a:t>
             </a:fld>
-            <a:endParaRPr lang="en-US"/>
+            <a:endParaRPr lang="ko-KR" altLang="en-US"/>
           </a:p>
         </p:txBody>
       </p:sp>
     </p:spTree>
     <p:extLst>
       <p:ext uri="{BB962C8B-B14F-4D97-AF65-F5344CB8AC3E}">
-        <p14:creationId xmlns:p14="http://schemas.microsoft.com/office/powerpoint/2010/main" val="3168075583"/>
+        <p14:creationId xmlns:p14="http://schemas.microsoft.com/office/powerpoint/2010/main" val="546250997"/>
       </p:ext>
     </p:extLst>
   </p:cSld>
-  <p:clrMapOvr>
-    <a:masterClrMapping/>
-  </p:clrMapOvr>
-</p:sldLayout>
+  <p:clrMap bg1="lt1" tx1="dk1" bg2="lt2" tx2="dk2" accent1="accent1" accent2="accent2" accent3="accent3" accent4="accent4" accent5="accent5" accent6="accent6" hlink="hlink" folHlink="folHlink"/>
+  <p:notesStyle>
+    <a:lvl1pPr marL="0" algn="l" defTabSz="914400" rtl="0" eaLnBrk="1" latinLnBrk="1" hangingPunct="1">
+      <a:defRPr sz="1200" kern="1200">
+        <a:solidFill>
+          <a:schemeClr val="tx1"/>
+        </a:solidFill>
+        <a:latin typeface="+mn-lt"/>
+        <a:ea typeface="+mn-ea"/>
+        <a:cs typeface="+mn-cs"/>
+      </a:defRPr>
+    </a:lvl1pPr>
+    <a:lvl2pPr marL="457200" algn="l" defTabSz="914400" rtl="0" eaLnBrk="1" latinLnBrk="1" hangingPunct="1">
+      <a:defRPr sz="1200" kern="1200">
+        <a:solidFill>
+          <a:schemeClr val="tx1"/>
+        </a:solidFill>
+        <a:latin typeface="+mn-lt"/>
+        <a:ea typeface="+mn-ea"/>
+        <a:cs typeface="+mn-cs"/>
+      </a:defRPr>
+    </a:lvl2pPr>
+    <a:lvl3pPr marL="914400" algn="l" defTabSz="914400" rtl="0" eaLnBrk="1" latinLnBrk="1" hangingPunct="1">
+      <a:defRPr sz="1200" kern="1200">
+        <a:solidFill>
+          <a:schemeClr val="tx1"/>
+        </a:solidFill>
+        <a:latin typeface="+mn-lt"/>
+        <a:ea typeface="+mn-ea"/>
+        <a:cs typeface="+mn-cs"/>
+      </a:defRPr>
+    </a:lvl3pPr>
+    <a:lvl4pPr marL="1371600" algn="l" defTabSz="914400" rtl="0" eaLnBrk="1" latinLnBrk="1" hangingPunct="1">
+      <a:defRPr sz="1200" kern="1200">
+        <a:solidFill>
+          <a:schemeClr val="tx1"/>
+        </a:solidFill>
+        <a:latin typeface="+mn-lt"/>
+        <a:ea typeface="+mn-ea"/>
+        <a:cs typeface="+mn-cs"/>
+      </a:defRPr>
+    </a:lvl4pPr>
+    <a:lvl5pPr marL="1828800" algn="l" defTabSz="914400" rtl="0" eaLnBrk="1" latinLnBrk="1" hangingPunct="1">
+      <a:defRPr sz="1200" kern="1200">
+        <a:solidFill>
+          <a:schemeClr val="tx1"/>
+        </a:solidFill>
+        <a:latin typeface="+mn-lt"/>
+        <a:ea typeface="+mn-ea"/>
+        <a:cs typeface="+mn-cs"/>
+      </a:defRPr>
+    </a:lvl5pPr>
+    <a:lvl6pPr marL="2286000" algn="l" defTabSz="914400" rtl="0" eaLnBrk="1" latinLnBrk="1" hangingPunct="1">
+      <a:defRPr sz="1200" kern="1200">
+        <a:solidFill>
+          <a:schemeClr val="tx1"/>
+        </a:solidFill>
+        <a:latin typeface="+mn-lt"/>
+        <a:ea typeface="+mn-ea"/>
+        <a:cs typeface="+mn-cs"/>
+      </a:defRPr>
+    </a:lvl6pPr>
+    <a:lvl7pPr marL="2743200" algn="l" defTabSz="914400" rtl="0" eaLnBrk="1" latinLnBrk="1" hangingPunct="1">
+      <a:defRPr sz="1200" kern="1200">
+        <a:solidFill>
+          <a:schemeClr val="tx1"/>
+        </a:solidFill>
+        <a:latin typeface="+mn-lt"/>
+        <a:ea typeface="+mn-ea"/>
+        <a:cs typeface="+mn-cs"/>
+      </a:defRPr>
+    </a:lvl7pPr>
+    <a:lvl8pPr marL="3200400" algn="l" defTabSz="914400" rtl="0" eaLnBrk="1" latinLnBrk="1" hangingPunct="1">
+      <a:defRPr sz="1200" kern="1200">
+        <a:solidFill>
+          <a:schemeClr val="tx1"/>
+        </a:solidFill>
+        <a:latin typeface="+mn-lt"/>
+        <a:ea typeface="+mn-ea"/>
+        <a:cs typeface="+mn-cs"/>
+      </a:defRPr>
+    </a:lvl8pPr>
+    <a:lvl9pPr marL="3657600" algn="l" defTabSz="914400" rtl="0" eaLnBrk="1" latinLnBrk="1" hangingPunct="1">
+      <a:defRPr sz="1200" kern="1200">
+        <a:solidFill>
+          <a:schemeClr val="tx1"/>
+        </a:solidFill>
+        <a:latin typeface="+mn-lt"/>
+        <a:ea typeface="+mn-ea"/>
+        <a:cs typeface="+mn-cs"/>
+      </a:defRPr>
+    </a:lvl9pPr>
+  </p:notesStyle>
+</p:notesMaster>
 </file>
 
-<file path=ppt/slideLayouts/slideLayout10.xml><?xml version="1.0" encoding="utf-8"?>
-<p:sldLayout xmlns:a="http://schemas.openxmlformats.org/drawingml/2006/main" xmlns:r="http://schemas.openxmlformats.org/officeDocument/2006/relationships" xmlns:p="http://schemas.openxmlformats.org/presentationml/2006/main" type="vertTx" preserve="1">
-  <p:cSld name="Title and Vertical Text">
+<file path=ppt/notesSlides/notesSlide1.xml><?xml version="1.0" encoding="utf-8"?>
+<p:notes xmlns:a="http://schemas.openxmlformats.org/drawingml/2006/main" xmlns:r="http://schemas.openxmlformats.org/officeDocument/2006/relationships" xmlns:p="http://schemas.openxmlformats.org/presentationml/2006/main">
+  <p:cSld>
     <p:spTree>
       <p:nvGrpSpPr>
         <p:cNvPr id="1" name=""/>
@@ -393,160 +510,74 @@
       </p:grpSpPr>
       <p:sp>
         <p:nvSpPr>
-          <p:cNvPr id="2" name="Title 1"/>
-          <p:cNvSpPr>
-            <a:spLocks noGrp="1"/>
-          </p:cNvSpPr>
-          <p:nvPr>
-            <p:ph type="title"/>
+          <p:cNvPr id="2" name="슬라이드 이미지 개체 틀 1"/>
+          <p:cNvSpPr>
+            <a:spLocks noGrp="1" noRot="1" noChangeAspect="1"/>
+          </p:cNvSpPr>
+          <p:nvPr>
+            <p:ph type="sldImg"/>
           </p:nvPr>
         </p:nvSpPr>
         <p:spPr/>
+      </p:sp>
+      <p:sp>
+        <p:nvSpPr>
+          <p:cNvPr id="3" name="슬라이드 노트 개체 틀 2"/>
+          <p:cNvSpPr>
+            <a:spLocks noGrp="1"/>
+          </p:cNvSpPr>
+          <p:nvPr>
+            <p:ph type="body" idx="1"/>
+          </p:nvPr>
+        </p:nvSpPr>
+        <p:spPr/>
         <p:txBody>
           <a:bodyPr/>
           <a:lstStyle/>
           <a:p>
-            <a:r>
-              <a:rPr lang="en-US" smtClean="0"/>
-              <a:t>Click to edit Master title style</a:t>
-            </a:r>
-            <a:endParaRPr lang="en-US"/>
-          </a:p>
-        </p:txBody>
-      </p:sp>
-      <p:sp>
-        <p:nvSpPr>
-          <p:cNvPr id="3" name="Vertical Text Placeholder 2"/>
-          <p:cNvSpPr>
-            <a:spLocks noGrp="1"/>
-          </p:cNvSpPr>
-          <p:nvPr>
-            <p:ph type="body" orient="vert" idx="1"/>
+            <a:endParaRPr lang="ko-KR" altLang="en-US" dirty="0"/>
+          </a:p>
+        </p:txBody>
+      </p:sp>
+      <p:sp>
+        <p:nvSpPr>
+          <p:cNvPr id="4" name="슬라이드 번호 개체 틀 3"/>
+          <p:cNvSpPr>
+            <a:spLocks noGrp="1"/>
+          </p:cNvSpPr>
+          <p:nvPr>
+            <p:ph type="sldNum" sz="quarter" idx="5"/>
           </p:nvPr>
         </p:nvSpPr>
         <p:spPr/>
         <p:txBody>
-          <a:bodyPr vert="eaVert"/>
-          <a:lstStyle/>
-          <a:p>
-            <a:pPr lvl="0"/>
-            <a:r>
-              <a:rPr lang="en-US" smtClean="0"/>
-              <a:t>Click to edit Master text styles</a:t>
-            </a:r>
-          </a:p>
-          <a:p>
-            <a:pPr lvl="1"/>
-            <a:r>
-              <a:rPr lang="en-US" smtClean="0"/>
-              <a:t>Second level</a:t>
-            </a:r>
-          </a:p>
-          <a:p>
-            <a:pPr lvl="2"/>
-            <a:r>
-              <a:rPr lang="en-US" smtClean="0"/>
-              <a:t>Third level</a:t>
-            </a:r>
-          </a:p>
-          <a:p>
-            <a:pPr lvl="3"/>
-            <a:r>
-              <a:rPr lang="en-US" smtClean="0"/>
-              <a:t>Fourth level</a:t>
-            </a:r>
-          </a:p>
-          <a:p>
-            <a:pPr lvl="4"/>
-            <a:r>
-              <a:rPr lang="en-US" smtClean="0"/>
-              <a:t>Fifth level</a:t>
-            </a:r>
-            <a:endParaRPr lang="en-US"/>
-          </a:p>
-        </p:txBody>
-      </p:sp>
-      <p:sp>
-        <p:nvSpPr>
-          <p:cNvPr id="4" name="Date Placeholder 3"/>
-          <p:cNvSpPr>
-            <a:spLocks noGrp="1"/>
-          </p:cNvSpPr>
-          <p:nvPr>
-            <p:ph type="dt" sz="half" idx="10"/>
-          </p:nvPr>
-        </p:nvSpPr>
-        <p:spPr/>
-        <p:txBody>
           <a:bodyPr/>
           <a:lstStyle/>
           <a:p>
-            <a:fld id="{5BCAD085-E8A6-8845-BD4E-CB4CCA059FC4}" type="datetimeFigureOut">
-              <a:rPr lang="en-US" smtClean="0"/>
-              <a:t>1/20/2025</a:t>
+            <a:fld id="{AE6B47C2-D977-486E-9B42-ECECA0AA1003}" type="slidenum">
+              <a:rPr lang="ko-KR" altLang="en-US" smtClean="0"/>
+              <a:t>10</a:t>
             </a:fld>
-            <a:endParaRPr lang="en-US"/>
-          </a:p>
-        </p:txBody>
-      </p:sp>
-      <p:sp>
-        <p:nvSpPr>
-          <p:cNvPr id="5" name="Footer Placeholder 4"/>
-          <p:cNvSpPr>
-            <a:spLocks noGrp="1"/>
-          </p:cNvSpPr>
-          <p:nvPr>
-            <p:ph type="ftr" sz="quarter" idx="11"/>
-          </p:nvPr>
-        </p:nvSpPr>
-        <p:spPr/>
-        <p:txBody>
-          <a:bodyPr/>
-          <a:lstStyle/>
-          <a:p>
-            <a:endParaRPr lang="en-US"/>
-          </a:p>
-        </p:txBody>
-      </p:sp>
-      <p:sp>
-        <p:nvSpPr>
-          <p:cNvPr id="6" name="Slide Number Placeholder 5"/>
-          <p:cNvSpPr>
-            <a:spLocks noGrp="1"/>
-          </p:cNvSpPr>
-          <p:nvPr>
-            <p:ph type="sldNum" sz="quarter" idx="12"/>
-          </p:nvPr>
-        </p:nvSpPr>
-        <p:spPr/>
-        <p:txBody>
-          <a:bodyPr/>
-          <a:lstStyle/>
-          <a:p>
-            <a:fld id="{C1FF6DA9-008F-8B48-92A6-B652298478BF}" type="slidenum">
-              <a:rPr lang="en-US" smtClean="0"/>
-              <a:t>‹#›</a:t>
-            </a:fld>
-            <a:endParaRPr lang="en-US"/>
+            <a:endParaRPr lang="ko-KR" altLang="en-US"/>
           </a:p>
         </p:txBody>
       </p:sp>
     </p:spTree>
     <p:extLst>
       <p:ext uri="{BB962C8B-B14F-4D97-AF65-F5344CB8AC3E}">
-        <p14:creationId xmlns:p14="http://schemas.microsoft.com/office/powerpoint/2010/main" val="2910927964"/>
+        <p14:creationId xmlns:p14="http://schemas.microsoft.com/office/powerpoint/2010/main" val="2369233238"/>
       </p:ext>
     </p:extLst>
   </p:cSld>
   <p:clrMapOvr>
     <a:masterClrMapping/>
   </p:clrMapOvr>
-</p:sldLayout>
+</p:notes>
 </file>
 
-<file path=ppt/slideLayouts/slideLayout11.xml><?xml version="1.0" encoding="utf-8"?>
-<p:sldLayout xmlns:a="http://schemas.openxmlformats.org/drawingml/2006/main" xmlns:r="http://schemas.openxmlformats.org/officeDocument/2006/relationships" xmlns:p="http://schemas.openxmlformats.org/presentationml/2006/main" type="vertTitleAndTx" preserve="1">
-  <p:cSld name="Vertical Title and Text">
+<file path=ppt/slideLayouts/slideLayout1.xml><?xml version="1.0" encoding="utf-8"?>
+<p:sldLayout xmlns:a="http://schemas.openxmlformats.org/drawingml/2006/main" xmlns:r="http://schemas.openxmlformats.org/officeDocument/2006/relationships" xmlns:p="http://schemas.openxmlformats.org/presentationml/2006/main" type="title" preserve="1">
+  <p:cSld name="제목 슬라이드">
     <p:spTree>
       <p:nvGrpSpPr>
         <p:cNvPr id="1" name=""/>
@@ -563,92 +594,120 @@
       </p:grpSpPr>
       <p:sp>
         <p:nvSpPr>
-          <p:cNvPr id="2" name="Vertical Title 1"/>
-          <p:cNvSpPr>
-            <a:spLocks noGrp="1"/>
-          </p:cNvSpPr>
-          <p:nvPr>
-            <p:ph type="title" orient="vert"/>
+          <p:cNvPr id="2" name="제목 1">
+            <a:extLst>
+              <a:ext uri="{FF2B5EF4-FFF2-40B4-BE49-F238E27FC236}">
+                <a16:creationId xmlns:a16="http://schemas.microsoft.com/office/drawing/2014/main" id="{DE39A004-71C2-98C0-FBAF-80D5B817F79F}"/>
+              </a:ext>
+            </a:extLst>
+          </p:cNvPr>
+          <p:cNvSpPr>
+            <a:spLocks noGrp="1"/>
+          </p:cNvSpPr>
+          <p:nvPr>
+            <p:ph type="ctrTitle"/>
           </p:nvPr>
         </p:nvSpPr>
         <p:spPr>
           <a:xfrm>
-            <a:off x="6629400" y="274638"/>
-            <a:ext cx="2057400" cy="5851525"/>
+            <a:off x="1143000" y="1122363"/>
+            <a:ext cx="6858000" cy="2387600"/>
           </a:xfrm>
         </p:spPr>
         <p:txBody>
-          <a:bodyPr vert="eaVert"/>
-          <a:lstStyle/>
-          <a:p>
-            <a:r>
-              <a:rPr lang="en-US" smtClean="0"/>
-              <a:t>Click to edit Master title style</a:t>
-            </a:r>
-            <a:endParaRPr lang="en-US"/>
-          </a:p>
-        </p:txBody>
-      </p:sp>
-      <p:sp>
-        <p:nvSpPr>
-          <p:cNvPr id="3" name="Vertical Text Placeholder 2"/>
-          <p:cNvSpPr>
-            <a:spLocks noGrp="1"/>
-          </p:cNvSpPr>
-          <p:nvPr>
-            <p:ph type="body" orient="vert" idx="1"/>
+          <a:bodyPr anchor="b"/>
+          <a:lstStyle>
+            <a:lvl1pPr algn="ctr">
+              <a:defRPr sz="4500"/>
+            </a:lvl1pPr>
+          </a:lstStyle>
+          <a:p>
+            <a:r>
+              <a:rPr lang="ko-KR" altLang="en-US"/>
+              <a:t>마스터 제목 스타일 편집</a:t>
+            </a:r>
+          </a:p>
+        </p:txBody>
+      </p:sp>
+      <p:sp>
+        <p:nvSpPr>
+          <p:cNvPr id="3" name="부제목 2">
+            <a:extLst>
+              <a:ext uri="{FF2B5EF4-FFF2-40B4-BE49-F238E27FC236}">
+                <a16:creationId xmlns:a16="http://schemas.microsoft.com/office/drawing/2014/main" id="{CCC0EB72-FDC2-7B3B-06EC-80C435D7DF41}"/>
+              </a:ext>
+            </a:extLst>
+          </p:cNvPr>
+          <p:cNvSpPr>
+            <a:spLocks noGrp="1"/>
+          </p:cNvSpPr>
+          <p:nvPr>
+            <p:ph type="subTitle" idx="1"/>
           </p:nvPr>
         </p:nvSpPr>
         <p:spPr>
           <a:xfrm>
-            <a:off x="457200" y="274638"/>
-            <a:ext cx="6019800" cy="5851525"/>
+            <a:off x="1143000" y="3602038"/>
+            <a:ext cx="6858000" cy="1655762"/>
           </a:xfrm>
         </p:spPr>
         <p:txBody>
-          <a:bodyPr vert="eaVert"/>
-          <a:lstStyle/>
-          <a:p>
-            <a:pPr lvl="0"/>
-            <a:r>
-              <a:rPr lang="en-US" smtClean="0"/>
-              <a:t>Click to edit Master text styles</a:t>
-            </a:r>
-          </a:p>
-          <a:p>
-            <a:pPr lvl="1"/>
-            <a:r>
-              <a:rPr lang="en-US" smtClean="0"/>
-              <a:t>Second level</a:t>
-            </a:r>
-          </a:p>
-          <a:p>
-            <a:pPr lvl="2"/>
-            <a:r>
-              <a:rPr lang="en-US" smtClean="0"/>
-              <a:t>Third level</a:t>
-            </a:r>
-          </a:p>
-          <a:p>
-            <a:pPr lvl="3"/>
-            <a:r>
-              <a:rPr lang="en-US" smtClean="0"/>
-              <a:t>Fourth level</a:t>
-            </a:r>
-          </a:p>
-          <a:p>
-            <a:pPr lvl="4"/>
-            <a:r>
-              <a:rPr lang="en-US" smtClean="0"/>
-              <a:t>Fifth level</a:t>
-            </a:r>
-            <a:endParaRPr lang="en-US"/>
-          </a:p>
-        </p:txBody>
-      </p:sp>
-      <p:sp>
-        <p:nvSpPr>
-          <p:cNvPr id="4" name="Date Placeholder 3"/>
+          <a:bodyPr/>
+          <a:lstStyle>
+            <a:lvl1pPr marL="0" indent="0" algn="ctr">
+              <a:buNone/>
+              <a:defRPr sz="1800"/>
+            </a:lvl1pPr>
+            <a:lvl2pPr marL="342900" indent="0" algn="ctr">
+              <a:buNone/>
+              <a:defRPr sz="1500"/>
+            </a:lvl2pPr>
+            <a:lvl3pPr marL="685800" indent="0" algn="ctr">
+              <a:buNone/>
+              <a:defRPr sz="1350"/>
+            </a:lvl3pPr>
+            <a:lvl4pPr marL="1028700" indent="0" algn="ctr">
+              <a:buNone/>
+              <a:defRPr sz="1200"/>
+            </a:lvl4pPr>
+            <a:lvl5pPr marL="1371600" indent="0" algn="ctr">
+              <a:buNone/>
+              <a:defRPr sz="1200"/>
+            </a:lvl5pPr>
+            <a:lvl6pPr marL="1714500" indent="0" algn="ctr">
+              <a:buNone/>
+              <a:defRPr sz="1200"/>
+            </a:lvl6pPr>
+            <a:lvl7pPr marL="2057400" indent="0" algn="ctr">
+              <a:buNone/>
+              <a:defRPr sz="1200"/>
+            </a:lvl7pPr>
+            <a:lvl8pPr marL="2400300" indent="0" algn="ctr">
+              <a:buNone/>
+              <a:defRPr sz="1200"/>
+            </a:lvl8pPr>
+            <a:lvl9pPr marL="2743200" indent="0" algn="ctr">
+              <a:buNone/>
+              <a:defRPr sz="1200"/>
+            </a:lvl9pPr>
+          </a:lstStyle>
+          <a:p>
+            <a:r>
+              <a:rPr lang="ko-KR" altLang="en-US"/>
+              <a:t>클릭하여 마스터 부제목 스타일 편집</a:t>
+            </a:r>
+          </a:p>
+        </p:txBody>
+      </p:sp>
+      <p:sp>
+        <p:nvSpPr>
+          <p:cNvPr id="4" name="날짜 개체 틀 3">
+            <a:extLst>
+              <a:ext uri="{FF2B5EF4-FFF2-40B4-BE49-F238E27FC236}">
+                <a16:creationId xmlns:a16="http://schemas.microsoft.com/office/drawing/2014/main" id="{092210B8-5008-457F-4EC7-03256079B684}"/>
+              </a:ext>
+            </a:extLst>
+          </p:cNvPr>
           <p:cNvSpPr>
             <a:spLocks noGrp="1"/>
           </p:cNvSpPr>
@@ -663,7 +722,7 @@
           <a:p>
             <a:fld id="{5BCAD085-E8A6-8845-BD4E-CB4CCA059FC4}" type="datetimeFigureOut">
               <a:rPr lang="en-US" smtClean="0"/>
-              <a:t>1/20/2025</a:t>
+              <a:t>2/3/2025</a:t>
             </a:fld>
             <a:endParaRPr lang="en-US"/>
           </a:p>
@@ -671,7 +730,13 @@
       </p:sp>
       <p:sp>
         <p:nvSpPr>
-          <p:cNvPr id="5" name="Footer Placeholder 4"/>
+          <p:cNvPr id="5" name="바닥글 개체 틀 4">
+            <a:extLst>
+              <a:ext uri="{FF2B5EF4-FFF2-40B4-BE49-F238E27FC236}">
+                <a16:creationId xmlns:a16="http://schemas.microsoft.com/office/drawing/2014/main" id="{F51F536D-9E8C-9BDD-21B7-95583C02877B}"/>
+              </a:ext>
+            </a:extLst>
+          </p:cNvPr>
           <p:cNvSpPr>
             <a:spLocks noGrp="1"/>
           </p:cNvSpPr>
@@ -690,7 +755,13 @@
       </p:sp>
       <p:sp>
         <p:nvSpPr>
-          <p:cNvPr id="6" name="Slide Number Placeholder 5"/>
+          <p:cNvPr id="6" name="슬라이드 번호 개체 틀 5">
+            <a:extLst>
+              <a:ext uri="{FF2B5EF4-FFF2-40B4-BE49-F238E27FC236}">
+                <a16:creationId xmlns:a16="http://schemas.microsoft.com/office/drawing/2014/main" id="{96DD9796-5252-E021-947A-639D61CB3A81}"/>
+              </a:ext>
+            </a:extLst>
+          </p:cNvPr>
           <p:cNvSpPr>
             <a:spLocks noGrp="1"/>
           </p:cNvSpPr>
@@ -714,7 +785,7 @@
     </p:spTree>
     <p:extLst>
       <p:ext uri="{BB962C8B-B14F-4D97-AF65-F5344CB8AC3E}">
-        <p14:creationId xmlns:p14="http://schemas.microsoft.com/office/powerpoint/2010/main" val="3612223792"/>
+        <p14:creationId xmlns:p14="http://schemas.microsoft.com/office/powerpoint/2010/main" val="2553932760"/>
       </p:ext>
     </p:extLst>
   </p:cSld>
@@ -724,9 +795,9 @@
 </p:sldLayout>
 </file>
 
-<file path=ppt/slideLayouts/slideLayout2.xml><?xml version="1.0" encoding="utf-8"?>
-<p:sldLayout xmlns:a="http://schemas.openxmlformats.org/drawingml/2006/main" xmlns:r="http://schemas.openxmlformats.org/officeDocument/2006/relationships" xmlns:p="http://schemas.openxmlformats.org/presentationml/2006/main" type="obj" preserve="1">
-  <p:cSld name="Title and Content">
+<file path=ppt/slideLayouts/slideLayout10.xml><?xml version="1.0" encoding="utf-8"?>
+<p:sldLayout xmlns:a="http://schemas.openxmlformats.org/drawingml/2006/main" xmlns:r="http://schemas.openxmlformats.org/officeDocument/2006/relationships" xmlns:p="http://schemas.openxmlformats.org/presentationml/2006/main" type="vertTx" preserve="1">
+  <p:cSld name="제목 및 세로 텍스트">
     <p:spTree>
       <p:nvGrpSpPr>
         <p:cNvPr id="1" name=""/>
@@ -743,7 +814,13 @@
       </p:grpSpPr>
       <p:sp>
         <p:nvSpPr>
-          <p:cNvPr id="2" name="Title 1"/>
+          <p:cNvPr id="2" name="제목 1">
+            <a:extLst>
+              <a:ext uri="{FF2B5EF4-FFF2-40B4-BE49-F238E27FC236}">
+                <a16:creationId xmlns:a16="http://schemas.microsoft.com/office/drawing/2014/main" id="{FB5393DF-364B-A652-81F2-DF6A1D3294D0}"/>
+              </a:ext>
+            </a:extLst>
+          </p:cNvPr>
           <p:cNvSpPr>
             <a:spLocks noGrp="1"/>
           </p:cNvSpPr>
@@ -757,68 +834,78 @@
           <a:lstStyle/>
           <a:p>
             <a:r>
-              <a:rPr lang="en-US" smtClean="0"/>
-              <a:t>Click to edit Master title style</a:t>
-            </a:r>
-            <a:endParaRPr lang="en-US"/>
-          </a:p>
-        </p:txBody>
-      </p:sp>
-      <p:sp>
-        <p:nvSpPr>
-          <p:cNvPr id="3" name="Content Placeholder 2"/>
-          <p:cNvSpPr>
-            <a:spLocks noGrp="1"/>
-          </p:cNvSpPr>
-          <p:nvPr>
-            <p:ph idx="1"/>
+              <a:rPr lang="ko-KR" altLang="en-US"/>
+              <a:t>마스터 제목 스타일 편집</a:t>
+            </a:r>
+          </a:p>
+        </p:txBody>
+      </p:sp>
+      <p:sp>
+        <p:nvSpPr>
+          <p:cNvPr id="3" name="세로 텍스트 개체 틀 2">
+            <a:extLst>
+              <a:ext uri="{FF2B5EF4-FFF2-40B4-BE49-F238E27FC236}">
+                <a16:creationId xmlns:a16="http://schemas.microsoft.com/office/drawing/2014/main" id="{5781C01F-C4D0-D18E-C183-F2EB8E39E9CF}"/>
+              </a:ext>
+            </a:extLst>
+          </p:cNvPr>
+          <p:cNvSpPr>
+            <a:spLocks noGrp="1"/>
+          </p:cNvSpPr>
+          <p:nvPr>
+            <p:ph type="body" orient="vert" idx="1"/>
           </p:nvPr>
         </p:nvSpPr>
         <p:spPr/>
         <p:txBody>
-          <a:bodyPr/>
+          <a:bodyPr vert="eaVert"/>
           <a:lstStyle/>
           <a:p>
             <a:pPr lvl="0"/>
             <a:r>
-              <a:rPr lang="en-US" smtClean="0"/>
-              <a:t>Click to edit Master text styles</a:t>
+              <a:rPr lang="ko-KR" altLang="en-US"/>
+              <a:t>마스터 텍스트 스타일을 편집하려면 클릭</a:t>
             </a:r>
           </a:p>
           <a:p>
             <a:pPr lvl="1"/>
             <a:r>
-              <a:rPr lang="en-US" smtClean="0"/>
-              <a:t>Second level</a:t>
+              <a:rPr lang="ko-KR" altLang="en-US"/>
+              <a:t>두 번째 수준</a:t>
             </a:r>
           </a:p>
           <a:p>
             <a:pPr lvl="2"/>
             <a:r>
-              <a:rPr lang="en-US" smtClean="0"/>
-              <a:t>Third level</a:t>
+              <a:rPr lang="ko-KR" altLang="en-US"/>
+              <a:t>세 번째 수준</a:t>
             </a:r>
           </a:p>
           <a:p>
             <a:pPr lvl="3"/>
             <a:r>
-              <a:rPr lang="en-US" smtClean="0"/>
-              <a:t>Fourth level</a:t>
+              <a:rPr lang="ko-KR" altLang="en-US"/>
+              <a:t>네 번째 수준</a:t>
             </a:r>
           </a:p>
           <a:p>
             <a:pPr lvl="4"/>
             <a:r>
-              <a:rPr lang="en-US" smtClean="0"/>
-              <a:t>Fifth level</a:t>
-            </a:r>
-            <a:endParaRPr lang="en-US"/>
-          </a:p>
-        </p:txBody>
-      </p:sp>
-      <p:sp>
-        <p:nvSpPr>
-          <p:cNvPr id="4" name="Date Placeholder 3"/>
+              <a:rPr lang="ko-KR" altLang="en-US"/>
+              <a:t>다섯 번째 수준</a:t>
+            </a:r>
+          </a:p>
+        </p:txBody>
+      </p:sp>
+      <p:sp>
+        <p:nvSpPr>
+          <p:cNvPr id="4" name="날짜 개체 틀 3">
+            <a:extLst>
+              <a:ext uri="{FF2B5EF4-FFF2-40B4-BE49-F238E27FC236}">
+                <a16:creationId xmlns:a16="http://schemas.microsoft.com/office/drawing/2014/main" id="{EBE1A3F0-66EA-00AB-EC46-766E8FBE0F14}"/>
+              </a:ext>
+            </a:extLst>
+          </p:cNvPr>
           <p:cNvSpPr>
             <a:spLocks noGrp="1"/>
           </p:cNvSpPr>
@@ -833,7 +920,7 @@
           <a:p>
             <a:fld id="{5BCAD085-E8A6-8845-BD4E-CB4CCA059FC4}" type="datetimeFigureOut">
               <a:rPr lang="en-US" smtClean="0"/>
-              <a:t>1/20/2025</a:t>
+              <a:t>2/3/2025</a:t>
             </a:fld>
             <a:endParaRPr lang="en-US"/>
           </a:p>
@@ -841,7 +928,13 @@
       </p:sp>
       <p:sp>
         <p:nvSpPr>
-          <p:cNvPr id="5" name="Footer Placeholder 4"/>
+          <p:cNvPr id="5" name="바닥글 개체 틀 4">
+            <a:extLst>
+              <a:ext uri="{FF2B5EF4-FFF2-40B4-BE49-F238E27FC236}">
+                <a16:creationId xmlns:a16="http://schemas.microsoft.com/office/drawing/2014/main" id="{3DA18A9C-BFC5-7D11-B259-E805FA70C39A}"/>
+              </a:ext>
+            </a:extLst>
+          </p:cNvPr>
           <p:cNvSpPr>
             <a:spLocks noGrp="1"/>
           </p:cNvSpPr>
@@ -860,7 +953,13 @@
       </p:sp>
       <p:sp>
         <p:nvSpPr>
-          <p:cNvPr id="6" name="Slide Number Placeholder 5"/>
+          <p:cNvPr id="6" name="슬라이드 번호 개체 틀 5">
+            <a:extLst>
+              <a:ext uri="{FF2B5EF4-FFF2-40B4-BE49-F238E27FC236}">
+                <a16:creationId xmlns:a16="http://schemas.microsoft.com/office/drawing/2014/main" id="{B26D0F71-CAE0-40C2-1A6A-B0A79B4C248E}"/>
+              </a:ext>
+            </a:extLst>
+          </p:cNvPr>
           <p:cNvSpPr>
             <a:spLocks noGrp="1"/>
           </p:cNvSpPr>
@@ -884,7 +983,7 @@
     </p:spTree>
     <p:extLst>
       <p:ext uri="{BB962C8B-B14F-4D97-AF65-F5344CB8AC3E}">
-        <p14:creationId xmlns:p14="http://schemas.microsoft.com/office/powerpoint/2010/main" val="2614314258"/>
+        <p14:creationId xmlns:p14="http://schemas.microsoft.com/office/powerpoint/2010/main" val="2502745139"/>
       </p:ext>
     </p:extLst>
   </p:cSld>
@@ -894,9 +993,9 @@
 </p:sldLayout>
 </file>
 
-<file path=ppt/slideLayouts/slideLayout3.xml><?xml version="1.0" encoding="utf-8"?>
-<p:sldLayout xmlns:a="http://schemas.openxmlformats.org/drawingml/2006/main" xmlns:r="http://schemas.openxmlformats.org/officeDocument/2006/relationships" xmlns:p="http://schemas.openxmlformats.org/presentationml/2006/main" type="secHead" preserve="1">
-  <p:cSld name="Section Header">
+<file path=ppt/slideLayouts/slideLayout11.xml><?xml version="1.0" encoding="utf-8"?>
+<p:sldLayout xmlns:a="http://schemas.openxmlformats.org/drawingml/2006/main" xmlns:r="http://schemas.openxmlformats.org/officeDocument/2006/relationships" xmlns:p="http://schemas.openxmlformats.org/presentationml/2006/main" type="vertTitleAndTx" preserve="1">
+  <p:cSld name="세로 제목 및 텍스트">
     <p:spTree>
       <p:nvGrpSpPr>
         <p:cNvPr id="1" name=""/>
@@ -913,158 +1012,108 @@
       </p:grpSpPr>
       <p:sp>
         <p:nvSpPr>
-          <p:cNvPr id="2" name="Title 1"/>
-          <p:cNvSpPr>
-            <a:spLocks noGrp="1"/>
-          </p:cNvSpPr>
-          <p:nvPr>
-            <p:ph type="title"/>
+          <p:cNvPr id="2" name="세로 제목 1">
+            <a:extLst>
+              <a:ext uri="{FF2B5EF4-FFF2-40B4-BE49-F238E27FC236}">
+                <a16:creationId xmlns:a16="http://schemas.microsoft.com/office/drawing/2014/main" id="{5F7CCF02-9A8F-85E7-AACD-74BC96DF27CB}"/>
+              </a:ext>
+            </a:extLst>
+          </p:cNvPr>
+          <p:cNvSpPr>
+            <a:spLocks noGrp="1"/>
+          </p:cNvSpPr>
+          <p:nvPr>
+            <p:ph type="title" orient="vert"/>
           </p:nvPr>
         </p:nvSpPr>
         <p:spPr>
           <a:xfrm>
-            <a:off x="722313" y="4406900"/>
-            <a:ext cx="7772400" cy="1362075"/>
+            <a:off x="6543675" y="365125"/>
+            <a:ext cx="1971675" cy="5811838"/>
           </a:xfrm>
         </p:spPr>
         <p:txBody>
-          <a:bodyPr anchor="t"/>
-          <a:lstStyle>
-            <a:lvl1pPr algn="l">
-              <a:defRPr sz="4000" b="1" cap="all"/>
-            </a:lvl1pPr>
-          </a:lstStyle>
-          <a:p>
-            <a:r>
-              <a:rPr lang="en-US" smtClean="0"/>
-              <a:t>Click to edit Master title style</a:t>
-            </a:r>
-            <a:endParaRPr lang="en-US"/>
-          </a:p>
-        </p:txBody>
-      </p:sp>
-      <p:sp>
-        <p:nvSpPr>
-          <p:cNvPr id="3" name="Text Placeholder 2"/>
-          <p:cNvSpPr>
-            <a:spLocks noGrp="1"/>
-          </p:cNvSpPr>
-          <p:nvPr>
-            <p:ph type="body" idx="1"/>
+          <a:bodyPr vert="eaVert"/>
+          <a:lstStyle/>
+          <a:p>
+            <a:r>
+              <a:rPr lang="ko-KR" altLang="en-US"/>
+              <a:t>마스터 제목 스타일 편집</a:t>
+            </a:r>
+          </a:p>
+        </p:txBody>
+      </p:sp>
+      <p:sp>
+        <p:nvSpPr>
+          <p:cNvPr id="3" name="세로 텍스트 개체 틀 2">
+            <a:extLst>
+              <a:ext uri="{FF2B5EF4-FFF2-40B4-BE49-F238E27FC236}">
+                <a16:creationId xmlns:a16="http://schemas.microsoft.com/office/drawing/2014/main" id="{A0901531-3CCC-4395-FCA2-0A98D1ADB867}"/>
+              </a:ext>
+            </a:extLst>
+          </p:cNvPr>
+          <p:cNvSpPr>
+            <a:spLocks noGrp="1"/>
+          </p:cNvSpPr>
+          <p:nvPr>
+            <p:ph type="body" orient="vert" idx="1"/>
           </p:nvPr>
         </p:nvSpPr>
         <p:spPr>
           <a:xfrm>
-            <a:off x="722313" y="2906713"/>
-            <a:ext cx="7772400" cy="1500187"/>
+            <a:off x="628650" y="365125"/>
+            <a:ext cx="5800725" cy="5811838"/>
           </a:xfrm>
         </p:spPr>
         <p:txBody>
-          <a:bodyPr anchor="b"/>
-          <a:lstStyle>
-            <a:lvl1pPr marL="0" indent="0">
-              <a:buNone/>
-              <a:defRPr sz="2000">
-                <a:solidFill>
-                  <a:schemeClr val="tx1">
-                    <a:tint val="75000"/>
-                  </a:schemeClr>
-                </a:solidFill>
-              </a:defRPr>
-            </a:lvl1pPr>
-            <a:lvl2pPr marL="457200" indent="0">
-              <a:buNone/>
-              <a:defRPr sz="1800">
-                <a:solidFill>
-                  <a:schemeClr val="tx1">
-                    <a:tint val="75000"/>
-                  </a:schemeClr>
-                </a:solidFill>
-              </a:defRPr>
-            </a:lvl2pPr>
-            <a:lvl3pPr marL="914400" indent="0">
-              <a:buNone/>
-              <a:defRPr sz="1600">
-                <a:solidFill>
-                  <a:schemeClr val="tx1">
-                    <a:tint val="75000"/>
-                  </a:schemeClr>
-                </a:solidFill>
-              </a:defRPr>
-            </a:lvl3pPr>
-            <a:lvl4pPr marL="1371600" indent="0">
-              <a:buNone/>
-              <a:defRPr sz="1400">
-                <a:solidFill>
-                  <a:schemeClr val="tx1">
-                    <a:tint val="75000"/>
-                  </a:schemeClr>
-                </a:solidFill>
-              </a:defRPr>
-            </a:lvl4pPr>
-            <a:lvl5pPr marL="1828800" indent="0">
-              <a:buNone/>
-              <a:defRPr sz="1400">
-                <a:solidFill>
-                  <a:schemeClr val="tx1">
-                    <a:tint val="75000"/>
-                  </a:schemeClr>
-                </a:solidFill>
-              </a:defRPr>
-            </a:lvl5pPr>
-            <a:lvl6pPr marL="2286000" indent="0">
-              <a:buNone/>
-              <a:defRPr sz="1400">
-                <a:solidFill>
-                  <a:schemeClr val="tx1">
-                    <a:tint val="75000"/>
-                  </a:schemeClr>
-                </a:solidFill>
-              </a:defRPr>
-            </a:lvl6pPr>
-            <a:lvl7pPr marL="2743200" indent="0">
-              <a:buNone/>
-              <a:defRPr sz="1400">
-                <a:solidFill>
-                  <a:schemeClr val="tx1">
-                    <a:tint val="75000"/>
-                  </a:schemeClr>
-                </a:solidFill>
-              </a:defRPr>
-            </a:lvl7pPr>
-            <a:lvl8pPr marL="3200400" indent="0">
-              <a:buNone/>
-              <a:defRPr sz="1400">
-                <a:solidFill>
-                  <a:schemeClr val="tx1">
-                    <a:tint val="75000"/>
-                  </a:schemeClr>
-                </a:solidFill>
-              </a:defRPr>
-            </a:lvl8pPr>
-            <a:lvl9pPr marL="3657600" indent="0">
-              <a:buNone/>
-              <a:defRPr sz="1400">
-                <a:solidFill>
-                  <a:schemeClr val="tx1">
-                    <a:tint val="75000"/>
-                  </a:schemeClr>
-                </a:solidFill>
-              </a:defRPr>
-            </a:lvl9pPr>
-          </a:lstStyle>
+          <a:bodyPr vert="eaVert"/>
+          <a:lstStyle/>
           <a:p>
             <a:pPr lvl="0"/>
             <a:r>
-              <a:rPr lang="en-US" smtClean="0"/>
-              <a:t>Click to edit Master text styles</a:t>
-            </a:r>
-          </a:p>
-        </p:txBody>
-      </p:sp>
-      <p:sp>
-        <p:nvSpPr>
-          <p:cNvPr id="4" name="Date Placeholder 3"/>
+              <a:rPr lang="ko-KR" altLang="en-US"/>
+              <a:t>마스터 텍스트 스타일을 편집하려면 클릭</a:t>
+            </a:r>
+          </a:p>
+          <a:p>
+            <a:pPr lvl="1"/>
+            <a:r>
+              <a:rPr lang="ko-KR" altLang="en-US"/>
+              <a:t>두 번째 수준</a:t>
+            </a:r>
+          </a:p>
+          <a:p>
+            <a:pPr lvl="2"/>
+            <a:r>
+              <a:rPr lang="ko-KR" altLang="en-US"/>
+              <a:t>세 번째 수준</a:t>
+            </a:r>
+          </a:p>
+          <a:p>
+            <a:pPr lvl="3"/>
+            <a:r>
+              <a:rPr lang="ko-KR" altLang="en-US"/>
+              <a:t>네 번째 수준</a:t>
+            </a:r>
+          </a:p>
+          <a:p>
+            <a:pPr lvl="4"/>
+            <a:r>
+              <a:rPr lang="ko-KR" altLang="en-US"/>
+              <a:t>다섯 번째 수준</a:t>
+            </a:r>
+          </a:p>
+        </p:txBody>
+      </p:sp>
+      <p:sp>
+        <p:nvSpPr>
+          <p:cNvPr id="4" name="날짜 개체 틀 3">
+            <a:extLst>
+              <a:ext uri="{FF2B5EF4-FFF2-40B4-BE49-F238E27FC236}">
+                <a16:creationId xmlns:a16="http://schemas.microsoft.com/office/drawing/2014/main" id="{E27C62F3-4701-ED02-E4A8-B810EB977FA4}"/>
+              </a:ext>
+            </a:extLst>
+          </p:cNvPr>
           <p:cNvSpPr>
             <a:spLocks noGrp="1"/>
           </p:cNvSpPr>
@@ -1079,7 +1128,7 @@
           <a:p>
             <a:fld id="{5BCAD085-E8A6-8845-BD4E-CB4CCA059FC4}" type="datetimeFigureOut">
               <a:rPr lang="en-US" smtClean="0"/>
-              <a:t>1/20/2025</a:t>
+              <a:t>2/3/2025</a:t>
             </a:fld>
             <a:endParaRPr lang="en-US"/>
           </a:p>
@@ -1087,7 +1136,13 @@
       </p:sp>
       <p:sp>
         <p:nvSpPr>
-          <p:cNvPr id="5" name="Footer Placeholder 4"/>
+          <p:cNvPr id="5" name="바닥글 개체 틀 4">
+            <a:extLst>
+              <a:ext uri="{FF2B5EF4-FFF2-40B4-BE49-F238E27FC236}">
+                <a16:creationId xmlns:a16="http://schemas.microsoft.com/office/drawing/2014/main" id="{32D8AF7B-0B73-884B-8AEC-5FC115178E89}"/>
+              </a:ext>
+            </a:extLst>
+          </p:cNvPr>
           <p:cNvSpPr>
             <a:spLocks noGrp="1"/>
           </p:cNvSpPr>
@@ -1106,7 +1161,13 @@
       </p:sp>
       <p:sp>
         <p:nvSpPr>
-          <p:cNvPr id="6" name="Slide Number Placeholder 5"/>
+          <p:cNvPr id="6" name="슬라이드 번호 개체 틀 5">
+            <a:extLst>
+              <a:ext uri="{FF2B5EF4-FFF2-40B4-BE49-F238E27FC236}">
+                <a16:creationId xmlns:a16="http://schemas.microsoft.com/office/drawing/2014/main" id="{569BE91B-198C-C18D-F45E-1736EA655612}"/>
+              </a:ext>
+            </a:extLst>
+          </p:cNvPr>
           <p:cNvSpPr>
             <a:spLocks noGrp="1"/>
           </p:cNvSpPr>
@@ -1130,7 +1191,7 @@
     </p:spTree>
     <p:extLst>
       <p:ext uri="{BB962C8B-B14F-4D97-AF65-F5344CB8AC3E}">
-        <p14:creationId xmlns:p14="http://schemas.microsoft.com/office/powerpoint/2010/main" val="960648375"/>
+        <p14:creationId xmlns:p14="http://schemas.microsoft.com/office/powerpoint/2010/main" val="3652815590"/>
       </p:ext>
     </p:extLst>
   </p:cSld>
@@ -1140,9 +1201,9 @@
 </p:sldLayout>
 </file>
 
-<file path=ppt/slideLayouts/slideLayout4.xml><?xml version="1.0" encoding="utf-8"?>
-<p:sldLayout xmlns:a="http://schemas.openxmlformats.org/drawingml/2006/main" xmlns:r="http://schemas.openxmlformats.org/officeDocument/2006/relationships" xmlns:p="http://schemas.openxmlformats.org/presentationml/2006/main" type="twoObj" preserve="1">
-  <p:cSld name="Two Content">
+<file path=ppt/slideLayouts/slideLayout2.xml><?xml version="1.0" encoding="utf-8"?>
+<p:sldLayout xmlns:a="http://schemas.openxmlformats.org/drawingml/2006/main" xmlns:r="http://schemas.openxmlformats.org/officeDocument/2006/relationships" xmlns:p="http://schemas.openxmlformats.org/presentationml/2006/main" type="obj" preserve="1">
+  <p:cSld name="제목 및 내용">
     <p:spTree>
       <p:nvGrpSpPr>
         <p:cNvPr id="1" name=""/>
@@ -1159,7 +1220,13 @@
       </p:grpSpPr>
       <p:sp>
         <p:nvSpPr>
-          <p:cNvPr id="2" name="Title 1"/>
+          <p:cNvPr id="2" name="제목 1">
+            <a:extLst>
+              <a:ext uri="{FF2B5EF4-FFF2-40B4-BE49-F238E27FC236}">
+                <a16:creationId xmlns:a16="http://schemas.microsoft.com/office/drawing/2014/main" id="{920ADC39-5CEC-12FB-61BF-561F50740503}"/>
+              </a:ext>
+            </a:extLst>
+          </p:cNvPr>
           <p:cNvSpPr>
             <a:spLocks noGrp="1"/>
           </p:cNvSpPr>
@@ -1173,186 +1240,78 @@
           <a:lstStyle/>
           <a:p>
             <a:r>
-              <a:rPr lang="en-US" smtClean="0"/>
-              <a:t>Click to edit Master title style</a:t>
-            </a:r>
-            <a:endParaRPr lang="en-US"/>
-          </a:p>
-        </p:txBody>
-      </p:sp>
-      <p:sp>
-        <p:nvSpPr>
-          <p:cNvPr id="3" name="Content Placeholder 2"/>
-          <p:cNvSpPr>
-            <a:spLocks noGrp="1"/>
-          </p:cNvSpPr>
-          <p:nvPr>
-            <p:ph sz="half" idx="1"/>
-          </p:nvPr>
-        </p:nvSpPr>
-        <p:spPr>
-          <a:xfrm>
-            <a:off x="457200" y="1600200"/>
-            <a:ext cx="4038600" cy="4525963"/>
-          </a:xfrm>
-        </p:spPr>
+              <a:rPr lang="ko-KR" altLang="en-US"/>
+              <a:t>마스터 제목 스타일 편집</a:t>
+            </a:r>
+          </a:p>
+        </p:txBody>
+      </p:sp>
+      <p:sp>
+        <p:nvSpPr>
+          <p:cNvPr id="3" name="내용 개체 틀 2">
+            <a:extLst>
+              <a:ext uri="{FF2B5EF4-FFF2-40B4-BE49-F238E27FC236}">
+                <a16:creationId xmlns:a16="http://schemas.microsoft.com/office/drawing/2014/main" id="{0F029E89-8F5A-0EE0-43D2-5A9A7D1AF788}"/>
+              </a:ext>
+            </a:extLst>
+          </p:cNvPr>
+          <p:cNvSpPr>
+            <a:spLocks noGrp="1"/>
+          </p:cNvSpPr>
+          <p:nvPr>
+            <p:ph idx="1"/>
+          </p:nvPr>
+        </p:nvSpPr>
+        <p:spPr/>
         <p:txBody>
           <a:bodyPr/>
-          <a:lstStyle>
-            <a:lvl1pPr>
-              <a:defRPr sz="2800"/>
-            </a:lvl1pPr>
-            <a:lvl2pPr>
-              <a:defRPr sz="2400"/>
-            </a:lvl2pPr>
-            <a:lvl3pPr>
-              <a:defRPr sz="2000"/>
-            </a:lvl3pPr>
-            <a:lvl4pPr>
-              <a:defRPr sz="1800"/>
-            </a:lvl4pPr>
-            <a:lvl5pPr>
-              <a:defRPr sz="1800"/>
-            </a:lvl5pPr>
-            <a:lvl6pPr>
-              <a:defRPr sz="1800"/>
-            </a:lvl6pPr>
-            <a:lvl7pPr>
-              <a:defRPr sz="1800"/>
-            </a:lvl7pPr>
-            <a:lvl8pPr>
-              <a:defRPr sz="1800"/>
-            </a:lvl8pPr>
-            <a:lvl9pPr>
-              <a:defRPr sz="1800"/>
-            </a:lvl9pPr>
-          </a:lstStyle>
+          <a:lstStyle/>
           <a:p>
             <a:pPr lvl="0"/>
             <a:r>
-              <a:rPr lang="en-US" smtClean="0"/>
-              <a:t>Click to edit Master text styles</a:t>
+              <a:rPr lang="ko-KR" altLang="en-US"/>
+              <a:t>마스터 텍스트 스타일을 편집하려면 클릭</a:t>
             </a:r>
           </a:p>
           <a:p>
             <a:pPr lvl="1"/>
             <a:r>
-              <a:rPr lang="en-US" smtClean="0"/>
-              <a:t>Second level</a:t>
+              <a:rPr lang="ko-KR" altLang="en-US"/>
+              <a:t>두 번째 수준</a:t>
             </a:r>
           </a:p>
           <a:p>
             <a:pPr lvl="2"/>
             <a:r>
-              <a:rPr lang="en-US" smtClean="0"/>
-              <a:t>Third level</a:t>
+              <a:rPr lang="ko-KR" altLang="en-US"/>
+              <a:t>세 번째 수준</a:t>
             </a:r>
           </a:p>
           <a:p>
             <a:pPr lvl="3"/>
             <a:r>
-              <a:rPr lang="en-US" smtClean="0"/>
-              <a:t>Fourth level</a:t>
+              <a:rPr lang="ko-KR" altLang="en-US"/>
+              <a:t>네 번째 수준</a:t>
             </a:r>
           </a:p>
           <a:p>
             <a:pPr lvl="4"/>
             <a:r>
-              <a:rPr lang="en-US" smtClean="0"/>
-              <a:t>Fifth level</a:t>
-            </a:r>
-            <a:endParaRPr lang="en-US"/>
-          </a:p>
-        </p:txBody>
-      </p:sp>
-      <p:sp>
-        <p:nvSpPr>
-          <p:cNvPr id="4" name="Content Placeholder 3"/>
-          <p:cNvSpPr>
-            <a:spLocks noGrp="1"/>
-          </p:cNvSpPr>
-          <p:nvPr>
-            <p:ph sz="half" idx="2"/>
-          </p:nvPr>
-        </p:nvSpPr>
-        <p:spPr>
-          <a:xfrm>
-            <a:off x="4648200" y="1600200"/>
-            <a:ext cx="4038600" cy="4525963"/>
-          </a:xfrm>
-        </p:spPr>
-        <p:txBody>
-          <a:bodyPr/>
-          <a:lstStyle>
-            <a:lvl1pPr>
-              <a:defRPr sz="2800"/>
-            </a:lvl1pPr>
-            <a:lvl2pPr>
-              <a:defRPr sz="2400"/>
-            </a:lvl2pPr>
-            <a:lvl3pPr>
-              <a:defRPr sz="2000"/>
-            </a:lvl3pPr>
-            <a:lvl4pPr>
-              <a:defRPr sz="1800"/>
-            </a:lvl4pPr>
-            <a:lvl5pPr>
-              <a:defRPr sz="1800"/>
-            </a:lvl5pPr>
-            <a:lvl6pPr>
-              <a:defRPr sz="1800"/>
-            </a:lvl6pPr>
-            <a:lvl7pPr>
-              <a:defRPr sz="1800"/>
-            </a:lvl7pPr>
-            <a:lvl8pPr>
-              <a:defRPr sz="1800"/>
-            </a:lvl8pPr>
-            <a:lvl9pPr>
-              <a:defRPr sz="1800"/>
-            </a:lvl9pPr>
-          </a:lstStyle>
-          <a:p>
-            <a:pPr lvl="0"/>
-            <a:r>
-              <a:rPr lang="en-US" smtClean="0"/>
-              <a:t>Click to edit Master text styles</a:t>
-            </a:r>
-          </a:p>
-          <a:p>
-            <a:pPr lvl="1"/>
-            <a:r>
-              <a:rPr lang="en-US" smtClean="0"/>
-              <a:t>Second level</a:t>
-            </a:r>
-          </a:p>
-          <a:p>
-            <a:pPr lvl="2"/>
-            <a:r>
-              <a:rPr lang="en-US" smtClean="0"/>
-              <a:t>Third level</a:t>
-            </a:r>
-          </a:p>
-          <a:p>
-            <a:pPr lvl="3"/>
-            <a:r>
-              <a:rPr lang="en-US" smtClean="0"/>
-              <a:t>Fourth level</a:t>
-            </a:r>
-          </a:p>
-          <a:p>
-            <a:pPr lvl="4"/>
-            <a:r>
-              <a:rPr lang="en-US" smtClean="0"/>
-              <a:t>Fifth level</a:t>
-            </a:r>
-            <a:endParaRPr lang="en-US"/>
-          </a:p>
-        </p:txBody>
-      </p:sp>
-      <p:sp>
-        <p:nvSpPr>
-          <p:cNvPr id="5" name="Date Placeholder 4"/>
+              <a:rPr lang="ko-KR" altLang="en-US"/>
+              <a:t>다섯 번째 수준</a:t>
+            </a:r>
+          </a:p>
+        </p:txBody>
+      </p:sp>
+      <p:sp>
+        <p:nvSpPr>
+          <p:cNvPr id="4" name="날짜 개체 틀 3">
+            <a:extLst>
+              <a:ext uri="{FF2B5EF4-FFF2-40B4-BE49-F238E27FC236}">
+                <a16:creationId xmlns:a16="http://schemas.microsoft.com/office/drawing/2014/main" id="{C734D908-9B3C-305E-D91A-6967BE56C6F5}"/>
+              </a:ext>
+            </a:extLst>
+          </p:cNvPr>
           <p:cNvSpPr>
             <a:spLocks noGrp="1"/>
           </p:cNvSpPr>
@@ -1367,7 +1326,7 @@
           <a:p>
             <a:fld id="{5BCAD085-E8A6-8845-BD4E-CB4CCA059FC4}" type="datetimeFigureOut">
               <a:rPr lang="en-US" smtClean="0"/>
-              <a:t>1/20/2025</a:t>
+              <a:t>2/3/2025</a:t>
             </a:fld>
             <a:endParaRPr lang="en-US"/>
           </a:p>
@@ -1375,7 +1334,13 @@
       </p:sp>
       <p:sp>
         <p:nvSpPr>
-          <p:cNvPr id="6" name="Footer Placeholder 5"/>
+          <p:cNvPr id="5" name="바닥글 개체 틀 4">
+            <a:extLst>
+              <a:ext uri="{FF2B5EF4-FFF2-40B4-BE49-F238E27FC236}">
+                <a16:creationId xmlns:a16="http://schemas.microsoft.com/office/drawing/2014/main" id="{A3135F56-990E-5FC9-9BE2-1E9C40AFF1C5}"/>
+              </a:ext>
+            </a:extLst>
+          </p:cNvPr>
           <p:cNvSpPr>
             <a:spLocks noGrp="1"/>
           </p:cNvSpPr>
@@ -1394,7 +1359,13 @@
       </p:sp>
       <p:sp>
         <p:nvSpPr>
-          <p:cNvPr id="7" name="Slide Number Placeholder 6"/>
+          <p:cNvPr id="6" name="슬라이드 번호 개체 틀 5">
+            <a:extLst>
+              <a:ext uri="{FF2B5EF4-FFF2-40B4-BE49-F238E27FC236}">
+                <a16:creationId xmlns:a16="http://schemas.microsoft.com/office/drawing/2014/main" id="{2EC81E3B-AC7E-CAD3-2AF9-A4B0968BF569}"/>
+              </a:ext>
+            </a:extLst>
+          </p:cNvPr>
           <p:cNvSpPr>
             <a:spLocks noGrp="1"/>
           </p:cNvSpPr>
@@ -1418,7 +1389,7 @@
     </p:spTree>
     <p:extLst>
       <p:ext uri="{BB962C8B-B14F-4D97-AF65-F5344CB8AC3E}">
-        <p14:creationId xmlns:p14="http://schemas.microsoft.com/office/powerpoint/2010/main" val="2782244947"/>
+        <p14:creationId xmlns:p14="http://schemas.microsoft.com/office/powerpoint/2010/main" val="3912380085"/>
       </p:ext>
     </p:extLst>
   </p:cSld>
@@ -1428,9 +1399,9 @@
 </p:sldLayout>
 </file>
 
-<file path=ppt/slideLayouts/slideLayout5.xml><?xml version="1.0" encoding="utf-8"?>
-<p:sldLayout xmlns:a="http://schemas.openxmlformats.org/drawingml/2006/main" xmlns:r="http://schemas.openxmlformats.org/officeDocument/2006/relationships" xmlns:p="http://schemas.openxmlformats.org/presentationml/2006/main" type="twoTxTwoObj" preserve="1">
-  <p:cSld name="Comparison">
+<file path=ppt/slideLayouts/slideLayout3.xml><?xml version="1.0" encoding="utf-8"?>
+<p:sldLayout xmlns:a="http://schemas.openxmlformats.org/drawingml/2006/main" xmlns:r="http://schemas.openxmlformats.org/officeDocument/2006/relationships" xmlns:p="http://schemas.openxmlformats.org/presentationml/2006/main" type="secHead" preserve="1">
+  <p:cSld name="구역 머리글">
     <p:spTree>
       <p:nvGrpSpPr>
         <p:cNvPr id="1" name=""/>
@@ -1447,7 +1418,13 @@
       </p:grpSpPr>
       <p:sp>
         <p:nvSpPr>
-          <p:cNvPr id="2" name="Title 1"/>
+          <p:cNvPr id="2" name="제목 1">
+            <a:extLst>
+              <a:ext uri="{FF2B5EF4-FFF2-40B4-BE49-F238E27FC236}">
+                <a16:creationId xmlns:a16="http://schemas.microsoft.com/office/drawing/2014/main" id="{574784F1-7CE8-7B1C-A3FE-2565CC6A2490}"/>
+              </a:ext>
+            </a:extLst>
+          </p:cNvPr>
           <p:cNvSpPr>
             <a:spLocks noGrp="1"/>
           </p:cNvSpPr>
@@ -1455,26 +1432,36 @@
             <p:ph type="title"/>
           </p:nvPr>
         </p:nvSpPr>
-        <p:spPr/>
-        <p:txBody>
-          <a:bodyPr/>
+        <p:spPr>
+          <a:xfrm>
+            <a:off x="623888" y="1709739"/>
+            <a:ext cx="7886700" cy="2852737"/>
+          </a:xfrm>
+        </p:spPr>
+        <p:txBody>
+          <a:bodyPr anchor="b"/>
           <a:lstStyle>
             <a:lvl1pPr>
-              <a:defRPr/>
+              <a:defRPr sz="4500"/>
             </a:lvl1pPr>
           </a:lstStyle>
           <a:p>
             <a:r>
-              <a:rPr lang="en-US" smtClean="0"/>
-              <a:t>Click to edit Master title style</a:t>
-            </a:r>
-            <a:endParaRPr lang="en-US"/>
-          </a:p>
-        </p:txBody>
-      </p:sp>
-      <p:sp>
-        <p:nvSpPr>
-          <p:cNvPr id="3" name="Text Placeholder 2"/>
+              <a:rPr lang="ko-KR" altLang="en-US"/>
+              <a:t>마스터 제목 스타일 편집</a:t>
+            </a:r>
+          </a:p>
+        </p:txBody>
+      </p:sp>
+      <p:sp>
+        <p:nvSpPr>
+          <p:cNvPr id="3" name="텍스트 개체 틀 2">
+            <a:extLst>
+              <a:ext uri="{FF2B5EF4-FFF2-40B4-BE49-F238E27FC236}">
+                <a16:creationId xmlns:a16="http://schemas.microsoft.com/office/drawing/2014/main" id="{E0E261E4-52E0-E8AA-BFB4-2116F15D012C}"/>
+              </a:ext>
+            </a:extLst>
+          </p:cNvPr>
           <p:cNvSpPr>
             <a:spLocks noGrp="1"/>
           </p:cNvSpPr>
@@ -1484,297 +1471,122 @@
         </p:nvSpPr>
         <p:spPr>
           <a:xfrm>
-            <a:off x="457200" y="1535113"/>
-            <a:ext cx="4040188" cy="639762"/>
+            <a:off x="623888" y="4589464"/>
+            <a:ext cx="7886700" cy="1500187"/>
           </a:xfrm>
         </p:spPr>
         <p:txBody>
-          <a:bodyPr anchor="b"/>
+          <a:bodyPr/>
           <a:lstStyle>
             <a:lvl1pPr marL="0" indent="0">
               <a:buNone/>
-              <a:defRPr sz="2400" b="1"/>
+              <a:defRPr sz="1800">
+                <a:solidFill>
+                  <a:schemeClr val="tx1">
+                    <a:tint val="82000"/>
+                  </a:schemeClr>
+                </a:solidFill>
+              </a:defRPr>
             </a:lvl1pPr>
-            <a:lvl2pPr marL="457200" indent="0">
+            <a:lvl2pPr marL="342900" indent="0">
               <a:buNone/>
-              <a:defRPr sz="2000" b="1"/>
+              <a:defRPr sz="1500">
+                <a:solidFill>
+                  <a:schemeClr val="tx1">
+                    <a:tint val="82000"/>
+                  </a:schemeClr>
+                </a:solidFill>
+              </a:defRPr>
             </a:lvl2pPr>
-            <a:lvl3pPr marL="914400" indent="0">
+            <a:lvl3pPr marL="685800" indent="0">
               <a:buNone/>
-              <a:defRPr sz="1800" b="1"/>
+              <a:defRPr sz="1350">
+                <a:solidFill>
+                  <a:schemeClr val="tx1">
+                    <a:tint val="82000"/>
+                  </a:schemeClr>
+                </a:solidFill>
+              </a:defRPr>
             </a:lvl3pPr>
-            <a:lvl4pPr marL="1371600" indent="0">
+            <a:lvl4pPr marL="1028700" indent="0">
               <a:buNone/>
-              <a:defRPr sz="1600" b="1"/>
+              <a:defRPr sz="1200">
+                <a:solidFill>
+                  <a:schemeClr val="tx1">
+                    <a:tint val="82000"/>
+                  </a:schemeClr>
+                </a:solidFill>
+              </a:defRPr>
             </a:lvl4pPr>
-            <a:lvl5pPr marL="1828800" indent="0">
+            <a:lvl5pPr marL="1371600" indent="0">
               <a:buNone/>
-              <a:defRPr sz="1600" b="1"/>
+              <a:defRPr sz="1200">
+                <a:solidFill>
+                  <a:schemeClr val="tx1">
+                    <a:tint val="82000"/>
+                  </a:schemeClr>
+                </a:solidFill>
+              </a:defRPr>
             </a:lvl5pPr>
-            <a:lvl6pPr marL="2286000" indent="0">
+            <a:lvl6pPr marL="1714500" indent="0">
               <a:buNone/>
-              <a:defRPr sz="1600" b="1"/>
+              <a:defRPr sz="1200">
+                <a:solidFill>
+                  <a:schemeClr val="tx1">
+                    <a:tint val="82000"/>
+                  </a:schemeClr>
+                </a:solidFill>
+              </a:defRPr>
             </a:lvl6pPr>
-            <a:lvl7pPr marL="2743200" indent="0">
+            <a:lvl7pPr marL="2057400" indent="0">
               <a:buNone/>
-              <a:defRPr sz="1600" b="1"/>
+              <a:defRPr sz="1200">
+                <a:solidFill>
+                  <a:schemeClr val="tx1">
+                    <a:tint val="82000"/>
+                  </a:schemeClr>
+                </a:solidFill>
+              </a:defRPr>
             </a:lvl7pPr>
-            <a:lvl8pPr marL="3200400" indent="0">
+            <a:lvl8pPr marL="2400300" indent="0">
               <a:buNone/>
-              <a:defRPr sz="1600" b="1"/>
+              <a:defRPr sz="1200">
+                <a:solidFill>
+                  <a:schemeClr val="tx1">
+                    <a:tint val="82000"/>
+                  </a:schemeClr>
+                </a:solidFill>
+              </a:defRPr>
             </a:lvl8pPr>
-            <a:lvl9pPr marL="3657600" indent="0">
+            <a:lvl9pPr marL="2743200" indent="0">
               <a:buNone/>
-              <a:defRPr sz="1600" b="1"/>
+              <a:defRPr sz="1200">
+                <a:solidFill>
+                  <a:schemeClr val="tx1">
+                    <a:tint val="82000"/>
+                  </a:schemeClr>
+                </a:solidFill>
+              </a:defRPr>
             </a:lvl9pPr>
           </a:lstStyle>
           <a:p>
             <a:pPr lvl="0"/>
             <a:r>
-              <a:rPr lang="en-US" smtClean="0"/>
-              <a:t>Click to edit Master text styles</a:t>
-            </a:r>
-          </a:p>
-        </p:txBody>
-      </p:sp>
-      <p:sp>
-        <p:nvSpPr>
-          <p:cNvPr id="4" name="Content Placeholder 3"/>
-          <p:cNvSpPr>
-            <a:spLocks noGrp="1"/>
-          </p:cNvSpPr>
-          <p:nvPr>
-            <p:ph sz="half" idx="2"/>
-          </p:nvPr>
-        </p:nvSpPr>
-        <p:spPr>
-          <a:xfrm>
-            <a:off x="457200" y="2174875"/>
-            <a:ext cx="4040188" cy="3951288"/>
-          </a:xfrm>
-        </p:spPr>
-        <p:txBody>
-          <a:bodyPr/>
-          <a:lstStyle>
-            <a:lvl1pPr>
-              <a:defRPr sz="2400"/>
-            </a:lvl1pPr>
-            <a:lvl2pPr>
-              <a:defRPr sz="2000"/>
-            </a:lvl2pPr>
-            <a:lvl3pPr>
-              <a:defRPr sz="1800"/>
-            </a:lvl3pPr>
-            <a:lvl4pPr>
-              <a:defRPr sz="1600"/>
-            </a:lvl4pPr>
-            <a:lvl5pPr>
-              <a:defRPr sz="1600"/>
-            </a:lvl5pPr>
-            <a:lvl6pPr>
-              <a:defRPr sz="1600"/>
-            </a:lvl6pPr>
-            <a:lvl7pPr>
-              <a:defRPr sz="1600"/>
-            </a:lvl7pPr>
-            <a:lvl8pPr>
-              <a:defRPr sz="1600"/>
-            </a:lvl8pPr>
-            <a:lvl9pPr>
-              <a:defRPr sz="1600"/>
-            </a:lvl9pPr>
-          </a:lstStyle>
-          <a:p>
-            <a:pPr lvl="0"/>
-            <a:r>
-              <a:rPr lang="en-US" smtClean="0"/>
-              <a:t>Click to edit Master text styles</a:t>
-            </a:r>
-          </a:p>
-          <a:p>
-            <a:pPr lvl="1"/>
-            <a:r>
-              <a:rPr lang="en-US" smtClean="0"/>
-              <a:t>Second level</a:t>
-            </a:r>
-          </a:p>
-          <a:p>
-            <a:pPr lvl="2"/>
-            <a:r>
-              <a:rPr lang="en-US" smtClean="0"/>
-              <a:t>Third level</a:t>
-            </a:r>
-          </a:p>
-          <a:p>
-            <a:pPr lvl="3"/>
-            <a:r>
-              <a:rPr lang="en-US" smtClean="0"/>
-              <a:t>Fourth level</a:t>
-            </a:r>
-          </a:p>
-          <a:p>
-            <a:pPr lvl="4"/>
-            <a:r>
-              <a:rPr lang="en-US" smtClean="0"/>
-              <a:t>Fifth level</a:t>
-            </a:r>
-            <a:endParaRPr lang="en-US"/>
-          </a:p>
-        </p:txBody>
-      </p:sp>
-      <p:sp>
-        <p:nvSpPr>
-          <p:cNvPr id="5" name="Text Placeholder 4"/>
-          <p:cNvSpPr>
-            <a:spLocks noGrp="1"/>
-          </p:cNvSpPr>
-          <p:nvPr>
-            <p:ph type="body" sz="quarter" idx="3"/>
-          </p:nvPr>
-        </p:nvSpPr>
-        <p:spPr>
-          <a:xfrm>
-            <a:off x="4645025" y="1535113"/>
-            <a:ext cx="4041775" cy="639762"/>
-          </a:xfrm>
-        </p:spPr>
-        <p:txBody>
-          <a:bodyPr anchor="b"/>
-          <a:lstStyle>
-            <a:lvl1pPr marL="0" indent="0">
-              <a:buNone/>
-              <a:defRPr sz="2400" b="1"/>
-            </a:lvl1pPr>
-            <a:lvl2pPr marL="457200" indent="0">
-              <a:buNone/>
-              <a:defRPr sz="2000" b="1"/>
-            </a:lvl2pPr>
-            <a:lvl3pPr marL="914400" indent="0">
-              <a:buNone/>
-              <a:defRPr sz="1800" b="1"/>
-            </a:lvl3pPr>
-            <a:lvl4pPr marL="1371600" indent="0">
-              <a:buNone/>
-              <a:defRPr sz="1600" b="1"/>
-            </a:lvl4pPr>
-            <a:lvl5pPr marL="1828800" indent="0">
-              <a:buNone/>
-              <a:defRPr sz="1600" b="1"/>
-            </a:lvl5pPr>
-            <a:lvl6pPr marL="2286000" indent="0">
-              <a:buNone/>
-              <a:defRPr sz="1600" b="1"/>
-            </a:lvl6pPr>
-            <a:lvl7pPr marL="2743200" indent="0">
-              <a:buNone/>
-              <a:defRPr sz="1600" b="1"/>
-            </a:lvl7pPr>
-            <a:lvl8pPr marL="3200400" indent="0">
-              <a:buNone/>
-              <a:defRPr sz="1600" b="1"/>
-            </a:lvl8pPr>
-            <a:lvl9pPr marL="3657600" indent="0">
-              <a:buNone/>
-              <a:defRPr sz="1600" b="1"/>
-            </a:lvl9pPr>
-          </a:lstStyle>
-          <a:p>
-            <a:pPr lvl="0"/>
-            <a:r>
-              <a:rPr lang="en-US" smtClean="0"/>
-              <a:t>Click to edit Master text styles</a:t>
-            </a:r>
-          </a:p>
-        </p:txBody>
-      </p:sp>
-      <p:sp>
-        <p:nvSpPr>
-          <p:cNvPr id="6" name="Content Placeholder 5"/>
-          <p:cNvSpPr>
-            <a:spLocks noGrp="1"/>
-          </p:cNvSpPr>
-          <p:nvPr>
-            <p:ph sz="quarter" idx="4"/>
-          </p:nvPr>
-        </p:nvSpPr>
-        <p:spPr>
-          <a:xfrm>
-            <a:off x="4645025" y="2174875"/>
-            <a:ext cx="4041775" cy="3951288"/>
-          </a:xfrm>
-        </p:spPr>
-        <p:txBody>
-          <a:bodyPr/>
-          <a:lstStyle>
-            <a:lvl1pPr>
-              <a:defRPr sz="2400"/>
-            </a:lvl1pPr>
-            <a:lvl2pPr>
-              <a:defRPr sz="2000"/>
-            </a:lvl2pPr>
-            <a:lvl3pPr>
-              <a:defRPr sz="1800"/>
-            </a:lvl3pPr>
-            <a:lvl4pPr>
-              <a:defRPr sz="1600"/>
-            </a:lvl4pPr>
-            <a:lvl5pPr>
-              <a:defRPr sz="1600"/>
-            </a:lvl5pPr>
-            <a:lvl6pPr>
-              <a:defRPr sz="1600"/>
-            </a:lvl6pPr>
-            <a:lvl7pPr>
-              <a:defRPr sz="1600"/>
-            </a:lvl7pPr>
-            <a:lvl8pPr>
-              <a:defRPr sz="1600"/>
-            </a:lvl8pPr>
-            <a:lvl9pPr>
-              <a:defRPr sz="1600"/>
-            </a:lvl9pPr>
-          </a:lstStyle>
-          <a:p>
-            <a:pPr lvl="0"/>
-            <a:r>
-              <a:rPr lang="en-US" smtClean="0"/>
-              <a:t>Click to edit Master text styles</a:t>
-            </a:r>
-          </a:p>
-          <a:p>
-            <a:pPr lvl="1"/>
-            <a:r>
-              <a:rPr lang="en-US" smtClean="0"/>
-              <a:t>Second level</a:t>
-            </a:r>
-          </a:p>
-          <a:p>
-            <a:pPr lvl="2"/>
-            <a:r>
-              <a:rPr lang="en-US" smtClean="0"/>
-              <a:t>Third level</a:t>
-            </a:r>
-          </a:p>
-          <a:p>
-            <a:pPr lvl="3"/>
-            <a:r>
-              <a:rPr lang="en-US" smtClean="0"/>
-              <a:t>Fourth level</a:t>
-            </a:r>
-          </a:p>
-          <a:p>
-            <a:pPr lvl="4"/>
-            <a:r>
-              <a:rPr lang="en-US" smtClean="0"/>
-              <a:t>Fifth level</a:t>
-            </a:r>
-            <a:endParaRPr lang="en-US"/>
-          </a:p>
-        </p:txBody>
-      </p:sp>
-      <p:sp>
-        <p:nvSpPr>
-          <p:cNvPr id="7" name="Date Placeholder 6"/>
+              <a:rPr lang="ko-KR" altLang="en-US"/>
+              <a:t>마스터 텍스트 스타일을 편집하려면 클릭</a:t>
+            </a:r>
+          </a:p>
+        </p:txBody>
+      </p:sp>
+      <p:sp>
+        <p:nvSpPr>
+          <p:cNvPr id="4" name="날짜 개체 틀 3">
+            <a:extLst>
+              <a:ext uri="{FF2B5EF4-FFF2-40B4-BE49-F238E27FC236}">
+                <a16:creationId xmlns:a16="http://schemas.microsoft.com/office/drawing/2014/main" id="{F3E80CFE-6CF3-C8F2-5A34-21E4576BF8E3}"/>
+              </a:ext>
+            </a:extLst>
+          </p:cNvPr>
           <p:cNvSpPr>
             <a:spLocks noGrp="1"/>
           </p:cNvSpPr>
@@ -1789,7 +1601,7 @@
           <a:p>
             <a:fld id="{5BCAD085-E8A6-8845-BD4E-CB4CCA059FC4}" type="datetimeFigureOut">
               <a:rPr lang="en-US" smtClean="0"/>
-              <a:t>1/20/2025</a:t>
+              <a:t>2/3/2025</a:t>
             </a:fld>
             <a:endParaRPr lang="en-US"/>
           </a:p>
@@ -1797,7 +1609,13 @@
       </p:sp>
       <p:sp>
         <p:nvSpPr>
-          <p:cNvPr id="8" name="Footer Placeholder 7"/>
+          <p:cNvPr id="5" name="바닥글 개체 틀 4">
+            <a:extLst>
+              <a:ext uri="{FF2B5EF4-FFF2-40B4-BE49-F238E27FC236}">
+                <a16:creationId xmlns:a16="http://schemas.microsoft.com/office/drawing/2014/main" id="{975C19A9-3407-9229-D688-E6293AD263EB}"/>
+              </a:ext>
+            </a:extLst>
+          </p:cNvPr>
           <p:cNvSpPr>
             <a:spLocks noGrp="1"/>
           </p:cNvSpPr>
@@ -1816,7 +1634,13 @@
       </p:sp>
       <p:sp>
         <p:nvSpPr>
-          <p:cNvPr id="9" name="Slide Number Placeholder 8"/>
+          <p:cNvPr id="6" name="슬라이드 번호 개체 틀 5">
+            <a:extLst>
+              <a:ext uri="{FF2B5EF4-FFF2-40B4-BE49-F238E27FC236}">
+                <a16:creationId xmlns:a16="http://schemas.microsoft.com/office/drawing/2014/main" id="{4465DF70-9C6B-00C9-362C-8194FC4E928F}"/>
+              </a:ext>
+            </a:extLst>
+          </p:cNvPr>
           <p:cNvSpPr>
             <a:spLocks noGrp="1"/>
           </p:cNvSpPr>
@@ -1840,7 +1664,7 @@
     </p:spTree>
     <p:extLst>
       <p:ext uri="{BB962C8B-B14F-4D97-AF65-F5344CB8AC3E}">
-        <p14:creationId xmlns:p14="http://schemas.microsoft.com/office/powerpoint/2010/main" val="990158736"/>
+        <p14:creationId xmlns:p14="http://schemas.microsoft.com/office/powerpoint/2010/main" val="3525063061"/>
       </p:ext>
     </p:extLst>
   </p:cSld>
@@ -1850,9 +1674,9 @@
 </p:sldLayout>
 </file>
 
-<file path=ppt/slideLayouts/slideLayout6.xml><?xml version="1.0" encoding="utf-8"?>
-<p:sldLayout xmlns:a="http://schemas.openxmlformats.org/drawingml/2006/main" xmlns:r="http://schemas.openxmlformats.org/officeDocument/2006/relationships" xmlns:p="http://schemas.openxmlformats.org/presentationml/2006/main" type="titleOnly" preserve="1">
-  <p:cSld name="Title Only">
+<file path=ppt/slideLayouts/slideLayout4.xml><?xml version="1.0" encoding="utf-8"?>
+<p:sldLayout xmlns:a="http://schemas.openxmlformats.org/drawingml/2006/main" xmlns:r="http://schemas.openxmlformats.org/officeDocument/2006/relationships" xmlns:p="http://schemas.openxmlformats.org/presentationml/2006/main" type="twoObj" preserve="1">
+  <p:cSld name="콘텐츠 2개">
     <p:spTree>
       <p:nvGrpSpPr>
         <p:cNvPr id="1" name=""/>
@@ -1869,7 +1693,13 @@
       </p:grpSpPr>
       <p:sp>
         <p:nvSpPr>
-          <p:cNvPr id="2" name="Title 1"/>
+          <p:cNvPr id="2" name="제목 1">
+            <a:extLst>
+              <a:ext uri="{FF2B5EF4-FFF2-40B4-BE49-F238E27FC236}">
+                <a16:creationId xmlns:a16="http://schemas.microsoft.com/office/drawing/2014/main" id="{59740F89-F46C-F002-CAF8-14F56719B218}"/>
+              </a:ext>
+            </a:extLst>
+          </p:cNvPr>
           <p:cNvSpPr>
             <a:spLocks noGrp="1"/>
           </p:cNvSpPr>
@@ -1883,16 +1713,145 @@
           <a:lstStyle/>
           <a:p>
             <a:r>
-              <a:rPr lang="en-US" smtClean="0"/>
-              <a:t>Click to edit Master title style</a:t>
-            </a:r>
-            <a:endParaRPr lang="en-US"/>
-          </a:p>
-        </p:txBody>
-      </p:sp>
-      <p:sp>
-        <p:nvSpPr>
-          <p:cNvPr id="3" name="Date Placeholder 2"/>
+              <a:rPr lang="ko-KR" altLang="en-US"/>
+              <a:t>마스터 제목 스타일 편집</a:t>
+            </a:r>
+          </a:p>
+        </p:txBody>
+      </p:sp>
+      <p:sp>
+        <p:nvSpPr>
+          <p:cNvPr id="3" name="내용 개체 틀 2">
+            <a:extLst>
+              <a:ext uri="{FF2B5EF4-FFF2-40B4-BE49-F238E27FC236}">
+                <a16:creationId xmlns:a16="http://schemas.microsoft.com/office/drawing/2014/main" id="{8A5F1E81-70F5-0B6E-3568-94D2058DD9BB}"/>
+              </a:ext>
+            </a:extLst>
+          </p:cNvPr>
+          <p:cNvSpPr>
+            <a:spLocks noGrp="1"/>
+          </p:cNvSpPr>
+          <p:nvPr>
+            <p:ph sz="half" idx="1"/>
+          </p:nvPr>
+        </p:nvSpPr>
+        <p:spPr>
+          <a:xfrm>
+            <a:off x="628650" y="1825625"/>
+            <a:ext cx="3886200" cy="4351338"/>
+          </a:xfrm>
+        </p:spPr>
+        <p:txBody>
+          <a:bodyPr/>
+          <a:lstStyle/>
+          <a:p>
+            <a:pPr lvl="0"/>
+            <a:r>
+              <a:rPr lang="ko-KR" altLang="en-US"/>
+              <a:t>마스터 텍스트 스타일을 편집하려면 클릭</a:t>
+            </a:r>
+          </a:p>
+          <a:p>
+            <a:pPr lvl="1"/>
+            <a:r>
+              <a:rPr lang="ko-KR" altLang="en-US"/>
+              <a:t>두 번째 수준</a:t>
+            </a:r>
+          </a:p>
+          <a:p>
+            <a:pPr lvl="2"/>
+            <a:r>
+              <a:rPr lang="ko-KR" altLang="en-US"/>
+              <a:t>세 번째 수준</a:t>
+            </a:r>
+          </a:p>
+          <a:p>
+            <a:pPr lvl="3"/>
+            <a:r>
+              <a:rPr lang="ko-KR" altLang="en-US"/>
+              <a:t>네 번째 수준</a:t>
+            </a:r>
+          </a:p>
+          <a:p>
+            <a:pPr lvl="4"/>
+            <a:r>
+              <a:rPr lang="ko-KR" altLang="en-US"/>
+              <a:t>다섯 번째 수준</a:t>
+            </a:r>
+          </a:p>
+        </p:txBody>
+      </p:sp>
+      <p:sp>
+        <p:nvSpPr>
+          <p:cNvPr id="4" name="내용 개체 틀 3">
+            <a:extLst>
+              <a:ext uri="{FF2B5EF4-FFF2-40B4-BE49-F238E27FC236}">
+                <a16:creationId xmlns:a16="http://schemas.microsoft.com/office/drawing/2014/main" id="{DB7E60E4-4EE2-EB5E-FF9E-2572F7E6D1B0}"/>
+              </a:ext>
+            </a:extLst>
+          </p:cNvPr>
+          <p:cNvSpPr>
+            <a:spLocks noGrp="1"/>
+          </p:cNvSpPr>
+          <p:nvPr>
+            <p:ph sz="half" idx="2"/>
+          </p:nvPr>
+        </p:nvSpPr>
+        <p:spPr>
+          <a:xfrm>
+            <a:off x="4629150" y="1825625"/>
+            <a:ext cx="3886200" cy="4351338"/>
+          </a:xfrm>
+        </p:spPr>
+        <p:txBody>
+          <a:bodyPr/>
+          <a:lstStyle/>
+          <a:p>
+            <a:pPr lvl="0"/>
+            <a:r>
+              <a:rPr lang="ko-KR" altLang="en-US"/>
+              <a:t>마스터 텍스트 스타일을 편집하려면 클릭</a:t>
+            </a:r>
+          </a:p>
+          <a:p>
+            <a:pPr lvl="1"/>
+            <a:r>
+              <a:rPr lang="ko-KR" altLang="en-US"/>
+              <a:t>두 번째 수준</a:t>
+            </a:r>
+          </a:p>
+          <a:p>
+            <a:pPr lvl="2"/>
+            <a:r>
+              <a:rPr lang="ko-KR" altLang="en-US"/>
+              <a:t>세 번째 수준</a:t>
+            </a:r>
+          </a:p>
+          <a:p>
+            <a:pPr lvl="3"/>
+            <a:r>
+              <a:rPr lang="ko-KR" altLang="en-US"/>
+              <a:t>네 번째 수준</a:t>
+            </a:r>
+          </a:p>
+          <a:p>
+            <a:pPr lvl="4"/>
+            <a:r>
+              <a:rPr lang="ko-KR" altLang="en-US"/>
+              <a:t>다섯 번째 수준</a:t>
+            </a:r>
+          </a:p>
+        </p:txBody>
+      </p:sp>
+      <p:sp>
+        <p:nvSpPr>
+          <p:cNvPr id="5" name="날짜 개체 틀 4">
+            <a:extLst>
+              <a:ext uri="{FF2B5EF4-FFF2-40B4-BE49-F238E27FC236}">
+                <a16:creationId xmlns:a16="http://schemas.microsoft.com/office/drawing/2014/main" id="{373CD171-ED45-301F-CF60-55B3476D741A}"/>
+              </a:ext>
+            </a:extLst>
+          </p:cNvPr>
           <p:cNvSpPr>
             <a:spLocks noGrp="1"/>
           </p:cNvSpPr>
@@ -1907,7 +1866,7 @@
           <a:p>
             <a:fld id="{5BCAD085-E8A6-8845-BD4E-CB4CCA059FC4}" type="datetimeFigureOut">
               <a:rPr lang="en-US" smtClean="0"/>
-              <a:t>1/20/2025</a:t>
+              <a:t>2/3/2025</a:t>
             </a:fld>
             <a:endParaRPr lang="en-US"/>
           </a:p>
@@ -1915,7 +1874,13 @@
       </p:sp>
       <p:sp>
         <p:nvSpPr>
-          <p:cNvPr id="4" name="Footer Placeholder 3"/>
+          <p:cNvPr id="6" name="바닥글 개체 틀 5">
+            <a:extLst>
+              <a:ext uri="{FF2B5EF4-FFF2-40B4-BE49-F238E27FC236}">
+                <a16:creationId xmlns:a16="http://schemas.microsoft.com/office/drawing/2014/main" id="{2F4E67DB-55DB-0C18-C440-F54790343DD6}"/>
+              </a:ext>
+            </a:extLst>
+          </p:cNvPr>
           <p:cNvSpPr>
             <a:spLocks noGrp="1"/>
           </p:cNvSpPr>
@@ -1934,7 +1899,13 @@
       </p:sp>
       <p:sp>
         <p:nvSpPr>
-          <p:cNvPr id="5" name="Slide Number Placeholder 4"/>
+          <p:cNvPr id="7" name="슬라이드 번호 개체 틀 6">
+            <a:extLst>
+              <a:ext uri="{FF2B5EF4-FFF2-40B4-BE49-F238E27FC236}">
+                <a16:creationId xmlns:a16="http://schemas.microsoft.com/office/drawing/2014/main" id="{46F0CD93-6AC8-4EC7-8B6C-A3574BCF3594}"/>
+              </a:ext>
+            </a:extLst>
+          </p:cNvPr>
           <p:cNvSpPr>
             <a:spLocks noGrp="1"/>
           </p:cNvSpPr>
@@ -1958,7 +1929,7 @@
     </p:spTree>
     <p:extLst>
       <p:ext uri="{BB962C8B-B14F-4D97-AF65-F5344CB8AC3E}">
-        <p14:creationId xmlns:p14="http://schemas.microsoft.com/office/powerpoint/2010/main" val="727027711"/>
+        <p14:creationId xmlns:p14="http://schemas.microsoft.com/office/powerpoint/2010/main" val="1509712804"/>
       </p:ext>
     </p:extLst>
   </p:cSld>
@@ -1968,9 +1939,9 @@
 </p:sldLayout>
 </file>
 
-<file path=ppt/slideLayouts/slideLayout7.xml><?xml version="1.0" encoding="utf-8"?>
-<p:sldLayout xmlns:a="http://schemas.openxmlformats.org/drawingml/2006/main" xmlns:r="http://schemas.openxmlformats.org/officeDocument/2006/relationships" xmlns:p="http://schemas.openxmlformats.org/presentationml/2006/main" type="blank" preserve="1">
-  <p:cSld name="Blank">
+<file path=ppt/slideLayouts/slideLayout5.xml><?xml version="1.0" encoding="utf-8"?>
+<p:sldLayout xmlns:a="http://schemas.openxmlformats.org/drawingml/2006/main" xmlns:r="http://schemas.openxmlformats.org/officeDocument/2006/relationships" xmlns:p="http://schemas.openxmlformats.org/presentationml/2006/main" type="twoTxTwoObj" preserve="1">
+  <p:cSld name="비교">
     <p:spTree>
       <p:nvGrpSpPr>
         <p:cNvPr id="1" name=""/>
@@ -1987,7 +1958,312 @@
       </p:grpSpPr>
       <p:sp>
         <p:nvSpPr>
-          <p:cNvPr id="2" name="Date Placeholder 1"/>
+          <p:cNvPr id="2" name="제목 1">
+            <a:extLst>
+              <a:ext uri="{FF2B5EF4-FFF2-40B4-BE49-F238E27FC236}">
+                <a16:creationId xmlns:a16="http://schemas.microsoft.com/office/drawing/2014/main" id="{81397C69-2B1C-F340-5377-D03D69745E59}"/>
+              </a:ext>
+            </a:extLst>
+          </p:cNvPr>
+          <p:cNvSpPr>
+            <a:spLocks noGrp="1"/>
+          </p:cNvSpPr>
+          <p:nvPr>
+            <p:ph type="title"/>
+          </p:nvPr>
+        </p:nvSpPr>
+        <p:spPr>
+          <a:xfrm>
+            <a:off x="629841" y="365126"/>
+            <a:ext cx="7886700" cy="1325563"/>
+          </a:xfrm>
+        </p:spPr>
+        <p:txBody>
+          <a:bodyPr/>
+          <a:lstStyle/>
+          <a:p>
+            <a:r>
+              <a:rPr lang="ko-KR" altLang="en-US"/>
+              <a:t>마스터 제목 스타일 편집</a:t>
+            </a:r>
+          </a:p>
+        </p:txBody>
+      </p:sp>
+      <p:sp>
+        <p:nvSpPr>
+          <p:cNvPr id="3" name="텍스트 개체 틀 2">
+            <a:extLst>
+              <a:ext uri="{FF2B5EF4-FFF2-40B4-BE49-F238E27FC236}">
+                <a16:creationId xmlns:a16="http://schemas.microsoft.com/office/drawing/2014/main" id="{213155AC-F89E-A649-A581-8DF6942924ED}"/>
+              </a:ext>
+            </a:extLst>
+          </p:cNvPr>
+          <p:cNvSpPr>
+            <a:spLocks noGrp="1"/>
+          </p:cNvSpPr>
+          <p:nvPr>
+            <p:ph type="body" idx="1"/>
+          </p:nvPr>
+        </p:nvSpPr>
+        <p:spPr>
+          <a:xfrm>
+            <a:off x="629842" y="1681163"/>
+            <a:ext cx="3868340" cy="823912"/>
+          </a:xfrm>
+        </p:spPr>
+        <p:txBody>
+          <a:bodyPr anchor="b"/>
+          <a:lstStyle>
+            <a:lvl1pPr marL="0" indent="0">
+              <a:buNone/>
+              <a:defRPr sz="1800" b="1"/>
+            </a:lvl1pPr>
+            <a:lvl2pPr marL="342900" indent="0">
+              <a:buNone/>
+              <a:defRPr sz="1500" b="1"/>
+            </a:lvl2pPr>
+            <a:lvl3pPr marL="685800" indent="0">
+              <a:buNone/>
+              <a:defRPr sz="1350" b="1"/>
+            </a:lvl3pPr>
+            <a:lvl4pPr marL="1028700" indent="0">
+              <a:buNone/>
+              <a:defRPr sz="1200" b="1"/>
+            </a:lvl4pPr>
+            <a:lvl5pPr marL="1371600" indent="0">
+              <a:buNone/>
+              <a:defRPr sz="1200" b="1"/>
+            </a:lvl5pPr>
+            <a:lvl6pPr marL="1714500" indent="0">
+              <a:buNone/>
+              <a:defRPr sz="1200" b="1"/>
+            </a:lvl6pPr>
+            <a:lvl7pPr marL="2057400" indent="0">
+              <a:buNone/>
+              <a:defRPr sz="1200" b="1"/>
+            </a:lvl7pPr>
+            <a:lvl8pPr marL="2400300" indent="0">
+              <a:buNone/>
+              <a:defRPr sz="1200" b="1"/>
+            </a:lvl8pPr>
+            <a:lvl9pPr marL="2743200" indent="0">
+              <a:buNone/>
+              <a:defRPr sz="1200" b="1"/>
+            </a:lvl9pPr>
+          </a:lstStyle>
+          <a:p>
+            <a:pPr lvl="0"/>
+            <a:r>
+              <a:rPr lang="ko-KR" altLang="en-US"/>
+              <a:t>마스터 텍스트 스타일을 편집하려면 클릭</a:t>
+            </a:r>
+          </a:p>
+        </p:txBody>
+      </p:sp>
+      <p:sp>
+        <p:nvSpPr>
+          <p:cNvPr id="4" name="내용 개체 틀 3">
+            <a:extLst>
+              <a:ext uri="{FF2B5EF4-FFF2-40B4-BE49-F238E27FC236}">
+                <a16:creationId xmlns:a16="http://schemas.microsoft.com/office/drawing/2014/main" id="{636DB1DD-06DD-A3D0-9E6F-F09679FA0371}"/>
+              </a:ext>
+            </a:extLst>
+          </p:cNvPr>
+          <p:cNvSpPr>
+            <a:spLocks noGrp="1"/>
+          </p:cNvSpPr>
+          <p:nvPr>
+            <p:ph sz="half" idx="2"/>
+          </p:nvPr>
+        </p:nvSpPr>
+        <p:spPr>
+          <a:xfrm>
+            <a:off x="629842" y="2505075"/>
+            <a:ext cx="3868340" cy="3684588"/>
+          </a:xfrm>
+        </p:spPr>
+        <p:txBody>
+          <a:bodyPr/>
+          <a:lstStyle/>
+          <a:p>
+            <a:pPr lvl="0"/>
+            <a:r>
+              <a:rPr lang="ko-KR" altLang="en-US"/>
+              <a:t>마스터 텍스트 스타일을 편집하려면 클릭</a:t>
+            </a:r>
+          </a:p>
+          <a:p>
+            <a:pPr lvl="1"/>
+            <a:r>
+              <a:rPr lang="ko-KR" altLang="en-US"/>
+              <a:t>두 번째 수준</a:t>
+            </a:r>
+          </a:p>
+          <a:p>
+            <a:pPr lvl="2"/>
+            <a:r>
+              <a:rPr lang="ko-KR" altLang="en-US"/>
+              <a:t>세 번째 수준</a:t>
+            </a:r>
+          </a:p>
+          <a:p>
+            <a:pPr lvl="3"/>
+            <a:r>
+              <a:rPr lang="ko-KR" altLang="en-US"/>
+              <a:t>네 번째 수준</a:t>
+            </a:r>
+          </a:p>
+          <a:p>
+            <a:pPr lvl="4"/>
+            <a:r>
+              <a:rPr lang="ko-KR" altLang="en-US"/>
+              <a:t>다섯 번째 수준</a:t>
+            </a:r>
+          </a:p>
+        </p:txBody>
+      </p:sp>
+      <p:sp>
+        <p:nvSpPr>
+          <p:cNvPr id="5" name="텍스트 개체 틀 4">
+            <a:extLst>
+              <a:ext uri="{FF2B5EF4-FFF2-40B4-BE49-F238E27FC236}">
+                <a16:creationId xmlns:a16="http://schemas.microsoft.com/office/drawing/2014/main" id="{C0840A9D-2140-753E-C404-636EA05F61D3}"/>
+              </a:ext>
+            </a:extLst>
+          </p:cNvPr>
+          <p:cNvSpPr>
+            <a:spLocks noGrp="1"/>
+          </p:cNvSpPr>
+          <p:nvPr>
+            <p:ph type="body" sz="quarter" idx="3"/>
+          </p:nvPr>
+        </p:nvSpPr>
+        <p:spPr>
+          <a:xfrm>
+            <a:off x="4629150" y="1681163"/>
+            <a:ext cx="3887391" cy="823912"/>
+          </a:xfrm>
+        </p:spPr>
+        <p:txBody>
+          <a:bodyPr anchor="b"/>
+          <a:lstStyle>
+            <a:lvl1pPr marL="0" indent="0">
+              <a:buNone/>
+              <a:defRPr sz="1800" b="1"/>
+            </a:lvl1pPr>
+            <a:lvl2pPr marL="342900" indent="0">
+              <a:buNone/>
+              <a:defRPr sz="1500" b="1"/>
+            </a:lvl2pPr>
+            <a:lvl3pPr marL="685800" indent="0">
+              <a:buNone/>
+              <a:defRPr sz="1350" b="1"/>
+            </a:lvl3pPr>
+            <a:lvl4pPr marL="1028700" indent="0">
+              <a:buNone/>
+              <a:defRPr sz="1200" b="1"/>
+            </a:lvl4pPr>
+            <a:lvl5pPr marL="1371600" indent="0">
+              <a:buNone/>
+              <a:defRPr sz="1200" b="1"/>
+            </a:lvl5pPr>
+            <a:lvl6pPr marL="1714500" indent="0">
+              <a:buNone/>
+              <a:defRPr sz="1200" b="1"/>
+            </a:lvl6pPr>
+            <a:lvl7pPr marL="2057400" indent="0">
+              <a:buNone/>
+              <a:defRPr sz="1200" b="1"/>
+            </a:lvl7pPr>
+            <a:lvl8pPr marL="2400300" indent="0">
+              <a:buNone/>
+              <a:defRPr sz="1200" b="1"/>
+            </a:lvl8pPr>
+            <a:lvl9pPr marL="2743200" indent="0">
+              <a:buNone/>
+              <a:defRPr sz="1200" b="1"/>
+            </a:lvl9pPr>
+          </a:lstStyle>
+          <a:p>
+            <a:pPr lvl="0"/>
+            <a:r>
+              <a:rPr lang="ko-KR" altLang="en-US"/>
+              <a:t>마스터 텍스트 스타일을 편집하려면 클릭</a:t>
+            </a:r>
+          </a:p>
+        </p:txBody>
+      </p:sp>
+      <p:sp>
+        <p:nvSpPr>
+          <p:cNvPr id="6" name="내용 개체 틀 5">
+            <a:extLst>
+              <a:ext uri="{FF2B5EF4-FFF2-40B4-BE49-F238E27FC236}">
+                <a16:creationId xmlns:a16="http://schemas.microsoft.com/office/drawing/2014/main" id="{8C8D6364-6861-4872-0726-43A39FADA56F}"/>
+              </a:ext>
+            </a:extLst>
+          </p:cNvPr>
+          <p:cNvSpPr>
+            <a:spLocks noGrp="1"/>
+          </p:cNvSpPr>
+          <p:nvPr>
+            <p:ph sz="quarter" idx="4"/>
+          </p:nvPr>
+        </p:nvSpPr>
+        <p:spPr>
+          <a:xfrm>
+            <a:off x="4629150" y="2505075"/>
+            <a:ext cx="3887391" cy="3684588"/>
+          </a:xfrm>
+        </p:spPr>
+        <p:txBody>
+          <a:bodyPr/>
+          <a:lstStyle/>
+          <a:p>
+            <a:pPr lvl="0"/>
+            <a:r>
+              <a:rPr lang="ko-KR" altLang="en-US"/>
+              <a:t>마스터 텍스트 스타일을 편집하려면 클릭</a:t>
+            </a:r>
+          </a:p>
+          <a:p>
+            <a:pPr lvl="1"/>
+            <a:r>
+              <a:rPr lang="ko-KR" altLang="en-US"/>
+              <a:t>두 번째 수준</a:t>
+            </a:r>
+          </a:p>
+          <a:p>
+            <a:pPr lvl="2"/>
+            <a:r>
+              <a:rPr lang="ko-KR" altLang="en-US"/>
+              <a:t>세 번째 수준</a:t>
+            </a:r>
+          </a:p>
+          <a:p>
+            <a:pPr lvl="3"/>
+            <a:r>
+              <a:rPr lang="ko-KR" altLang="en-US"/>
+              <a:t>네 번째 수준</a:t>
+            </a:r>
+          </a:p>
+          <a:p>
+            <a:pPr lvl="4"/>
+            <a:r>
+              <a:rPr lang="ko-KR" altLang="en-US"/>
+              <a:t>다섯 번째 수준</a:t>
+            </a:r>
+          </a:p>
+        </p:txBody>
+      </p:sp>
+      <p:sp>
+        <p:nvSpPr>
+          <p:cNvPr id="7" name="날짜 개체 틀 6">
+            <a:extLst>
+              <a:ext uri="{FF2B5EF4-FFF2-40B4-BE49-F238E27FC236}">
+                <a16:creationId xmlns:a16="http://schemas.microsoft.com/office/drawing/2014/main" id="{38B2A160-79EA-B051-3671-B785360B9E9F}"/>
+              </a:ext>
+            </a:extLst>
+          </p:cNvPr>
           <p:cNvSpPr>
             <a:spLocks noGrp="1"/>
           </p:cNvSpPr>
@@ -2002,7 +2278,7 @@
           <a:p>
             <a:fld id="{5BCAD085-E8A6-8845-BD4E-CB4CCA059FC4}" type="datetimeFigureOut">
               <a:rPr lang="en-US" smtClean="0"/>
-              <a:t>1/20/2025</a:t>
+              <a:t>2/3/2025</a:t>
             </a:fld>
             <a:endParaRPr lang="en-US"/>
           </a:p>
@@ -2010,7 +2286,13 @@
       </p:sp>
       <p:sp>
         <p:nvSpPr>
-          <p:cNvPr id="3" name="Footer Placeholder 2"/>
+          <p:cNvPr id="8" name="바닥글 개체 틀 7">
+            <a:extLst>
+              <a:ext uri="{FF2B5EF4-FFF2-40B4-BE49-F238E27FC236}">
+                <a16:creationId xmlns:a16="http://schemas.microsoft.com/office/drawing/2014/main" id="{1F186F76-EE98-0613-0914-9A2FF70E4600}"/>
+              </a:ext>
+            </a:extLst>
+          </p:cNvPr>
           <p:cNvSpPr>
             <a:spLocks noGrp="1"/>
           </p:cNvSpPr>
@@ -2029,7 +2311,13 @@
       </p:sp>
       <p:sp>
         <p:nvSpPr>
-          <p:cNvPr id="4" name="Slide Number Placeholder 3"/>
+          <p:cNvPr id="9" name="슬라이드 번호 개체 틀 8">
+            <a:extLst>
+              <a:ext uri="{FF2B5EF4-FFF2-40B4-BE49-F238E27FC236}">
+                <a16:creationId xmlns:a16="http://schemas.microsoft.com/office/drawing/2014/main" id="{512A6E75-654C-06F0-0AB9-7F446FFCCF9E}"/>
+              </a:ext>
+            </a:extLst>
+          </p:cNvPr>
           <p:cNvSpPr>
             <a:spLocks noGrp="1"/>
           </p:cNvSpPr>
@@ -2053,7 +2341,7 @@
     </p:spTree>
     <p:extLst>
       <p:ext uri="{BB962C8B-B14F-4D97-AF65-F5344CB8AC3E}">
-        <p14:creationId xmlns:p14="http://schemas.microsoft.com/office/powerpoint/2010/main" val="1212999818"/>
+        <p14:creationId xmlns:p14="http://schemas.microsoft.com/office/powerpoint/2010/main" val="3187044726"/>
       </p:ext>
     </p:extLst>
   </p:cSld>
@@ -2063,9 +2351,9 @@
 </p:sldLayout>
 </file>
 
-<file path=ppt/slideLayouts/slideLayout8.xml><?xml version="1.0" encoding="utf-8"?>
-<p:sldLayout xmlns:a="http://schemas.openxmlformats.org/drawingml/2006/main" xmlns:r="http://schemas.openxmlformats.org/officeDocument/2006/relationships" xmlns:p="http://schemas.openxmlformats.org/presentationml/2006/main" type="objTx" preserve="1">
-  <p:cSld name="Content with Caption">
+<file path=ppt/slideLayouts/slideLayout6.xml><?xml version="1.0" encoding="utf-8"?>
+<p:sldLayout xmlns:a="http://schemas.openxmlformats.org/drawingml/2006/main" xmlns:r="http://schemas.openxmlformats.org/officeDocument/2006/relationships" xmlns:p="http://schemas.openxmlformats.org/presentationml/2006/main" type="titleOnly" preserve="1">
+  <p:cSld name="제목만">
     <p:spTree>
       <p:nvGrpSpPr>
         <p:cNvPr id="1" name=""/>
@@ -2082,7 +2370,13 @@
       </p:grpSpPr>
       <p:sp>
         <p:nvSpPr>
-          <p:cNvPr id="2" name="Title 1"/>
+          <p:cNvPr id="2" name="제목 1">
+            <a:extLst>
+              <a:ext uri="{FF2B5EF4-FFF2-40B4-BE49-F238E27FC236}">
+                <a16:creationId xmlns:a16="http://schemas.microsoft.com/office/drawing/2014/main" id="{AA244DD5-4EA2-67D9-4705-C9C0EAE6B2B0}"/>
+              </a:ext>
+            </a:extLst>
+          </p:cNvPr>
           <p:cNvSpPr>
             <a:spLocks noGrp="1"/>
           </p:cNvSpPr>
@@ -2090,181 +2384,27 @@
             <p:ph type="title"/>
           </p:nvPr>
         </p:nvSpPr>
-        <p:spPr>
-          <a:xfrm>
-            <a:off x="457200" y="273050"/>
-            <a:ext cx="3008313" cy="1162050"/>
-          </a:xfrm>
-        </p:spPr>
-        <p:txBody>
-          <a:bodyPr anchor="b"/>
-          <a:lstStyle>
-            <a:lvl1pPr algn="l">
-              <a:defRPr sz="2000" b="1"/>
-            </a:lvl1pPr>
-          </a:lstStyle>
-          <a:p>
-            <a:r>
-              <a:rPr lang="en-US" smtClean="0"/>
-              <a:t>Click to edit Master title style</a:t>
-            </a:r>
-            <a:endParaRPr lang="en-US"/>
-          </a:p>
-        </p:txBody>
-      </p:sp>
-      <p:sp>
-        <p:nvSpPr>
-          <p:cNvPr id="3" name="Content Placeholder 2"/>
-          <p:cNvSpPr>
-            <a:spLocks noGrp="1"/>
-          </p:cNvSpPr>
-          <p:nvPr>
-            <p:ph idx="1"/>
-          </p:nvPr>
-        </p:nvSpPr>
-        <p:spPr>
-          <a:xfrm>
-            <a:off x="3575050" y="273050"/>
-            <a:ext cx="5111750" cy="5853113"/>
-          </a:xfrm>
-        </p:spPr>
+        <p:spPr/>
         <p:txBody>
           <a:bodyPr/>
-          <a:lstStyle>
-            <a:lvl1pPr>
-              <a:defRPr sz="3200"/>
-            </a:lvl1pPr>
-            <a:lvl2pPr>
-              <a:defRPr sz="2800"/>
-            </a:lvl2pPr>
-            <a:lvl3pPr>
-              <a:defRPr sz="2400"/>
-            </a:lvl3pPr>
-            <a:lvl4pPr>
-              <a:defRPr sz="2000"/>
-            </a:lvl4pPr>
-            <a:lvl5pPr>
-              <a:defRPr sz="2000"/>
-            </a:lvl5pPr>
-            <a:lvl6pPr>
-              <a:defRPr sz="2000"/>
-            </a:lvl6pPr>
-            <a:lvl7pPr>
-              <a:defRPr sz="2000"/>
-            </a:lvl7pPr>
-            <a:lvl8pPr>
-              <a:defRPr sz="2000"/>
-            </a:lvl8pPr>
-            <a:lvl9pPr>
-              <a:defRPr sz="2000"/>
-            </a:lvl9pPr>
-          </a:lstStyle>
-          <a:p>
-            <a:pPr lvl="0"/>
-            <a:r>
-              <a:rPr lang="en-US" smtClean="0"/>
-              <a:t>Click to edit Master text styles</a:t>
-            </a:r>
-          </a:p>
-          <a:p>
-            <a:pPr lvl="1"/>
-            <a:r>
-              <a:rPr lang="en-US" smtClean="0"/>
-              <a:t>Second level</a:t>
-            </a:r>
-          </a:p>
-          <a:p>
-            <a:pPr lvl="2"/>
-            <a:r>
-              <a:rPr lang="en-US" smtClean="0"/>
-              <a:t>Third level</a:t>
-            </a:r>
-          </a:p>
-          <a:p>
-            <a:pPr lvl="3"/>
-            <a:r>
-              <a:rPr lang="en-US" smtClean="0"/>
-              <a:t>Fourth level</a:t>
-            </a:r>
-          </a:p>
-          <a:p>
-            <a:pPr lvl="4"/>
-            <a:r>
-              <a:rPr lang="en-US" smtClean="0"/>
-              <a:t>Fifth level</a:t>
-            </a:r>
-            <a:endParaRPr lang="en-US"/>
-          </a:p>
-        </p:txBody>
-      </p:sp>
-      <p:sp>
-        <p:nvSpPr>
-          <p:cNvPr id="4" name="Text Placeholder 3"/>
-          <p:cNvSpPr>
-            <a:spLocks noGrp="1"/>
-          </p:cNvSpPr>
-          <p:nvPr>
-            <p:ph type="body" sz="half" idx="2"/>
-          </p:nvPr>
-        </p:nvSpPr>
-        <p:spPr>
-          <a:xfrm>
-            <a:off x="457200" y="1435100"/>
-            <a:ext cx="3008313" cy="4691063"/>
-          </a:xfrm>
-        </p:spPr>
-        <p:txBody>
-          <a:bodyPr/>
-          <a:lstStyle>
-            <a:lvl1pPr marL="0" indent="0">
-              <a:buNone/>
-              <a:defRPr sz="1400"/>
-            </a:lvl1pPr>
-            <a:lvl2pPr marL="457200" indent="0">
-              <a:buNone/>
-              <a:defRPr sz="1200"/>
-            </a:lvl2pPr>
-            <a:lvl3pPr marL="914400" indent="0">
-              <a:buNone/>
-              <a:defRPr sz="1000"/>
-            </a:lvl3pPr>
-            <a:lvl4pPr marL="1371600" indent="0">
-              <a:buNone/>
-              <a:defRPr sz="900"/>
-            </a:lvl4pPr>
-            <a:lvl5pPr marL="1828800" indent="0">
-              <a:buNone/>
-              <a:defRPr sz="900"/>
-            </a:lvl5pPr>
-            <a:lvl6pPr marL="2286000" indent="0">
-              <a:buNone/>
-              <a:defRPr sz="900"/>
-            </a:lvl6pPr>
-            <a:lvl7pPr marL="2743200" indent="0">
-              <a:buNone/>
-              <a:defRPr sz="900"/>
-            </a:lvl7pPr>
-            <a:lvl8pPr marL="3200400" indent="0">
-              <a:buNone/>
-              <a:defRPr sz="900"/>
-            </a:lvl8pPr>
-            <a:lvl9pPr marL="3657600" indent="0">
-              <a:buNone/>
-              <a:defRPr sz="900"/>
-            </a:lvl9pPr>
-          </a:lstStyle>
-          <a:p>
-            <a:pPr lvl="0"/>
-            <a:r>
-              <a:rPr lang="en-US" smtClean="0"/>
-              <a:t>Click to edit Master text styles</a:t>
-            </a:r>
-          </a:p>
-        </p:txBody>
-      </p:sp>
-      <p:sp>
-        <p:nvSpPr>
-          <p:cNvPr id="5" name="Date Placeholder 4"/>
+          <a:lstStyle/>
+          <a:p>
+            <a:r>
+              <a:rPr lang="ko-KR" altLang="en-US"/>
+              <a:t>마스터 제목 스타일 편집</a:t>
+            </a:r>
+          </a:p>
+        </p:txBody>
+      </p:sp>
+      <p:sp>
+        <p:nvSpPr>
+          <p:cNvPr id="3" name="날짜 개체 틀 2">
+            <a:extLst>
+              <a:ext uri="{FF2B5EF4-FFF2-40B4-BE49-F238E27FC236}">
+                <a16:creationId xmlns:a16="http://schemas.microsoft.com/office/drawing/2014/main" id="{BF100F16-633D-6773-D836-067258D748C7}"/>
+              </a:ext>
+            </a:extLst>
+          </p:cNvPr>
           <p:cNvSpPr>
             <a:spLocks noGrp="1"/>
           </p:cNvSpPr>
@@ -2279,7 +2419,7 @@
           <a:p>
             <a:fld id="{5BCAD085-E8A6-8845-BD4E-CB4CCA059FC4}" type="datetimeFigureOut">
               <a:rPr lang="en-US" smtClean="0"/>
-              <a:t>1/20/2025</a:t>
+              <a:t>2/3/2025</a:t>
             </a:fld>
             <a:endParaRPr lang="en-US"/>
           </a:p>
@@ -2287,7 +2427,13 @@
       </p:sp>
       <p:sp>
         <p:nvSpPr>
-          <p:cNvPr id="6" name="Footer Placeholder 5"/>
+          <p:cNvPr id="4" name="바닥글 개체 틀 3">
+            <a:extLst>
+              <a:ext uri="{FF2B5EF4-FFF2-40B4-BE49-F238E27FC236}">
+                <a16:creationId xmlns:a16="http://schemas.microsoft.com/office/drawing/2014/main" id="{94FE37FC-A5F3-21D3-174A-800515975F0A}"/>
+              </a:ext>
+            </a:extLst>
+          </p:cNvPr>
           <p:cNvSpPr>
             <a:spLocks noGrp="1"/>
           </p:cNvSpPr>
@@ -2306,7 +2452,13 @@
       </p:sp>
       <p:sp>
         <p:nvSpPr>
-          <p:cNvPr id="7" name="Slide Number Placeholder 6"/>
+          <p:cNvPr id="5" name="슬라이드 번호 개체 틀 4">
+            <a:extLst>
+              <a:ext uri="{FF2B5EF4-FFF2-40B4-BE49-F238E27FC236}">
+                <a16:creationId xmlns:a16="http://schemas.microsoft.com/office/drawing/2014/main" id="{B88085B2-CABA-2579-86C5-E95BBF4632B7}"/>
+              </a:ext>
+            </a:extLst>
+          </p:cNvPr>
           <p:cNvSpPr>
             <a:spLocks noGrp="1"/>
           </p:cNvSpPr>
@@ -2330,7 +2482,7 @@
     </p:spTree>
     <p:extLst>
       <p:ext uri="{BB962C8B-B14F-4D97-AF65-F5344CB8AC3E}">
-        <p14:creationId xmlns:p14="http://schemas.microsoft.com/office/powerpoint/2010/main" val="1840726560"/>
+        <p14:creationId xmlns:p14="http://schemas.microsoft.com/office/powerpoint/2010/main" val="2325530254"/>
       </p:ext>
     </p:extLst>
   </p:cSld>
@@ -2340,9 +2492,9 @@
 </p:sldLayout>
 </file>
 
-<file path=ppt/slideLayouts/slideLayout9.xml><?xml version="1.0" encoding="utf-8"?>
-<p:sldLayout xmlns:a="http://schemas.openxmlformats.org/drawingml/2006/main" xmlns:r="http://schemas.openxmlformats.org/officeDocument/2006/relationships" xmlns:p="http://schemas.openxmlformats.org/presentationml/2006/main" type="picTx" preserve="1">
-  <p:cSld name="Picture with Caption">
+<file path=ppt/slideLayouts/slideLayout7.xml><?xml version="1.0" encoding="utf-8"?>
+<p:sldLayout xmlns:a="http://schemas.openxmlformats.org/drawingml/2006/main" xmlns:r="http://schemas.openxmlformats.org/officeDocument/2006/relationships" xmlns:p="http://schemas.openxmlformats.org/presentationml/2006/main" type="blank" preserve="1">
+  <p:cSld name="빈 화면">
     <p:spTree>
       <p:nvGrpSpPr>
         <p:cNvPr id="1" name=""/>
@@ -2359,165 +2511,13 @@
       </p:grpSpPr>
       <p:sp>
         <p:nvSpPr>
-          <p:cNvPr id="2" name="Title 1"/>
-          <p:cNvSpPr>
-            <a:spLocks noGrp="1"/>
-          </p:cNvSpPr>
-          <p:nvPr>
-            <p:ph type="title"/>
-          </p:nvPr>
-        </p:nvSpPr>
-        <p:spPr>
-          <a:xfrm>
-            <a:off x="1792288" y="4800600"/>
-            <a:ext cx="5486400" cy="566738"/>
-          </a:xfrm>
-        </p:spPr>
-        <p:txBody>
-          <a:bodyPr anchor="b"/>
-          <a:lstStyle>
-            <a:lvl1pPr algn="l">
-              <a:defRPr sz="2000" b="1"/>
-            </a:lvl1pPr>
-          </a:lstStyle>
-          <a:p>
-            <a:r>
-              <a:rPr lang="en-US" smtClean="0"/>
-              <a:t>Click to edit Master title style</a:t>
-            </a:r>
-            <a:endParaRPr lang="en-US"/>
-          </a:p>
-        </p:txBody>
-      </p:sp>
-      <p:sp>
-        <p:nvSpPr>
-          <p:cNvPr id="3" name="Picture Placeholder 2"/>
-          <p:cNvSpPr>
-            <a:spLocks noGrp="1"/>
-          </p:cNvSpPr>
-          <p:nvPr>
-            <p:ph type="pic" idx="1"/>
-          </p:nvPr>
-        </p:nvSpPr>
-        <p:spPr>
-          <a:xfrm>
-            <a:off x="1792288" y="612775"/>
-            <a:ext cx="5486400" cy="4114800"/>
-          </a:xfrm>
-        </p:spPr>
-        <p:txBody>
-          <a:bodyPr/>
-          <a:lstStyle>
-            <a:lvl1pPr marL="0" indent="0">
-              <a:buNone/>
-              <a:defRPr sz="3200"/>
-            </a:lvl1pPr>
-            <a:lvl2pPr marL="457200" indent="0">
-              <a:buNone/>
-              <a:defRPr sz="2800"/>
-            </a:lvl2pPr>
-            <a:lvl3pPr marL="914400" indent="0">
-              <a:buNone/>
-              <a:defRPr sz="2400"/>
-            </a:lvl3pPr>
-            <a:lvl4pPr marL="1371600" indent="0">
-              <a:buNone/>
-              <a:defRPr sz="2000"/>
-            </a:lvl4pPr>
-            <a:lvl5pPr marL="1828800" indent="0">
-              <a:buNone/>
-              <a:defRPr sz="2000"/>
-            </a:lvl5pPr>
-            <a:lvl6pPr marL="2286000" indent="0">
-              <a:buNone/>
-              <a:defRPr sz="2000"/>
-            </a:lvl6pPr>
-            <a:lvl7pPr marL="2743200" indent="0">
-              <a:buNone/>
-              <a:defRPr sz="2000"/>
-            </a:lvl7pPr>
-            <a:lvl8pPr marL="3200400" indent="0">
-              <a:buNone/>
-              <a:defRPr sz="2000"/>
-            </a:lvl8pPr>
-            <a:lvl9pPr marL="3657600" indent="0">
-              <a:buNone/>
-              <a:defRPr sz="2000"/>
-            </a:lvl9pPr>
-          </a:lstStyle>
-          <a:p>
-            <a:endParaRPr lang="en-US"/>
-          </a:p>
-        </p:txBody>
-      </p:sp>
-      <p:sp>
-        <p:nvSpPr>
-          <p:cNvPr id="4" name="Text Placeholder 3"/>
-          <p:cNvSpPr>
-            <a:spLocks noGrp="1"/>
-          </p:cNvSpPr>
-          <p:nvPr>
-            <p:ph type="body" sz="half" idx="2"/>
-          </p:nvPr>
-        </p:nvSpPr>
-        <p:spPr>
-          <a:xfrm>
-            <a:off x="1792288" y="5367338"/>
-            <a:ext cx="5486400" cy="804862"/>
-          </a:xfrm>
-        </p:spPr>
-        <p:txBody>
-          <a:bodyPr/>
-          <a:lstStyle>
-            <a:lvl1pPr marL="0" indent="0">
-              <a:buNone/>
-              <a:defRPr sz="1400"/>
-            </a:lvl1pPr>
-            <a:lvl2pPr marL="457200" indent="0">
-              <a:buNone/>
-              <a:defRPr sz="1200"/>
-            </a:lvl2pPr>
-            <a:lvl3pPr marL="914400" indent="0">
-              <a:buNone/>
-              <a:defRPr sz="1000"/>
-            </a:lvl3pPr>
-            <a:lvl4pPr marL="1371600" indent="0">
-              <a:buNone/>
-              <a:defRPr sz="900"/>
-            </a:lvl4pPr>
-            <a:lvl5pPr marL="1828800" indent="0">
-              <a:buNone/>
-              <a:defRPr sz="900"/>
-            </a:lvl5pPr>
-            <a:lvl6pPr marL="2286000" indent="0">
-              <a:buNone/>
-              <a:defRPr sz="900"/>
-            </a:lvl6pPr>
-            <a:lvl7pPr marL="2743200" indent="0">
-              <a:buNone/>
-              <a:defRPr sz="900"/>
-            </a:lvl7pPr>
-            <a:lvl8pPr marL="3200400" indent="0">
-              <a:buNone/>
-              <a:defRPr sz="900"/>
-            </a:lvl8pPr>
-            <a:lvl9pPr marL="3657600" indent="0">
-              <a:buNone/>
-              <a:defRPr sz="900"/>
-            </a:lvl9pPr>
-          </a:lstStyle>
-          <a:p>
-            <a:pPr lvl="0"/>
-            <a:r>
-              <a:rPr lang="en-US" smtClean="0"/>
-              <a:t>Click to edit Master text styles</a:t>
-            </a:r>
-          </a:p>
-        </p:txBody>
-      </p:sp>
-      <p:sp>
-        <p:nvSpPr>
-          <p:cNvPr id="5" name="Date Placeholder 4"/>
+          <p:cNvPr id="2" name="날짜 개체 틀 1">
+            <a:extLst>
+              <a:ext uri="{FF2B5EF4-FFF2-40B4-BE49-F238E27FC236}">
+                <a16:creationId xmlns:a16="http://schemas.microsoft.com/office/drawing/2014/main" id="{DC27F6B4-A9B8-46A5-9F5D-CA1CBA204958}"/>
+              </a:ext>
+            </a:extLst>
+          </p:cNvPr>
           <p:cNvSpPr>
             <a:spLocks noGrp="1"/>
           </p:cNvSpPr>
@@ -2532,7 +2532,7 @@
           <a:p>
             <a:fld id="{5BCAD085-E8A6-8845-BD4E-CB4CCA059FC4}" type="datetimeFigureOut">
               <a:rPr lang="en-US" smtClean="0"/>
-              <a:t>1/20/2025</a:t>
+              <a:t>2/3/2025</a:t>
             </a:fld>
             <a:endParaRPr lang="en-US"/>
           </a:p>
@@ -2540,7 +2540,13 @@
       </p:sp>
       <p:sp>
         <p:nvSpPr>
-          <p:cNvPr id="6" name="Footer Placeholder 5"/>
+          <p:cNvPr id="3" name="바닥글 개체 틀 2">
+            <a:extLst>
+              <a:ext uri="{FF2B5EF4-FFF2-40B4-BE49-F238E27FC236}">
+                <a16:creationId xmlns:a16="http://schemas.microsoft.com/office/drawing/2014/main" id="{0CF810D9-8EA0-0468-4FE0-11425EB6D578}"/>
+              </a:ext>
+            </a:extLst>
+          </p:cNvPr>
           <p:cNvSpPr>
             <a:spLocks noGrp="1"/>
           </p:cNvSpPr>
@@ -2559,7 +2565,13 @@
       </p:sp>
       <p:sp>
         <p:nvSpPr>
-          <p:cNvPr id="7" name="Slide Number Placeholder 6"/>
+          <p:cNvPr id="4" name="슬라이드 번호 개체 틀 3">
+            <a:extLst>
+              <a:ext uri="{FF2B5EF4-FFF2-40B4-BE49-F238E27FC236}">
+                <a16:creationId xmlns:a16="http://schemas.microsoft.com/office/drawing/2014/main" id="{1BC17B35-0936-D9E9-42D9-2559FF83385A}"/>
+              </a:ext>
+            </a:extLst>
+          </p:cNvPr>
           <p:cNvSpPr>
             <a:spLocks noGrp="1"/>
           </p:cNvSpPr>
@@ -2583,7 +2595,606 @@
     </p:spTree>
     <p:extLst>
       <p:ext uri="{BB962C8B-B14F-4D97-AF65-F5344CB8AC3E}">
-        <p14:creationId xmlns:p14="http://schemas.microsoft.com/office/powerpoint/2010/main" val="3889236939"/>
+        <p14:creationId xmlns:p14="http://schemas.microsoft.com/office/powerpoint/2010/main" val="853523620"/>
+      </p:ext>
+    </p:extLst>
+  </p:cSld>
+  <p:clrMapOvr>
+    <a:masterClrMapping/>
+  </p:clrMapOvr>
+</p:sldLayout>
+</file>
+
+<file path=ppt/slideLayouts/slideLayout8.xml><?xml version="1.0" encoding="utf-8"?>
+<p:sldLayout xmlns:a="http://schemas.openxmlformats.org/drawingml/2006/main" xmlns:r="http://schemas.openxmlformats.org/officeDocument/2006/relationships" xmlns:p="http://schemas.openxmlformats.org/presentationml/2006/main" type="objTx" preserve="1">
+  <p:cSld name="캡션 있는 콘텐츠">
+    <p:spTree>
+      <p:nvGrpSpPr>
+        <p:cNvPr id="1" name=""/>
+        <p:cNvGrpSpPr/>
+        <p:nvPr/>
+      </p:nvGrpSpPr>
+      <p:grpSpPr>
+        <a:xfrm>
+          <a:off x="0" y="0"/>
+          <a:ext cx="0" cy="0"/>
+          <a:chOff x="0" y="0"/>
+          <a:chExt cx="0" cy="0"/>
+        </a:xfrm>
+      </p:grpSpPr>
+      <p:sp>
+        <p:nvSpPr>
+          <p:cNvPr id="2" name="제목 1">
+            <a:extLst>
+              <a:ext uri="{FF2B5EF4-FFF2-40B4-BE49-F238E27FC236}">
+                <a16:creationId xmlns:a16="http://schemas.microsoft.com/office/drawing/2014/main" id="{EDE6538E-8DD9-5734-3389-B014ACC9DF54}"/>
+              </a:ext>
+            </a:extLst>
+          </p:cNvPr>
+          <p:cNvSpPr>
+            <a:spLocks noGrp="1"/>
+          </p:cNvSpPr>
+          <p:nvPr>
+            <p:ph type="title"/>
+          </p:nvPr>
+        </p:nvSpPr>
+        <p:spPr>
+          <a:xfrm>
+            <a:off x="629841" y="457200"/>
+            <a:ext cx="2949178" cy="1600200"/>
+          </a:xfrm>
+        </p:spPr>
+        <p:txBody>
+          <a:bodyPr anchor="b"/>
+          <a:lstStyle>
+            <a:lvl1pPr>
+              <a:defRPr sz="2400"/>
+            </a:lvl1pPr>
+          </a:lstStyle>
+          <a:p>
+            <a:r>
+              <a:rPr lang="ko-KR" altLang="en-US"/>
+              <a:t>마스터 제목 스타일 편집</a:t>
+            </a:r>
+          </a:p>
+        </p:txBody>
+      </p:sp>
+      <p:sp>
+        <p:nvSpPr>
+          <p:cNvPr id="3" name="내용 개체 틀 2">
+            <a:extLst>
+              <a:ext uri="{FF2B5EF4-FFF2-40B4-BE49-F238E27FC236}">
+                <a16:creationId xmlns:a16="http://schemas.microsoft.com/office/drawing/2014/main" id="{F11E802B-2077-206D-D9BC-AA2152F6F5AC}"/>
+              </a:ext>
+            </a:extLst>
+          </p:cNvPr>
+          <p:cNvSpPr>
+            <a:spLocks noGrp="1"/>
+          </p:cNvSpPr>
+          <p:nvPr>
+            <p:ph idx="1"/>
+          </p:nvPr>
+        </p:nvSpPr>
+        <p:spPr>
+          <a:xfrm>
+            <a:off x="3887391" y="987426"/>
+            <a:ext cx="4629150" cy="4873625"/>
+          </a:xfrm>
+        </p:spPr>
+        <p:txBody>
+          <a:bodyPr/>
+          <a:lstStyle>
+            <a:lvl1pPr>
+              <a:defRPr sz="2400"/>
+            </a:lvl1pPr>
+            <a:lvl2pPr>
+              <a:defRPr sz="2100"/>
+            </a:lvl2pPr>
+            <a:lvl3pPr>
+              <a:defRPr sz="1800"/>
+            </a:lvl3pPr>
+            <a:lvl4pPr>
+              <a:defRPr sz="1500"/>
+            </a:lvl4pPr>
+            <a:lvl5pPr>
+              <a:defRPr sz="1500"/>
+            </a:lvl5pPr>
+            <a:lvl6pPr>
+              <a:defRPr sz="1500"/>
+            </a:lvl6pPr>
+            <a:lvl7pPr>
+              <a:defRPr sz="1500"/>
+            </a:lvl7pPr>
+            <a:lvl8pPr>
+              <a:defRPr sz="1500"/>
+            </a:lvl8pPr>
+            <a:lvl9pPr>
+              <a:defRPr sz="1500"/>
+            </a:lvl9pPr>
+          </a:lstStyle>
+          <a:p>
+            <a:pPr lvl="0"/>
+            <a:r>
+              <a:rPr lang="ko-KR" altLang="en-US"/>
+              <a:t>마스터 텍스트 스타일을 편집하려면 클릭</a:t>
+            </a:r>
+          </a:p>
+          <a:p>
+            <a:pPr lvl="1"/>
+            <a:r>
+              <a:rPr lang="ko-KR" altLang="en-US"/>
+              <a:t>두 번째 수준</a:t>
+            </a:r>
+          </a:p>
+          <a:p>
+            <a:pPr lvl="2"/>
+            <a:r>
+              <a:rPr lang="ko-KR" altLang="en-US"/>
+              <a:t>세 번째 수준</a:t>
+            </a:r>
+          </a:p>
+          <a:p>
+            <a:pPr lvl="3"/>
+            <a:r>
+              <a:rPr lang="ko-KR" altLang="en-US"/>
+              <a:t>네 번째 수준</a:t>
+            </a:r>
+          </a:p>
+          <a:p>
+            <a:pPr lvl="4"/>
+            <a:r>
+              <a:rPr lang="ko-KR" altLang="en-US"/>
+              <a:t>다섯 번째 수준</a:t>
+            </a:r>
+          </a:p>
+        </p:txBody>
+      </p:sp>
+      <p:sp>
+        <p:nvSpPr>
+          <p:cNvPr id="4" name="텍스트 개체 틀 3">
+            <a:extLst>
+              <a:ext uri="{FF2B5EF4-FFF2-40B4-BE49-F238E27FC236}">
+                <a16:creationId xmlns:a16="http://schemas.microsoft.com/office/drawing/2014/main" id="{51846CED-339B-0838-7F4D-5601EB3D1068}"/>
+              </a:ext>
+            </a:extLst>
+          </p:cNvPr>
+          <p:cNvSpPr>
+            <a:spLocks noGrp="1"/>
+          </p:cNvSpPr>
+          <p:nvPr>
+            <p:ph type="body" sz="half" idx="2"/>
+          </p:nvPr>
+        </p:nvSpPr>
+        <p:spPr>
+          <a:xfrm>
+            <a:off x="629841" y="2057400"/>
+            <a:ext cx="2949178" cy="3811588"/>
+          </a:xfrm>
+        </p:spPr>
+        <p:txBody>
+          <a:bodyPr/>
+          <a:lstStyle>
+            <a:lvl1pPr marL="0" indent="0">
+              <a:buNone/>
+              <a:defRPr sz="1200"/>
+            </a:lvl1pPr>
+            <a:lvl2pPr marL="342900" indent="0">
+              <a:buNone/>
+              <a:defRPr sz="1050"/>
+            </a:lvl2pPr>
+            <a:lvl3pPr marL="685800" indent="0">
+              <a:buNone/>
+              <a:defRPr sz="900"/>
+            </a:lvl3pPr>
+            <a:lvl4pPr marL="1028700" indent="0">
+              <a:buNone/>
+              <a:defRPr sz="750"/>
+            </a:lvl4pPr>
+            <a:lvl5pPr marL="1371600" indent="0">
+              <a:buNone/>
+              <a:defRPr sz="750"/>
+            </a:lvl5pPr>
+            <a:lvl6pPr marL="1714500" indent="0">
+              <a:buNone/>
+              <a:defRPr sz="750"/>
+            </a:lvl6pPr>
+            <a:lvl7pPr marL="2057400" indent="0">
+              <a:buNone/>
+              <a:defRPr sz="750"/>
+            </a:lvl7pPr>
+            <a:lvl8pPr marL="2400300" indent="0">
+              <a:buNone/>
+              <a:defRPr sz="750"/>
+            </a:lvl8pPr>
+            <a:lvl9pPr marL="2743200" indent="0">
+              <a:buNone/>
+              <a:defRPr sz="750"/>
+            </a:lvl9pPr>
+          </a:lstStyle>
+          <a:p>
+            <a:pPr lvl="0"/>
+            <a:r>
+              <a:rPr lang="ko-KR" altLang="en-US"/>
+              <a:t>마스터 텍스트 스타일을 편집하려면 클릭</a:t>
+            </a:r>
+          </a:p>
+        </p:txBody>
+      </p:sp>
+      <p:sp>
+        <p:nvSpPr>
+          <p:cNvPr id="5" name="날짜 개체 틀 4">
+            <a:extLst>
+              <a:ext uri="{FF2B5EF4-FFF2-40B4-BE49-F238E27FC236}">
+                <a16:creationId xmlns:a16="http://schemas.microsoft.com/office/drawing/2014/main" id="{11D34C5B-8990-C33E-BE72-9AAF069CD84D}"/>
+              </a:ext>
+            </a:extLst>
+          </p:cNvPr>
+          <p:cNvSpPr>
+            <a:spLocks noGrp="1"/>
+          </p:cNvSpPr>
+          <p:nvPr>
+            <p:ph type="dt" sz="half" idx="10"/>
+          </p:nvPr>
+        </p:nvSpPr>
+        <p:spPr/>
+        <p:txBody>
+          <a:bodyPr/>
+          <a:lstStyle/>
+          <a:p>
+            <a:fld id="{5BCAD085-E8A6-8845-BD4E-CB4CCA059FC4}" type="datetimeFigureOut">
+              <a:rPr lang="en-US" smtClean="0"/>
+              <a:t>2/3/2025</a:t>
+            </a:fld>
+            <a:endParaRPr lang="en-US"/>
+          </a:p>
+        </p:txBody>
+      </p:sp>
+      <p:sp>
+        <p:nvSpPr>
+          <p:cNvPr id="6" name="바닥글 개체 틀 5">
+            <a:extLst>
+              <a:ext uri="{FF2B5EF4-FFF2-40B4-BE49-F238E27FC236}">
+                <a16:creationId xmlns:a16="http://schemas.microsoft.com/office/drawing/2014/main" id="{387E1B9B-7DAC-47E0-4FC6-868AC057E344}"/>
+              </a:ext>
+            </a:extLst>
+          </p:cNvPr>
+          <p:cNvSpPr>
+            <a:spLocks noGrp="1"/>
+          </p:cNvSpPr>
+          <p:nvPr>
+            <p:ph type="ftr" sz="quarter" idx="11"/>
+          </p:nvPr>
+        </p:nvSpPr>
+        <p:spPr/>
+        <p:txBody>
+          <a:bodyPr/>
+          <a:lstStyle/>
+          <a:p>
+            <a:endParaRPr lang="en-US"/>
+          </a:p>
+        </p:txBody>
+      </p:sp>
+      <p:sp>
+        <p:nvSpPr>
+          <p:cNvPr id="7" name="슬라이드 번호 개체 틀 6">
+            <a:extLst>
+              <a:ext uri="{FF2B5EF4-FFF2-40B4-BE49-F238E27FC236}">
+                <a16:creationId xmlns:a16="http://schemas.microsoft.com/office/drawing/2014/main" id="{7C120839-3EDB-CB72-AB65-4569B648A632}"/>
+              </a:ext>
+            </a:extLst>
+          </p:cNvPr>
+          <p:cNvSpPr>
+            <a:spLocks noGrp="1"/>
+          </p:cNvSpPr>
+          <p:nvPr>
+            <p:ph type="sldNum" sz="quarter" idx="12"/>
+          </p:nvPr>
+        </p:nvSpPr>
+        <p:spPr/>
+        <p:txBody>
+          <a:bodyPr/>
+          <a:lstStyle/>
+          <a:p>
+            <a:fld id="{C1FF6DA9-008F-8B48-92A6-B652298478BF}" type="slidenum">
+              <a:rPr lang="en-US" smtClean="0"/>
+              <a:t>‹#›</a:t>
+            </a:fld>
+            <a:endParaRPr lang="en-US"/>
+          </a:p>
+        </p:txBody>
+      </p:sp>
+    </p:spTree>
+    <p:extLst>
+      <p:ext uri="{BB962C8B-B14F-4D97-AF65-F5344CB8AC3E}">
+        <p14:creationId xmlns:p14="http://schemas.microsoft.com/office/powerpoint/2010/main" val="2286767616"/>
+      </p:ext>
+    </p:extLst>
+  </p:cSld>
+  <p:clrMapOvr>
+    <a:masterClrMapping/>
+  </p:clrMapOvr>
+</p:sldLayout>
+</file>
+
+<file path=ppt/slideLayouts/slideLayout9.xml><?xml version="1.0" encoding="utf-8"?>
+<p:sldLayout xmlns:a="http://schemas.openxmlformats.org/drawingml/2006/main" xmlns:r="http://schemas.openxmlformats.org/officeDocument/2006/relationships" xmlns:p="http://schemas.openxmlformats.org/presentationml/2006/main" type="picTx" preserve="1">
+  <p:cSld name="캡션 있는 그림">
+    <p:spTree>
+      <p:nvGrpSpPr>
+        <p:cNvPr id="1" name=""/>
+        <p:cNvGrpSpPr/>
+        <p:nvPr/>
+      </p:nvGrpSpPr>
+      <p:grpSpPr>
+        <a:xfrm>
+          <a:off x="0" y="0"/>
+          <a:ext cx="0" cy="0"/>
+          <a:chOff x="0" y="0"/>
+          <a:chExt cx="0" cy="0"/>
+        </a:xfrm>
+      </p:grpSpPr>
+      <p:sp>
+        <p:nvSpPr>
+          <p:cNvPr id="2" name="제목 1">
+            <a:extLst>
+              <a:ext uri="{FF2B5EF4-FFF2-40B4-BE49-F238E27FC236}">
+                <a16:creationId xmlns:a16="http://schemas.microsoft.com/office/drawing/2014/main" id="{4C3D3590-F3E8-60C5-6896-84261CF96692}"/>
+              </a:ext>
+            </a:extLst>
+          </p:cNvPr>
+          <p:cNvSpPr>
+            <a:spLocks noGrp="1"/>
+          </p:cNvSpPr>
+          <p:nvPr>
+            <p:ph type="title"/>
+          </p:nvPr>
+        </p:nvSpPr>
+        <p:spPr>
+          <a:xfrm>
+            <a:off x="629841" y="457200"/>
+            <a:ext cx="2949178" cy="1600200"/>
+          </a:xfrm>
+        </p:spPr>
+        <p:txBody>
+          <a:bodyPr anchor="b"/>
+          <a:lstStyle>
+            <a:lvl1pPr>
+              <a:defRPr sz="2400"/>
+            </a:lvl1pPr>
+          </a:lstStyle>
+          <a:p>
+            <a:r>
+              <a:rPr lang="ko-KR" altLang="en-US"/>
+              <a:t>마스터 제목 스타일 편집</a:t>
+            </a:r>
+          </a:p>
+        </p:txBody>
+      </p:sp>
+      <p:sp>
+        <p:nvSpPr>
+          <p:cNvPr id="3" name="그림 개체 틀 2">
+            <a:extLst>
+              <a:ext uri="{FF2B5EF4-FFF2-40B4-BE49-F238E27FC236}">
+                <a16:creationId xmlns:a16="http://schemas.microsoft.com/office/drawing/2014/main" id="{9BD08572-66EE-243A-27C0-1F7136A42D1B}"/>
+              </a:ext>
+            </a:extLst>
+          </p:cNvPr>
+          <p:cNvSpPr>
+            <a:spLocks noGrp="1"/>
+          </p:cNvSpPr>
+          <p:nvPr>
+            <p:ph type="pic" idx="1"/>
+          </p:nvPr>
+        </p:nvSpPr>
+        <p:spPr>
+          <a:xfrm>
+            <a:off x="3887391" y="987426"/>
+            <a:ext cx="4629150" cy="4873625"/>
+          </a:xfrm>
+        </p:spPr>
+        <p:txBody>
+          <a:bodyPr/>
+          <a:lstStyle>
+            <a:lvl1pPr marL="0" indent="0">
+              <a:buNone/>
+              <a:defRPr sz="2400"/>
+            </a:lvl1pPr>
+            <a:lvl2pPr marL="342900" indent="0">
+              <a:buNone/>
+              <a:defRPr sz="2100"/>
+            </a:lvl2pPr>
+            <a:lvl3pPr marL="685800" indent="0">
+              <a:buNone/>
+              <a:defRPr sz="1800"/>
+            </a:lvl3pPr>
+            <a:lvl4pPr marL="1028700" indent="0">
+              <a:buNone/>
+              <a:defRPr sz="1500"/>
+            </a:lvl4pPr>
+            <a:lvl5pPr marL="1371600" indent="0">
+              <a:buNone/>
+              <a:defRPr sz="1500"/>
+            </a:lvl5pPr>
+            <a:lvl6pPr marL="1714500" indent="0">
+              <a:buNone/>
+              <a:defRPr sz="1500"/>
+            </a:lvl6pPr>
+            <a:lvl7pPr marL="2057400" indent="0">
+              <a:buNone/>
+              <a:defRPr sz="1500"/>
+            </a:lvl7pPr>
+            <a:lvl8pPr marL="2400300" indent="0">
+              <a:buNone/>
+              <a:defRPr sz="1500"/>
+            </a:lvl8pPr>
+            <a:lvl9pPr marL="2743200" indent="0">
+              <a:buNone/>
+              <a:defRPr sz="1500"/>
+            </a:lvl9pPr>
+          </a:lstStyle>
+          <a:p>
+            <a:endParaRPr lang="ko-KR" altLang="en-US"/>
+          </a:p>
+        </p:txBody>
+      </p:sp>
+      <p:sp>
+        <p:nvSpPr>
+          <p:cNvPr id="4" name="텍스트 개체 틀 3">
+            <a:extLst>
+              <a:ext uri="{FF2B5EF4-FFF2-40B4-BE49-F238E27FC236}">
+                <a16:creationId xmlns:a16="http://schemas.microsoft.com/office/drawing/2014/main" id="{A192A14C-C591-478E-D520-078BD5B102EC}"/>
+              </a:ext>
+            </a:extLst>
+          </p:cNvPr>
+          <p:cNvSpPr>
+            <a:spLocks noGrp="1"/>
+          </p:cNvSpPr>
+          <p:nvPr>
+            <p:ph type="body" sz="half" idx="2"/>
+          </p:nvPr>
+        </p:nvSpPr>
+        <p:spPr>
+          <a:xfrm>
+            <a:off x="629841" y="2057400"/>
+            <a:ext cx="2949178" cy="3811588"/>
+          </a:xfrm>
+        </p:spPr>
+        <p:txBody>
+          <a:bodyPr/>
+          <a:lstStyle>
+            <a:lvl1pPr marL="0" indent="0">
+              <a:buNone/>
+              <a:defRPr sz="1200"/>
+            </a:lvl1pPr>
+            <a:lvl2pPr marL="342900" indent="0">
+              <a:buNone/>
+              <a:defRPr sz="1050"/>
+            </a:lvl2pPr>
+            <a:lvl3pPr marL="685800" indent="0">
+              <a:buNone/>
+              <a:defRPr sz="900"/>
+            </a:lvl3pPr>
+            <a:lvl4pPr marL="1028700" indent="0">
+              <a:buNone/>
+              <a:defRPr sz="750"/>
+            </a:lvl4pPr>
+            <a:lvl5pPr marL="1371600" indent="0">
+              <a:buNone/>
+              <a:defRPr sz="750"/>
+            </a:lvl5pPr>
+            <a:lvl6pPr marL="1714500" indent="0">
+              <a:buNone/>
+              <a:defRPr sz="750"/>
+            </a:lvl6pPr>
+            <a:lvl7pPr marL="2057400" indent="0">
+              <a:buNone/>
+              <a:defRPr sz="750"/>
+            </a:lvl7pPr>
+            <a:lvl8pPr marL="2400300" indent="0">
+              <a:buNone/>
+              <a:defRPr sz="750"/>
+            </a:lvl8pPr>
+            <a:lvl9pPr marL="2743200" indent="0">
+              <a:buNone/>
+              <a:defRPr sz="750"/>
+            </a:lvl9pPr>
+          </a:lstStyle>
+          <a:p>
+            <a:pPr lvl="0"/>
+            <a:r>
+              <a:rPr lang="ko-KR" altLang="en-US"/>
+              <a:t>마스터 텍스트 스타일을 편집하려면 클릭</a:t>
+            </a:r>
+          </a:p>
+        </p:txBody>
+      </p:sp>
+      <p:sp>
+        <p:nvSpPr>
+          <p:cNvPr id="5" name="날짜 개체 틀 4">
+            <a:extLst>
+              <a:ext uri="{FF2B5EF4-FFF2-40B4-BE49-F238E27FC236}">
+                <a16:creationId xmlns:a16="http://schemas.microsoft.com/office/drawing/2014/main" id="{70AC0246-850C-4F36-8857-903EEDD2EE61}"/>
+              </a:ext>
+            </a:extLst>
+          </p:cNvPr>
+          <p:cNvSpPr>
+            <a:spLocks noGrp="1"/>
+          </p:cNvSpPr>
+          <p:nvPr>
+            <p:ph type="dt" sz="half" idx="10"/>
+          </p:nvPr>
+        </p:nvSpPr>
+        <p:spPr/>
+        <p:txBody>
+          <a:bodyPr/>
+          <a:lstStyle/>
+          <a:p>
+            <a:fld id="{5BCAD085-E8A6-8845-BD4E-CB4CCA059FC4}" type="datetimeFigureOut">
+              <a:rPr lang="en-US" smtClean="0"/>
+              <a:t>2/3/2025</a:t>
+            </a:fld>
+            <a:endParaRPr lang="en-US"/>
+          </a:p>
+        </p:txBody>
+      </p:sp>
+      <p:sp>
+        <p:nvSpPr>
+          <p:cNvPr id="6" name="바닥글 개체 틀 5">
+            <a:extLst>
+              <a:ext uri="{FF2B5EF4-FFF2-40B4-BE49-F238E27FC236}">
+                <a16:creationId xmlns:a16="http://schemas.microsoft.com/office/drawing/2014/main" id="{98AF6060-79AE-019A-58D1-D14C71D627B5}"/>
+              </a:ext>
+            </a:extLst>
+          </p:cNvPr>
+          <p:cNvSpPr>
+            <a:spLocks noGrp="1"/>
+          </p:cNvSpPr>
+          <p:nvPr>
+            <p:ph type="ftr" sz="quarter" idx="11"/>
+          </p:nvPr>
+        </p:nvSpPr>
+        <p:spPr/>
+        <p:txBody>
+          <a:bodyPr/>
+          <a:lstStyle/>
+          <a:p>
+            <a:endParaRPr lang="en-US"/>
+          </a:p>
+        </p:txBody>
+      </p:sp>
+      <p:sp>
+        <p:nvSpPr>
+          <p:cNvPr id="7" name="슬라이드 번호 개체 틀 6">
+            <a:extLst>
+              <a:ext uri="{FF2B5EF4-FFF2-40B4-BE49-F238E27FC236}">
+                <a16:creationId xmlns:a16="http://schemas.microsoft.com/office/drawing/2014/main" id="{7C0CAE88-9CCA-61C4-4047-E3D165A6930E}"/>
+              </a:ext>
+            </a:extLst>
+          </p:cNvPr>
+          <p:cNvSpPr>
+            <a:spLocks noGrp="1"/>
+          </p:cNvSpPr>
+          <p:nvPr>
+            <p:ph type="sldNum" sz="quarter" idx="12"/>
+          </p:nvPr>
+        </p:nvSpPr>
+        <p:spPr/>
+        <p:txBody>
+          <a:bodyPr/>
+          <a:lstStyle/>
+          <a:p>
+            <a:fld id="{C1FF6DA9-008F-8B48-92A6-B652298478BF}" type="slidenum">
+              <a:rPr lang="en-US" smtClean="0"/>
+              <a:t>‹#›</a:t>
+            </a:fld>
+            <a:endParaRPr lang="en-US"/>
+          </a:p>
+        </p:txBody>
+      </p:sp>
+    </p:spTree>
+    <p:extLst>
+      <p:ext uri="{BB962C8B-B14F-4D97-AF65-F5344CB8AC3E}">
+        <p14:creationId xmlns:p14="http://schemas.microsoft.com/office/powerpoint/2010/main" val="4280162628"/>
       </p:ext>
     </p:extLst>
   </p:cSld>
@@ -2617,7 +3228,13 @@
       </p:grpSpPr>
       <p:sp>
         <p:nvSpPr>
-          <p:cNvPr id="2" name="Title Placeholder 1"/>
+          <p:cNvPr id="2" name="제목 개체 틀 1">
+            <a:extLst>
+              <a:ext uri="{FF2B5EF4-FFF2-40B4-BE49-F238E27FC236}">
+                <a16:creationId xmlns:a16="http://schemas.microsoft.com/office/drawing/2014/main" id="{33390025-D80C-BE86-4989-62FF2A6EFF26}"/>
+              </a:ext>
+            </a:extLst>
+          </p:cNvPr>
           <p:cNvSpPr>
             <a:spLocks noGrp="1"/>
           </p:cNvSpPr>
@@ -2627,8 +3244,8 @@
         </p:nvSpPr>
         <p:spPr>
           <a:xfrm>
-            <a:off x="457200" y="274638"/>
-            <a:ext cx="8229600" cy="1143000"/>
+            <a:off x="628650" y="365126"/>
+            <a:ext cx="7886700" cy="1325563"/>
           </a:xfrm>
           <a:prstGeom prst="rect">
             <a:avLst/>
@@ -2641,16 +3258,21 @@
           <a:lstStyle/>
           <a:p>
             <a:r>
-              <a:rPr lang="en-US" smtClean="0"/>
-              <a:t>Click to edit Master title style</a:t>
-            </a:r>
-            <a:endParaRPr lang="en-US"/>
-          </a:p>
-        </p:txBody>
-      </p:sp>
-      <p:sp>
-        <p:nvSpPr>
-          <p:cNvPr id="3" name="Text Placeholder 2"/>
+              <a:rPr lang="ko-KR" altLang="en-US"/>
+              <a:t>마스터 제목 스타일 편집</a:t>
+            </a:r>
+          </a:p>
+        </p:txBody>
+      </p:sp>
+      <p:sp>
+        <p:nvSpPr>
+          <p:cNvPr id="3" name="텍스트 개체 틀 2">
+            <a:extLst>
+              <a:ext uri="{FF2B5EF4-FFF2-40B4-BE49-F238E27FC236}">
+                <a16:creationId xmlns:a16="http://schemas.microsoft.com/office/drawing/2014/main" id="{1F4B3F23-4325-934B-0AE5-12062C83790D}"/>
+              </a:ext>
+            </a:extLst>
+          </p:cNvPr>
           <p:cNvSpPr>
             <a:spLocks noGrp="1"/>
           </p:cNvSpPr>
@@ -2660,8 +3282,8 @@
         </p:nvSpPr>
         <p:spPr>
           <a:xfrm>
-            <a:off x="457200" y="1600200"/>
-            <a:ext cx="8229600" cy="4525963"/>
+            <a:off x="628650" y="1825625"/>
+            <a:ext cx="7886700" cy="4351338"/>
           </a:xfrm>
           <a:prstGeom prst="rect">
             <a:avLst/>
@@ -2675,44 +3297,49 @@
           <a:p>
             <a:pPr lvl="0"/>
             <a:r>
-              <a:rPr lang="en-US" smtClean="0"/>
-              <a:t>Click to edit Master text styles</a:t>
+              <a:rPr lang="ko-KR" altLang="en-US"/>
+              <a:t>마스터 텍스트 스타일을 편집하려면 클릭</a:t>
             </a:r>
           </a:p>
           <a:p>
             <a:pPr lvl="1"/>
             <a:r>
-              <a:rPr lang="en-US" smtClean="0"/>
-              <a:t>Second level</a:t>
+              <a:rPr lang="ko-KR" altLang="en-US"/>
+              <a:t>두 번째 수준</a:t>
             </a:r>
           </a:p>
           <a:p>
             <a:pPr lvl="2"/>
             <a:r>
-              <a:rPr lang="en-US" smtClean="0"/>
-              <a:t>Third level</a:t>
+              <a:rPr lang="ko-KR" altLang="en-US"/>
+              <a:t>세 번째 수준</a:t>
             </a:r>
           </a:p>
           <a:p>
             <a:pPr lvl="3"/>
             <a:r>
-              <a:rPr lang="en-US" smtClean="0"/>
-              <a:t>Fourth level</a:t>
+              <a:rPr lang="ko-KR" altLang="en-US"/>
+              <a:t>네 번째 수준</a:t>
             </a:r>
           </a:p>
           <a:p>
             <a:pPr lvl="4"/>
             <a:r>
-              <a:rPr lang="en-US" smtClean="0"/>
-              <a:t>Fifth level</a:t>
-            </a:r>
-            <a:endParaRPr lang="en-US"/>
-          </a:p>
-        </p:txBody>
-      </p:sp>
-      <p:sp>
-        <p:nvSpPr>
-          <p:cNvPr id="4" name="Date Placeholder 3"/>
+              <a:rPr lang="ko-KR" altLang="en-US"/>
+              <a:t>다섯 번째 수준</a:t>
+            </a:r>
+          </a:p>
+        </p:txBody>
+      </p:sp>
+      <p:sp>
+        <p:nvSpPr>
+          <p:cNvPr id="4" name="날짜 개체 틀 3">
+            <a:extLst>
+              <a:ext uri="{FF2B5EF4-FFF2-40B4-BE49-F238E27FC236}">
+                <a16:creationId xmlns:a16="http://schemas.microsoft.com/office/drawing/2014/main" id="{B620DCFD-95AE-BD73-0630-79FD799D8197}"/>
+              </a:ext>
+            </a:extLst>
+          </p:cNvPr>
           <p:cNvSpPr>
             <a:spLocks noGrp="1"/>
           </p:cNvSpPr>
@@ -2722,8 +3349,8 @@
         </p:nvSpPr>
         <p:spPr>
           <a:xfrm>
-            <a:off x="457200" y="6356350"/>
-            <a:ext cx="2133600" cy="365125"/>
+            <a:off x="628650" y="6356351"/>
+            <a:ext cx="2057400" cy="365125"/>
           </a:xfrm>
           <a:prstGeom prst="rect">
             <a:avLst/>
@@ -2733,10 +3360,10 @@
           <a:bodyPr vert="horz" lIns="91440" tIns="45720" rIns="91440" bIns="45720" rtlCol="0" anchor="ctr"/>
           <a:lstStyle>
             <a:lvl1pPr algn="l">
-              <a:defRPr sz="1200">
+              <a:defRPr sz="900">
                 <a:solidFill>
                   <a:schemeClr val="tx1">
-                    <a:tint val="75000"/>
+                    <a:tint val="82000"/>
                   </a:schemeClr>
                 </a:solidFill>
               </a:defRPr>
@@ -2745,7 +3372,7 @@
           <a:p>
             <a:fld id="{5BCAD085-E8A6-8845-BD4E-CB4CCA059FC4}" type="datetimeFigureOut">
               <a:rPr lang="en-US" smtClean="0"/>
-              <a:t>1/20/2025</a:t>
+              <a:t>2/3/2025</a:t>
             </a:fld>
             <a:endParaRPr lang="en-US"/>
           </a:p>
@@ -2753,7 +3380,13 @@
       </p:sp>
       <p:sp>
         <p:nvSpPr>
-          <p:cNvPr id="5" name="Footer Placeholder 4"/>
+          <p:cNvPr id="5" name="바닥글 개체 틀 4">
+            <a:extLst>
+              <a:ext uri="{FF2B5EF4-FFF2-40B4-BE49-F238E27FC236}">
+                <a16:creationId xmlns:a16="http://schemas.microsoft.com/office/drawing/2014/main" id="{39F59E79-A9C1-D65A-87AF-00A7B8E6AACD}"/>
+              </a:ext>
+            </a:extLst>
+          </p:cNvPr>
           <p:cNvSpPr>
             <a:spLocks noGrp="1"/>
           </p:cNvSpPr>
@@ -2763,8 +3396,8 @@
         </p:nvSpPr>
         <p:spPr>
           <a:xfrm>
-            <a:off x="3124200" y="6356350"/>
-            <a:ext cx="2895600" cy="365125"/>
+            <a:off x="3028950" y="6356351"/>
+            <a:ext cx="3086100" cy="365125"/>
           </a:xfrm>
           <a:prstGeom prst="rect">
             <a:avLst/>
@@ -2774,10 +3407,10 @@
           <a:bodyPr vert="horz" lIns="91440" tIns="45720" rIns="91440" bIns="45720" rtlCol="0" anchor="ctr"/>
           <a:lstStyle>
             <a:lvl1pPr algn="ctr">
-              <a:defRPr sz="1200">
+              <a:defRPr sz="900">
                 <a:solidFill>
                   <a:schemeClr val="tx1">
-                    <a:tint val="75000"/>
+                    <a:tint val="82000"/>
                   </a:schemeClr>
                 </a:solidFill>
               </a:defRPr>
@@ -2790,7 +3423,13 @@
       </p:sp>
       <p:sp>
         <p:nvSpPr>
-          <p:cNvPr id="6" name="Slide Number Placeholder 5"/>
+          <p:cNvPr id="6" name="슬라이드 번호 개체 틀 5">
+            <a:extLst>
+              <a:ext uri="{FF2B5EF4-FFF2-40B4-BE49-F238E27FC236}">
+                <a16:creationId xmlns:a16="http://schemas.microsoft.com/office/drawing/2014/main" id="{7F052B92-D398-9823-60C8-A362FADD0CFE}"/>
+              </a:ext>
+            </a:extLst>
+          </p:cNvPr>
           <p:cNvSpPr>
             <a:spLocks noGrp="1"/>
           </p:cNvSpPr>
@@ -2800,8 +3439,8 @@
         </p:nvSpPr>
         <p:spPr>
           <a:xfrm>
-            <a:off x="6553200" y="6356350"/>
-            <a:ext cx="2133600" cy="365125"/>
+            <a:off x="6457950" y="6356351"/>
+            <a:ext cx="2057400" cy="365125"/>
           </a:xfrm>
           <a:prstGeom prst="rect">
             <a:avLst/>
@@ -2811,10 +3450,10 @@
           <a:bodyPr vert="horz" lIns="91440" tIns="45720" rIns="91440" bIns="45720" rtlCol="0" anchor="ctr"/>
           <a:lstStyle>
             <a:lvl1pPr algn="r">
-              <a:defRPr sz="1200">
+              <a:defRPr sz="900">
                 <a:solidFill>
                   <a:schemeClr val="tx1">
-                    <a:tint val="75000"/>
+                    <a:tint val="82000"/>
                   </a:schemeClr>
                 </a:solidFill>
               </a:defRPr>
@@ -2832,32 +3471,35 @@
     </p:spTree>
     <p:extLst>
       <p:ext uri="{BB962C8B-B14F-4D97-AF65-F5344CB8AC3E}">
-        <p14:creationId xmlns:p14="http://schemas.microsoft.com/office/powerpoint/2010/main" val="2209977519"/>
+        <p14:creationId xmlns:p14="http://schemas.microsoft.com/office/powerpoint/2010/main" val="2905925816"/>
       </p:ext>
     </p:extLst>
   </p:cSld>
   <p:clrMap bg1="lt1" tx1="dk1" bg2="lt2" tx2="dk2" accent1="accent1" accent2="accent2" accent3="accent3" accent4="accent4" accent5="accent5" accent6="accent6" hlink="hlink" folHlink="folHlink"/>
   <p:sldLayoutIdLst>
-    <p:sldLayoutId id="2147483649" r:id="rId1"/>
-    <p:sldLayoutId id="2147483650" r:id="rId2"/>
-    <p:sldLayoutId id="2147483651" r:id="rId3"/>
-    <p:sldLayoutId id="2147483652" r:id="rId4"/>
-    <p:sldLayoutId id="2147483653" r:id="rId5"/>
-    <p:sldLayoutId id="2147483654" r:id="rId6"/>
-    <p:sldLayoutId id="2147483655" r:id="rId7"/>
-    <p:sldLayoutId id="2147483656" r:id="rId8"/>
-    <p:sldLayoutId id="2147483657" r:id="rId9"/>
-    <p:sldLayoutId id="2147483658" r:id="rId10"/>
-    <p:sldLayoutId id="2147483659" r:id="rId11"/>
+    <p:sldLayoutId id="2147483673" r:id="rId1"/>
+    <p:sldLayoutId id="2147483674" r:id="rId2"/>
+    <p:sldLayoutId id="2147483675" r:id="rId3"/>
+    <p:sldLayoutId id="2147483676" r:id="rId4"/>
+    <p:sldLayoutId id="2147483677" r:id="rId5"/>
+    <p:sldLayoutId id="2147483678" r:id="rId6"/>
+    <p:sldLayoutId id="2147483679" r:id="rId7"/>
+    <p:sldLayoutId id="2147483680" r:id="rId8"/>
+    <p:sldLayoutId id="2147483681" r:id="rId9"/>
+    <p:sldLayoutId id="2147483682" r:id="rId10"/>
+    <p:sldLayoutId id="2147483683" r:id="rId11"/>
   </p:sldLayoutIdLst>
   <p:txStyles>
     <p:titleStyle>
-      <a:lvl1pPr algn="ctr" defTabSz="457200" rtl="0" eaLnBrk="1" latinLnBrk="0" hangingPunct="1">
+      <a:lvl1pPr algn="l" defTabSz="685800" rtl="0" eaLnBrk="1" latinLnBrk="1" hangingPunct="1">
+        <a:lnSpc>
+          <a:spcPct val="90000"/>
+        </a:lnSpc>
         <a:spcBef>
           <a:spcPct val="0"/>
         </a:spcBef>
         <a:buNone/>
-        <a:defRPr sz="4400" kern="1200">
+        <a:defRPr sz="3300" kern="1200">
           <a:solidFill>
             <a:schemeClr val="tx1"/>
           </a:solidFill>
@@ -2868,13 +3510,16 @@
       </a:lvl1pPr>
     </p:titleStyle>
     <p:bodyStyle>
-      <a:lvl1pPr marL="342900" indent="-342900" algn="l" defTabSz="457200" rtl="0" eaLnBrk="1" latinLnBrk="0" hangingPunct="1">
+      <a:lvl1pPr marL="171450" indent="-171450" algn="l" defTabSz="685800" rtl="0" eaLnBrk="1" latinLnBrk="1" hangingPunct="1">
+        <a:lnSpc>
+          <a:spcPct val="90000"/>
+        </a:lnSpc>
         <a:spcBef>
-          <a:spcPct val="20000"/>
+          <a:spcPts val="750"/>
         </a:spcBef>
-        <a:buFont typeface="Arial"/>
+        <a:buFont typeface="Arial" panose="020B0604020202020204" pitchFamily="34" charset="0"/>
         <a:buChar char="•"/>
-        <a:defRPr sz="3200" kern="1200">
+        <a:defRPr sz="2100" kern="1200">
           <a:solidFill>
             <a:schemeClr val="tx1"/>
           </a:solidFill>
@@ -2883,13 +3528,16 @@
           <a:cs typeface="+mn-cs"/>
         </a:defRPr>
       </a:lvl1pPr>
-      <a:lvl2pPr marL="742950" indent="-285750" algn="l" defTabSz="457200" rtl="0" eaLnBrk="1" latinLnBrk="0" hangingPunct="1">
+      <a:lvl2pPr marL="514350" indent="-171450" algn="l" defTabSz="685800" rtl="0" eaLnBrk="1" latinLnBrk="1" hangingPunct="1">
+        <a:lnSpc>
+          <a:spcPct val="90000"/>
+        </a:lnSpc>
         <a:spcBef>
-          <a:spcPct val="20000"/>
+          <a:spcPts val="375"/>
         </a:spcBef>
-        <a:buFont typeface="Arial"/>
-        <a:buChar char="–"/>
-        <a:defRPr sz="2800" kern="1200">
+        <a:buFont typeface="Arial" panose="020B0604020202020204" pitchFamily="34" charset="0"/>
+        <a:buChar char="•"/>
+        <a:defRPr sz="1800" kern="1200">
           <a:solidFill>
             <a:schemeClr val="tx1"/>
           </a:solidFill>
@@ -2898,13 +3546,16 @@
           <a:cs typeface="+mn-cs"/>
         </a:defRPr>
       </a:lvl2pPr>
-      <a:lvl3pPr marL="1143000" indent="-228600" algn="l" defTabSz="457200" rtl="0" eaLnBrk="1" latinLnBrk="0" hangingPunct="1">
+      <a:lvl3pPr marL="857250" indent="-171450" algn="l" defTabSz="685800" rtl="0" eaLnBrk="1" latinLnBrk="1" hangingPunct="1">
+        <a:lnSpc>
+          <a:spcPct val="90000"/>
+        </a:lnSpc>
         <a:spcBef>
-          <a:spcPct val="20000"/>
+          <a:spcPts val="375"/>
         </a:spcBef>
-        <a:buFont typeface="Arial"/>
+        <a:buFont typeface="Arial" panose="020B0604020202020204" pitchFamily="34" charset="0"/>
         <a:buChar char="•"/>
-        <a:defRPr sz="2400" kern="1200">
+        <a:defRPr sz="1500" kern="1200">
           <a:solidFill>
             <a:schemeClr val="tx1"/>
           </a:solidFill>
@@ -2913,13 +3564,16 @@
           <a:cs typeface="+mn-cs"/>
         </a:defRPr>
       </a:lvl3pPr>
-      <a:lvl4pPr marL="1600200" indent="-228600" algn="l" defTabSz="457200" rtl="0" eaLnBrk="1" latinLnBrk="0" hangingPunct="1">
+      <a:lvl4pPr marL="1200150" indent="-171450" algn="l" defTabSz="685800" rtl="0" eaLnBrk="1" latinLnBrk="1" hangingPunct="1">
+        <a:lnSpc>
+          <a:spcPct val="90000"/>
+        </a:lnSpc>
         <a:spcBef>
-          <a:spcPct val="20000"/>
+          <a:spcPts val="375"/>
         </a:spcBef>
-        <a:buFont typeface="Arial"/>
-        <a:buChar char="–"/>
-        <a:defRPr sz="2000" kern="1200">
+        <a:buFont typeface="Arial" panose="020B0604020202020204" pitchFamily="34" charset="0"/>
+        <a:buChar char="•"/>
+        <a:defRPr sz="1350" kern="1200">
           <a:solidFill>
             <a:schemeClr val="tx1"/>
           </a:solidFill>
@@ -2928,13 +3582,16 @@
           <a:cs typeface="+mn-cs"/>
         </a:defRPr>
       </a:lvl4pPr>
-      <a:lvl5pPr marL="2057400" indent="-228600" algn="l" defTabSz="457200" rtl="0" eaLnBrk="1" latinLnBrk="0" hangingPunct="1">
+      <a:lvl5pPr marL="1543050" indent="-171450" algn="l" defTabSz="685800" rtl="0" eaLnBrk="1" latinLnBrk="1" hangingPunct="1">
+        <a:lnSpc>
+          <a:spcPct val="90000"/>
+        </a:lnSpc>
         <a:spcBef>
-          <a:spcPct val="20000"/>
+          <a:spcPts val="375"/>
         </a:spcBef>
-        <a:buFont typeface="Arial"/>
-        <a:buChar char="»"/>
-        <a:defRPr sz="2000" kern="1200">
+        <a:buFont typeface="Arial" panose="020B0604020202020204" pitchFamily="34" charset="0"/>
+        <a:buChar char="•"/>
+        <a:defRPr sz="1350" kern="1200">
           <a:solidFill>
             <a:schemeClr val="tx1"/>
           </a:solidFill>
@@ -2943,13 +3600,16 @@
           <a:cs typeface="+mn-cs"/>
         </a:defRPr>
       </a:lvl5pPr>
-      <a:lvl6pPr marL="2514600" indent="-228600" algn="l" defTabSz="457200" rtl="0" eaLnBrk="1" latinLnBrk="0" hangingPunct="1">
+      <a:lvl6pPr marL="1885950" indent="-171450" algn="l" defTabSz="685800" rtl="0" eaLnBrk="1" latinLnBrk="1" hangingPunct="1">
+        <a:lnSpc>
+          <a:spcPct val="90000"/>
+        </a:lnSpc>
         <a:spcBef>
-          <a:spcPct val="20000"/>
+          <a:spcPts val="375"/>
         </a:spcBef>
-        <a:buFont typeface="Arial"/>
+        <a:buFont typeface="Arial" panose="020B0604020202020204" pitchFamily="34" charset="0"/>
         <a:buChar char="•"/>
-        <a:defRPr sz="2000" kern="1200">
+        <a:defRPr sz="1350" kern="1200">
           <a:solidFill>
             <a:schemeClr val="tx1"/>
           </a:solidFill>
@@ -2958,13 +3618,16 @@
           <a:cs typeface="+mn-cs"/>
         </a:defRPr>
       </a:lvl6pPr>
-      <a:lvl7pPr marL="2971800" indent="-228600" algn="l" defTabSz="457200" rtl="0" eaLnBrk="1" latinLnBrk="0" hangingPunct="1">
+      <a:lvl7pPr marL="2228850" indent="-171450" algn="l" defTabSz="685800" rtl="0" eaLnBrk="1" latinLnBrk="1" hangingPunct="1">
+        <a:lnSpc>
+          <a:spcPct val="90000"/>
+        </a:lnSpc>
         <a:spcBef>
-          <a:spcPct val="20000"/>
+          <a:spcPts val="375"/>
         </a:spcBef>
-        <a:buFont typeface="Arial"/>
+        <a:buFont typeface="Arial" panose="020B0604020202020204" pitchFamily="34" charset="0"/>
         <a:buChar char="•"/>
-        <a:defRPr sz="2000" kern="1200">
+        <a:defRPr sz="1350" kern="1200">
           <a:solidFill>
             <a:schemeClr val="tx1"/>
           </a:solidFill>
@@ -2973,13 +3636,16 @@
           <a:cs typeface="+mn-cs"/>
         </a:defRPr>
       </a:lvl7pPr>
-      <a:lvl8pPr marL="3429000" indent="-228600" algn="l" defTabSz="457200" rtl="0" eaLnBrk="1" latinLnBrk="0" hangingPunct="1">
+      <a:lvl8pPr marL="2571750" indent="-171450" algn="l" defTabSz="685800" rtl="0" eaLnBrk="1" latinLnBrk="1" hangingPunct="1">
+        <a:lnSpc>
+          <a:spcPct val="90000"/>
+        </a:lnSpc>
         <a:spcBef>
-          <a:spcPct val="20000"/>
+          <a:spcPts val="375"/>
         </a:spcBef>
-        <a:buFont typeface="Arial"/>
+        <a:buFont typeface="Arial" panose="020B0604020202020204" pitchFamily="34" charset="0"/>
         <a:buChar char="•"/>
-        <a:defRPr sz="2000" kern="1200">
+        <a:defRPr sz="1350" kern="1200">
           <a:solidFill>
             <a:schemeClr val="tx1"/>
           </a:solidFill>
@@ -2988,13 +3654,16 @@
           <a:cs typeface="+mn-cs"/>
         </a:defRPr>
       </a:lvl8pPr>
-      <a:lvl9pPr marL="3886200" indent="-228600" algn="l" defTabSz="457200" rtl="0" eaLnBrk="1" latinLnBrk="0" hangingPunct="1">
+      <a:lvl9pPr marL="2914650" indent="-171450" algn="l" defTabSz="685800" rtl="0" eaLnBrk="1" latinLnBrk="1" hangingPunct="1">
+        <a:lnSpc>
+          <a:spcPct val="90000"/>
+        </a:lnSpc>
         <a:spcBef>
-          <a:spcPct val="20000"/>
+          <a:spcPts val="375"/>
         </a:spcBef>
-        <a:buFont typeface="Arial"/>
+        <a:buFont typeface="Arial" panose="020B0604020202020204" pitchFamily="34" charset="0"/>
         <a:buChar char="•"/>
-        <a:defRPr sz="2000" kern="1200">
+        <a:defRPr sz="1350" kern="1200">
           <a:solidFill>
             <a:schemeClr val="tx1"/>
           </a:solidFill>
@@ -3006,10 +3675,10 @@
     </p:bodyStyle>
     <p:otherStyle>
       <a:defPPr>
-        <a:defRPr lang="en-US"/>
+        <a:defRPr lang="ko-KR"/>
       </a:defPPr>
-      <a:lvl1pPr marL="0" algn="l" defTabSz="457200" rtl="0" eaLnBrk="1" latinLnBrk="0" hangingPunct="1">
-        <a:defRPr sz="1800" kern="1200">
+      <a:lvl1pPr marL="0" algn="l" defTabSz="685800" rtl="0" eaLnBrk="1" latinLnBrk="1" hangingPunct="1">
+        <a:defRPr sz="1350" kern="1200">
           <a:solidFill>
             <a:schemeClr val="tx1"/>
           </a:solidFill>
@@ -3018,8 +3687,8 @@
           <a:cs typeface="+mn-cs"/>
         </a:defRPr>
       </a:lvl1pPr>
-      <a:lvl2pPr marL="457200" algn="l" defTabSz="457200" rtl="0" eaLnBrk="1" latinLnBrk="0" hangingPunct="1">
-        <a:defRPr sz="1800" kern="1200">
+      <a:lvl2pPr marL="342900" algn="l" defTabSz="685800" rtl="0" eaLnBrk="1" latinLnBrk="1" hangingPunct="1">
+        <a:defRPr sz="1350" kern="1200">
           <a:solidFill>
             <a:schemeClr val="tx1"/>
           </a:solidFill>
@@ -3028,8 +3697,8 @@
           <a:cs typeface="+mn-cs"/>
         </a:defRPr>
       </a:lvl2pPr>
-      <a:lvl3pPr marL="914400" algn="l" defTabSz="457200" rtl="0" eaLnBrk="1" latinLnBrk="0" hangingPunct="1">
-        <a:defRPr sz="1800" kern="1200">
+      <a:lvl3pPr marL="685800" algn="l" defTabSz="685800" rtl="0" eaLnBrk="1" latinLnBrk="1" hangingPunct="1">
+        <a:defRPr sz="1350" kern="1200">
           <a:solidFill>
             <a:schemeClr val="tx1"/>
           </a:solidFill>
@@ -3038,8 +3707,8 @@
           <a:cs typeface="+mn-cs"/>
         </a:defRPr>
       </a:lvl3pPr>
-      <a:lvl4pPr marL="1371600" algn="l" defTabSz="457200" rtl="0" eaLnBrk="1" latinLnBrk="0" hangingPunct="1">
-        <a:defRPr sz="1800" kern="1200">
+      <a:lvl4pPr marL="1028700" algn="l" defTabSz="685800" rtl="0" eaLnBrk="1" latinLnBrk="1" hangingPunct="1">
+        <a:defRPr sz="1350" kern="1200">
           <a:solidFill>
             <a:schemeClr val="tx1"/>
           </a:solidFill>
@@ -3048,8 +3717,8 @@
           <a:cs typeface="+mn-cs"/>
         </a:defRPr>
       </a:lvl4pPr>
-      <a:lvl5pPr marL="1828800" algn="l" defTabSz="457200" rtl="0" eaLnBrk="1" latinLnBrk="0" hangingPunct="1">
-        <a:defRPr sz="1800" kern="1200">
+      <a:lvl5pPr marL="1371600" algn="l" defTabSz="685800" rtl="0" eaLnBrk="1" latinLnBrk="1" hangingPunct="1">
+        <a:defRPr sz="1350" kern="1200">
           <a:solidFill>
             <a:schemeClr val="tx1"/>
           </a:solidFill>
@@ -3058,8 +3727,8 @@
           <a:cs typeface="+mn-cs"/>
         </a:defRPr>
       </a:lvl5pPr>
-      <a:lvl6pPr marL="2286000" algn="l" defTabSz="457200" rtl="0" eaLnBrk="1" latinLnBrk="0" hangingPunct="1">
-        <a:defRPr sz="1800" kern="1200">
+      <a:lvl6pPr marL="1714500" algn="l" defTabSz="685800" rtl="0" eaLnBrk="1" latinLnBrk="1" hangingPunct="1">
+        <a:defRPr sz="1350" kern="1200">
           <a:solidFill>
             <a:schemeClr val="tx1"/>
           </a:solidFill>
@@ -3068,8 +3737,8 @@
           <a:cs typeface="+mn-cs"/>
         </a:defRPr>
       </a:lvl6pPr>
-      <a:lvl7pPr marL="2743200" algn="l" defTabSz="457200" rtl="0" eaLnBrk="1" latinLnBrk="0" hangingPunct="1">
-        <a:defRPr sz="1800" kern="1200">
+      <a:lvl7pPr marL="2057400" algn="l" defTabSz="685800" rtl="0" eaLnBrk="1" latinLnBrk="1" hangingPunct="1">
+        <a:defRPr sz="1350" kern="1200">
           <a:solidFill>
             <a:schemeClr val="tx1"/>
           </a:solidFill>
@@ -3078,8 +3747,8 @@
           <a:cs typeface="+mn-cs"/>
         </a:defRPr>
       </a:lvl7pPr>
-      <a:lvl8pPr marL="3200400" algn="l" defTabSz="457200" rtl="0" eaLnBrk="1" latinLnBrk="0" hangingPunct="1">
-        <a:defRPr sz="1800" kern="1200">
+      <a:lvl8pPr marL="2400300" algn="l" defTabSz="685800" rtl="0" eaLnBrk="1" latinLnBrk="1" hangingPunct="1">
+        <a:defRPr sz="1350" kern="1200">
           <a:solidFill>
             <a:schemeClr val="tx1"/>
           </a:solidFill>
@@ -3088,8 +3757,8 @@
           <a:cs typeface="+mn-cs"/>
         </a:defRPr>
       </a:lvl8pPr>
-      <a:lvl9pPr marL="3657600" algn="l" defTabSz="457200" rtl="0" eaLnBrk="1" latinLnBrk="0" hangingPunct="1">
-        <a:defRPr sz="1800" kern="1200">
+      <a:lvl9pPr marL="2743200" algn="l" defTabSz="685800" rtl="0" eaLnBrk="1" latinLnBrk="1" hangingPunct="1">
+        <a:defRPr sz="1350" kern="1200">
           <a:solidFill>
             <a:schemeClr val="tx1"/>
           </a:solidFill>
@@ -3225,14 +3894,2853 @@
       </p:grpSpPr>
       <p:sp>
         <p:nvSpPr>
+          <p:cNvPr id="113" name="TextBox 112">
+            <a:extLst>
+              <a:ext uri="{FF2B5EF4-FFF2-40B4-BE49-F238E27FC236}">
+                <a16:creationId xmlns:a16="http://schemas.microsoft.com/office/drawing/2014/main" id="{CA2CD709-AFDB-E4A3-ADF0-6297385B264F}"/>
+              </a:ext>
+            </a:extLst>
+          </p:cNvPr>
+          <p:cNvSpPr txBox="1"/>
+          <p:nvPr/>
+        </p:nvSpPr>
+        <p:spPr>
+          <a:xfrm>
+            <a:off x="400907" y="420563"/>
+            <a:ext cx="5391219" cy="400110"/>
+          </a:xfrm>
+          <a:prstGeom prst="rect">
+            <a:avLst/>
+          </a:prstGeom>
+          <a:noFill/>
+        </p:spPr>
+        <p:txBody>
+          <a:bodyPr wrap="none" rtlCol="0">
+            <a:spAutoFit/>
+          </a:bodyPr>
+          <a:lstStyle/>
+          <a:p>
+            <a:pPr marL="0" marR="0" lvl="0" indent="0" algn="l" defTabSz="914400" rtl="0" eaLnBrk="1" fontAlgn="auto" latinLnBrk="1" hangingPunct="1">
+              <a:lnSpc>
+                <a:spcPct val="100000"/>
+              </a:lnSpc>
+              <a:spcBef>
+                <a:spcPts val="0"/>
+              </a:spcBef>
+              <a:spcAft>
+                <a:spcPts val="0"/>
+              </a:spcAft>
+              <a:buClrTx/>
+              <a:buSzTx/>
+              <a:buFontTx/>
+              <a:buNone/>
+              <a:tabLst/>
+              <a:defRPr/>
+            </a:pPr>
+            <a:r>
+              <a:rPr lang="ko-KR" altLang="en-US" sz="2000" b="1" dirty="0">
+                <a:latin typeface="Consolas" panose="020B0609020204030204" pitchFamily="49" charset="0"/>
+              </a:rPr>
+              <a:t>개발 및 배포를 위한 서버 아키텍처 구성도</a:t>
+            </a:r>
+            <a:endParaRPr kumimoji="0" lang="en-US" altLang="ko-KR" sz="2000" b="1" i="0" u="none" strike="noStrike" kern="1200" cap="none" spc="0" normalizeH="0" baseline="0" noProof="0" dirty="0">
+              <a:ln>
+                <a:noFill/>
+              </a:ln>
+              <a:solidFill>
+                <a:prstClr val="black"/>
+              </a:solidFill>
+              <a:effectLst/>
+              <a:uLnTx/>
+              <a:uFillTx/>
+              <a:latin typeface="Consolas" panose="020B0609020204030204" pitchFamily="49" charset="0"/>
+              <a:ea typeface="맑은 고딕" panose="020B0503020000020004" pitchFamily="50" charset="-127"/>
+              <a:cs typeface="Arial" panose="020B0604020202020204" pitchFamily="34" charset="0"/>
+            </a:endParaRPr>
+          </a:p>
+        </p:txBody>
+      </p:sp>
+      <p:sp>
+        <p:nvSpPr>
+          <p:cNvPr id="114" name="직사각형 113">
+            <a:extLst>
+              <a:ext uri="{FF2B5EF4-FFF2-40B4-BE49-F238E27FC236}">
+                <a16:creationId xmlns:a16="http://schemas.microsoft.com/office/drawing/2014/main" id="{8369A5EB-5606-3407-328E-F1D1D8F94052}"/>
+              </a:ext>
+            </a:extLst>
+          </p:cNvPr>
+          <p:cNvSpPr/>
+          <p:nvPr/>
+        </p:nvSpPr>
+        <p:spPr>
+          <a:xfrm>
+            <a:off x="547471" y="4349864"/>
+            <a:ext cx="2520000" cy="1800000"/>
+          </a:xfrm>
+          <a:prstGeom prst="rect">
+            <a:avLst/>
+          </a:prstGeom>
+          <a:noFill/>
+          <a:ln w="28575">
+            <a:solidFill>
+              <a:schemeClr val="tx1"/>
+            </a:solidFill>
+          </a:ln>
+        </p:spPr>
+        <p:style>
+          <a:lnRef idx="2">
+            <a:schemeClr val="accent1">
+              <a:shade val="50000"/>
+            </a:schemeClr>
+          </a:lnRef>
+          <a:fillRef idx="1">
+            <a:schemeClr val="accent1"/>
+          </a:fillRef>
+          <a:effectRef idx="0">
+            <a:schemeClr val="accent1"/>
+          </a:effectRef>
+          <a:fontRef idx="minor">
+            <a:schemeClr val="lt1"/>
+          </a:fontRef>
+        </p:style>
+        <p:txBody>
+          <a:bodyPr rtlCol="0" anchor="ctr"/>
+          <a:lstStyle/>
+          <a:p>
+            <a:pPr algn="ctr"/>
+            <a:endParaRPr lang="ko-KR" altLang="en-US" sz="1200" dirty="0">
+              <a:latin typeface="Consolas" panose="020B0609020204030204" pitchFamily="49" charset="0"/>
+            </a:endParaRPr>
+          </a:p>
+        </p:txBody>
+      </p:sp>
+      <p:sp>
+        <p:nvSpPr>
+          <p:cNvPr id="115" name="TextBox 114">
+            <a:extLst>
+              <a:ext uri="{FF2B5EF4-FFF2-40B4-BE49-F238E27FC236}">
+                <a16:creationId xmlns:a16="http://schemas.microsoft.com/office/drawing/2014/main" id="{51ECAF7C-CB00-5AA4-DE71-74F37450E47D}"/>
+              </a:ext>
+            </a:extLst>
+          </p:cNvPr>
+          <p:cNvSpPr txBox="1"/>
+          <p:nvPr/>
+        </p:nvSpPr>
+        <p:spPr>
+          <a:xfrm>
+            <a:off x="540500" y="4406295"/>
+            <a:ext cx="1868090" cy="276999"/>
+          </a:xfrm>
+          <a:prstGeom prst="rect">
+            <a:avLst/>
+          </a:prstGeom>
+          <a:noFill/>
+        </p:spPr>
+        <p:txBody>
+          <a:bodyPr wrap="square" rtlCol="0">
+            <a:spAutoFit/>
+          </a:bodyPr>
+          <a:lstStyle/>
+          <a:p>
+            <a:r>
+              <a:rPr lang="en-US" altLang="ko-KR" sz="1200" b="1" dirty="0">
+                <a:latin typeface="Consolas" panose="020B0609020204030204" pitchFamily="49" charset="0"/>
+              </a:rPr>
+              <a:t>Window</a:t>
+            </a:r>
+            <a:r>
+              <a:rPr lang="ko-KR" altLang="en-US" sz="1200" b="1" dirty="0">
+                <a:latin typeface="Consolas" panose="020B0609020204030204" pitchFamily="49" charset="0"/>
+              </a:rPr>
+              <a:t>운영체제 </a:t>
+            </a:r>
+            <a:r>
+              <a:rPr lang="en-US" altLang="ko-KR" sz="1200" b="1" dirty="0">
+                <a:latin typeface="Consolas" panose="020B0609020204030204" pitchFamily="49" charset="0"/>
+              </a:rPr>
+              <a:t>(OS)</a:t>
+            </a:r>
+            <a:endParaRPr lang="ko-KR" altLang="en-US" sz="1200" b="1" dirty="0">
+              <a:latin typeface="Consolas" panose="020B0609020204030204" pitchFamily="49" charset="0"/>
+            </a:endParaRPr>
+          </a:p>
+        </p:txBody>
+      </p:sp>
+      <p:sp>
+        <p:nvSpPr>
+          <p:cNvPr id="121" name="직사각형 120">
+            <a:extLst>
+              <a:ext uri="{FF2B5EF4-FFF2-40B4-BE49-F238E27FC236}">
+                <a16:creationId xmlns:a16="http://schemas.microsoft.com/office/drawing/2014/main" id="{4476538A-6546-94ED-DA55-240B50F0D454}"/>
+              </a:ext>
+            </a:extLst>
+          </p:cNvPr>
+          <p:cNvSpPr/>
+          <p:nvPr/>
+        </p:nvSpPr>
+        <p:spPr>
+          <a:xfrm>
+            <a:off x="5924264" y="4402690"/>
+            <a:ext cx="2520000" cy="1800000"/>
+          </a:xfrm>
+          <a:prstGeom prst="rect">
+            <a:avLst/>
+          </a:prstGeom>
+          <a:noFill/>
+          <a:ln w="28575">
+            <a:solidFill>
+              <a:schemeClr val="tx1"/>
+            </a:solidFill>
+          </a:ln>
+        </p:spPr>
+        <p:style>
+          <a:lnRef idx="2">
+            <a:schemeClr val="accent1">
+              <a:shade val="50000"/>
+            </a:schemeClr>
+          </a:lnRef>
+          <a:fillRef idx="1">
+            <a:schemeClr val="accent1"/>
+          </a:fillRef>
+          <a:effectRef idx="0">
+            <a:schemeClr val="accent1"/>
+          </a:effectRef>
+          <a:fontRef idx="minor">
+            <a:schemeClr val="lt1"/>
+          </a:fontRef>
+        </p:style>
+        <p:txBody>
+          <a:bodyPr rtlCol="0" anchor="ctr"/>
+          <a:lstStyle/>
+          <a:p>
+            <a:pPr algn="ctr"/>
+            <a:endParaRPr lang="ko-KR" altLang="en-US" sz="1200" dirty="0">
+              <a:latin typeface="Consolas" panose="020B0609020204030204" pitchFamily="49" charset="0"/>
+            </a:endParaRPr>
+          </a:p>
+        </p:txBody>
+      </p:sp>
+      <p:sp>
+        <p:nvSpPr>
+          <p:cNvPr id="122" name="TextBox 121">
+            <a:extLst>
+              <a:ext uri="{FF2B5EF4-FFF2-40B4-BE49-F238E27FC236}">
+                <a16:creationId xmlns:a16="http://schemas.microsoft.com/office/drawing/2014/main" id="{4424F7CB-936D-2680-DF53-DA83C17836E1}"/>
+              </a:ext>
+            </a:extLst>
+          </p:cNvPr>
+          <p:cNvSpPr txBox="1"/>
+          <p:nvPr/>
+        </p:nvSpPr>
+        <p:spPr>
+          <a:xfrm>
+            <a:off x="5916638" y="4422481"/>
+            <a:ext cx="1722709" cy="276999"/>
+          </a:xfrm>
+          <a:prstGeom prst="rect">
+            <a:avLst/>
+          </a:prstGeom>
+          <a:noFill/>
+        </p:spPr>
+        <p:txBody>
+          <a:bodyPr wrap="square" rtlCol="0">
+            <a:spAutoFit/>
+          </a:bodyPr>
+          <a:lstStyle/>
+          <a:p>
+            <a:r>
+              <a:rPr lang="en-US" altLang="ko-KR" sz="1200" b="1" dirty="0">
+                <a:latin typeface="Consolas" panose="020B0609020204030204" pitchFamily="49" charset="0"/>
+              </a:rPr>
+              <a:t>Linux</a:t>
+            </a:r>
+            <a:r>
+              <a:rPr lang="ko-KR" altLang="en-US" sz="1200" b="1" dirty="0">
+                <a:latin typeface="Consolas" panose="020B0609020204030204" pitchFamily="49" charset="0"/>
+              </a:rPr>
+              <a:t>운영체제 </a:t>
+            </a:r>
+            <a:r>
+              <a:rPr lang="en-US" altLang="ko-KR" sz="1200" b="1" dirty="0">
+                <a:latin typeface="Consolas" panose="020B0609020204030204" pitchFamily="49" charset="0"/>
+              </a:rPr>
+              <a:t>(OS)</a:t>
+            </a:r>
+            <a:endParaRPr lang="ko-KR" altLang="en-US" sz="1200" b="1" dirty="0">
+              <a:latin typeface="Consolas" panose="020B0609020204030204" pitchFamily="49" charset="0"/>
+            </a:endParaRPr>
+          </a:p>
+        </p:txBody>
+      </p:sp>
+      <p:sp>
+        <p:nvSpPr>
+          <p:cNvPr id="125" name="TextBox 124">
+            <a:extLst>
+              <a:ext uri="{FF2B5EF4-FFF2-40B4-BE49-F238E27FC236}">
+                <a16:creationId xmlns:a16="http://schemas.microsoft.com/office/drawing/2014/main" id="{15393506-AA13-2D69-63BF-81025E73DCCE}"/>
+              </a:ext>
+            </a:extLst>
+          </p:cNvPr>
+          <p:cNvSpPr txBox="1"/>
+          <p:nvPr/>
+        </p:nvSpPr>
+        <p:spPr>
+          <a:xfrm>
+            <a:off x="812922" y="4978590"/>
+            <a:ext cx="1987078" cy="461665"/>
+          </a:xfrm>
+          <a:prstGeom prst="rect">
+            <a:avLst/>
+          </a:prstGeom>
+          <a:noFill/>
+          <a:ln w="28575">
+            <a:solidFill>
+              <a:srgbClr val="FF0000"/>
+            </a:solidFill>
+          </a:ln>
+        </p:spPr>
+        <p:txBody>
+          <a:bodyPr wrap="square" rtlCol="0">
+            <a:spAutoFit/>
+          </a:bodyPr>
+          <a:lstStyle/>
+          <a:p>
+            <a:r>
+              <a:rPr lang="en-US" altLang="ko-KR" sz="1200" dirty="0">
+                <a:latin typeface="Consolas" panose="020B0609020204030204" pitchFamily="49" charset="0"/>
+              </a:rPr>
+              <a:t>Project Folder/</a:t>
+            </a:r>
+          </a:p>
+          <a:p>
+            <a:r>
+              <a:rPr lang="en-US" altLang="ko-KR" sz="1200" dirty="0">
+                <a:latin typeface="Consolas" panose="020B0609020204030204" pitchFamily="49" charset="0"/>
+              </a:rPr>
+              <a:t>   - </a:t>
+            </a:r>
+            <a:r>
+              <a:rPr lang="ko-KR" altLang="en-US" sz="1200" dirty="0">
+                <a:latin typeface="Consolas" panose="020B0609020204030204" pitchFamily="49" charset="0"/>
+              </a:rPr>
+              <a:t>프로젝트 파일들</a:t>
+            </a:r>
+            <a:endParaRPr lang="en-US" altLang="ko-KR" sz="1200" dirty="0">
+              <a:latin typeface="Consolas" panose="020B0609020204030204" pitchFamily="49" charset="0"/>
+            </a:endParaRPr>
+          </a:p>
+        </p:txBody>
+      </p:sp>
+      <p:sp>
+        <p:nvSpPr>
+          <p:cNvPr id="162" name="TextBox 161">
+            <a:extLst>
+              <a:ext uri="{FF2B5EF4-FFF2-40B4-BE49-F238E27FC236}">
+                <a16:creationId xmlns:a16="http://schemas.microsoft.com/office/drawing/2014/main" id="{82162B0F-58A7-1E01-AD1F-E5C17DB765DA}"/>
+              </a:ext>
+            </a:extLst>
+          </p:cNvPr>
+          <p:cNvSpPr txBox="1"/>
+          <p:nvPr/>
+        </p:nvSpPr>
+        <p:spPr>
+          <a:xfrm>
+            <a:off x="3520934" y="2583368"/>
+            <a:ext cx="1585050" cy="276999"/>
+          </a:xfrm>
+          <a:prstGeom prst="rect">
+            <a:avLst/>
+          </a:prstGeom>
+          <a:noFill/>
+          <a:ln w="28575">
+            <a:solidFill>
+              <a:srgbClr val="00B0F0"/>
+            </a:solidFill>
+          </a:ln>
+        </p:spPr>
+        <p:txBody>
+          <a:bodyPr wrap="square" rtlCol="0">
+            <a:spAutoFit/>
+          </a:bodyPr>
+          <a:lstStyle/>
+          <a:p>
+            <a:r>
+              <a:rPr lang="en-US" altLang="ko-KR" sz="1200" b="1">
+                <a:latin typeface="Consolas" panose="020B0609020204030204" pitchFamily="49" charset="0"/>
+              </a:rPr>
+              <a:t>Git hub(</a:t>
+            </a:r>
+            <a:r>
+              <a:rPr lang="ko-KR" altLang="en-US" sz="1200" b="1" dirty="0">
+                <a:latin typeface="Consolas" panose="020B0609020204030204" pitchFamily="49" charset="0"/>
+              </a:rPr>
+              <a:t>코드 공유</a:t>
+            </a:r>
+            <a:r>
+              <a:rPr lang="en-US" altLang="ko-KR" sz="1200" b="1" dirty="0">
+                <a:latin typeface="Consolas" panose="020B0609020204030204" pitchFamily="49" charset="0"/>
+              </a:rPr>
+              <a:t>)</a:t>
+            </a:r>
+            <a:endParaRPr lang="ko-KR" altLang="en-US" sz="1200" b="1" dirty="0">
+              <a:latin typeface="Consolas" panose="020B0609020204030204" pitchFamily="49" charset="0"/>
+            </a:endParaRPr>
+          </a:p>
+        </p:txBody>
+      </p:sp>
+      <p:cxnSp>
+        <p:nvCxnSpPr>
+          <p:cNvPr id="165" name="직선 화살표 연결선 164">
+            <a:extLst>
+              <a:ext uri="{FF2B5EF4-FFF2-40B4-BE49-F238E27FC236}">
+                <a16:creationId xmlns:a16="http://schemas.microsoft.com/office/drawing/2014/main" id="{28F1E554-65DC-335B-3474-466A41ED7410}"/>
+              </a:ext>
+            </a:extLst>
+          </p:cNvPr>
+          <p:cNvCxnSpPr>
+            <a:cxnSpLocks/>
+            <a:stCxn id="125" idx="3"/>
+            <a:endCxn id="162" idx="1"/>
+          </p:cNvCxnSpPr>
+          <p:nvPr/>
+        </p:nvCxnSpPr>
+        <p:spPr>
+          <a:xfrm flipV="1">
+            <a:off x="2800000" y="2721868"/>
+            <a:ext cx="720934" cy="2487555"/>
+          </a:xfrm>
+          <a:prstGeom prst="straightConnector1">
+            <a:avLst/>
+          </a:prstGeom>
+          <a:ln w="28575">
+            <a:solidFill>
+              <a:srgbClr val="00B0F0"/>
+            </a:solidFill>
+            <a:prstDash val="sysDash"/>
+            <a:tailEnd type="triangle"/>
+          </a:ln>
+        </p:spPr>
+        <p:style>
+          <a:lnRef idx="1">
+            <a:schemeClr val="accent1"/>
+          </a:lnRef>
+          <a:fillRef idx="0">
+            <a:schemeClr val="accent1"/>
+          </a:fillRef>
+          <a:effectRef idx="0">
+            <a:schemeClr val="accent1"/>
+          </a:effectRef>
+          <a:fontRef idx="minor">
+            <a:schemeClr val="tx1"/>
+          </a:fontRef>
+        </p:style>
+      </p:cxnSp>
+      <p:sp>
+        <p:nvSpPr>
+          <p:cNvPr id="166" name="TextBox 165">
+            <a:extLst>
+              <a:ext uri="{FF2B5EF4-FFF2-40B4-BE49-F238E27FC236}">
+                <a16:creationId xmlns:a16="http://schemas.microsoft.com/office/drawing/2014/main" id="{8166847E-093B-4931-1276-5B545821A8D3}"/>
+              </a:ext>
+            </a:extLst>
+          </p:cNvPr>
+          <p:cNvSpPr txBox="1"/>
+          <p:nvPr/>
+        </p:nvSpPr>
+        <p:spPr>
+          <a:xfrm rot="17286588">
+            <a:off x="2311372" y="3722710"/>
+            <a:ext cx="1512197" cy="276999"/>
+          </a:xfrm>
+          <a:prstGeom prst="rect">
+            <a:avLst/>
+          </a:prstGeom>
+          <a:noFill/>
+        </p:spPr>
+        <p:txBody>
+          <a:bodyPr wrap="square" rtlCol="0">
+            <a:spAutoFit/>
+          </a:bodyPr>
+          <a:lstStyle/>
+          <a:p>
+            <a:r>
+              <a:rPr lang="en-US" altLang="ko-KR" sz="1200" dirty="0">
+                <a:latin typeface="Consolas" panose="020B0609020204030204" pitchFamily="49" charset="0"/>
+              </a:rPr>
+              <a:t>add/commit/Push</a:t>
+            </a:r>
+            <a:endParaRPr lang="ko-KR" altLang="en-US" sz="1200" dirty="0">
+              <a:latin typeface="Consolas" panose="020B0609020204030204" pitchFamily="49" charset="0"/>
+            </a:endParaRPr>
+          </a:p>
+        </p:txBody>
+      </p:sp>
+      <p:sp>
+        <p:nvSpPr>
+          <p:cNvPr id="167" name="TextBox 166">
+            <a:extLst>
+              <a:ext uri="{FF2B5EF4-FFF2-40B4-BE49-F238E27FC236}">
+                <a16:creationId xmlns:a16="http://schemas.microsoft.com/office/drawing/2014/main" id="{8C7DDDDF-A5A5-D6E1-05DB-87DC20E802D8}"/>
+              </a:ext>
+            </a:extLst>
+          </p:cNvPr>
+          <p:cNvSpPr txBox="1"/>
+          <p:nvPr/>
+        </p:nvSpPr>
+        <p:spPr>
+          <a:xfrm>
+            <a:off x="6181625" y="5098822"/>
+            <a:ext cx="2005278" cy="461665"/>
+          </a:xfrm>
+          <a:prstGeom prst="rect">
+            <a:avLst/>
+          </a:prstGeom>
+          <a:noFill/>
+          <a:ln w="28575">
+            <a:solidFill>
+              <a:srgbClr val="FF0000"/>
+            </a:solidFill>
+          </a:ln>
+        </p:spPr>
+        <p:txBody>
+          <a:bodyPr wrap="square" rtlCol="0">
+            <a:spAutoFit/>
+          </a:bodyPr>
+          <a:lstStyle/>
+          <a:p>
+            <a:r>
+              <a:rPr lang="en-US" altLang="ko-KR" sz="1200" dirty="0">
+                <a:latin typeface="Consolas" panose="020B0609020204030204" pitchFamily="49" charset="0"/>
+              </a:rPr>
+              <a:t>Project Folder/</a:t>
+            </a:r>
+          </a:p>
+          <a:p>
+            <a:r>
+              <a:rPr lang="en-US" altLang="ko-KR" sz="1200" dirty="0">
+                <a:latin typeface="Consolas" panose="020B0609020204030204" pitchFamily="49" charset="0"/>
+              </a:rPr>
+              <a:t>   - </a:t>
+            </a:r>
+            <a:r>
+              <a:rPr lang="ko-KR" altLang="en-US" sz="1200" dirty="0">
+                <a:latin typeface="Consolas" panose="020B0609020204030204" pitchFamily="49" charset="0"/>
+              </a:rPr>
+              <a:t>프로젝트 파일들</a:t>
+            </a:r>
+            <a:endParaRPr lang="en-US" altLang="ko-KR" sz="1200" dirty="0">
+              <a:latin typeface="Consolas" panose="020B0609020204030204" pitchFamily="49" charset="0"/>
+            </a:endParaRPr>
+          </a:p>
+        </p:txBody>
+      </p:sp>
+      <p:cxnSp>
+        <p:nvCxnSpPr>
+          <p:cNvPr id="168" name="직선 화살표 연결선 167">
+            <a:extLst>
+              <a:ext uri="{FF2B5EF4-FFF2-40B4-BE49-F238E27FC236}">
+                <a16:creationId xmlns:a16="http://schemas.microsoft.com/office/drawing/2014/main" id="{A57B5D03-F2B3-88C8-69F8-EE72A91F9474}"/>
+              </a:ext>
+            </a:extLst>
+          </p:cNvPr>
+          <p:cNvCxnSpPr>
+            <a:cxnSpLocks/>
+            <a:stCxn id="162" idx="3"/>
+            <a:endCxn id="167" idx="0"/>
+          </p:cNvCxnSpPr>
+          <p:nvPr/>
+        </p:nvCxnSpPr>
+        <p:spPr>
+          <a:xfrm>
+            <a:off x="5105984" y="2721868"/>
+            <a:ext cx="2078280" cy="2376954"/>
+          </a:xfrm>
+          <a:prstGeom prst="straightConnector1">
+            <a:avLst/>
+          </a:prstGeom>
+          <a:ln w="28575">
+            <a:solidFill>
+              <a:srgbClr val="FF0000"/>
+            </a:solidFill>
+            <a:prstDash val="sysDash"/>
+            <a:tailEnd type="triangle"/>
+          </a:ln>
+        </p:spPr>
+        <p:style>
+          <a:lnRef idx="1">
+            <a:schemeClr val="accent1"/>
+          </a:lnRef>
+          <a:fillRef idx="0">
+            <a:schemeClr val="accent1"/>
+          </a:fillRef>
+          <a:effectRef idx="0">
+            <a:schemeClr val="accent1"/>
+          </a:effectRef>
+          <a:fontRef idx="minor">
+            <a:schemeClr val="tx1"/>
+          </a:fontRef>
+        </p:style>
+      </p:cxnSp>
+      <p:sp>
+        <p:nvSpPr>
+          <p:cNvPr id="169" name="TextBox 168">
+            <a:extLst>
+              <a:ext uri="{FF2B5EF4-FFF2-40B4-BE49-F238E27FC236}">
+                <a16:creationId xmlns:a16="http://schemas.microsoft.com/office/drawing/2014/main" id="{B8A9C39C-BCDC-66B8-4316-2D5D474131E3}"/>
+              </a:ext>
+            </a:extLst>
+          </p:cNvPr>
+          <p:cNvSpPr txBox="1"/>
+          <p:nvPr/>
+        </p:nvSpPr>
+        <p:spPr>
+          <a:xfrm rot="3916272">
+            <a:off x="5940074" y="3229264"/>
+            <a:ext cx="1226099" cy="276999"/>
+          </a:xfrm>
+          <a:prstGeom prst="rect">
+            <a:avLst/>
+          </a:prstGeom>
+          <a:noFill/>
+        </p:spPr>
+        <p:txBody>
+          <a:bodyPr wrap="square" rtlCol="0">
+            <a:spAutoFit/>
+          </a:bodyPr>
+          <a:lstStyle/>
+          <a:p>
+            <a:r>
+              <a:rPr lang="ko-KR" altLang="en-US" sz="1200" dirty="0">
+                <a:latin typeface="Consolas" panose="020B0609020204030204" pitchFamily="49" charset="0"/>
+              </a:rPr>
+              <a:t>프로그램 실행</a:t>
+            </a:r>
+          </a:p>
+        </p:txBody>
+      </p:sp>
+      <p:sp>
+        <p:nvSpPr>
+          <p:cNvPr id="173" name="TextBox 172">
+            <a:extLst>
+              <a:ext uri="{FF2B5EF4-FFF2-40B4-BE49-F238E27FC236}">
+                <a16:creationId xmlns:a16="http://schemas.microsoft.com/office/drawing/2014/main" id="{7C5C7DEA-ED75-9004-CF69-B7FA3334A746}"/>
+              </a:ext>
+            </a:extLst>
+          </p:cNvPr>
+          <p:cNvSpPr txBox="1"/>
+          <p:nvPr/>
+        </p:nvSpPr>
+        <p:spPr>
+          <a:xfrm>
+            <a:off x="540500" y="4574211"/>
+            <a:ext cx="1397516" cy="276999"/>
+          </a:xfrm>
+          <a:prstGeom prst="rect">
+            <a:avLst/>
+          </a:prstGeom>
+          <a:noFill/>
+        </p:spPr>
+        <p:txBody>
+          <a:bodyPr wrap="square" rtlCol="0">
+            <a:spAutoFit/>
+          </a:bodyPr>
+          <a:lstStyle/>
+          <a:p>
+            <a:r>
+              <a:rPr lang="en-US" altLang="ko-KR" sz="1200" b="1" dirty="0">
+                <a:solidFill>
+                  <a:srgbClr val="92D050"/>
+                </a:solidFill>
+                <a:latin typeface="Consolas" panose="020B0609020204030204" pitchFamily="49" charset="0"/>
+              </a:rPr>
+              <a:t>Local(</a:t>
+            </a:r>
+            <a:r>
+              <a:rPr lang="ko-KR" altLang="en-US" sz="1200" b="1" dirty="0">
+                <a:solidFill>
+                  <a:srgbClr val="92D050"/>
+                </a:solidFill>
+                <a:latin typeface="Consolas" panose="020B0609020204030204" pitchFamily="49" charset="0"/>
+              </a:rPr>
+              <a:t>고정</a:t>
+            </a:r>
+            <a:r>
+              <a:rPr lang="en-US" altLang="ko-KR" sz="1200" b="1" dirty="0">
+                <a:solidFill>
+                  <a:srgbClr val="92D050"/>
+                </a:solidFill>
+                <a:latin typeface="Consolas" panose="020B0609020204030204" pitchFamily="49" charset="0"/>
+              </a:rPr>
+              <a:t>IP)</a:t>
+            </a:r>
+            <a:endParaRPr lang="ko-KR" altLang="en-US" sz="1200" b="1" dirty="0">
+              <a:solidFill>
+                <a:srgbClr val="92D050"/>
+              </a:solidFill>
+              <a:latin typeface="Consolas" panose="020B0609020204030204" pitchFamily="49" charset="0"/>
+            </a:endParaRPr>
+          </a:p>
+        </p:txBody>
+      </p:sp>
+      <p:sp>
+        <p:nvSpPr>
+          <p:cNvPr id="174" name="TextBox 173">
+            <a:extLst>
+              <a:ext uri="{FF2B5EF4-FFF2-40B4-BE49-F238E27FC236}">
+                <a16:creationId xmlns:a16="http://schemas.microsoft.com/office/drawing/2014/main" id="{89515210-CD60-AED7-5CE6-A070BF1D629B}"/>
+              </a:ext>
+            </a:extLst>
+          </p:cNvPr>
+          <p:cNvSpPr txBox="1"/>
+          <p:nvPr/>
+        </p:nvSpPr>
+        <p:spPr>
+          <a:xfrm>
+            <a:off x="5926217" y="4630289"/>
+            <a:ext cx="1631592" cy="276999"/>
+          </a:xfrm>
+          <a:prstGeom prst="rect">
+            <a:avLst/>
+          </a:prstGeom>
+          <a:noFill/>
+        </p:spPr>
+        <p:txBody>
+          <a:bodyPr wrap="square" rtlCol="0">
+            <a:spAutoFit/>
+          </a:bodyPr>
+          <a:lstStyle/>
+          <a:p>
+            <a:r>
+              <a:rPr lang="en-US" altLang="ko-KR" sz="1200" b="1" dirty="0">
+                <a:solidFill>
+                  <a:srgbClr val="92D050"/>
+                </a:solidFill>
+                <a:latin typeface="Consolas" panose="020B0609020204030204" pitchFamily="49" charset="0"/>
+              </a:rPr>
+              <a:t>Ubuntu-Web(</a:t>
+            </a:r>
+            <a:r>
+              <a:rPr lang="ko-KR" altLang="en-US" sz="1200" b="1" dirty="0">
+                <a:solidFill>
+                  <a:srgbClr val="92D050"/>
+                </a:solidFill>
+                <a:latin typeface="Consolas" panose="020B0609020204030204" pitchFamily="49" charset="0"/>
+              </a:rPr>
+              <a:t>내부</a:t>
+            </a:r>
+            <a:r>
+              <a:rPr lang="en-US" altLang="ko-KR" sz="1200" b="1" dirty="0">
+                <a:solidFill>
+                  <a:srgbClr val="92D050"/>
+                </a:solidFill>
+                <a:latin typeface="Consolas" panose="020B0609020204030204" pitchFamily="49" charset="0"/>
+              </a:rPr>
+              <a:t>IP)</a:t>
+            </a:r>
+            <a:endParaRPr lang="ko-KR" altLang="en-US" sz="1200" b="1" dirty="0">
+              <a:solidFill>
+                <a:srgbClr val="92D050"/>
+              </a:solidFill>
+              <a:latin typeface="Consolas" panose="020B0609020204030204" pitchFamily="49" charset="0"/>
+            </a:endParaRPr>
+          </a:p>
+        </p:txBody>
+      </p:sp>
+      <p:sp>
+        <p:nvSpPr>
+          <p:cNvPr id="176" name="TextBox 175">
+            <a:extLst>
+              <a:ext uri="{FF2B5EF4-FFF2-40B4-BE49-F238E27FC236}">
+                <a16:creationId xmlns:a16="http://schemas.microsoft.com/office/drawing/2014/main" id="{74EE04CB-FEE4-E911-229C-C766293BCC62}"/>
+              </a:ext>
+            </a:extLst>
+          </p:cNvPr>
+          <p:cNvSpPr txBox="1"/>
+          <p:nvPr/>
+        </p:nvSpPr>
+        <p:spPr>
+          <a:xfrm>
+            <a:off x="360832" y="3980870"/>
+            <a:ext cx="1868090" cy="276999"/>
+          </a:xfrm>
+          <a:prstGeom prst="rect">
+            <a:avLst/>
+          </a:prstGeom>
+          <a:noFill/>
+        </p:spPr>
+        <p:txBody>
+          <a:bodyPr wrap="square" rtlCol="0">
+            <a:spAutoFit/>
+          </a:bodyPr>
+          <a:lstStyle/>
+          <a:p>
+            <a:r>
+              <a:rPr lang="ko-KR" altLang="en-US" sz="1200" b="1" dirty="0">
+                <a:latin typeface="Consolas" panose="020B0609020204030204" pitchFamily="49" charset="0"/>
+              </a:rPr>
+              <a:t>작업용 컴퓨터</a:t>
+            </a:r>
+          </a:p>
+        </p:txBody>
+      </p:sp>
+      <p:sp>
+        <p:nvSpPr>
+          <p:cNvPr id="177" name="직사각형 176">
+            <a:extLst>
+              <a:ext uri="{FF2B5EF4-FFF2-40B4-BE49-F238E27FC236}">
+                <a16:creationId xmlns:a16="http://schemas.microsoft.com/office/drawing/2014/main" id="{34B5FACD-1270-CA06-5DB4-9BB8BBE4B581}"/>
+              </a:ext>
+            </a:extLst>
+          </p:cNvPr>
+          <p:cNvSpPr/>
+          <p:nvPr/>
+        </p:nvSpPr>
+        <p:spPr>
+          <a:xfrm>
+            <a:off x="3960058" y="5096369"/>
+            <a:ext cx="1629854" cy="362409"/>
+          </a:xfrm>
+          <a:prstGeom prst="rect">
+            <a:avLst/>
+          </a:prstGeom>
+          <a:noFill/>
+          <a:ln w="28575">
+            <a:solidFill>
+              <a:schemeClr val="accent6">
+                <a:lumMod val="75000"/>
+              </a:schemeClr>
+            </a:solidFill>
+          </a:ln>
+        </p:spPr>
+        <p:style>
+          <a:lnRef idx="2">
+            <a:schemeClr val="accent1">
+              <a:shade val="50000"/>
+            </a:schemeClr>
+          </a:lnRef>
+          <a:fillRef idx="1">
+            <a:schemeClr val="accent1"/>
+          </a:fillRef>
+          <a:effectRef idx="0">
+            <a:schemeClr val="accent1"/>
+          </a:effectRef>
+          <a:fontRef idx="minor">
+            <a:schemeClr val="lt1"/>
+          </a:fontRef>
+        </p:style>
+        <p:txBody>
+          <a:bodyPr rtlCol="0" anchor="ctr"/>
+          <a:lstStyle/>
+          <a:p>
+            <a:pPr algn="ctr"/>
+            <a:r>
+              <a:rPr lang="en-US" altLang="ko-KR" sz="1200" b="1" dirty="0">
+                <a:solidFill>
+                  <a:schemeClr val="tx1"/>
+                </a:solidFill>
+                <a:latin typeface="Consolas" panose="020B0609020204030204" pitchFamily="49" charset="0"/>
+              </a:rPr>
+              <a:t>Database</a:t>
+            </a:r>
+          </a:p>
+          <a:p>
+            <a:pPr algn="ctr"/>
+            <a:r>
+              <a:rPr lang="en-US" altLang="ko-KR" sz="1200" b="1" dirty="0">
+                <a:solidFill>
+                  <a:schemeClr val="tx1"/>
+                </a:solidFill>
+                <a:latin typeface="Consolas" panose="020B0609020204030204" pitchFamily="49" charset="0"/>
+              </a:rPr>
+              <a:t>(</a:t>
+            </a:r>
+            <a:r>
+              <a:rPr lang="en-US" altLang="ko-KR" sz="1200" b="1" dirty="0" err="1">
+                <a:solidFill>
+                  <a:schemeClr val="tx1"/>
+                </a:solidFill>
+                <a:latin typeface="Consolas" panose="020B0609020204030204" pitchFamily="49" charset="0"/>
+              </a:rPr>
+              <a:t>movie_db</a:t>
+            </a:r>
+            <a:r>
+              <a:rPr lang="en-US" altLang="ko-KR" sz="1200" b="1" dirty="0">
+                <a:solidFill>
+                  <a:schemeClr val="tx1"/>
+                </a:solidFill>
+                <a:latin typeface="Consolas" panose="020B0609020204030204" pitchFamily="49" charset="0"/>
+              </a:rPr>
+              <a:t>)</a:t>
+            </a:r>
+            <a:endParaRPr lang="ko-KR" altLang="en-US" sz="1200" b="1" dirty="0">
+              <a:solidFill>
+                <a:schemeClr val="tx1"/>
+              </a:solidFill>
+              <a:latin typeface="Consolas" panose="020B0609020204030204" pitchFamily="49" charset="0"/>
+            </a:endParaRPr>
+          </a:p>
+        </p:txBody>
+      </p:sp>
+      <p:cxnSp>
+        <p:nvCxnSpPr>
+          <p:cNvPr id="179" name="직선 화살표 연결선 178">
+            <a:extLst>
+              <a:ext uri="{FF2B5EF4-FFF2-40B4-BE49-F238E27FC236}">
+                <a16:creationId xmlns:a16="http://schemas.microsoft.com/office/drawing/2014/main" id="{C0806F83-A28C-1808-9A3B-F2E0BA5B1250}"/>
+              </a:ext>
+            </a:extLst>
+          </p:cNvPr>
+          <p:cNvCxnSpPr>
+            <a:cxnSpLocks/>
+            <a:endCxn id="177" idx="3"/>
+          </p:cNvCxnSpPr>
+          <p:nvPr/>
+        </p:nvCxnSpPr>
+        <p:spPr>
+          <a:xfrm flipH="1" flipV="1">
+            <a:off x="5589912" y="5277574"/>
+            <a:ext cx="1067097" cy="98247"/>
+          </a:xfrm>
+          <a:prstGeom prst="straightConnector1">
+            <a:avLst/>
+          </a:prstGeom>
+          <a:ln w="28575">
+            <a:solidFill>
+              <a:schemeClr val="accent6">
+                <a:lumMod val="75000"/>
+              </a:schemeClr>
+            </a:solidFill>
+            <a:headEnd type="triangle"/>
+            <a:tailEnd type="triangle"/>
+          </a:ln>
+        </p:spPr>
+        <p:style>
+          <a:lnRef idx="1">
+            <a:schemeClr val="accent1"/>
+          </a:lnRef>
+          <a:fillRef idx="0">
+            <a:schemeClr val="accent1"/>
+          </a:fillRef>
+          <a:effectRef idx="0">
+            <a:schemeClr val="accent1"/>
+          </a:effectRef>
+          <a:fontRef idx="minor">
+            <a:schemeClr val="tx1"/>
+          </a:fontRef>
+        </p:style>
+      </p:cxnSp>
+      <p:sp>
+        <p:nvSpPr>
+          <p:cNvPr id="180" name="TextBox 179">
+            <a:extLst>
+              <a:ext uri="{FF2B5EF4-FFF2-40B4-BE49-F238E27FC236}">
+                <a16:creationId xmlns:a16="http://schemas.microsoft.com/office/drawing/2014/main" id="{F17AF039-7B9B-F213-424E-4FCC8EBDF5D1}"/>
+              </a:ext>
+            </a:extLst>
+          </p:cNvPr>
+          <p:cNvSpPr txBox="1"/>
+          <p:nvPr/>
+        </p:nvSpPr>
+        <p:spPr>
+          <a:xfrm rot="359661">
+            <a:off x="5255654" y="5326260"/>
+            <a:ext cx="1666366" cy="276999"/>
+          </a:xfrm>
+          <a:prstGeom prst="rect">
+            <a:avLst/>
+          </a:prstGeom>
+          <a:noFill/>
+        </p:spPr>
+        <p:txBody>
+          <a:bodyPr wrap="square" rtlCol="0">
+            <a:spAutoFit/>
+          </a:bodyPr>
+          <a:lstStyle/>
+          <a:p>
+            <a:r>
+              <a:rPr lang="ko-KR" altLang="en-US" sz="1200">
+                <a:latin typeface="Consolas" panose="020B0609020204030204" pitchFamily="49" charset="0"/>
+              </a:rPr>
+              <a:t>내부 네트워크 연동</a:t>
+            </a:r>
+            <a:endParaRPr lang="ko-KR" altLang="en-US" sz="1200" dirty="0">
+              <a:latin typeface="Consolas" panose="020B0609020204030204" pitchFamily="49" charset="0"/>
+            </a:endParaRPr>
+          </a:p>
+        </p:txBody>
+      </p:sp>
+      <p:sp>
+        <p:nvSpPr>
+          <p:cNvPr id="202" name="직사각형 201">
+            <a:extLst>
+              <a:ext uri="{FF2B5EF4-FFF2-40B4-BE49-F238E27FC236}">
+                <a16:creationId xmlns:a16="http://schemas.microsoft.com/office/drawing/2014/main" id="{792AA1A0-2418-E0F0-146F-F0F547095E14}"/>
+              </a:ext>
+            </a:extLst>
+          </p:cNvPr>
+          <p:cNvSpPr/>
+          <p:nvPr/>
+        </p:nvSpPr>
+        <p:spPr>
+          <a:xfrm>
+            <a:off x="324774" y="3916601"/>
+            <a:ext cx="2895097" cy="2385663"/>
+          </a:xfrm>
+          <a:prstGeom prst="rect">
+            <a:avLst/>
+          </a:prstGeom>
+          <a:noFill/>
+          <a:ln w="28575">
+            <a:solidFill>
+              <a:schemeClr val="tx1"/>
+            </a:solidFill>
+          </a:ln>
+        </p:spPr>
+        <p:style>
+          <a:lnRef idx="2">
+            <a:schemeClr val="accent1">
+              <a:shade val="50000"/>
+            </a:schemeClr>
+          </a:lnRef>
+          <a:fillRef idx="1">
+            <a:schemeClr val="accent1"/>
+          </a:fillRef>
+          <a:effectRef idx="0">
+            <a:schemeClr val="accent1"/>
+          </a:effectRef>
+          <a:fontRef idx="minor">
+            <a:schemeClr val="lt1"/>
+          </a:fontRef>
+        </p:style>
+        <p:txBody>
+          <a:bodyPr rtlCol="0" anchor="ctr"/>
+          <a:lstStyle/>
+          <a:p>
+            <a:pPr algn="ctr"/>
+            <a:endParaRPr lang="ko-KR" altLang="en-US" sz="1200" dirty="0">
+              <a:latin typeface="Consolas" panose="020B0609020204030204" pitchFamily="49" charset="0"/>
+            </a:endParaRPr>
+          </a:p>
+        </p:txBody>
+      </p:sp>
+      <p:sp>
+        <p:nvSpPr>
+          <p:cNvPr id="203" name="직사각형 202">
+            <a:extLst>
+              <a:ext uri="{FF2B5EF4-FFF2-40B4-BE49-F238E27FC236}">
+                <a16:creationId xmlns:a16="http://schemas.microsoft.com/office/drawing/2014/main" id="{B71BC718-1709-1938-DB75-4F3D2A13F332}"/>
+              </a:ext>
+            </a:extLst>
+          </p:cNvPr>
+          <p:cNvSpPr/>
+          <p:nvPr/>
+        </p:nvSpPr>
+        <p:spPr>
+          <a:xfrm>
+            <a:off x="3685039" y="3925975"/>
+            <a:ext cx="4905155" cy="2385663"/>
+          </a:xfrm>
+          <a:prstGeom prst="rect">
+            <a:avLst/>
+          </a:prstGeom>
+          <a:noFill/>
+          <a:ln w="28575">
+            <a:solidFill>
+              <a:schemeClr val="tx1"/>
+            </a:solidFill>
+          </a:ln>
+        </p:spPr>
+        <p:style>
+          <a:lnRef idx="2">
+            <a:schemeClr val="accent1">
+              <a:shade val="50000"/>
+            </a:schemeClr>
+          </a:lnRef>
+          <a:fillRef idx="1">
+            <a:schemeClr val="accent1"/>
+          </a:fillRef>
+          <a:effectRef idx="0">
+            <a:schemeClr val="accent1"/>
+          </a:effectRef>
+          <a:fontRef idx="minor">
+            <a:schemeClr val="lt1"/>
+          </a:fontRef>
+        </p:style>
+        <p:txBody>
+          <a:bodyPr rtlCol="0" anchor="ctr"/>
+          <a:lstStyle/>
+          <a:p>
+            <a:pPr algn="ctr"/>
+            <a:endParaRPr lang="ko-KR" altLang="en-US" sz="1200" dirty="0">
+              <a:latin typeface="Consolas" panose="020B0609020204030204" pitchFamily="49" charset="0"/>
+            </a:endParaRPr>
+          </a:p>
+        </p:txBody>
+      </p:sp>
+      <p:sp>
+        <p:nvSpPr>
+          <p:cNvPr id="204" name="직사각형 203">
+            <a:extLst>
+              <a:ext uri="{FF2B5EF4-FFF2-40B4-BE49-F238E27FC236}">
+                <a16:creationId xmlns:a16="http://schemas.microsoft.com/office/drawing/2014/main" id="{BF7DE768-F282-511F-DB87-E43AC9FC610B}"/>
+              </a:ext>
+            </a:extLst>
+          </p:cNvPr>
+          <p:cNvSpPr/>
+          <p:nvPr/>
+        </p:nvSpPr>
+        <p:spPr>
+          <a:xfrm>
+            <a:off x="3802013" y="4389989"/>
+            <a:ext cx="1976321" cy="1800000"/>
+          </a:xfrm>
+          <a:prstGeom prst="rect">
+            <a:avLst/>
+          </a:prstGeom>
+          <a:noFill/>
+          <a:ln w="28575">
+            <a:solidFill>
+              <a:schemeClr val="tx1"/>
+            </a:solidFill>
+          </a:ln>
+        </p:spPr>
+        <p:style>
+          <a:lnRef idx="2">
+            <a:schemeClr val="accent1">
+              <a:shade val="50000"/>
+            </a:schemeClr>
+          </a:lnRef>
+          <a:fillRef idx="1">
+            <a:schemeClr val="accent1"/>
+          </a:fillRef>
+          <a:effectRef idx="0">
+            <a:schemeClr val="accent1"/>
+          </a:effectRef>
+          <a:fontRef idx="minor">
+            <a:schemeClr val="lt1"/>
+          </a:fontRef>
+        </p:style>
+        <p:txBody>
+          <a:bodyPr rtlCol="0" anchor="ctr"/>
+          <a:lstStyle/>
+          <a:p>
+            <a:pPr algn="ctr"/>
+            <a:endParaRPr lang="ko-KR" altLang="en-US" sz="1200" dirty="0">
+              <a:latin typeface="Consolas" panose="020B0609020204030204" pitchFamily="49" charset="0"/>
+            </a:endParaRPr>
+          </a:p>
+        </p:txBody>
+      </p:sp>
+      <p:sp>
+        <p:nvSpPr>
+          <p:cNvPr id="205" name="TextBox 204">
+            <a:extLst>
+              <a:ext uri="{FF2B5EF4-FFF2-40B4-BE49-F238E27FC236}">
+                <a16:creationId xmlns:a16="http://schemas.microsoft.com/office/drawing/2014/main" id="{496DB26E-54EB-93CE-9B17-F6AC29EA69E7}"/>
+              </a:ext>
+            </a:extLst>
+          </p:cNvPr>
+          <p:cNvSpPr txBox="1"/>
+          <p:nvPr/>
+        </p:nvSpPr>
+        <p:spPr>
+          <a:xfrm>
+            <a:off x="3761789" y="4422482"/>
+            <a:ext cx="1722709" cy="276999"/>
+          </a:xfrm>
+          <a:prstGeom prst="rect">
+            <a:avLst/>
+          </a:prstGeom>
+          <a:noFill/>
+        </p:spPr>
+        <p:txBody>
+          <a:bodyPr wrap="square" rtlCol="0">
+            <a:spAutoFit/>
+          </a:bodyPr>
+          <a:lstStyle/>
+          <a:p>
+            <a:r>
+              <a:rPr lang="en-US" altLang="ko-KR" sz="1200" b="1" dirty="0">
+                <a:latin typeface="Consolas" panose="020B0609020204030204" pitchFamily="49" charset="0"/>
+              </a:rPr>
+              <a:t>Linux</a:t>
+            </a:r>
+            <a:r>
+              <a:rPr lang="ko-KR" altLang="en-US" sz="1200" b="1" dirty="0">
+                <a:latin typeface="Consolas" panose="020B0609020204030204" pitchFamily="49" charset="0"/>
+              </a:rPr>
+              <a:t>운영체제 </a:t>
+            </a:r>
+            <a:r>
+              <a:rPr lang="en-US" altLang="ko-KR" sz="1200" b="1" dirty="0">
+                <a:latin typeface="Consolas" panose="020B0609020204030204" pitchFamily="49" charset="0"/>
+              </a:rPr>
+              <a:t>(OS)</a:t>
+            </a:r>
+            <a:endParaRPr lang="ko-KR" altLang="en-US" sz="1200" b="1" dirty="0">
+              <a:latin typeface="Consolas" panose="020B0609020204030204" pitchFamily="49" charset="0"/>
+            </a:endParaRPr>
+          </a:p>
+        </p:txBody>
+      </p:sp>
+      <p:sp>
+        <p:nvSpPr>
+          <p:cNvPr id="206" name="TextBox 205">
+            <a:extLst>
+              <a:ext uri="{FF2B5EF4-FFF2-40B4-BE49-F238E27FC236}">
+                <a16:creationId xmlns:a16="http://schemas.microsoft.com/office/drawing/2014/main" id="{CB016C58-C04D-1D3C-4655-489E629CCC61}"/>
+              </a:ext>
+            </a:extLst>
+          </p:cNvPr>
+          <p:cNvSpPr txBox="1"/>
+          <p:nvPr/>
+        </p:nvSpPr>
+        <p:spPr>
+          <a:xfrm>
+            <a:off x="3797639" y="4641979"/>
+            <a:ext cx="1631592" cy="276999"/>
+          </a:xfrm>
+          <a:prstGeom prst="rect">
+            <a:avLst/>
+          </a:prstGeom>
+          <a:noFill/>
+        </p:spPr>
+        <p:txBody>
+          <a:bodyPr wrap="square" rtlCol="0">
+            <a:spAutoFit/>
+          </a:bodyPr>
+          <a:lstStyle/>
+          <a:p>
+            <a:r>
+              <a:rPr lang="en-US" altLang="ko-KR" sz="1200" b="1" dirty="0">
+                <a:solidFill>
+                  <a:srgbClr val="92D050"/>
+                </a:solidFill>
+                <a:latin typeface="Consolas" panose="020B0609020204030204" pitchFamily="49" charset="0"/>
+              </a:rPr>
+              <a:t>Ubuntu-DB(</a:t>
+            </a:r>
+            <a:r>
+              <a:rPr lang="ko-KR" altLang="en-US" sz="1200" b="1" dirty="0">
+                <a:solidFill>
+                  <a:srgbClr val="92D050"/>
+                </a:solidFill>
+                <a:latin typeface="Consolas" panose="020B0609020204030204" pitchFamily="49" charset="0"/>
+              </a:rPr>
+              <a:t>내부</a:t>
+            </a:r>
+            <a:r>
+              <a:rPr lang="en-US" altLang="ko-KR" sz="1200" b="1" dirty="0">
+                <a:solidFill>
+                  <a:srgbClr val="92D050"/>
+                </a:solidFill>
+                <a:latin typeface="Consolas" panose="020B0609020204030204" pitchFamily="49" charset="0"/>
+              </a:rPr>
+              <a:t>IP)</a:t>
+            </a:r>
+            <a:endParaRPr lang="ko-KR" altLang="en-US" sz="1200" b="1" dirty="0">
+              <a:solidFill>
+                <a:srgbClr val="92D050"/>
+              </a:solidFill>
+              <a:latin typeface="Consolas" panose="020B0609020204030204" pitchFamily="49" charset="0"/>
+            </a:endParaRPr>
+          </a:p>
+        </p:txBody>
+      </p:sp>
+      <p:sp>
+        <p:nvSpPr>
+          <p:cNvPr id="209" name="TextBox 208">
+            <a:extLst>
+              <a:ext uri="{FF2B5EF4-FFF2-40B4-BE49-F238E27FC236}">
+                <a16:creationId xmlns:a16="http://schemas.microsoft.com/office/drawing/2014/main" id="{CAC58871-4EDD-6509-CC82-FDDE8273538C}"/>
+              </a:ext>
+            </a:extLst>
+          </p:cNvPr>
+          <p:cNvSpPr txBox="1"/>
+          <p:nvPr/>
+        </p:nvSpPr>
+        <p:spPr>
+          <a:xfrm>
+            <a:off x="3705955" y="3986679"/>
+            <a:ext cx="1868090" cy="276999"/>
+          </a:xfrm>
+          <a:prstGeom prst="rect">
+            <a:avLst/>
+          </a:prstGeom>
+          <a:noFill/>
+        </p:spPr>
+        <p:txBody>
+          <a:bodyPr wrap="square" rtlCol="0">
+            <a:spAutoFit/>
+          </a:bodyPr>
+          <a:lstStyle/>
+          <a:p>
+            <a:r>
+              <a:rPr lang="ko-KR" altLang="en-US" sz="1200" b="1" dirty="0">
+                <a:latin typeface="Consolas" panose="020B0609020204030204" pitchFamily="49" charset="0"/>
+              </a:rPr>
+              <a:t>서버용 노트북</a:t>
+            </a:r>
+          </a:p>
+        </p:txBody>
+      </p:sp>
+      <p:cxnSp>
+        <p:nvCxnSpPr>
+          <p:cNvPr id="219" name="직선 화살표 연결선 218">
+            <a:extLst>
+              <a:ext uri="{FF2B5EF4-FFF2-40B4-BE49-F238E27FC236}">
+                <a16:creationId xmlns:a16="http://schemas.microsoft.com/office/drawing/2014/main" id="{F5050EBB-7C3F-7AC3-20AD-A7414BA1B4FB}"/>
+              </a:ext>
+            </a:extLst>
+          </p:cNvPr>
+          <p:cNvCxnSpPr>
+            <a:cxnSpLocks/>
+            <a:stCxn id="167" idx="0"/>
+            <a:endCxn id="222" idx="2"/>
+          </p:cNvCxnSpPr>
+          <p:nvPr/>
+        </p:nvCxnSpPr>
+        <p:spPr>
+          <a:xfrm flipH="1" flipV="1">
+            <a:off x="5916638" y="2267005"/>
+            <a:ext cx="1267626" cy="2831817"/>
+          </a:xfrm>
+          <a:prstGeom prst="straightConnector1">
+            <a:avLst/>
+          </a:prstGeom>
+          <a:ln w="28575">
+            <a:solidFill>
+              <a:schemeClr val="accent2">
+                <a:lumMod val="60000"/>
+                <a:lumOff val="40000"/>
+              </a:schemeClr>
+            </a:solidFill>
+            <a:prstDash val="sysDash"/>
+            <a:headEnd type="none"/>
+            <a:tailEnd type="triangle"/>
+          </a:ln>
+        </p:spPr>
+        <p:style>
+          <a:lnRef idx="1">
+            <a:schemeClr val="accent1"/>
+          </a:lnRef>
+          <a:fillRef idx="0">
+            <a:schemeClr val="accent1"/>
+          </a:fillRef>
+          <a:effectRef idx="0">
+            <a:schemeClr val="accent1"/>
+          </a:effectRef>
+          <a:fontRef idx="minor">
+            <a:schemeClr val="tx1"/>
+          </a:fontRef>
+        </p:style>
+      </p:cxnSp>
+      <p:sp>
+        <p:nvSpPr>
+          <p:cNvPr id="222" name="TextBox 221">
+            <a:extLst>
+              <a:ext uri="{FF2B5EF4-FFF2-40B4-BE49-F238E27FC236}">
+                <a16:creationId xmlns:a16="http://schemas.microsoft.com/office/drawing/2014/main" id="{40817A8F-EB37-2234-5AEC-383D04B269A2}"/>
+              </a:ext>
+            </a:extLst>
+          </p:cNvPr>
+          <p:cNvSpPr txBox="1"/>
+          <p:nvPr/>
+        </p:nvSpPr>
+        <p:spPr>
+          <a:xfrm>
+            <a:off x="4244788" y="1990006"/>
+            <a:ext cx="3343700" cy="276999"/>
+          </a:xfrm>
+          <a:prstGeom prst="rect">
+            <a:avLst/>
+          </a:prstGeom>
+          <a:noFill/>
+          <a:ln w="28575">
+            <a:solidFill>
+              <a:schemeClr val="accent2">
+                <a:lumMod val="60000"/>
+                <a:lumOff val="40000"/>
+              </a:schemeClr>
+            </a:solidFill>
+          </a:ln>
+        </p:spPr>
+        <p:txBody>
+          <a:bodyPr wrap="square" rtlCol="0">
+            <a:spAutoFit/>
+          </a:bodyPr>
+          <a:lstStyle/>
+          <a:p>
+            <a:r>
+              <a:rPr lang="en-US" altLang="ko-KR" sz="1200" b="1" dirty="0" err="1">
+                <a:latin typeface="Consolas" panose="020B0609020204030204" pitchFamily="49" charset="0"/>
+              </a:rPr>
+              <a:t>Iptime</a:t>
+            </a:r>
+            <a:r>
+              <a:rPr lang="en-US" altLang="ko-KR" sz="1200" b="1" dirty="0">
+                <a:latin typeface="Consolas" panose="020B0609020204030204" pitchFamily="49" charset="0"/>
+              </a:rPr>
+              <a:t>(</a:t>
+            </a:r>
+            <a:r>
+              <a:rPr lang="ko-KR" altLang="en-US" sz="1200" dirty="0" err="1">
+                <a:latin typeface="Consolas" panose="020B0609020204030204" pitchFamily="49" charset="0"/>
+              </a:rPr>
+              <a:t>포트포워딩</a:t>
+            </a:r>
+            <a:r>
+              <a:rPr lang="ko-KR" altLang="en-US" sz="1200" dirty="0">
+                <a:latin typeface="Consolas" panose="020B0609020204030204" pitchFamily="49" charset="0"/>
+              </a:rPr>
+              <a:t> </a:t>
+            </a:r>
+            <a:r>
+              <a:rPr lang="en-US" altLang="ko-KR" sz="1200" dirty="0">
+                <a:latin typeface="Consolas" panose="020B0609020204030204" pitchFamily="49" charset="0"/>
+              </a:rPr>
+              <a:t>: 22, 8080, 3306</a:t>
+            </a:r>
+            <a:r>
+              <a:rPr lang="ko-KR" altLang="en-US" sz="1200" dirty="0">
+                <a:latin typeface="Consolas" panose="020B0609020204030204" pitchFamily="49" charset="0"/>
+              </a:rPr>
+              <a:t>포트</a:t>
+            </a:r>
+            <a:r>
+              <a:rPr lang="en-US" altLang="ko-KR" sz="1200" b="1" dirty="0">
+                <a:latin typeface="Consolas" panose="020B0609020204030204" pitchFamily="49" charset="0"/>
+              </a:rPr>
+              <a:t>)</a:t>
+            </a:r>
+            <a:endParaRPr lang="ko-KR" altLang="en-US" sz="1200" b="1" dirty="0">
+              <a:latin typeface="Consolas" panose="020B0609020204030204" pitchFamily="49" charset="0"/>
+            </a:endParaRPr>
+          </a:p>
+        </p:txBody>
+      </p:sp>
+      <p:cxnSp>
+        <p:nvCxnSpPr>
+          <p:cNvPr id="225" name="직선 화살표 연결선 224">
+            <a:extLst>
+              <a:ext uri="{FF2B5EF4-FFF2-40B4-BE49-F238E27FC236}">
+                <a16:creationId xmlns:a16="http://schemas.microsoft.com/office/drawing/2014/main" id="{61FC231C-E092-6B7A-492A-C7310C7BD12C}"/>
+              </a:ext>
+            </a:extLst>
+          </p:cNvPr>
+          <p:cNvCxnSpPr>
+            <a:cxnSpLocks/>
+            <a:stCxn id="222" idx="0"/>
+            <a:endCxn id="231" idx="2"/>
+          </p:cNvCxnSpPr>
+          <p:nvPr/>
+        </p:nvCxnSpPr>
+        <p:spPr>
+          <a:xfrm flipH="1" flipV="1">
+            <a:off x="5891843" y="1734202"/>
+            <a:ext cx="24795" cy="255804"/>
+          </a:xfrm>
+          <a:prstGeom prst="straightConnector1">
+            <a:avLst/>
+          </a:prstGeom>
+          <a:ln w="28575">
+            <a:solidFill>
+              <a:schemeClr val="accent2">
+                <a:lumMod val="20000"/>
+                <a:lumOff val="80000"/>
+              </a:schemeClr>
+            </a:solidFill>
+            <a:headEnd type="none"/>
+            <a:tailEnd type="triangle"/>
+          </a:ln>
+        </p:spPr>
+        <p:style>
+          <a:lnRef idx="1">
+            <a:schemeClr val="accent1"/>
+          </a:lnRef>
+          <a:fillRef idx="0">
+            <a:schemeClr val="accent1"/>
+          </a:fillRef>
+          <a:effectRef idx="0">
+            <a:schemeClr val="accent1"/>
+          </a:effectRef>
+          <a:fontRef idx="minor">
+            <a:schemeClr val="tx1"/>
+          </a:fontRef>
+        </p:style>
+      </p:cxnSp>
+      <p:sp>
+        <p:nvSpPr>
+          <p:cNvPr id="231" name="TextBox 230">
+            <a:extLst>
+              <a:ext uri="{FF2B5EF4-FFF2-40B4-BE49-F238E27FC236}">
+                <a16:creationId xmlns:a16="http://schemas.microsoft.com/office/drawing/2014/main" id="{3AD791F0-9FF7-9BCF-9CBE-2713A3870A29}"/>
+              </a:ext>
+            </a:extLst>
+          </p:cNvPr>
+          <p:cNvSpPr txBox="1"/>
+          <p:nvPr/>
+        </p:nvSpPr>
+        <p:spPr>
+          <a:xfrm>
+            <a:off x="2798508" y="1272537"/>
+            <a:ext cx="6186670" cy="461665"/>
+          </a:xfrm>
+          <a:prstGeom prst="rect">
+            <a:avLst/>
+          </a:prstGeom>
+          <a:noFill/>
+          <a:ln w="28575">
+            <a:solidFill>
+              <a:schemeClr val="accent2">
+                <a:lumMod val="20000"/>
+                <a:lumOff val="80000"/>
+              </a:schemeClr>
+            </a:solidFill>
+          </a:ln>
+        </p:spPr>
+        <p:txBody>
+          <a:bodyPr wrap="square" rtlCol="0">
+            <a:spAutoFit/>
+          </a:bodyPr>
+          <a:lstStyle/>
+          <a:p>
+            <a:r>
+              <a:rPr lang="ko-KR" altLang="en-US" sz="1200" b="1" dirty="0">
+                <a:latin typeface="Consolas" panose="020B0609020204030204" pitchFamily="49" charset="0"/>
+              </a:rPr>
+              <a:t>도메인 연결 후 웹서버 운영</a:t>
+            </a:r>
+            <a:endParaRPr lang="en-US" altLang="ko-KR" sz="1200" b="1" dirty="0">
+              <a:latin typeface="Consolas" panose="020B0609020204030204" pitchFamily="49" charset="0"/>
+            </a:endParaRPr>
+          </a:p>
+          <a:p>
+            <a:r>
+              <a:rPr lang="en-US" altLang="ko-KR" sz="1200" b="1" dirty="0">
+                <a:latin typeface="Consolas" panose="020B0609020204030204" pitchFamily="49" charset="0"/>
+              </a:rPr>
+              <a:t>(</a:t>
+            </a:r>
+            <a:r>
+              <a:rPr lang="ko-KR" altLang="en-US" sz="1200" b="1" dirty="0">
+                <a:latin typeface="Consolas" panose="020B0609020204030204" pitchFamily="49" charset="0"/>
+              </a:rPr>
+              <a:t>사용자 요청 → 공인</a:t>
+            </a:r>
+            <a:r>
+              <a:rPr lang="en-US" altLang="ko-KR" sz="1200" b="1" dirty="0">
+                <a:latin typeface="Consolas" panose="020B0609020204030204" pitchFamily="49" charset="0"/>
+              </a:rPr>
+              <a:t>IP → </a:t>
+            </a:r>
+            <a:r>
+              <a:rPr lang="ko-KR" altLang="en-US" sz="1200" b="1" dirty="0" err="1">
+                <a:latin typeface="Consolas" panose="020B0609020204030204" pitchFamily="49" charset="0"/>
+              </a:rPr>
+              <a:t>포트포워딩</a:t>
+            </a:r>
+            <a:r>
+              <a:rPr lang="ko-KR" altLang="en-US" sz="1200" b="1" dirty="0">
+                <a:latin typeface="Consolas" panose="020B0609020204030204" pitchFamily="49" charset="0"/>
+              </a:rPr>
+              <a:t> → </a:t>
+            </a:r>
+            <a:r>
+              <a:rPr lang="en-US" altLang="ko-KR" sz="1200" b="1" dirty="0">
+                <a:latin typeface="Consolas" panose="020B0609020204030204" pitchFamily="49" charset="0"/>
+              </a:rPr>
+              <a:t>Ubuntu-Web → </a:t>
+            </a:r>
+            <a:r>
+              <a:rPr lang="ko-KR" altLang="en-US" sz="1200" b="1" dirty="0">
+                <a:latin typeface="Consolas" panose="020B0609020204030204" pitchFamily="49" charset="0"/>
+              </a:rPr>
+              <a:t>데이터 조회 → 응답 반환</a:t>
+            </a:r>
+            <a:r>
+              <a:rPr lang="en-US" altLang="ko-KR" sz="1200" b="1" dirty="0">
+                <a:latin typeface="Consolas" panose="020B0609020204030204" pitchFamily="49" charset="0"/>
+              </a:rPr>
+              <a:t>)</a:t>
+            </a:r>
+            <a:endParaRPr lang="ko-KR" altLang="en-US" sz="1200" b="1" dirty="0">
+              <a:latin typeface="Consolas" panose="020B0609020204030204" pitchFamily="49" charset="0"/>
+            </a:endParaRPr>
+          </a:p>
+        </p:txBody>
+      </p:sp>
+      <p:sp>
+        <p:nvSpPr>
+          <p:cNvPr id="240" name="TextBox 239">
+            <a:extLst>
+              <a:ext uri="{FF2B5EF4-FFF2-40B4-BE49-F238E27FC236}">
+                <a16:creationId xmlns:a16="http://schemas.microsoft.com/office/drawing/2014/main" id="{85F2F99E-DA7F-4F7D-AABA-B0E8AD722C1F}"/>
+              </a:ext>
+            </a:extLst>
+          </p:cNvPr>
+          <p:cNvSpPr txBox="1"/>
+          <p:nvPr/>
+        </p:nvSpPr>
+        <p:spPr>
+          <a:xfrm rot="3001788">
+            <a:off x="5353317" y="3301487"/>
+            <a:ext cx="1077050" cy="276999"/>
+          </a:xfrm>
+          <a:prstGeom prst="rect">
+            <a:avLst/>
+          </a:prstGeom>
+          <a:noFill/>
+        </p:spPr>
+        <p:txBody>
+          <a:bodyPr wrap="square" rtlCol="0">
+            <a:spAutoFit/>
+          </a:bodyPr>
+          <a:lstStyle/>
+          <a:p>
+            <a:r>
+              <a:rPr lang="en-US" altLang="ko-KR" sz="1200" dirty="0">
+                <a:latin typeface="Consolas" panose="020B0609020204030204" pitchFamily="49" charset="0"/>
+              </a:rPr>
+              <a:t>clone/pull</a:t>
+            </a:r>
+            <a:endParaRPr lang="ko-KR" altLang="en-US" sz="1200" dirty="0">
+              <a:latin typeface="Consolas" panose="020B0609020204030204" pitchFamily="49" charset="0"/>
+            </a:endParaRPr>
+          </a:p>
+        </p:txBody>
+      </p:sp>
+    </p:spTree>
+    <p:extLst>
+      <p:ext uri="{BB962C8B-B14F-4D97-AF65-F5344CB8AC3E}">
+        <p14:creationId xmlns:p14="http://schemas.microsoft.com/office/powerpoint/2010/main" val="115100959"/>
+      </p:ext>
+    </p:extLst>
+  </p:cSld>
+  <p:clrMapOvr>
+    <a:masterClrMapping/>
+  </p:clrMapOvr>
+</p:sld>
+</file>
+
+<file path=ppt/slides/slide11.xml><?xml version="1.0" encoding="utf-8"?>
+<p:sld xmlns:a="http://schemas.openxmlformats.org/drawingml/2006/main" xmlns:r="http://schemas.openxmlformats.org/officeDocument/2006/relationships" xmlns:p="http://schemas.openxmlformats.org/presentationml/2006/main">
+  <p:cSld>
+    <p:spTree>
+      <p:nvGrpSpPr>
+        <p:cNvPr id="1" name=""/>
+        <p:cNvGrpSpPr/>
+        <p:nvPr/>
+      </p:nvGrpSpPr>
+      <p:grpSpPr>
+        <a:xfrm>
+          <a:off x="0" y="0"/>
+          <a:ext cx="0" cy="0"/>
+          <a:chOff x="0" y="0"/>
+          <a:chExt cx="0" cy="0"/>
+        </a:xfrm>
+      </p:grpSpPr>
+      <p:pic>
+        <p:nvPicPr>
+          <p:cNvPr id="11" name="그림 10">
+            <a:extLst>
+              <a:ext uri="{FF2B5EF4-FFF2-40B4-BE49-F238E27FC236}">
+                <a16:creationId xmlns:a16="http://schemas.microsoft.com/office/drawing/2014/main" id="{79FC6C60-1D22-04EF-4CE8-2C955F85A636}"/>
+              </a:ext>
+            </a:extLst>
+          </p:cNvPr>
+          <p:cNvPicPr>
+            <a:picLocks noChangeAspect="1"/>
+          </p:cNvPicPr>
+          <p:nvPr/>
+        </p:nvPicPr>
+        <p:blipFill>
+          <a:blip r:embed="rId2"/>
+          <a:stretch>
+            <a:fillRect/>
+          </a:stretch>
+        </p:blipFill>
+        <p:spPr>
+          <a:xfrm>
+            <a:off x="2265051" y="216673"/>
+            <a:ext cx="4167554" cy="3429000"/>
+          </a:xfrm>
+          <a:prstGeom prst="rect">
+            <a:avLst/>
+          </a:prstGeom>
+        </p:spPr>
+      </p:pic>
+      <p:pic>
+        <p:nvPicPr>
+          <p:cNvPr id="13" name="그림 12">
+            <a:extLst>
+              <a:ext uri="{FF2B5EF4-FFF2-40B4-BE49-F238E27FC236}">
+                <a16:creationId xmlns:a16="http://schemas.microsoft.com/office/drawing/2014/main" id="{CFF48E69-5F26-4139-71AF-76EAD2E38107}"/>
+              </a:ext>
+            </a:extLst>
+          </p:cNvPr>
+          <p:cNvPicPr>
+            <a:picLocks noChangeAspect="1"/>
+          </p:cNvPicPr>
+          <p:nvPr/>
+        </p:nvPicPr>
+        <p:blipFill>
+          <a:blip r:embed="rId3"/>
+          <a:stretch>
+            <a:fillRect/>
+          </a:stretch>
+        </p:blipFill>
+        <p:spPr>
+          <a:xfrm>
+            <a:off x="1808386" y="3553588"/>
+            <a:ext cx="5080883" cy="1931616"/>
+          </a:xfrm>
+          <a:prstGeom prst="rect">
+            <a:avLst/>
+          </a:prstGeom>
+        </p:spPr>
+      </p:pic>
+    </p:spTree>
+    <p:extLst>
+      <p:ext uri="{BB962C8B-B14F-4D97-AF65-F5344CB8AC3E}">
+        <p14:creationId xmlns:p14="http://schemas.microsoft.com/office/powerpoint/2010/main" val="3646330998"/>
+      </p:ext>
+    </p:extLst>
+  </p:cSld>
+  <p:clrMapOvr>
+    <a:masterClrMapping/>
+  </p:clrMapOvr>
+</p:sld>
+</file>
+
+<file path=ppt/slides/slide12.xml><?xml version="1.0" encoding="utf-8"?>
+<p:sld xmlns:a="http://schemas.openxmlformats.org/drawingml/2006/main" xmlns:r="http://schemas.openxmlformats.org/officeDocument/2006/relationships" xmlns:p="http://schemas.openxmlformats.org/presentationml/2006/main">
+  <p:cSld>
+    <p:spTree>
+      <p:nvGrpSpPr>
+        <p:cNvPr id="1" name=""/>
+        <p:cNvGrpSpPr/>
+        <p:nvPr/>
+      </p:nvGrpSpPr>
+      <p:grpSpPr>
+        <a:xfrm>
+          <a:off x="0" y="0"/>
+          <a:ext cx="0" cy="0"/>
+          <a:chOff x="0" y="0"/>
+          <a:chExt cx="0" cy="0"/>
+        </a:xfrm>
+      </p:grpSpPr>
+      <p:sp>
+        <p:nvSpPr>
+          <p:cNvPr id="2" name="Title 1"/>
+          <p:cNvSpPr>
+            <a:spLocks noGrp="1"/>
+          </p:cNvSpPr>
+          <p:nvPr>
+            <p:ph type="title"/>
+          </p:nvPr>
+        </p:nvSpPr>
+        <p:spPr/>
+        <p:txBody>
+          <a:bodyPr/>
+          <a:lstStyle/>
+          <a:p>
+            <a:r>
+              <a:rPr lang="en-US" dirty="0"/>
+              <a:t>Database(</a:t>
+            </a:r>
+            <a:r>
+              <a:rPr lang="en-US" dirty="0" err="1"/>
+              <a:t>movie_db</a:t>
+            </a:r>
+            <a:r>
+              <a:rPr lang="en-US" dirty="0"/>
+              <a:t>)</a:t>
+            </a:r>
+            <a:endParaRPr dirty="0"/>
+          </a:p>
+        </p:txBody>
+      </p:sp>
+      <p:sp>
+        <p:nvSpPr>
+          <p:cNvPr id="5" name="내용 개체 틀 4">
+            <a:extLst>
+              <a:ext uri="{FF2B5EF4-FFF2-40B4-BE49-F238E27FC236}">
+                <a16:creationId xmlns:a16="http://schemas.microsoft.com/office/drawing/2014/main" id="{6860710A-7A76-AD71-0233-45ED9FD3E91D}"/>
+              </a:ext>
+            </a:extLst>
+          </p:cNvPr>
+          <p:cNvSpPr>
+            <a:spLocks noGrp="1"/>
+          </p:cNvSpPr>
+          <p:nvPr>
+            <p:ph idx="1"/>
+          </p:nvPr>
+        </p:nvSpPr>
+        <p:spPr/>
+        <p:txBody>
+          <a:bodyPr>
+            <a:normAutofit/>
+          </a:bodyPr>
+          <a:lstStyle/>
+          <a:p>
+            <a:pPr marL="0" indent="0">
+              <a:buNone/>
+            </a:pPr>
+            <a:r>
+              <a:rPr lang="en-US" altLang="ko-KR" sz="1600" b="1" dirty="0">
+                <a:latin typeface="Consolas" panose="020B0609020204030204" pitchFamily="49" charset="0"/>
+              </a:rPr>
+              <a:t>Table</a:t>
+            </a:r>
+          </a:p>
+          <a:p>
+            <a:r>
+              <a:rPr lang="en-US" altLang="ko-KR" sz="1000" dirty="0">
+                <a:latin typeface="Consolas" panose="020B0609020204030204" pitchFamily="49" charset="0"/>
+              </a:rPr>
+              <a:t>Users : </a:t>
+            </a:r>
+            <a:r>
+              <a:rPr lang="ko-KR" altLang="en-US" sz="1000" dirty="0">
+                <a:latin typeface="Consolas" panose="020B0609020204030204" pitchFamily="49" charset="0"/>
+              </a:rPr>
+              <a:t>회원가입시 </a:t>
+            </a:r>
+            <a:r>
+              <a:rPr lang="en-US" altLang="ko-KR" sz="1000" dirty="0">
+                <a:latin typeface="Consolas" panose="020B0609020204030204" pitchFamily="49" charset="0"/>
+              </a:rPr>
+              <a:t>(id, name, password, </a:t>
+            </a:r>
+            <a:r>
+              <a:rPr lang="en-US" altLang="ko-KR" sz="1000" dirty="0" err="1">
+                <a:latin typeface="Consolas" panose="020B0609020204030204" pitchFamily="49" charset="0"/>
+              </a:rPr>
+              <a:t>user_ip</a:t>
+            </a:r>
+            <a:r>
+              <a:rPr lang="en-US" altLang="ko-KR" sz="1000" dirty="0">
+                <a:latin typeface="Consolas" panose="020B0609020204030204" pitchFamily="49" charset="0"/>
+              </a:rPr>
+              <a:t>, filename, </a:t>
+            </a:r>
+            <a:r>
+              <a:rPr lang="en-US" altLang="ko-KR" sz="1000" dirty="0" err="1">
+                <a:latin typeface="Consolas" panose="020B0609020204030204" pitchFamily="49" charset="0"/>
+              </a:rPr>
+              <a:t>reg_date</a:t>
+            </a:r>
+            <a:r>
+              <a:rPr lang="en-US" altLang="ko-KR" sz="1000" dirty="0">
+                <a:latin typeface="Consolas" panose="020B0609020204030204" pitchFamily="49" charset="0"/>
+              </a:rPr>
+              <a:t>) </a:t>
+            </a:r>
+            <a:r>
+              <a:rPr lang="ko-KR" altLang="en-US" sz="1000" dirty="0">
+                <a:latin typeface="Consolas" panose="020B0609020204030204" pitchFamily="49" charset="0"/>
+              </a:rPr>
+              <a:t>저장</a:t>
+            </a:r>
+            <a:r>
+              <a:rPr lang="en-US" altLang="ko-KR" sz="1000" dirty="0">
+                <a:latin typeface="Consolas" panose="020B0609020204030204" pitchFamily="49" charset="0"/>
+              </a:rPr>
+              <a:t> </a:t>
+            </a:r>
+          </a:p>
+          <a:p>
+            <a:r>
+              <a:rPr lang="en-US" altLang="ko-KR" sz="1000" dirty="0">
+                <a:latin typeface="Consolas" panose="020B0609020204030204" pitchFamily="49" charset="0"/>
+              </a:rPr>
+              <a:t>Reports : </a:t>
+            </a:r>
+            <a:r>
+              <a:rPr lang="ko-KR" altLang="en-US" sz="1000" dirty="0">
+                <a:latin typeface="Consolas" panose="020B0609020204030204" pitchFamily="49" charset="0"/>
+              </a:rPr>
+              <a:t>리뷰 </a:t>
+            </a:r>
+            <a:r>
+              <a:rPr lang="ko-KR" altLang="en-US" sz="1000" dirty="0" err="1">
+                <a:latin typeface="Consolas" panose="020B0609020204030204" pitchFamily="49" charset="0"/>
+              </a:rPr>
+              <a:t>신고시</a:t>
+            </a:r>
+            <a:r>
+              <a:rPr lang="ko-KR" altLang="en-US" sz="1000" dirty="0">
+                <a:latin typeface="Consolas" panose="020B0609020204030204" pitchFamily="49" charset="0"/>
+              </a:rPr>
+              <a:t> </a:t>
+            </a:r>
+            <a:r>
+              <a:rPr lang="en-US" altLang="ko-KR" sz="1000" dirty="0">
+                <a:latin typeface="Consolas" panose="020B0609020204030204" pitchFamily="49" charset="0"/>
+              </a:rPr>
+              <a:t>(</a:t>
+            </a:r>
+            <a:r>
+              <a:rPr lang="en-US" altLang="ko-KR" sz="1000" dirty="0" err="1">
+                <a:latin typeface="Consolas" panose="020B0609020204030204" pitchFamily="49" charset="0"/>
+              </a:rPr>
+              <a:t>post_id</a:t>
+            </a:r>
+            <a:r>
+              <a:rPr lang="en-US" altLang="ko-KR" sz="1000" dirty="0">
+                <a:latin typeface="Consolas" panose="020B0609020204030204" pitchFamily="49" charset="0"/>
+              </a:rPr>
+              <a:t>, </a:t>
+            </a:r>
+            <a:r>
+              <a:rPr lang="en-US" altLang="ko-KR" sz="1000" dirty="0" err="1">
+                <a:latin typeface="Consolas" panose="020B0609020204030204" pitchFamily="49" charset="0"/>
+              </a:rPr>
+              <a:t>writer_id</a:t>
+            </a:r>
+            <a:r>
+              <a:rPr lang="en-US" altLang="ko-KR" sz="1000" dirty="0">
+                <a:latin typeface="Consolas" panose="020B0609020204030204" pitchFamily="49" charset="0"/>
+              </a:rPr>
+              <a:t>, </a:t>
+            </a:r>
+            <a:r>
+              <a:rPr lang="en-US" altLang="ko-KR" sz="1000" dirty="0" err="1">
+                <a:latin typeface="Consolas" panose="020B0609020204030204" pitchFamily="49" charset="0"/>
+              </a:rPr>
+              <a:t>reporter_id</a:t>
+            </a:r>
+            <a:r>
+              <a:rPr lang="en-US" altLang="ko-KR" sz="1000" dirty="0">
+                <a:latin typeface="Consolas" panose="020B0609020204030204" pitchFamily="49" charset="0"/>
+              </a:rPr>
+              <a:t>, </a:t>
+            </a:r>
+            <a:r>
+              <a:rPr lang="en-US" altLang="ko-KR" sz="1000" dirty="0" err="1">
+                <a:latin typeface="Consolas" panose="020B0609020204030204" pitchFamily="49" charset="0"/>
+              </a:rPr>
+              <a:t>movie_title</a:t>
+            </a:r>
+            <a:r>
+              <a:rPr lang="en-US" altLang="ko-KR" sz="1000" dirty="0">
+                <a:latin typeface="Consolas" panose="020B0609020204030204" pitchFamily="49" charset="0"/>
+              </a:rPr>
+              <a:t>, content, </a:t>
+            </a:r>
+            <a:r>
+              <a:rPr lang="en-US" altLang="ko-KR" sz="1000" dirty="0" err="1">
+                <a:latin typeface="Consolas" panose="020B0609020204030204" pitchFamily="49" charset="0"/>
+              </a:rPr>
+              <a:t>reason_code</a:t>
+            </a:r>
+            <a:r>
+              <a:rPr lang="en-US" altLang="ko-KR" sz="1000" dirty="0">
+                <a:latin typeface="Consolas" panose="020B0609020204030204" pitchFamily="49" charset="0"/>
+              </a:rPr>
+              <a:t>, </a:t>
+            </a:r>
+            <a:r>
+              <a:rPr lang="en-US" altLang="ko-KR" sz="1000" dirty="0" err="1">
+                <a:latin typeface="Consolas" panose="020B0609020204030204" pitchFamily="49" charset="0"/>
+              </a:rPr>
+              <a:t>created_at</a:t>
+            </a:r>
+            <a:r>
+              <a:rPr lang="en-US" altLang="ko-KR" sz="1000" dirty="0">
+                <a:latin typeface="Consolas" panose="020B0609020204030204" pitchFamily="49" charset="0"/>
+              </a:rPr>
+              <a:t>) </a:t>
+            </a:r>
+            <a:r>
+              <a:rPr lang="ko-KR" altLang="en-US" sz="1000" dirty="0">
+                <a:latin typeface="Consolas" panose="020B0609020204030204" pitchFamily="49" charset="0"/>
+              </a:rPr>
+              <a:t>저장</a:t>
+            </a:r>
+            <a:endParaRPr lang="en-US" altLang="ko-KR" sz="1000" dirty="0">
+              <a:latin typeface="Consolas" panose="020B0609020204030204" pitchFamily="49" charset="0"/>
+            </a:endParaRPr>
+          </a:p>
+          <a:p>
+            <a:pPr marL="0" indent="0">
+              <a:buNone/>
+            </a:pPr>
+            <a:r>
+              <a:rPr lang="en-US" altLang="ko-KR" sz="1000" dirty="0">
+                <a:latin typeface="Consolas" panose="020B0609020204030204" pitchFamily="49" charset="0"/>
+              </a:rPr>
+              <a:t>	- </a:t>
+            </a:r>
+            <a:r>
+              <a:rPr lang="en-US" altLang="ko-KR" sz="1000" dirty="0" err="1">
+                <a:latin typeface="Consolas" panose="020B0609020204030204" pitchFamily="49" charset="0"/>
+              </a:rPr>
+              <a:t>reason_code</a:t>
+            </a:r>
+            <a:r>
+              <a:rPr lang="en-US" altLang="ko-KR" sz="1000" dirty="0">
+                <a:latin typeface="Consolas" panose="020B0609020204030204" pitchFamily="49" charset="0"/>
+              </a:rPr>
+              <a:t>(1: </a:t>
+            </a:r>
+            <a:r>
+              <a:rPr lang="ko-KR" altLang="en-US" sz="1000" dirty="0">
+                <a:latin typeface="Consolas" panose="020B0609020204030204" pitchFamily="49" charset="0"/>
+              </a:rPr>
+              <a:t>욕설</a:t>
+            </a:r>
+            <a:r>
+              <a:rPr lang="en-US" altLang="ko-KR" sz="1000" dirty="0">
+                <a:latin typeface="Consolas" panose="020B0609020204030204" pitchFamily="49" charset="0"/>
+              </a:rPr>
+              <a:t>/</a:t>
+            </a:r>
+            <a:r>
+              <a:rPr lang="ko-KR" altLang="en-US" sz="1000" dirty="0">
+                <a:latin typeface="Consolas" panose="020B0609020204030204" pitchFamily="49" charset="0"/>
+              </a:rPr>
+              <a:t>혐오</a:t>
+            </a:r>
+            <a:r>
+              <a:rPr lang="en-US" altLang="ko-KR" sz="1000" dirty="0">
+                <a:latin typeface="Consolas" panose="020B0609020204030204" pitchFamily="49" charset="0"/>
+              </a:rPr>
+              <a:t>, 2: </a:t>
+            </a:r>
+            <a:r>
+              <a:rPr lang="ko-KR" altLang="en-US" sz="1000" dirty="0">
+                <a:latin typeface="Consolas" panose="020B0609020204030204" pitchFamily="49" charset="0"/>
+              </a:rPr>
+              <a:t>스팸홍보</a:t>
+            </a:r>
+            <a:r>
+              <a:rPr lang="en-US" altLang="ko-KR" sz="1000" dirty="0">
+                <a:latin typeface="Consolas" panose="020B0609020204030204" pitchFamily="49" charset="0"/>
+              </a:rPr>
+              <a:t>/</a:t>
+            </a:r>
+            <a:r>
+              <a:rPr lang="ko-KR" altLang="en-US" sz="1000" dirty="0">
+                <a:latin typeface="Consolas" panose="020B0609020204030204" pitchFamily="49" charset="0"/>
+              </a:rPr>
+              <a:t>도배</a:t>
+            </a:r>
+            <a:r>
+              <a:rPr lang="en-US" altLang="ko-KR" sz="1000" dirty="0">
+                <a:latin typeface="Consolas" panose="020B0609020204030204" pitchFamily="49" charset="0"/>
+              </a:rPr>
+              <a:t>, 3: </a:t>
+            </a:r>
+            <a:r>
+              <a:rPr lang="ko-KR" altLang="en-US" sz="1000" dirty="0">
+                <a:latin typeface="Consolas" panose="020B0609020204030204" pitchFamily="49" charset="0"/>
+              </a:rPr>
+              <a:t>음란물</a:t>
+            </a:r>
+            <a:r>
+              <a:rPr lang="en-US" altLang="ko-KR" sz="1000" dirty="0">
+                <a:latin typeface="Consolas" panose="020B0609020204030204" pitchFamily="49" charset="0"/>
+              </a:rPr>
+              <a:t>, 4: </a:t>
+            </a:r>
+            <a:r>
+              <a:rPr lang="ko-KR" altLang="en-US" sz="1000" dirty="0">
+                <a:latin typeface="Consolas" panose="020B0609020204030204" pitchFamily="49" charset="0"/>
+              </a:rPr>
+              <a:t>불법정보 포함</a:t>
+            </a:r>
+            <a:r>
+              <a:rPr lang="en-US" altLang="ko-KR" sz="1000" dirty="0">
+                <a:latin typeface="Consolas" panose="020B0609020204030204" pitchFamily="49" charset="0"/>
+              </a:rPr>
+              <a:t>, 5: </a:t>
+            </a:r>
+            <a:r>
+              <a:rPr lang="ko-KR" altLang="en-US" sz="1000" dirty="0">
+                <a:latin typeface="Consolas" panose="020B0609020204030204" pitchFamily="49" charset="0"/>
+              </a:rPr>
+              <a:t>개인정보 노출</a:t>
+            </a:r>
+            <a:r>
+              <a:rPr lang="en-US" altLang="ko-KR" sz="1000" dirty="0">
+                <a:latin typeface="Consolas" panose="020B0609020204030204" pitchFamily="49" charset="0"/>
+              </a:rPr>
+              <a:t>, 6: </a:t>
+            </a:r>
+            <a:r>
+              <a:rPr lang="ko-KR" altLang="en-US" sz="1000" dirty="0">
+                <a:latin typeface="Consolas" panose="020B0609020204030204" pitchFamily="49" charset="0"/>
+              </a:rPr>
+              <a:t>기타</a:t>
+            </a:r>
+            <a:r>
+              <a:rPr lang="en-US" altLang="ko-KR" sz="1000" dirty="0">
+                <a:latin typeface="Consolas" panose="020B0609020204030204" pitchFamily="49" charset="0"/>
+              </a:rPr>
+              <a:t>)</a:t>
+            </a:r>
+          </a:p>
+          <a:p>
+            <a:r>
+              <a:rPr lang="en-US" altLang="ko-KR" sz="1000" dirty="0">
+                <a:latin typeface="Consolas" panose="020B0609020204030204" pitchFamily="49" charset="0"/>
+              </a:rPr>
+              <a:t>Posts : </a:t>
+            </a:r>
+            <a:r>
+              <a:rPr lang="ko-KR" altLang="en-US" sz="1000" dirty="0">
+                <a:latin typeface="Consolas" panose="020B0609020204030204" pitchFamily="49" charset="0"/>
+              </a:rPr>
+              <a:t>리뷰 작성시 </a:t>
+            </a:r>
+            <a:r>
+              <a:rPr lang="en-US" altLang="ko-KR" sz="1000" dirty="0">
+                <a:latin typeface="Consolas" panose="020B0609020204030204" pitchFamily="49" charset="0"/>
+              </a:rPr>
+              <a:t>(</a:t>
+            </a:r>
+            <a:r>
+              <a:rPr lang="en-US" altLang="ko-KR" sz="1000" dirty="0" err="1">
+                <a:latin typeface="Consolas" panose="020B0609020204030204" pitchFamily="49" charset="0"/>
+              </a:rPr>
+              <a:t>userid</a:t>
+            </a:r>
+            <a:r>
+              <a:rPr lang="en-US" altLang="ko-KR" sz="1000" dirty="0">
+                <a:latin typeface="Consolas" panose="020B0609020204030204" pitchFamily="49" charset="0"/>
+              </a:rPr>
+              <a:t>, username, title, content, rating, spoiler, recommend, filename, </a:t>
+            </a:r>
+            <a:r>
+              <a:rPr lang="en-US" altLang="ko-KR" sz="1000" dirty="0" err="1">
+                <a:latin typeface="Consolas" panose="020B0609020204030204" pitchFamily="49" charset="0"/>
+              </a:rPr>
+              <a:t>movie_title</a:t>
+            </a:r>
+            <a:r>
+              <a:rPr lang="en-US" altLang="ko-KR" sz="1000" dirty="0">
+                <a:latin typeface="Consolas" panose="020B0609020204030204" pitchFamily="49" charset="0"/>
+              </a:rPr>
+              <a:t>, views,  report, </a:t>
+            </a:r>
+          </a:p>
+          <a:p>
+            <a:r>
+              <a:rPr lang="en-US" altLang="ko-KR" sz="1000" dirty="0">
+                <a:latin typeface="Consolas" panose="020B0609020204030204" pitchFamily="49" charset="0"/>
+              </a:rPr>
+              <a:t>Movies</a:t>
+            </a:r>
+          </a:p>
+          <a:p>
+            <a:r>
+              <a:rPr lang="en-US" altLang="ko-KR" sz="1000" dirty="0" err="1">
+                <a:latin typeface="Consolas" panose="020B0609020204030204" pitchFamily="49" charset="0"/>
+              </a:rPr>
+              <a:t>Movies_info</a:t>
+            </a:r>
+            <a:endParaRPr lang="en-US" altLang="ko-KR" sz="1000" dirty="0">
+              <a:latin typeface="Consolas" panose="020B0609020204030204" pitchFamily="49" charset="0"/>
+            </a:endParaRPr>
+          </a:p>
+          <a:p>
+            <a:r>
+              <a:rPr lang="en-US" altLang="ko-KR" sz="1000" dirty="0">
+                <a:latin typeface="Consolas" panose="020B0609020204030204" pitchFamily="49" charset="0"/>
+              </a:rPr>
+              <a:t>comments</a:t>
+            </a:r>
+            <a:endParaRPr lang="ko-KR" altLang="en-US" sz="1000" dirty="0">
+              <a:latin typeface="Consolas" panose="020B0609020204030204" pitchFamily="49" charset="0"/>
+            </a:endParaRPr>
+          </a:p>
+        </p:txBody>
+      </p:sp>
+    </p:spTree>
+    <p:extLst>
+      <p:ext uri="{BB962C8B-B14F-4D97-AF65-F5344CB8AC3E}">
+        <p14:creationId xmlns:p14="http://schemas.microsoft.com/office/powerpoint/2010/main" val="3715328942"/>
+      </p:ext>
+    </p:extLst>
+  </p:cSld>
+  <p:clrMapOvr>
+    <a:masterClrMapping/>
+  </p:clrMapOvr>
+</p:sld>
+</file>
+
+<file path=ppt/slides/slide13.xml><?xml version="1.0" encoding="utf-8"?>
+<p:sld xmlns:a="http://schemas.openxmlformats.org/drawingml/2006/main" xmlns:r="http://schemas.openxmlformats.org/officeDocument/2006/relationships" xmlns:p="http://schemas.openxmlformats.org/presentationml/2006/main">
+  <p:cSld>
+    <p:spTree>
+      <p:nvGrpSpPr>
+        <p:cNvPr id="1" name=""/>
+        <p:cNvGrpSpPr/>
+        <p:nvPr/>
+      </p:nvGrpSpPr>
+      <p:grpSpPr>
+        <a:xfrm>
+          <a:off x="0" y="0"/>
+          <a:ext cx="0" cy="0"/>
+          <a:chOff x="0" y="0"/>
+          <a:chExt cx="0" cy="0"/>
+        </a:xfrm>
+      </p:grpSpPr>
+      <p:sp>
+        <p:nvSpPr>
+          <p:cNvPr id="2" name="Title 1"/>
+          <p:cNvSpPr>
+            <a:spLocks noGrp="1"/>
+          </p:cNvSpPr>
+          <p:nvPr>
+            <p:ph type="title"/>
+          </p:nvPr>
+        </p:nvSpPr>
+        <p:spPr/>
+        <p:txBody>
+          <a:bodyPr/>
+          <a:lstStyle/>
+          <a:p>
+            <a:r>
+              <a:rPr lang="en-US" dirty="0"/>
+              <a:t>admin</a:t>
+            </a:r>
+            <a:r>
+              <a:rPr lang="ko-KR" altLang="en-US" dirty="0"/>
+              <a:t> 로그인</a:t>
+            </a:r>
+            <a:endParaRPr dirty="0"/>
+          </a:p>
+        </p:txBody>
+      </p:sp>
+      <p:sp>
+        <p:nvSpPr>
+          <p:cNvPr id="5" name="내용 개체 틀 4">
+            <a:extLst>
+              <a:ext uri="{FF2B5EF4-FFF2-40B4-BE49-F238E27FC236}">
+                <a16:creationId xmlns:a16="http://schemas.microsoft.com/office/drawing/2014/main" id="{DCCDD9D1-671B-31CD-E940-89A9CFE2169E}"/>
+              </a:ext>
+            </a:extLst>
+          </p:cNvPr>
+          <p:cNvSpPr>
+            <a:spLocks noGrp="1"/>
+          </p:cNvSpPr>
+          <p:nvPr>
+            <p:ph idx="1"/>
+          </p:nvPr>
+        </p:nvSpPr>
+        <p:spPr/>
+        <p:txBody>
+          <a:bodyPr/>
+          <a:lstStyle/>
+          <a:p>
+            <a:r>
+              <a:rPr lang="en-US" altLang="ko-KR" dirty="0"/>
+              <a:t>Admin</a:t>
+            </a:r>
+            <a:r>
+              <a:rPr lang="ko-KR" altLang="en-US" dirty="0"/>
+              <a:t>은 모든 리뷰 삭제가능</a:t>
+            </a:r>
+            <a:endParaRPr lang="en-US" altLang="ko-KR" dirty="0"/>
+          </a:p>
+          <a:p>
+            <a:r>
+              <a:rPr lang="en-US" altLang="ko-KR" dirty="0"/>
+              <a:t>Admin </a:t>
+            </a:r>
+            <a:r>
+              <a:rPr lang="ko-KR" altLang="en-US" dirty="0"/>
+              <a:t>전용 </a:t>
+            </a:r>
+            <a:r>
+              <a:rPr lang="en-US" altLang="ko-KR" dirty="0"/>
+              <a:t>Reports</a:t>
+            </a:r>
+            <a:r>
+              <a:rPr lang="ko-KR" altLang="en-US" dirty="0"/>
+              <a:t>페이지 </a:t>
+            </a:r>
+            <a:r>
+              <a:rPr lang="en-US" altLang="ko-KR" dirty="0"/>
+              <a:t>: </a:t>
+            </a:r>
+            <a:r>
+              <a:rPr lang="ko-KR" altLang="en-US" dirty="0" err="1"/>
+              <a:t>신고당한</a:t>
+            </a:r>
+            <a:r>
+              <a:rPr lang="ko-KR" altLang="en-US" dirty="0"/>
+              <a:t> 리뷰 확인가능</a:t>
+            </a:r>
+            <a:endParaRPr lang="en-US" altLang="ko-KR" dirty="0"/>
+          </a:p>
+          <a:p>
+            <a:r>
+              <a:rPr lang="en-US" altLang="ko-KR" dirty="0"/>
+              <a:t>Admin</a:t>
+            </a:r>
+            <a:r>
+              <a:rPr lang="ko-KR" altLang="en-US" dirty="0"/>
+              <a:t> 유저 탈퇴 기능</a:t>
+            </a:r>
+            <a:r>
+              <a:rPr lang="en-US" altLang="ko-KR" dirty="0"/>
+              <a:t> </a:t>
+            </a:r>
+            <a:endParaRPr lang="ko-KR" altLang="en-US" dirty="0"/>
+          </a:p>
+        </p:txBody>
+      </p:sp>
+    </p:spTree>
+    <p:extLst>
+      <p:ext uri="{BB962C8B-B14F-4D97-AF65-F5344CB8AC3E}">
+        <p14:creationId xmlns:p14="http://schemas.microsoft.com/office/powerpoint/2010/main" val="3332127082"/>
+      </p:ext>
+    </p:extLst>
+  </p:cSld>
+  <p:clrMapOvr>
+    <a:masterClrMapping/>
+  </p:clrMapOvr>
+</p:sld>
+</file>
+
+<file path=ppt/slides/slide14.xml><?xml version="1.0" encoding="utf-8"?>
+<p:sld xmlns:a="http://schemas.openxmlformats.org/drawingml/2006/main" xmlns:r="http://schemas.openxmlformats.org/officeDocument/2006/relationships" xmlns:p="http://schemas.openxmlformats.org/presentationml/2006/main">
+  <p:cSld>
+    <p:spTree>
+      <p:nvGrpSpPr>
+        <p:cNvPr id="1" name=""/>
+        <p:cNvGrpSpPr/>
+        <p:nvPr/>
+      </p:nvGrpSpPr>
+      <p:grpSpPr>
+        <a:xfrm>
+          <a:off x="0" y="0"/>
+          <a:ext cx="0" cy="0"/>
+          <a:chOff x="0" y="0"/>
+          <a:chExt cx="0" cy="0"/>
+        </a:xfrm>
+      </p:grpSpPr>
+      <p:sp>
+        <p:nvSpPr>
+          <p:cNvPr id="2" name="Title 1"/>
+          <p:cNvSpPr>
+            <a:spLocks noGrp="1"/>
+          </p:cNvSpPr>
+          <p:nvPr>
+            <p:ph type="title"/>
+          </p:nvPr>
+        </p:nvSpPr>
+        <p:spPr/>
+        <p:txBody>
+          <a:bodyPr/>
+          <a:lstStyle/>
+          <a:p>
+            <a:r>
+              <a:rPr lang="en-US" altLang="ko-KR" dirty="0"/>
+              <a:t>user</a:t>
+            </a:r>
+            <a:r>
+              <a:rPr lang="ko-KR" altLang="en-US" dirty="0"/>
+              <a:t> 로그인</a:t>
+            </a:r>
+            <a:endParaRPr dirty="0"/>
+          </a:p>
+        </p:txBody>
+      </p:sp>
+      <p:sp>
+        <p:nvSpPr>
+          <p:cNvPr id="5" name="내용 개체 틀 4">
+            <a:extLst>
+              <a:ext uri="{FF2B5EF4-FFF2-40B4-BE49-F238E27FC236}">
+                <a16:creationId xmlns:a16="http://schemas.microsoft.com/office/drawing/2014/main" id="{DCCDD9D1-671B-31CD-E940-89A9CFE2169E}"/>
+              </a:ext>
+            </a:extLst>
+          </p:cNvPr>
+          <p:cNvSpPr>
+            <a:spLocks noGrp="1"/>
+          </p:cNvSpPr>
+          <p:nvPr>
+            <p:ph idx="1"/>
+          </p:nvPr>
+        </p:nvSpPr>
+        <p:spPr/>
+        <p:txBody>
+          <a:bodyPr/>
+          <a:lstStyle/>
+          <a:p>
+            <a:r>
+              <a:rPr lang="ko-KR" altLang="en-US" dirty="0"/>
+              <a:t>리뷰페이지 </a:t>
+            </a:r>
+            <a:r>
+              <a:rPr lang="en-US" altLang="ko-KR" dirty="0"/>
+              <a:t>: </a:t>
+            </a:r>
+            <a:r>
+              <a:rPr lang="ko-KR" altLang="en-US" dirty="0"/>
+              <a:t>리뷰 작성 기능 및 로그인한 아이디와 같은 아이디이면 자기자신 리뷰 수정 및 삭제 기능</a:t>
+            </a:r>
+            <a:r>
+              <a:rPr lang="en-US" altLang="ko-KR" dirty="0"/>
+              <a:t>, </a:t>
+            </a:r>
+            <a:r>
+              <a:rPr lang="ko-KR" altLang="en-US" dirty="0"/>
+              <a:t>다른 아이디이면 리뷰 추천 및 신고 기능</a:t>
+            </a:r>
+            <a:r>
+              <a:rPr lang="en-US" altLang="ko-KR" dirty="0"/>
+              <a:t>, </a:t>
+            </a:r>
+            <a:r>
+              <a:rPr lang="ko-KR" altLang="en-US" dirty="0"/>
+              <a:t>작성자 </a:t>
+            </a:r>
+            <a:r>
+              <a:rPr lang="ko-KR" altLang="en-US" dirty="0" err="1"/>
+              <a:t>클릭시</a:t>
+            </a:r>
+            <a:r>
+              <a:rPr lang="ko-KR" altLang="en-US" dirty="0"/>
+              <a:t> 해당 유저정보 확인 가능</a:t>
+            </a:r>
+          </a:p>
+        </p:txBody>
+      </p:sp>
+    </p:spTree>
+    <p:extLst>
+      <p:ext uri="{BB962C8B-B14F-4D97-AF65-F5344CB8AC3E}">
+        <p14:creationId xmlns:p14="http://schemas.microsoft.com/office/powerpoint/2010/main" val="3043778924"/>
+      </p:ext>
+    </p:extLst>
+  </p:cSld>
+  <p:clrMapOvr>
+    <a:masterClrMapping/>
+  </p:clrMapOvr>
+</p:sld>
+</file>
+
+<file path=ppt/slides/slide15.xml><?xml version="1.0" encoding="utf-8"?>
+<p:sld xmlns:a="http://schemas.openxmlformats.org/drawingml/2006/main" xmlns:r="http://schemas.openxmlformats.org/officeDocument/2006/relationships" xmlns:p="http://schemas.openxmlformats.org/presentationml/2006/main">
+  <p:cSld>
+    <p:spTree>
+      <p:nvGrpSpPr>
+        <p:cNvPr id="1" name=""/>
+        <p:cNvGrpSpPr/>
+        <p:nvPr/>
+      </p:nvGrpSpPr>
+      <p:grpSpPr>
+        <a:xfrm>
+          <a:off x="0" y="0"/>
+          <a:ext cx="0" cy="0"/>
+          <a:chOff x="0" y="0"/>
+          <a:chExt cx="0" cy="0"/>
+        </a:xfrm>
+      </p:grpSpPr>
+      <p:sp>
+        <p:nvSpPr>
+          <p:cNvPr id="2" name="Title 1"/>
+          <p:cNvSpPr>
+            <a:spLocks noGrp="1"/>
+          </p:cNvSpPr>
+          <p:nvPr>
+            <p:ph type="title"/>
+          </p:nvPr>
+        </p:nvSpPr>
+        <p:spPr/>
+        <p:txBody>
+          <a:bodyPr/>
+          <a:lstStyle/>
+          <a:p>
+            <a:r>
+              <a:rPr lang="en-US" dirty="0"/>
+              <a:t>Movie</a:t>
+            </a:r>
+            <a:r>
+              <a:rPr lang="ko-KR" altLang="en-US" dirty="0"/>
+              <a:t> </a:t>
+            </a:r>
+            <a:r>
+              <a:rPr lang="en-US" altLang="ko-KR" dirty="0"/>
+              <a:t>rank(index)</a:t>
+            </a:r>
+            <a:endParaRPr dirty="0"/>
+          </a:p>
+        </p:txBody>
+      </p:sp>
+      <p:pic>
+        <p:nvPicPr>
+          <p:cNvPr id="7" name="그림 6">
+            <a:extLst>
+              <a:ext uri="{FF2B5EF4-FFF2-40B4-BE49-F238E27FC236}">
+                <a16:creationId xmlns:a16="http://schemas.microsoft.com/office/drawing/2014/main" id="{5CAF0D68-69CF-AB72-0C56-86F7DB7D1526}"/>
+              </a:ext>
+            </a:extLst>
+          </p:cNvPr>
+          <p:cNvPicPr>
+            <a:picLocks noChangeAspect="1"/>
+          </p:cNvPicPr>
+          <p:nvPr/>
+        </p:nvPicPr>
+        <p:blipFill>
+          <a:blip r:embed="rId2"/>
+          <a:stretch>
+            <a:fillRect/>
+          </a:stretch>
+        </p:blipFill>
+        <p:spPr>
+          <a:xfrm>
+            <a:off x="1296063" y="1876017"/>
+            <a:ext cx="6177892" cy="3427504"/>
+          </a:xfrm>
+          <a:prstGeom prst="rect">
+            <a:avLst/>
+          </a:prstGeom>
+        </p:spPr>
+      </p:pic>
+      <p:sp>
+        <p:nvSpPr>
+          <p:cNvPr id="8" name="직사각형 7">
+            <a:extLst>
+              <a:ext uri="{FF2B5EF4-FFF2-40B4-BE49-F238E27FC236}">
+                <a16:creationId xmlns:a16="http://schemas.microsoft.com/office/drawing/2014/main" id="{18FF00F8-9288-1390-108B-8D126E246786}"/>
+              </a:ext>
+            </a:extLst>
+          </p:cNvPr>
+          <p:cNvSpPr/>
+          <p:nvPr/>
+        </p:nvSpPr>
+        <p:spPr>
+          <a:xfrm>
+            <a:off x="4055165" y="2436398"/>
+            <a:ext cx="675861" cy="927004"/>
+          </a:xfrm>
+          <a:prstGeom prst="rect">
+            <a:avLst/>
+          </a:prstGeom>
+          <a:noFill/>
+          <a:ln w="28575">
+            <a:solidFill>
+              <a:srgbClr val="FF0000"/>
+            </a:solidFill>
+          </a:ln>
+        </p:spPr>
+        <p:style>
+          <a:lnRef idx="1">
+            <a:schemeClr val="accent1"/>
+          </a:lnRef>
+          <a:fillRef idx="3">
+            <a:schemeClr val="accent1"/>
+          </a:fillRef>
+          <a:effectRef idx="2">
+            <a:schemeClr val="accent1"/>
+          </a:effectRef>
+          <a:fontRef idx="minor">
+            <a:schemeClr val="lt1"/>
+          </a:fontRef>
+        </p:style>
+        <p:txBody>
+          <a:bodyPr rtlCol="0" anchor="ctr"/>
+          <a:lstStyle/>
+          <a:p>
+            <a:pPr algn="ctr"/>
+            <a:endParaRPr lang="ko-KR" altLang="en-US"/>
+          </a:p>
+        </p:txBody>
+      </p:sp>
+      <p:sp>
+        <p:nvSpPr>
+          <p:cNvPr id="9" name="TextBox 8">
+            <a:extLst>
+              <a:ext uri="{FF2B5EF4-FFF2-40B4-BE49-F238E27FC236}">
+                <a16:creationId xmlns:a16="http://schemas.microsoft.com/office/drawing/2014/main" id="{59DB14CC-ED3A-A6AB-DEBE-BDA00D735572}"/>
+              </a:ext>
+            </a:extLst>
+          </p:cNvPr>
+          <p:cNvSpPr txBox="1"/>
+          <p:nvPr/>
+        </p:nvSpPr>
+        <p:spPr>
+          <a:xfrm>
+            <a:off x="3936809" y="1472716"/>
+            <a:ext cx="896399" cy="246221"/>
+          </a:xfrm>
+          <a:prstGeom prst="rect">
+            <a:avLst/>
+          </a:prstGeom>
+          <a:noFill/>
+          <a:ln w="19050">
+            <a:solidFill>
+              <a:srgbClr val="00B050"/>
+            </a:solidFill>
+          </a:ln>
+        </p:spPr>
+        <p:txBody>
+          <a:bodyPr wrap="none" rtlCol="0">
+            <a:spAutoFit/>
+          </a:bodyPr>
+          <a:lstStyle/>
+          <a:p>
+            <a:r>
+              <a:rPr lang="ko-KR" altLang="en-US" sz="1000" dirty="0">
+                <a:latin typeface="Consolas" panose="020B0609020204030204" pitchFamily="49" charset="0"/>
+              </a:rPr>
+              <a:t>영화 이미지</a:t>
+            </a:r>
+          </a:p>
+        </p:txBody>
+      </p:sp>
+      <p:sp>
+        <p:nvSpPr>
+          <p:cNvPr id="10" name="직사각형 9">
+            <a:extLst>
+              <a:ext uri="{FF2B5EF4-FFF2-40B4-BE49-F238E27FC236}">
+                <a16:creationId xmlns:a16="http://schemas.microsoft.com/office/drawing/2014/main" id="{C5426536-93FF-6360-0C15-C7532BA115BE}"/>
+              </a:ext>
+            </a:extLst>
+          </p:cNvPr>
+          <p:cNvSpPr/>
+          <p:nvPr/>
+        </p:nvSpPr>
+        <p:spPr>
+          <a:xfrm>
+            <a:off x="4055165" y="3520482"/>
+            <a:ext cx="675861" cy="113264"/>
+          </a:xfrm>
+          <a:prstGeom prst="rect">
+            <a:avLst/>
+          </a:prstGeom>
+          <a:noFill/>
+          <a:ln w="28575">
+            <a:solidFill>
+              <a:srgbClr val="FF0000"/>
+            </a:solidFill>
+          </a:ln>
+        </p:spPr>
+        <p:style>
+          <a:lnRef idx="1">
+            <a:schemeClr val="accent1"/>
+          </a:lnRef>
+          <a:fillRef idx="3">
+            <a:schemeClr val="accent1"/>
+          </a:fillRef>
+          <a:effectRef idx="2">
+            <a:schemeClr val="accent1"/>
+          </a:effectRef>
+          <a:fontRef idx="minor">
+            <a:schemeClr val="lt1"/>
+          </a:fontRef>
+        </p:style>
+        <p:txBody>
+          <a:bodyPr rtlCol="0" anchor="ctr"/>
+          <a:lstStyle/>
+          <a:p>
+            <a:pPr algn="ctr"/>
+            <a:endParaRPr lang="ko-KR" altLang="en-US"/>
+          </a:p>
+        </p:txBody>
+      </p:sp>
+    </p:spTree>
+    <p:extLst>
+      <p:ext uri="{BB962C8B-B14F-4D97-AF65-F5344CB8AC3E}">
+        <p14:creationId xmlns:p14="http://schemas.microsoft.com/office/powerpoint/2010/main" val="4103450366"/>
+      </p:ext>
+    </p:extLst>
+  </p:cSld>
+  <p:clrMapOvr>
+    <a:masterClrMapping/>
+  </p:clrMapOvr>
+</p:sld>
+</file>
+
+<file path=ppt/slides/slide16.xml><?xml version="1.0" encoding="utf-8"?>
+<p:sld xmlns:a="http://schemas.openxmlformats.org/drawingml/2006/main" xmlns:r="http://schemas.openxmlformats.org/officeDocument/2006/relationships" xmlns:p="http://schemas.openxmlformats.org/presentationml/2006/main">
+  <p:cSld>
+    <p:spTree>
+      <p:nvGrpSpPr>
+        <p:cNvPr id="1" name=""/>
+        <p:cNvGrpSpPr/>
+        <p:nvPr/>
+      </p:nvGrpSpPr>
+      <p:grpSpPr>
+        <a:xfrm>
+          <a:off x="0" y="0"/>
+          <a:ext cx="0" cy="0"/>
+          <a:chOff x="0" y="0"/>
+          <a:chExt cx="0" cy="0"/>
+        </a:xfrm>
+      </p:grpSpPr>
+      <p:sp>
+        <p:nvSpPr>
+          <p:cNvPr id="2" name="Title 1"/>
+          <p:cNvSpPr>
+            <a:spLocks noGrp="1"/>
+          </p:cNvSpPr>
+          <p:nvPr>
+            <p:ph type="title"/>
+          </p:nvPr>
+        </p:nvSpPr>
+        <p:spPr/>
+        <p:txBody>
+          <a:bodyPr/>
+          <a:lstStyle/>
+          <a:p>
+            <a:r>
+              <a:rPr lang="en-US" dirty="0"/>
+              <a:t>Movie</a:t>
+            </a:r>
+            <a:r>
+              <a:rPr lang="ko-KR" altLang="en-US" dirty="0"/>
+              <a:t> </a:t>
+            </a:r>
+            <a:r>
+              <a:rPr lang="en-US" altLang="ko-KR" dirty="0"/>
+              <a:t>rank(index)</a:t>
+            </a:r>
+            <a:endParaRPr dirty="0"/>
+          </a:p>
+        </p:txBody>
+      </p:sp>
+      <p:sp>
+        <p:nvSpPr>
+          <p:cNvPr id="9" name="TextBox 8">
+            <a:extLst>
+              <a:ext uri="{FF2B5EF4-FFF2-40B4-BE49-F238E27FC236}">
+                <a16:creationId xmlns:a16="http://schemas.microsoft.com/office/drawing/2014/main" id="{59DB14CC-ED3A-A6AB-DEBE-BDA00D735572}"/>
+              </a:ext>
+            </a:extLst>
+          </p:cNvPr>
+          <p:cNvSpPr txBox="1"/>
+          <p:nvPr/>
+        </p:nvSpPr>
+        <p:spPr>
+          <a:xfrm>
+            <a:off x="707666" y="1692978"/>
+            <a:ext cx="7552067" cy="461665"/>
+          </a:xfrm>
+          <a:prstGeom prst="rect">
+            <a:avLst/>
+          </a:prstGeom>
+          <a:noFill/>
+        </p:spPr>
+        <p:txBody>
+          <a:bodyPr wrap="none" rtlCol="0">
+            <a:spAutoFit/>
+          </a:bodyPr>
+          <a:lstStyle/>
+          <a:p>
+            <a:r>
+              <a:rPr lang="en-US" altLang="ko-KR" sz="1200" dirty="0">
+                <a:latin typeface="Consolas" panose="020B0609020204030204" pitchFamily="49" charset="0"/>
+              </a:rPr>
+              <a:t>- </a:t>
+            </a:r>
+          </a:p>
+          <a:p>
+            <a:r>
+              <a:rPr lang="en-US" altLang="ko-KR" sz="1200" dirty="0">
+                <a:latin typeface="Consolas" panose="020B0609020204030204" pitchFamily="49" charset="0"/>
+              </a:rPr>
+              <a:t>- </a:t>
+            </a:r>
+            <a:r>
+              <a:rPr lang="ko-KR" altLang="en-US" sz="1200" dirty="0">
+                <a:latin typeface="Consolas" panose="020B0609020204030204" pitchFamily="49" charset="0"/>
+              </a:rPr>
+              <a:t>영화 이미지 </a:t>
+            </a:r>
+            <a:r>
+              <a:rPr lang="en-US" altLang="ko-KR" sz="1200" dirty="0">
+                <a:latin typeface="Consolas" panose="020B0609020204030204" pitchFamily="49" charset="0"/>
+              </a:rPr>
+              <a:t>: </a:t>
+            </a:r>
+            <a:r>
+              <a:rPr lang="en-US" altLang="ko-KR" sz="1200" dirty="0" err="1">
+                <a:latin typeface="Consolas" panose="020B0609020204030204" pitchFamily="49" charset="0"/>
+              </a:rPr>
+              <a:t>BeautifulSoup</a:t>
+            </a:r>
+            <a:r>
+              <a:rPr lang="ko-KR" altLang="en-US" sz="1200" dirty="0">
+                <a:latin typeface="Consolas" panose="020B0609020204030204" pitchFamily="49" charset="0"/>
+              </a:rPr>
+              <a:t>을 사용하여 네이버 </a:t>
+            </a:r>
+            <a:r>
+              <a:rPr lang="en-US" altLang="ko-KR" sz="1200" dirty="0" err="1">
+                <a:latin typeface="Consolas" panose="020B0609020204030204" pitchFamily="49" charset="0"/>
+              </a:rPr>
+              <a:t>boxoffice</a:t>
+            </a:r>
+            <a:r>
+              <a:rPr lang="en-US" altLang="ko-KR" sz="1200" dirty="0">
+                <a:latin typeface="Consolas" panose="020B0609020204030204" pitchFamily="49" charset="0"/>
+              </a:rPr>
+              <a:t> </a:t>
+            </a:r>
+            <a:r>
+              <a:rPr lang="ko-KR" altLang="en-US" sz="1200" dirty="0">
+                <a:latin typeface="Consolas" panose="020B0609020204030204" pitchFamily="49" charset="0"/>
+              </a:rPr>
+              <a:t>순위에서 이미지 및 영화제목 </a:t>
+            </a:r>
+            <a:r>
+              <a:rPr lang="ko-KR" altLang="en-US" sz="1200" dirty="0" err="1">
+                <a:latin typeface="Consolas" panose="020B0609020204030204" pitchFamily="49" charset="0"/>
+              </a:rPr>
+              <a:t>스크립</a:t>
+            </a:r>
+            <a:endParaRPr lang="ko-KR" altLang="en-US" sz="1200" dirty="0">
+              <a:latin typeface="Consolas" panose="020B0609020204030204" pitchFamily="49" charset="0"/>
+            </a:endParaRPr>
+          </a:p>
+        </p:txBody>
+      </p:sp>
+    </p:spTree>
+    <p:extLst>
+      <p:ext uri="{BB962C8B-B14F-4D97-AF65-F5344CB8AC3E}">
+        <p14:creationId xmlns:p14="http://schemas.microsoft.com/office/powerpoint/2010/main" val="1587085635"/>
+      </p:ext>
+    </p:extLst>
+  </p:cSld>
+  <p:clrMapOvr>
+    <a:masterClrMapping/>
+  </p:clrMapOvr>
+</p:sld>
+</file>
+
+<file path=ppt/slides/slide17.xml><?xml version="1.0" encoding="utf-8"?>
+<p:sld xmlns:a="http://schemas.openxmlformats.org/drawingml/2006/main" xmlns:r="http://schemas.openxmlformats.org/officeDocument/2006/relationships" xmlns:p="http://schemas.openxmlformats.org/presentationml/2006/main">
+  <p:cSld>
+    <p:spTree>
+      <p:nvGrpSpPr>
+        <p:cNvPr id="1" name=""/>
+        <p:cNvGrpSpPr/>
+        <p:nvPr/>
+      </p:nvGrpSpPr>
+      <p:grpSpPr>
+        <a:xfrm>
+          <a:off x="0" y="0"/>
+          <a:ext cx="0" cy="0"/>
+          <a:chOff x="0" y="0"/>
+          <a:chExt cx="0" cy="0"/>
+        </a:xfrm>
+      </p:grpSpPr>
+      <p:sp>
+        <p:nvSpPr>
           <p:cNvPr id="6" name="직사각형 5"/>
           <p:cNvSpPr/>
           <p:nvPr/>
         </p:nvSpPr>
         <p:spPr>
           <a:xfrm>
-            <a:off x="914400" y="1038387"/>
-            <a:ext cx="1797804" cy="4881966"/>
+            <a:off x="3458817" y="1038387"/>
+            <a:ext cx="1590261" cy="687046"/>
           </a:xfrm>
           <a:prstGeom prst="rect">
             <a:avLst/>
@@ -3293,7 +6801,7 @@
           <a:lstStyle/>
           <a:p>
             <a:r>
-              <a:rPr lang="ko-KR" altLang="en-US" sz="1000" dirty="0" smtClean="0">
+              <a:rPr lang="ko-KR" altLang="en-US" sz="1000" dirty="0">
                 <a:solidFill>
                   <a:schemeClr val="bg1">
                     <a:lumMod val="50000"/>
@@ -3304,15 +6812,6 @@
               </a:rPr>
               <a:t>클라이언트 영역</a:t>
             </a:r>
-            <a:endParaRPr lang="ko-KR" altLang="en-US" sz="1000" dirty="0">
-              <a:solidFill>
-                <a:schemeClr val="bg1">
-                  <a:lumMod val="50000"/>
-                </a:schemeClr>
-              </a:solidFill>
-              <a:latin typeface="Arial" panose="020B0604020202020204" pitchFamily="34" charset="0"/>
-              <a:cs typeface="Arial" panose="020B0604020202020204" pitchFamily="34" charset="0"/>
-            </a:endParaRPr>
           </a:p>
         </p:txBody>
       </p:sp>
@@ -3473,28 +6972,178 @@
           <a:lstStyle/>
           <a:p>
             <a:r>
-              <a:t>- 실시간 박스오피스 정보 제공</a:t>
-            </a:r>
-          </a:p>
-          <a:p>
-            <a:r>
-              <a:t>- 리뷰 작성 및 추천 기능</a:t>
-            </a:r>
-          </a:p>
-          <a:p>
-            <a:r>
-              <a:t>- 위치 기반 영화관 검색</a:t>
-            </a:r>
-          </a:p>
-          <a:p>
-            <a:r>
-              <a:t>- 유튜브 예고편 보기</a:t>
-            </a:r>
-          </a:p>
-          <a:p>
-            <a:r>
-              <a:t>- 데이터베이스를 활용한 데이터 관리 및 시각화</a:t>
-            </a:r>
+              <a:rPr dirty="0"/>
+              <a:t>- </a:t>
+            </a:r>
+            <a:r>
+              <a:rPr dirty="0" err="1"/>
+              <a:t>실시간</a:t>
+            </a:r>
+            <a:r>
+              <a:rPr dirty="0"/>
+              <a:t> </a:t>
+            </a:r>
+            <a:r>
+              <a:rPr dirty="0" err="1"/>
+              <a:t>박스오피스</a:t>
+            </a:r>
+            <a:r>
+              <a:rPr dirty="0"/>
+              <a:t> </a:t>
+            </a:r>
+            <a:r>
+              <a:rPr dirty="0" err="1"/>
+              <a:t>정보</a:t>
+            </a:r>
+            <a:r>
+              <a:rPr dirty="0"/>
+              <a:t> </a:t>
+            </a:r>
+            <a:r>
+              <a:rPr dirty="0" err="1"/>
+              <a:t>제공</a:t>
+            </a:r>
+            <a:endParaRPr dirty="0"/>
+          </a:p>
+          <a:p>
+            <a:r>
+              <a:rPr dirty="0"/>
+              <a:t>- </a:t>
+            </a:r>
+            <a:r>
+              <a:rPr dirty="0" err="1"/>
+              <a:t>리뷰</a:t>
+            </a:r>
+            <a:r>
+              <a:rPr dirty="0"/>
+              <a:t> </a:t>
+            </a:r>
+            <a:r>
+              <a:rPr dirty="0" err="1"/>
+              <a:t>작성</a:t>
+            </a:r>
+            <a:r>
+              <a:rPr dirty="0"/>
+              <a:t> 및 </a:t>
+            </a:r>
+            <a:r>
+              <a:rPr dirty="0" err="1"/>
+              <a:t>추천</a:t>
+            </a:r>
+            <a:r>
+              <a:rPr dirty="0"/>
+              <a:t> </a:t>
+            </a:r>
+            <a:r>
+              <a:rPr dirty="0" err="1"/>
+              <a:t>기능</a:t>
+            </a:r>
+            <a:endParaRPr dirty="0"/>
+          </a:p>
+          <a:p>
+            <a:r>
+              <a:rPr dirty="0"/>
+              <a:t>- </a:t>
+            </a:r>
+            <a:r>
+              <a:rPr dirty="0" err="1"/>
+              <a:t>위치</a:t>
+            </a:r>
+            <a:r>
+              <a:rPr dirty="0"/>
+              <a:t> </a:t>
+            </a:r>
+            <a:r>
+              <a:rPr dirty="0" err="1"/>
+              <a:t>기반</a:t>
+            </a:r>
+            <a:r>
+              <a:rPr dirty="0"/>
+              <a:t> </a:t>
+            </a:r>
+            <a:r>
+              <a:rPr dirty="0" err="1"/>
+              <a:t>영화관</a:t>
+            </a:r>
+            <a:r>
+              <a:rPr dirty="0"/>
+              <a:t> </a:t>
+            </a:r>
+            <a:r>
+              <a:rPr dirty="0" err="1"/>
+              <a:t>검색</a:t>
+            </a:r>
+            <a:endParaRPr dirty="0"/>
+          </a:p>
+          <a:p>
+            <a:r>
+              <a:rPr dirty="0"/>
+              <a:t>- </a:t>
+            </a:r>
+            <a:r>
+              <a:rPr dirty="0" err="1"/>
+              <a:t>유튜브</a:t>
+            </a:r>
+            <a:r>
+              <a:rPr dirty="0"/>
+              <a:t> </a:t>
+            </a:r>
+            <a:r>
+              <a:rPr dirty="0" err="1"/>
+              <a:t>예고편</a:t>
+            </a:r>
+            <a:r>
+              <a:rPr dirty="0"/>
+              <a:t> </a:t>
+            </a:r>
+            <a:r>
+              <a:rPr dirty="0" err="1"/>
+              <a:t>보기</a:t>
+            </a:r>
+            <a:endParaRPr dirty="0"/>
+          </a:p>
+          <a:p>
+            <a:r>
+              <a:rPr dirty="0"/>
+              <a:t>- </a:t>
+            </a:r>
+            <a:r>
+              <a:rPr dirty="0" err="1"/>
+              <a:t>데이터베이스를</a:t>
+            </a:r>
+            <a:r>
+              <a:rPr dirty="0"/>
+              <a:t> </a:t>
+            </a:r>
+            <a:r>
+              <a:rPr dirty="0" err="1"/>
+              <a:t>활용한</a:t>
+            </a:r>
+            <a:r>
+              <a:rPr dirty="0"/>
+              <a:t> </a:t>
+            </a:r>
+            <a:r>
+              <a:rPr dirty="0" err="1"/>
+              <a:t>데이터</a:t>
+            </a:r>
+            <a:r>
+              <a:rPr dirty="0"/>
+              <a:t> </a:t>
+            </a:r>
+            <a:r>
+              <a:rPr dirty="0" err="1"/>
+              <a:t>관리</a:t>
+            </a:r>
+            <a:r>
+              <a:rPr dirty="0"/>
+              <a:t> 및 </a:t>
+            </a:r>
+            <a:r>
+              <a:rPr dirty="0" err="1"/>
+              <a:t>시각화</a:t>
+            </a:r>
+            <a:endParaRPr dirty="0"/>
           </a:p>
         </p:txBody>
       </p:sp>
@@ -3598,14 +7247,10 @@
             </a:r>
             <a:r>
               <a:rPr dirty="0"/>
-              <a:t> API, YouTube </a:t>
-            </a:r>
-            <a:r>
-              <a:rPr dirty="0" smtClean="0"/>
-              <a:t>API</a:t>
-            </a:r>
-            <a:r>
-              <a:rPr lang="en-US" dirty="0" smtClean="0"/>
+              <a:t> API, YouTube API</a:t>
+            </a:r>
+            <a:r>
+              <a:rPr lang="en-US" dirty="0"/>
               <a:t>, </a:t>
             </a:r>
             <a:endParaRPr dirty="0"/>
@@ -3671,7 +7316,7 @@
         <p:spPr/>
         <p:txBody>
           <a:bodyPr>
-            <a:normAutofit fontScale="70000" lnSpcReduction="20000"/>
+            <a:normAutofit/>
           </a:bodyPr>
           <a:lstStyle/>
           <a:p>
@@ -3867,7 +7512,7 @@
         <p:spPr/>
         <p:txBody>
           <a:bodyPr>
-            <a:normAutofit fontScale="92500"/>
+            <a:normAutofit/>
           </a:bodyPr>
           <a:lstStyle/>
           <a:p>
@@ -4080,7 +7725,7 @@
 </file>
 
 <file path=ppt/theme/theme1.xml><?xml version="1.0" encoding="utf-8"?>
-<a:theme xmlns:a="http://schemas.openxmlformats.org/drawingml/2006/main" name="Office Theme">
+<a:theme xmlns:a="http://schemas.openxmlformats.org/drawingml/2006/main" name="Office 테마">
   <a:themeElements>
     <a:clrScheme name="Office">
       <a:dk1>
@@ -4090,44 +7735,44 @@
         <a:sysClr val="window" lastClr="FFFFFF"/>
       </a:lt1>
       <a:dk2>
-        <a:srgbClr val="1F497D"/>
+        <a:srgbClr val="0E2841"/>
       </a:dk2>
       <a:lt2>
-        <a:srgbClr val="EEECE1"/>
+        <a:srgbClr val="E8E8E8"/>
       </a:lt2>
       <a:accent1>
-        <a:srgbClr val="4F81BD"/>
+        <a:srgbClr val="156082"/>
       </a:accent1>
       <a:accent2>
-        <a:srgbClr val="C0504D"/>
+        <a:srgbClr val="E97132"/>
       </a:accent2>
       <a:accent3>
-        <a:srgbClr val="9BBB59"/>
+        <a:srgbClr val="196B24"/>
       </a:accent3>
       <a:accent4>
-        <a:srgbClr val="8064A2"/>
+        <a:srgbClr val="0F9ED5"/>
       </a:accent4>
       <a:accent5>
-        <a:srgbClr val="4BACC6"/>
+        <a:srgbClr val="A02B93"/>
       </a:accent5>
       <a:accent6>
-        <a:srgbClr val="F79646"/>
+        <a:srgbClr val="4EA72E"/>
       </a:accent6>
       <a:hlink>
-        <a:srgbClr val="0000FF"/>
+        <a:srgbClr val="467886"/>
       </a:hlink>
       <a:folHlink>
-        <a:srgbClr val="800080"/>
+        <a:srgbClr val="96607D"/>
       </a:folHlink>
     </a:clrScheme>
     <a:fontScheme name="Office">
       <a:majorFont>
-        <a:latin typeface="Calibri"/>
+        <a:latin typeface="맑은 고딕" panose="02110004020202020204"/>
         <a:ea typeface=""/>
         <a:cs typeface=""/>
-        <a:font script="Jpan" typeface="ＭＳ Ｐゴシック"/>
+        <a:font script="Jpan" typeface="游ゴシック Light"/>
         <a:font script="Hang" typeface="맑은 고딕"/>
-        <a:font script="Hans" typeface="宋体"/>
+        <a:font script="Hans" typeface="等线 Light"/>
         <a:font script="Hant" typeface="新細明體"/>
         <a:font script="Arab" typeface="Times New Roman"/>
         <a:font script="Hebr" typeface="Times New Roman"/>
@@ -4155,14 +7800,31 @@
         <a:font script="Viet" typeface="Times New Roman"/>
         <a:font script="Uigh" typeface="Microsoft Uighur"/>
         <a:font script="Geor" typeface="Sylfaen"/>
+        <a:font script="Armn" typeface="Arial"/>
+        <a:font script="Bugi" typeface="Leelawadee UI"/>
+        <a:font script="Bopo" typeface="Microsoft JhengHei"/>
+        <a:font script="Java" typeface="Javanese Text"/>
+        <a:font script="Lisu" typeface="Segoe UI"/>
+        <a:font script="Mymr" typeface="Myanmar Text"/>
+        <a:font script="Nkoo" typeface="Ebrima"/>
+        <a:font script="Olck" typeface="Nirmala UI"/>
+        <a:font script="Osma" typeface="Ebrima"/>
+        <a:font script="Phag" typeface="Phagspa"/>
+        <a:font script="Syrn" typeface="Estrangelo Edessa"/>
+        <a:font script="Syrj" typeface="Estrangelo Edessa"/>
+        <a:font script="Syre" typeface="Estrangelo Edessa"/>
+        <a:font script="Sora" typeface="Nirmala UI"/>
+        <a:font script="Tale" typeface="Microsoft Tai Le"/>
+        <a:font script="Talu" typeface="Microsoft New Tai Lue"/>
+        <a:font script="Tfng" typeface="Ebrima"/>
       </a:majorFont>
       <a:minorFont>
-        <a:latin typeface="Calibri"/>
+        <a:latin typeface="맑은 고딕" panose="02110004020202020204"/>
         <a:ea typeface=""/>
         <a:cs typeface=""/>
-        <a:font script="Jpan" typeface="ＭＳ Ｐゴシック"/>
+        <a:font script="Jpan" typeface="游ゴシック"/>
         <a:font script="Hang" typeface="맑은 고딕"/>
-        <a:font script="Hans" typeface="宋体"/>
+        <a:font script="Hans" typeface="等线"/>
         <a:font script="Hant" typeface="新細明體"/>
         <a:font script="Arab" typeface="Arial"/>
         <a:font script="Hebr" typeface="Arial"/>
@@ -4190,6 +7852,23 @@
         <a:font script="Viet" typeface="Arial"/>
         <a:font script="Uigh" typeface="Microsoft Uighur"/>
         <a:font script="Geor" typeface="Sylfaen"/>
+        <a:font script="Armn" typeface="Arial"/>
+        <a:font script="Bugi" typeface="Leelawadee UI"/>
+        <a:font script="Bopo" typeface="Microsoft JhengHei"/>
+        <a:font script="Java" typeface="Javanese Text"/>
+        <a:font script="Lisu" typeface="Segoe UI"/>
+        <a:font script="Mymr" typeface="Myanmar Text"/>
+        <a:font script="Nkoo" typeface="Ebrima"/>
+        <a:font script="Olck" typeface="Nirmala UI"/>
+        <a:font script="Osma" typeface="Ebrima"/>
+        <a:font script="Phag" typeface="Phagspa"/>
+        <a:font script="Syrn" typeface="Estrangelo Edessa"/>
+        <a:font script="Syrj" typeface="Estrangelo Edessa"/>
+        <a:font script="Syre" typeface="Estrangelo Edessa"/>
+        <a:font script="Sora" typeface="Nirmala UI"/>
+        <a:font script="Tale" typeface="Microsoft Tai Le"/>
+        <a:font script="Talu" typeface="Microsoft New Tai Lue"/>
+        <a:font script="Tfng" typeface="Ebrima"/>
       </a:minorFont>
     </a:fontScheme>
     <a:fmtScheme name="Office">
@@ -4201,180 +7880,136 @@
           <a:gsLst>
             <a:gs pos="0">
               <a:schemeClr val="phClr">
-                <a:tint val="50000"/>
-                <a:satMod val="300000"/>
+                <a:lumMod val="110000"/>
+                <a:satMod val="105000"/>
+                <a:tint val="67000"/>
               </a:schemeClr>
             </a:gs>
-            <a:gs pos="35000">
+            <a:gs pos="50000">
               <a:schemeClr val="phClr">
-                <a:tint val="37000"/>
-                <a:satMod val="300000"/>
+                <a:lumMod val="105000"/>
+                <a:satMod val="103000"/>
+                <a:tint val="73000"/>
               </a:schemeClr>
             </a:gs>
             <a:gs pos="100000">
               <a:schemeClr val="phClr">
-                <a:tint val="15000"/>
-                <a:satMod val="350000"/>
+                <a:lumMod val="105000"/>
+                <a:satMod val="109000"/>
+                <a:tint val="81000"/>
               </a:schemeClr>
             </a:gs>
           </a:gsLst>
-          <a:lin ang="16200000" scaled="1"/>
+          <a:lin ang="5400000" scaled="0"/>
         </a:gradFill>
         <a:gradFill rotWithShape="1">
           <a:gsLst>
             <a:gs pos="0">
               <a:schemeClr val="phClr">
-                <a:tint val="100000"/>
+                <a:satMod val="103000"/>
+                <a:lumMod val="102000"/>
+                <a:tint val="94000"/>
+              </a:schemeClr>
+            </a:gs>
+            <a:gs pos="50000">
+              <a:schemeClr val="phClr">
+                <a:satMod val="110000"/>
+                <a:lumMod val="100000"/>
                 <a:shade val="100000"/>
-                <a:satMod val="130000"/>
               </a:schemeClr>
             </a:gs>
             <a:gs pos="100000">
               <a:schemeClr val="phClr">
-                <a:tint val="50000"/>
-                <a:shade val="100000"/>
-                <a:satMod val="350000"/>
+                <a:lumMod val="99000"/>
+                <a:satMod val="120000"/>
+                <a:shade val="78000"/>
               </a:schemeClr>
             </a:gs>
           </a:gsLst>
-          <a:lin ang="16200000" scaled="0"/>
+          <a:lin ang="5400000" scaled="0"/>
         </a:gradFill>
       </a:fillStyleLst>
       <a:lnStyleLst>
-        <a:ln w="9525" cap="flat" cmpd="sng" algn="ctr">
+        <a:ln w="12700" cap="flat" cmpd="sng" algn="ctr">
           <a:solidFill>
-            <a:schemeClr val="phClr">
-              <a:shade val="95000"/>
-              <a:satMod val="105000"/>
-            </a:schemeClr>
+            <a:schemeClr val="phClr"/>
           </a:solidFill>
           <a:prstDash val="solid"/>
+          <a:miter lim="800000"/>
+        </a:ln>
+        <a:ln w="19050" cap="flat" cmpd="sng" algn="ctr">
+          <a:solidFill>
+            <a:schemeClr val="phClr"/>
+          </a:solidFill>
+          <a:prstDash val="solid"/>
+          <a:miter lim="800000"/>
         </a:ln>
         <a:ln w="25400" cap="flat" cmpd="sng" algn="ctr">
           <a:solidFill>
             <a:schemeClr val="phClr"/>
           </a:solidFill>
           <a:prstDash val="solid"/>
-        </a:ln>
-        <a:ln w="38100" cap="flat" cmpd="sng" algn="ctr">
-          <a:solidFill>
-            <a:schemeClr val="phClr"/>
-          </a:solidFill>
-          <a:prstDash val="solid"/>
+          <a:miter lim="800000"/>
         </a:ln>
       </a:lnStyleLst>
       <a:effectStyleLst>
         <a:effectStyle>
+          <a:effectLst/>
+        </a:effectStyle>
+        <a:effectStyle>
+          <a:effectLst/>
+        </a:effectStyle>
+        <a:effectStyle>
           <a:effectLst>
-            <a:outerShdw blurRad="40000" dist="20000" dir="5400000" rotWithShape="0">
+            <a:outerShdw blurRad="57150" dist="19050" dir="5400000" algn="ctr" rotWithShape="0">
               <a:srgbClr val="000000">
-                <a:alpha val="38000"/>
+                <a:alpha val="63000"/>
               </a:srgbClr>
             </a:outerShdw>
           </a:effectLst>
-        </a:effectStyle>
-        <a:effectStyle>
-          <a:effectLst>
-            <a:outerShdw blurRad="40000" dist="23000" dir="5400000" rotWithShape="0">
-              <a:srgbClr val="000000">
-                <a:alpha val="35000"/>
-              </a:srgbClr>
-            </a:outerShdw>
-          </a:effectLst>
-        </a:effectStyle>
-        <a:effectStyle>
-          <a:effectLst>
-            <a:outerShdw blurRad="40000" dist="23000" dir="5400000" rotWithShape="0">
-              <a:srgbClr val="000000">
-                <a:alpha val="35000"/>
-              </a:srgbClr>
-            </a:outerShdw>
-          </a:effectLst>
-          <a:scene3d>
-            <a:camera prst="orthographicFront">
-              <a:rot lat="0" lon="0" rev="0"/>
-            </a:camera>
-            <a:lightRig rig="threePt" dir="t">
-              <a:rot lat="0" lon="0" rev="1200000"/>
-            </a:lightRig>
-          </a:scene3d>
-          <a:sp3d>
-            <a:bevelT w="63500" h="25400"/>
-          </a:sp3d>
         </a:effectStyle>
       </a:effectStyleLst>
       <a:bgFillStyleLst>
         <a:solidFill>
           <a:schemeClr val="phClr"/>
         </a:solidFill>
+        <a:solidFill>
+          <a:schemeClr val="phClr">
+            <a:tint val="95000"/>
+            <a:satMod val="170000"/>
+          </a:schemeClr>
+        </a:solidFill>
         <a:gradFill rotWithShape="1">
           <a:gsLst>
             <a:gs pos="0">
               <a:schemeClr val="phClr">
-                <a:tint val="40000"/>
-                <a:satMod val="350000"/>
+                <a:tint val="93000"/>
+                <a:satMod val="150000"/>
+                <a:shade val="98000"/>
+                <a:lumMod val="102000"/>
               </a:schemeClr>
             </a:gs>
-            <a:gs pos="40000">
+            <a:gs pos="50000">
               <a:schemeClr val="phClr">
-                <a:tint val="45000"/>
-                <a:shade val="99000"/>
-                <a:satMod val="350000"/>
+                <a:tint val="98000"/>
+                <a:satMod val="130000"/>
+                <a:shade val="90000"/>
+                <a:lumMod val="103000"/>
               </a:schemeClr>
             </a:gs>
             <a:gs pos="100000">
               <a:schemeClr val="phClr">
-                <a:shade val="20000"/>
-                <a:satMod val="255000"/>
+                <a:shade val="63000"/>
+                <a:satMod val="120000"/>
               </a:schemeClr>
             </a:gs>
           </a:gsLst>
-          <a:path path="circle">
-            <a:fillToRect l="50000" t="-80000" r="50000" b="180000"/>
-          </a:path>
-        </a:gradFill>
-        <a:gradFill rotWithShape="1">
-          <a:gsLst>
-            <a:gs pos="0">
-              <a:schemeClr val="phClr">
-                <a:tint val="80000"/>
-                <a:satMod val="300000"/>
-              </a:schemeClr>
-            </a:gs>
-            <a:gs pos="100000">
-              <a:schemeClr val="phClr">
-                <a:shade val="30000"/>
-                <a:satMod val="200000"/>
-              </a:schemeClr>
-            </a:gs>
-          </a:gsLst>
-          <a:path path="circle">
-            <a:fillToRect l="50000" t="50000" r="50000" b="50000"/>
-          </a:path>
+          <a:lin ang="5400000" scaled="0"/>
         </a:gradFill>
       </a:bgFillStyleLst>
     </a:fmtScheme>
   </a:themeElements>
   <a:objectDefaults>
-    <a:spDef>
-      <a:spPr/>
-      <a:bodyPr/>
-      <a:lstStyle/>
-      <a:style>
-        <a:lnRef idx="1">
-          <a:schemeClr val="accent1"/>
-        </a:lnRef>
-        <a:fillRef idx="3">
-          <a:schemeClr val="accent1"/>
-        </a:fillRef>
-        <a:effectRef idx="2">
-          <a:schemeClr val="accent1"/>
-        </a:effectRef>
-        <a:fontRef idx="minor">
-          <a:schemeClr val="lt1"/>
-        </a:fontRef>
-      </a:style>
-    </a:spDef>
     <a:lnDef>
       <a:spPr/>
       <a:bodyPr/>
@@ -4396,5 +8031,325 @@
     </a:lnDef>
   </a:objectDefaults>
   <a:extraClrSchemeLst/>
+  <a:extLst>
+    <a:ext uri="{05A4C25C-085E-4340-85A3-A5531E510DB2}">
+      <thm15:themeFamily xmlns:thm15="http://schemas.microsoft.com/office/thememl/2012/main" name="Office Theme" id="{2E142A2C-CD16-42D6-873A-C26D2A0506FA}" vid="{1BDDFF52-6CD6-40A5-AB3C-68EB2F1E4D0A}"/>
+    </a:ext>
+  </a:extLst>
+</a:theme>
+</file>
+
+<file path=ppt/theme/theme2.xml><?xml version="1.0" encoding="utf-8"?>
+<a:theme xmlns:a="http://schemas.openxmlformats.org/drawingml/2006/main" name="Office 테마">
+  <a:themeElements>
+    <a:clrScheme name="Office">
+      <a:dk1>
+        <a:sysClr val="windowText" lastClr="000000"/>
+      </a:dk1>
+      <a:lt1>
+        <a:sysClr val="window" lastClr="FFFFFF"/>
+      </a:lt1>
+      <a:dk2>
+        <a:srgbClr val="0E2841"/>
+      </a:dk2>
+      <a:lt2>
+        <a:srgbClr val="E8E8E8"/>
+      </a:lt2>
+      <a:accent1>
+        <a:srgbClr val="156082"/>
+      </a:accent1>
+      <a:accent2>
+        <a:srgbClr val="E97132"/>
+      </a:accent2>
+      <a:accent3>
+        <a:srgbClr val="196B24"/>
+      </a:accent3>
+      <a:accent4>
+        <a:srgbClr val="0F9ED5"/>
+      </a:accent4>
+      <a:accent5>
+        <a:srgbClr val="A02B93"/>
+      </a:accent5>
+      <a:accent6>
+        <a:srgbClr val="4EA72E"/>
+      </a:accent6>
+      <a:hlink>
+        <a:srgbClr val="467886"/>
+      </a:hlink>
+      <a:folHlink>
+        <a:srgbClr val="96607D"/>
+      </a:folHlink>
+    </a:clrScheme>
+    <a:fontScheme name="Office">
+      <a:majorFont>
+        <a:latin typeface="맑은 고딕" panose="02110004020202020204"/>
+        <a:ea typeface=""/>
+        <a:cs typeface=""/>
+        <a:font script="Jpan" typeface="游ゴシック Light"/>
+        <a:font script="Hang" typeface="맑은 고딕"/>
+        <a:font script="Hans" typeface="等线 Light"/>
+        <a:font script="Hant" typeface="新細明體"/>
+        <a:font script="Arab" typeface="Times New Roman"/>
+        <a:font script="Hebr" typeface="Times New Roman"/>
+        <a:font script="Thai" typeface="Angsana New"/>
+        <a:font script="Ethi" typeface="Nyala"/>
+        <a:font script="Beng" typeface="Vrinda"/>
+        <a:font script="Gujr" typeface="Shruti"/>
+        <a:font script="Khmr" typeface="MoolBoran"/>
+        <a:font script="Knda" typeface="Tunga"/>
+        <a:font script="Guru" typeface="Raavi"/>
+        <a:font script="Cans" typeface="Euphemia"/>
+        <a:font script="Cher" typeface="Plantagenet Cherokee"/>
+        <a:font script="Yiii" typeface="Microsoft Yi Baiti"/>
+        <a:font script="Tibt" typeface="Microsoft Himalaya"/>
+        <a:font script="Thaa" typeface="MV Boli"/>
+        <a:font script="Deva" typeface="Mangal"/>
+        <a:font script="Telu" typeface="Gautami"/>
+        <a:font script="Taml" typeface="Latha"/>
+        <a:font script="Syrc" typeface="Estrangelo Edessa"/>
+        <a:font script="Orya" typeface="Kalinga"/>
+        <a:font script="Mlym" typeface="Kartika"/>
+        <a:font script="Laoo" typeface="DokChampa"/>
+        <a:font script="Sinh" typeface="Iskoola Pota"/>
+        <a:font script="Mong" typeface="Mongolian Baiti"/>
+        <a:font script="Viet" typeface="Times New Roman"/>
+        <a:font script="Uigh" typeface="Microsoft Uighur"/>
+        <a:font script="Geor" typeface="Sylfaen"/>
+        <a:font script="Armn" typeface="Arial"/>
+        <a:font script="Bugi" typeface="Leelawadee UI"/>
+        <a:font script="Bopo" typeface="Microsoft JhengHei"/>
+        <a:font script="Java" typeface="Javanese Text"/>
+        <a:font script="Lisu" typeface="Segoe UI"/>
+        <a:font script="Mymr" typeface="Myanmar Text"/>
+        <a:font script="Nkoo" typeface="Ebrima"/>
+        <a:font script="Olck" typeface="Nirmala UI"/>
+        <a:font script="Osma" typeface="Ebrima"/>
+        <a:font script="Phag" typeface="Phagspa"/>
+        <a:font script="Syrn" typeface="Estrangelo Edessa"/>
+        <a:font script="Syrj" typeface="Estrangelo Edessa"/>
+        <a:font script="Syre" typeface="Estrangelo Edessa"/>
+        <a:font script="Sora" typeface="Nirmala UI"/>
+        <a:font script="Tale" typeface="Microsoft Tai Le"/>
+        <a:font script="Talu" typeface="Microsoft New Tai Lue"/>
+        <a:font script="Tfng" typeface="Ebrima"/>
+      </a:majorFont>
+      <a:minorFont>
+        <a:latin typeface="맑은 고딕" panose="02110004020202020204"/>
+        <a:ea typeface=""/>
+        <a:cs typeface=""/>
+        <a:font script="Jpan" typeface="游ゴシック"/>
+        <a:font script="Hang" typeface="맑은 고딕"/>
+        <a:font script="Hans" typeface="等线"/>
+        <a:font script="Hant" typeface="新細明體"/>
+        <a:font script="Arab" typeface="Arial"/>
+        <a:font script="Hebr" typeface="Arial"/>
+        <a:font script="Thai" typeface="Cordia New"/>
+        <a:font script="Ethi" typeface="Nyala"/>
+        <a:font script="Beng" typeface="Vrinda"/>
+        <a:font script="Gujr" typeface="Shruti"/>
+        <a:font script="Khmr" typeface="DaunPenh"/>
+        <a:font script="Knda" typeface="Tunga"/>
+        <a:font script="Guru" typeface="Raavi"/>
+        <a:font script="Cans" typeface="Euphemia"/>
+        <a:font script="Cher" typeface="Plantagenet Cherokee"/>
+        <a:font script="Yiii" typeface="Microsoft Yi Baiti"/>
+        <a:font script="Tibt" typeface="Microsoft Himalaya"/>
+        <a:font script="Thaa" typeface="MV Boli"/>
+        <a:font script="Deva" typeface="Mangal"/>
+        <a:font script="Telu" typeface="Gautami"/>
+        <a:font script="Taml" typeface="Latha"/>
+        <a:font script="Syrc" typeface="Estrangelo Edessa"/>
+        <a:font script="Orya" typeface="Kalinga"/>
+        <a:font script="Mlym" typeface="Kartika"/>
+        <a:font script="Laoo" typeface="DokChampa"/>
+        <a:font script="Sinh" typeface="Iskoola Pota"/>
+        <a:font script="Mong" typeface="Mongolian Baiti"/>
+        <a:font script="Viet" typeface="Arial"/>
+        <a:font script="Uigh" typeface="Microsoft Uighur"/>
+        <a:font script="Geor" typeface="Sylfaen"/>
+        <a:font script="Armn" typeface="Arial"/>
+        <a:font script="Bugi" typeface="Leelawadee UI"/>
+        <a:font script="Bopo" typeface="Microsoft JhengHei"/>
+        <a:font script="Java" typeface="Javanese Text"/>
+        <a:font script="Lisu" typeface="Segoe UI"/>
+        <a:font script="Mymr" typeface="Myanmar Text"/>
+        <a:font script="Nkoo" typeface="Ebrima"/>
+        <a:font script="Olck" typeface="Nirmala UI"/>
+        <a:font script="Osma" typeface="Ebrima"/>
+        <a:font script="Phag" typeface="Phagspa"/>
+        <a:font script="Syrn" typeface="Estrangelo Edessa"/>
+        <a:font script="Syrj" typeface="Estrangelo Edessa"/>
+        <a:font script="Syre" typeface="Estrangelo Edessa"/>
+        <a:font script="Sora" typeface="Nirmala UI"/>
+        <a:font script="Tale" typeface="Microsoft Tai Le"/>
+        <a:font script="Talu" typeface="Microsoft New Tai Lue"/>
+        <a:font script="Tfng" typeface="Ebrima"/>
+      </a:minorFont>
+    </a:fontScheme>
+    <a:fmtScheme name="Office">
+      <a:fillStyleLst>
+        <a:solidFill>
+          <a:schemeClr val="phClr"/>
+        </a:solidFill>
+        <a:gradFill rotWithShape="1">
+          <a:gsLst>
+            <a:gs pos="0">
+              <a:schemeClr val="phClr">
+                <a:lumMod val="110000"/>
+                <a:satMod val="105000"/>
+                <a:tint val="67000"/>
+              </a:schemeClr>
+            </a:gs>
+            <a:gs pos="50000">
+              <a:schemeClr val="phClr">
+                <a:lumMod val="105000"/>
+                <a:satMod val="103000"/>
+                <a:tint val="73000"/>
+              </a:schemeClr>
+            </a:gs>
+            <a:gs pos="100000">
+              <a:schemeClr val="phClr">
+                <a:lumMod val="105000"/>
+                <a:satMod val="109000"/>
+                <a:tint val="81000"/>
+              </a:schemeClr>
+            </a:gs>
+          </a:gsLst>
+          <a:lin ang="5400000" scaled="0"/>
+        </a:gradFill>
+        <a:gradFill rotWithShape="1">
+          <a:gsLst>
+            <a:gs pos="0">
+              <a:schemeClr val="phClr">
+                <a:satMod val="103000"/>
+                <a:lumMod val="102000"/>
+                <a:tint val="94000"/>
+              </a:schemeClr>
+            </a:gs>
+            <a:gs pos="50000">
+              <a:schemeClr val="phClr">
+                <a:satMod val="110000"/>
+                <a:lumMod val="100000"/>
+                <a:shade val="100000"/>
+              </a:schemeClr>
+            </a:gs>
+            <a:gs pos="100000">
+              <a:schemeClr val="phClr">
+                <a:lumMod val="99000"/>
+                <a:satMod val="120000"/>
+                <a:shade val="78000"/>
+              </a:schemeClr>
+            </a:gs>
+          </a:gsLst>
+          <a:lin ang="5400000" scaled="0"/>
+        </a:gradFill>
+      </a:fillStyleLst>
+      <a:lnStyleLst>
+        <a:ln w="12700" cap="flat" cmpd="sng" algn="ctr">
+          <a:solidFill>
+            <a:schemeClr val="phClr"/>
+          </a:solidFill>
+          <a:prstDash val="solid"/>
+          <a:miter lim="800000"/>
+        </a:ln>
+        <a:ln w="19050" cap="flat" cmpd="sng" algn="ctr">
+          <a:solidFill>
+            <a:schemeClr val="phClr"/>
+          </a:solidFill>
+          <a:prstDash val="solid"/>
+          <a:miter lim="800000"/>
+        </a:ln>
+        <a:ln w="25400" cap="flat" cmpd="sng" algn="ctr">
+          <a:solidFill>
+            <a:schemeClr val="phClr"/>
+          </a:solidFill>
+          <a:prstDash val="solid"/>
+          <a:miter lim="800000"/>
+        </a:ln>
+      </a:lnStyleLst>
+      <a:effectStyleLst>
+        <a:effectStyle>
+          <a:effectLst/>
+        </a:effectStyle>
+        <a:effectStyle>
+          <a:effectLst/>
+        </a:effectStyle>
+        <a:effectStyle>
+          <a:effectLst>
+            <a:outerShdw blurRad="57150" dist="19050" dir="5400000" algn="ctr" rotWithShape="0">
+              <a:srgbClr val="000000">
+                <a:alpha val="63000"/>
+              </a:srgbClr>
+            </a:outerShdw>
+          </a:effectLst>
+        </a:effectStyle>
+      </a:effectStyleLst>
+      <a:bgFillStyleLst>
+        <a:solidFill>
+          <a:schemeClr val="phClr"/>
+        </a:solidFill>
+        <a:solidFill>
+          <a:schemeClr val="phClr">
+            <a:tint val="95000"/>
+            <a:satMod val="170000"/>
+          </a:schemeClr>
+        </a:solidFill>
+        <a:gradFill rotWithShape="1">
+          <a:gsLst>
+            <a:gs pos="0">
+              <a:schemeClr val="phClr">
+                <a:tint val="93000"/>
+                <a:satMod val="150000"/>
+                <a:shade val="98000"/>
+                <a:lumMod val="102000"/>
+              </a:schemeClr>
+            </a:gs>
+            <a:gs pos="50000">
+              <a:schemeClr val="phClr">
+                <a:tint val="98000"/>
+                <a:satMod val="130000"/>
+                <a:shade val="90000"/>
+                <a:lumMod val="103000"/>
+              </a:schemeClr>
+            </a:gs>
+            <a:gs pos="100000">
+              <a:schemeClr val="phClr">
+                <a:shade val="63000"/>
+                <a:satMod val="120000"/>
+              </a:schemeClr>
+            </a:gs>
+          </a:gsLst>
+          <a:lin ang="5400000" scaled="0"/>
+        </a:gradFill>
+      </a:bgFillStyleLst>
+    </a:fmtScheme>
+  </a:themeElements>
+  <a:objectDefaults>
+    <a:lnDef>
+      <a:spPr/>
+      <a:bodyPr/>
+      <a:lstStyle/>
+      <a:style>
+        <a:lnRef idx="2">
+          <a:schemeClr val="accent1"/>
+        </a:lnRef>
+        <a:fillRef idx="0">
+          <a:schemeClr val="accent1"/>
+        </a:fillRef>
+        <a:effectRef idx="1">
+          <a:schemeClr val="accent1"/>
+        </a:effectRef>
+        <a:fontRef idx="minor">
+          <a:schemeClr val="tx1"/>
+        </a:fontRef>
+      </a:style>
+    </a:lnDef>
+  </a:objectDefaults>
+  <a:extraClrSchemeLst/>
+  <a:extLst>
+    <a:ext uri="{05A4C25C-085E-4340-85A3-A5531E510DB2}">
+      <thm15:themeFamily xmlns:thm15="http://schemas.microsoft.com/office/thememl/2012/main" name="Office Theme" id="{2E142A2C-CD16-42D6-873A-C26D2A0506FA}" vid="{1BDDFF52-6CD6-40A5-AB3C-68EB2F1E4D0A}"/>
+    </a:ext>
+  </a:extLst>
 </a:theme>
 </file>
--- a/MovieInfoAPP_Presentation.pptx
+++ b/MovieInfoAPP_Presentation.pptx
@@ -5,7 +5,7 @@
     <p:sldMasterId id="2147483672" r:id="rId1"/>
   </p:sldMasterIdLst>
   <p:notesMasterIdLst>
-    <p:notesMasterId r:id="rId19"/>
+    <p:notesMasterId r:id="rId20"/>
   </p:notesMasterIdLst>
   <p:sldIdLst>
     <p:sldId id="256" r:id="rId2"/>
@@ -25,6 +25,7 @@
     <p:sldId id="268" r:id="rId16"/>
     <p:sldId id="269" r:id="rId17"/>
     <p:sldId id="265" r:id="rId18"/>
+    <p:sldId id="294" r:id="rId19"/>
   </p:sldIdLst>
   <p:sldSz cx="9144000" cy="6858000" type="screen4x3"/>
   <p:notesSz cx="6858000" cy="9144000"/>
@@ -224,7 +225,7 @@
           <a:p>
             <a:fld id="{24159490-6087-47EF-92D6-2E15792B0361}" type="datetimeFigureOut">
               <a:rPr lang="ko-KR" altLang="en-US" smtClean="0"/>
-              <a:t>2025-02-03</a:t>
+              <a:t>2025-02-04</a:t>
             </a:fld>
             <a:endParaRPr lang="ko-KR" altLang="en-US"/>
           </a:p>
@@ -722,7 +723,7 @@
           <a:p>
             <a:fld id="{5BCAD085-E8A6-8845-BD4E-CB4CCA059FC4}" type="datetimeFigureOut">
               <a:rPr lang="en-US" smtClean="0"/>
-              <a:t>2/3/2025</a:t>
+              <a:t>2/4/2025</a:t>
             </a:fld>
             <a:endParaRPr lang="en-US"/>
           </a:p>
@@ -920,7 +921,7 @@
           <a:p>
             <a:fld id="{5BCAD085-E8A6-8845-BD4E-CB4CCA059FC4}" type="datetimeFigureOut">
               <a:rPr lang="en-US" smtClean="0"/>
-              <a:t>2/3/2025</a:t>
+              <a:t>2/4/2025</a:t>
             </a:fld>
             <a:endParaRPr lang="en-US"/>
           </a:p>
@@ -1128,7 +1129,7 @@
           <a:p>
             <a:fld id="{5BCAD085-E8A6-8845-BD4E-CB4CCA059FC4}" type="datetimeFigureOut">
               <a:rPr lang="en-US" smtClean="0"/>
-              <a:t>2/3/2025</a:t>
+              <a:t>2/4/2025</a:t>
             </a:fld>
             <a:endParaRPr lang="en-US"/>
           </a:p>
@@ -1326,7 +1327,7 @@
           <a:p>
             <a:fld id="{5BCAD085-E8A6-8845-BD4E-CB4CCA059FC4}" type="datetimeFigureOut">
               <a:rPr lang="en-US" smtClean="0"/>
-              <a:t>2/3/2025</a:t>
+              <a:t>2/4/2025</a:t>
             </a:fld>
             <a:endParaRPr lang="en-US"/>
           </a:p>
@@ -1601,7 +1602,7 @@
           <a:p>
             <a:fld id="{5BCAD085-E8A6-8845-BD4E-CB4CCA059FC4}" type="datetimeFigureOut">
               <a:rPr lang="en-US" smtClean="0"/>
-              <a:t>2/3/2025</a:t>
+              <a:t>2/4/2025</a:t>
             </a:fld>
             <a:endParaRPr lang="en-US"/>
           </a:p>
@@ -1866,7 +1867,7 @@
           <a:p>
             <a:fld id="{5BCAD085-E8A6-8845-BD4E-CB4CCA059FC4}" type="datetimeFigureOut">
               <a:rPr lang="en-US" smtClean="0"/>
-              <a:t>2/3/2025</a:t>
+              <a:t>2/4/2025</a:t>
             </a:fld>
             <a:endParaRPr lang="en-US"/>
           </a:p>
@@ -2278,7 +2279,7 @@
           <a:p>
             <a:fld id="{5BCAD085-E8A6-8845-BD4E-CB4CCA059FC4}" type="datetimeFigureOut">
               <a:rPr lang="en-US" smtClean="0"/>
-              <a:t>2/3/2025</a:t>
+              <a:t>2/4/2025</a:t>
             </a:fld>
             <a:endParaRPr lang="en-US"/>
           </a:p>
@@ -2419,7 +2420,7 @@
           <a:p>
             <a:fld id="{5BCAD085-E8A6-8845-BD4E-CB4CCA059FC4}" type="datetimeFigureOut">
               <a:rPr lang="en-US" smtClean="0"/>
-              <a:t>2/3/2025</a:t>
+              <a:t>2/4/2025</a:t>
             </a:fld>
             <a:endParaRPr lang="en-US"/>
           </a:p>
@@ -2532,7 +2533,7 @@
           <a:p>
             <a:fld id="{5BCAD085-E8A6-8845-BD4E-CB4CCA059FC4}" type="datetimeFigureOut">
               <a:rPr lang="en-US" smtClean="0"/>
-              <a:t>2/3/2025</a:t>
+              <a:t>2/4/2025</a:t>
             </a:fld>
             <a:endParaRPr lang="en-US"/>
           </a:p>
@@ -2843,7 +2844,7 @@
           <a:p>
             <a:fld id="{5BCAD085-E8A6-8845-BD4E-CB4CCA059FC4}" type="datetimeFigureOut">
               <a:rPr lang="en-US" smtClean="0"/>
-              <a:t>2/3/2025</a:t>
+              <a:t>2/4/2025</a:t>
             </a:fld>
             <a:endParaRPr lang="en-US"/>
           </a:p>
@@ -3131,7 +3132,7 @@
           <a:p>
             <a:fld id="{5BCAD085-E8A6-8845-BD4E-CB4CCA059FC4}" type="datetimeFigureOut">
               <a:rPr lang="en-US" smtClean="0"/>
-              <a:t>2/3/2025</a:t>
+              <a:t>2/4/2025</a:t>
             </a:fld>
             <a:endParaRPr lang="en-US"/>
           </a:p>
@@ -3372,7 +3373,7 @@
           <a:p>
             <a:fld id="{5BCAD085-E8A6-8845-BD4E-CB4CCA059FC4}" type="datetimeFigureOut">
               <a:rPr lang="en-US" smtClean="0"/>
-              <a:t>2/3/2025</a:t>
+              <a:t>2/4/2025</a:t>
             </a:fld>
             <a:endParaRPr lang="en-US"/>
           </a:p>
@@ -6819,6 +6820,173 @@
     <p:extLst>
       <p:ext uri="{BB962C8B-B14F-4D97-AF65-F5344CB8AC3E}">
         <p14:creationId xmlns:p14="http://schemas.microsoft.com/office/powerpoint/2010/main" val="1031637692"/>
+      </p:ext>
+    </p:extLst>
+  </p:cSld>
+  <p:clrMapOvr>
+    <a:masterClrMapping/>
+  </p:clrMapOvr>
+</p:sld>
+</file>
+
+<file path=ppt/slides/slide18.xml><?xml version="1.0" encoding="utf-8"?>
+<p:sld xmlns:a="http://schemas.openxmlformats.org/drawingml/2006/main" xmlns:r="http://schemas.openxmlformats.org/officeDocument/2006/relationships" xmlns:p="http://schemas.openxmlformats.org/presentationml/2006/main">
+  <p:cSld>
+    <p:spTree>
+      <p:nvGrpSpPr>
+        <p:cNvPr id="1" name=""/>
+        <p:cNvGrpSpPr/>
+        <p:nvPr/>
+      </p:nvGrpSpPr>
+      <p:grpSpPr>
+        <a:xfrm>
+          <a:off x="0" y="0"/>
+          <a:ext cx="0" cy="0"/>
+          <a:chOff x="0" y="0"/>
+          <a:chExt cx="0" cy="0"/>
+        </a:xfrm>
+      </p:grpSpPr>
+      <p:pic>
+        <p:nvPicPr>
+          <p:cNvPr id="3" name="그림 2">
+            <a:extLst>
+              <a:ext uri="{FF2B5EF4-FFF2-40B4-BE49-F238E27FC236}">
+                <a16:creationId xmlns:a16="http://schemas.microsoft.com/office/drawing/2014/main" id="{01DF13C2-E6F2-5405-45D3-0CB573EEA848}"/>
+              </a:ext>
+            </a:extLst>
+          </p:cNvPr>
+          <p:cNvPicPr>
+            <a:picLocks noChangeAspect="1"/>
+          </p:cNvPicPr>
+          <p:nvPr/>
+        </p:nvPicPr>
+        <p:blipFill>
+          <a:blip r:embed="rId2"/>
+          <a:stretch>
+            <a:fillRect/>
+          </a:stretch>
+        </p:blipFill>
+        <p:spPr>
+          <a:xfrm>
+            <a:off x="1335820" y="1084384"/>
+            <a:ext cx="6194066" cy="2759143"/>
+          </a:xfrm>
+          <a:prstGeom prst="rect">
+            <a:avLst/>
+          </a:prstGeom>
+        </p:spPr>
+      </p:pic>
+      <p:pic>
+        <p:nvPicPr>
+          <p:cNvPr id="5" name="그림 4">
+            <a:extLst>
+              <a:ext uri="{FF2B5EF4-FFF2-40B4-BE49-F238E27FC236}">
+                <a16:creationId xmlns:a16="http://schemas.microsoft.com/office/drawing/2014/main" id="{CA1ED7CD-A007-A13E-0EFF-EAA2C17AD3BA}"/>
+              </a:ext>
+            </a:extLst>
+          </p:cNvPr>
+          <p:cNvPicPr>
+            <a:picLocks noChangeAspect="1"/>
+          </p:cNvPicPr>
+          <p:nvPr/>
+        </p:nvPicPr>
+        <p:blipFill>
+          <a:blip r:embed="rId3"/>
+          <a:stretch>
+            <a:fillRect/>
+          </a:stretch>
+        </p:blipFill>
+        <p:spPr>
+          <a:xfrm>
+            <a:off x="2639832" y="2159435"/>
+            <a:ext cx="5570717" cy="3660340"/>
+          </a:xfrm>
+          <a:prstGeom prst="rect">
+            <a:avLst/>
+          </a:prstGeom>
+        </p:spPr>
+      </p:pic>
+      <p:pic>
+        <p:nvPicPr>
+          <p:cNvPr id="9" name="그림 8">
+            <a:extLst>
+              <a:ext uri="{FF2B5EF4-FFF2-40B4-BE49-F238E27FC236}">
+                <a16:creationId xmlns:a16="http://schemas.microsoft.com/office/drawing/2014/main" id="{56A43680-ECF1-C357-2C5B-5559FB7C9CDF}"/>
+              </a:ext>
+            </a:extLst>
+          </p:cNvPr>
+          <p:cNvPicPr>
+            <a:picLocks noChangeAspect="1"/>
+          </p:cNvPicPr>
+          <p:nvPr/>
+        </p:nvPicPr>
+        <p:blipFill>
+          <a:blip r:embed="rId4"/>
+          <a:stretch>
+            <a:fillRect/>
+          </a:stretch>
+        </p:blipFill>
+        <p:spPr>
+          <a:xfrm>
+            <a:off x="2475836" y="3074627"/>
+            <a:ext cx="5332344" cy="3576056"/>
+          </a:xfrm>
+          <a:prstGeom prst="rect">
+            <a:avLst/>
+          </a:prstGeom>
+        </p:spPr>
+      </p:pic>
+      <p:sp>
+        <p:nvSpPr>
+          <p:cNvPr id="10" name="TextBox 9">
+            <a:extLst>
+              <a:ext uri="{FF2B5EF4-FFF2-40B4-BE49-F238E27FC236}">
+                <a16:creationId xmlns:a16="http://schemas.microsoft.com/office/drawing/2014/main" id="{5879BDB3-8847-97B6-07FA-F12110DD180F}"/>
+              </a:ext>
+            </a:extLst>
+          </p:cNvPr>
+          <p:cNvSpPr txBox="1"/>
+          <p:nvPr/>
+        </p:nvSpPr>
+        <p:spPr>
+          <a:xfrm>
+            <a:off x="1765190" y="556591"/>
+            <a:ext cx="6654386" cy="369332"/>
+          </a:xfrm>
+          <a:prstGeom prst="rect">
+            <a:avLst/>
+          </a:prstGeom>
+          <a:noFill/>
+        </p:spPr>
+        <p:txBody>
+          <a:bodyPr wrap="none" rtlCol="0">
+            <a:spAutoFit/>
+          </a:bodyPr>
+          <a:lstStyle/>
+          <a:p>
+            <a:r>
+              <a:rPr lang="ko-KR" altLang="en-US" dirty="0"/>
+              <a:t>사용자 공인 </a:t>
+            </a:r>
+            <a:r>
+              <a:rPr lang="en-US" altLang="ko-KR" dirty="0" err="1"/>
+              <a:t>ip</a:t>
+            </a:r>
+            <a:r>
+              <a:rPr lang="en-US" altLang="ko-KR" dirty="0"/>
+              <a:t> </a:t>
+            </a:r>
+            <a:r>
+              <a:rPr lang="ko-KR" altLang="en-US" dirty="0"/>
+              <a:t>가져와서 위치 찾아서 근처 위치 지도 보여주기</a:t>
+            </a:r>
+          </a:p>
+        </p:txBody>
+      </p:sp>
+    </p:spTree>
+    <p:extLst>
+      <p:ext uri="{BB962C8B-B14F-4D97-AF65-F5344CB8AC3E}">
+        <p14:creationId xmlns:p14="http://schemas.microsoft.com/office/powerpoint/2010/main" val="2895650580"/>
       </p:ext>
     </p:extLst>
   </p:cSld>
